--- a/Day_2/Lectures/Day_2_Lecture_2_Data_Readiness_for_AI_ML_CheckList.pptx
+++ b/Day_2/Lectures/Day_2_Lecture_2_Data_Readiness_for_AI_ML_CheckList.pptx
@@ -31082,6 +31082,285 @@
 </file>
 
 <file path=ppt/theme/theme3.xml><?xml version="1.0" encoding="utf-8"?>
+<a:theme xmlns:a="http://schemas.openxmlformats.org/drawingml/2006/main" xmlns:r="http://schemas.openxmlformats.org/officeDocument/2006/relationships" name="Simple Light">
+  <a:themeElements>
+    <a:clrScheme name="Simple Light">
+      <a:dk1>
+        <a:srgbClr val="000000"/>
+      </a:dk1>
+      <a:lt1>
+        <a:srgbClr val="FFFFFF"/>
+      </a:lt1>
+      <a:dk2>
+        <a:srgbClr val="595959"/>
+      </a:dk2>
+      <a:lt2>
+        <a:srgbClr val="EEEEEE"/>
+      </a:lt2>
+      <a:accent1>
+        <a:srgbClr val="4285F4"/>
+      </a:accent1>
+      <a:accent2>
+        <a:srgbClr val="212121"/>
+      </a:accent2>
+      <a:accent3>
+        <a:srgbClr val="78909C"/>
+      </a:accent3>
+      <a:accent4>
+        <a:srgbClr val="FFAB40"/>
+      </a:accent4>
+      <a:accent5>
+        <a:srgbClr val="0097A7"/>
+      </a:accent5>
+      <a:accent6>
+        <a:srgbClr val="EEFF41"/>
+      </a:accent6>
+      <a:hlink>
+        <a:srgbClr val="0097A7"/>
+      </a:hlink>
+      <a:folHlink>
+        <a:srgbClr val="0097A7"/>
+      </a:folHlink>
+    </a:clrScheme>
+    <a:fontScheme name="Office">
+      <a:majorFont>
+        <a:latin typeface="Arial"/>
+        <a:ea typeface=""/>
+        <a:cs typeface=""/>
+        <a:font script="Jpan" typeface="ＭＳ Ｐゴシック"/>
+        <a:font script="Hang" typeface="맑은 고딕"/>
+        <a:font script="Hans" typeface="宋体"/>
+        <a:font script="Hant" typeface="新細明體"/>
+        <a:font script="Arab" typeface="Times New Roman"/>
+        <a:font script="Hebr" typeface="Times New Roman"/>
+        <a:font script="Thai" typeface="Angsana New"/>
+        <a:font script="Ethi" typeface="Nyala"/>
+        <a:font script="Beng" typeface="Vrinda"/>
+        <a:font script="Gujr" typeface="Shruti"/>
+        <a:font script="Khmr" typeface="MoolBoran"/>
+        <a:font script="Knda" typeface="Tunga"/>
+        <a:font script="Guru" typeface="Raavi"/>
+        <a:font script="Cans" typeface="Euphemia"/>
+        <a:font script="Cher" typeface="Plantagenet Cherokee"/>
+        <a:font script="Yiii" typeface="Microsoft Yi Baiti"/>
+        <a:font script="Tibt" typeface="Microsoft Himalaya"/>
+        <a:font script="Thaa" typeface="MV Boli"/>
+        <a:font script="Deva" typeface="Mangal"/>
+        <a:font script="Telu" typeface="Gautami"/>
+        <a:font script="Taml" typeface="Latha"/>
+        <a:font script="Syrc" typeface="Estrangelo Edessa"/>
+        <a:font script="Orya" typeface="Kalinga"/>
+        <a:font script="Mlym" typeface="Kartika"/>
+        <a:font script="Laoo" typeface="DokChampa"/>
+        <a:font script="Sinh" typeface="Iskoola Pota"/>
+        <a:font script="Mong" typeface="Mongolian Baiti"/>
+        <a:font script="Viet" typeface="Times New Roman"/>
+        <a:font script="Uigh" typeface="Microsoft Uighur"/>
+        <a:font script="Geor" typeface="Sylfaen"/>
+      </a:majorFont>
+      <a:minorFont>
+        <a:latin typeface="Arial"/>
+        <a:ea typeface=""/>
+        <a:cs typeface=""/>
+        <a:font script="Jpan" typeface="ＭＳ Ｐゴシック"/>
+        <a:font script="Hang" typeface="맑은 고딕"/>
+        <a:font script="Hans" typeface="宋体"/>
+        <a:font script="Hant" typeface="新細明體"/>
+        <a:font script="Arab" typeface="Arial"/>
+        <a:font script="Hebr" typeface="Arial"/>
+        <a:font script="Thai" typeface="Cordia New"/>
+        <a:font script="Ethi" typeface="Nyala"/>
+        <a:font script="Beng" typeface="Vrinda"/>
+        <a:font script="Gujr" typeface="Shruti"/>
+        <a:font script="Khmr" typeface="DaunPenh"/>
+        <a:font script="Knda" typeface="Tunga"/>
+        <a:font script="Guru" typeface="Raavi"/>
+        <a:font script="Cans" typeface="Euphemia"/>
+        <a:font script="Cher" typeface="Plantagenet Cherokee"/>
+        <a:font script="Yiii" typeface="Microsoft Yi Baiti"/>
+        <a:font script="Tibt" typeface="Microsoft Himalaya"/>
+        <a:font script="Thaa" typeface="MV Boli"/>
+        <a:font script="Deva" typeface="Mangal"/>
+        <a:font script="Telu" typeface="Gautami"/>
+        <a:font script="Taml" typeface="Latha"/>
+        <a:font script="Syrc" typeface="Estrangelo Edessa"/>
+        <a:font script="Orya" typeface="Kalinga"/>
+        <a:font script="Mlym" typeface="Kartika"/>
+        <a:font script="Laoo" typeface="DokChampa"/>
+        <a:font script="Sinh" typeface="Iskoola Pota"/>
+        <a:font script="Mong" typeface="Mongolian Baiti"/>
+        <a:font script="Viet" typeface="Arial"/>
+        <a:font script="Uigh" typeface="Microsoft Uighur"/>
+        <a:font script="Geor" typeface="Sylfaen"/>
+      </a:minorFont>
+    </a:fontScheme>
+    <a:fmtScheme name="Office">
+      <a:fillStyleLst>
+        <a:solidFill>
+          <a:schemeClr val="phClr"/>
+        </a:solidFill>
+        <a:gradFill rotWithShape="1">
+          <a:gsLst>
+            <a:gs pos="0">
+              <a:schemeClr val="phClr">
+                <a:tint val="50000"/>
+                <a:satMod val="300000"/>
+              </a:schemeClr>
+            </a:gs>
+            <a:gs pos="35000">
+              <a:schemeClr val="phClr">
+                <a:tint val="37000"/>
+                <a:satMod val="300000"/>
+              </a:schemeClr>
+            </a:gs>
+            <a:gs pos="100000">
+              <a:schemeClr val="phClr">
+                <a:tint val="15000"/>
+                <a:satMod val="350000"/>
+              </a:schemeClr>
+            </a:gs>
+          </a:gsLst>
+          <a:lin ang="16200000" scaled="1"/>
+        </a:gradFill>
+        <a:gradFill rotWithShape="1">
+          <a:gsLst>
+            <a:gs pos="0">
+              <a:schemeClr val="phClr">
+                <a:tint val="100000"/>
+                <a:shade val="100000"/>
+                <a:satMod val="130000"/>
+              </a:schemeClr>
+            </a:gs>
+            <a:gs pos="100000">
+              <a:schemeClr val="phClr">
+                <a:tint val="50000"/>
+                <a:shade val="100000"/>
+                <a:satMod val="350000"/>
+              </a:schemeClr>
+            </a:gs>
+          </a:gsLst>
+          <a:lin ang="16200000" scaled="0"/>
+        </a:gradFill>
+      </a:fillStyleLst>
+      <a:lnStyleLst>
+        <a:ln w="9525" cap="flat" cmpd="sng" algn="ctr">
+          <a:solidFill>
+            <a:schemeClr val="phClr">
+              <a:shade val="95000"/>
+              <a:satMod val="105000"/>
+            </a:schemeClr>
+          </a:solidFill>
+          <a:prstDash val="solid"/>
+        </a:ln>
+        <a:ln w="25400" cap="flat" cmpd="sng" algn="ctr">
+          <a:solidFill>
+            <a:schemeClr val="phClr"/>
+          </a:solidFill>
+          <a:prstDash val="solid"/>
+        </a:ln>
+        <a:ln w="38100" cap="flat" cmpd="sng" algn="ctr">
+          <a:solidFill>
+            <a:schemeClr val="phClr"/>
+          </a:solidFill>
+          <a:prstDash val="solid"/>
+        </a:ln>
+      </a:lnStyleLst>
+      <a:effectStyleLst>
+        <a:effectStyle>
+          <a:effectLst>
+            <a:outerShdw blurRad="40000" dist="20000" dir="5400000" rotWithShape="0">
+              <a:srgbClr val="000000">
+                <a:alpha val="38000"/>
+              </a:srgbClr>
+            </a:outerShdw>
+          </a:effectLst>
+        </a:effectStyle>
+        <a:effectStyle>
+          <a:effectLst>
+            <a:outerShdw blurRad="40000" dist="23000" dir="5400000" rotWithShape="0">
+              <a:srgbClr val="000000">
+                <a:alpha val="35000"/>
+              </a:srgbClr>
+            </a:outerShdw>
+          </a:effectLst>
+        </a:effectStyle>
+        <a:effectStyle>
+          <a:effectLst>
+            <a:outerShdw blurRad="40000" dist="23000" dir="5400000" rotWithShape="0">
+              <a:srgbClr val="000000">
+                <a:alpha val="35000"/>
+              </a:srgbClr>
+            </a:outerShdw>
+          </a:effectLst>
+          <a:scene3d>
+            <a:camera prst="orthographicFront">
+              <a:rot lat="0" lon="0" rev="0"/>
+            </a:camera>
+            <a:lightRig rig="threePt" dir="t">
+              <a:rot lat="0" lon="0" rev="1200000"/>
+            </a:lightRig>
+          </a:scene3d>
+          <a:sp3d>
+            <a:bevelT w="63500" h="25400"/>
+          </a:sp3d>
+        </a:effectStyle>
+      </a:effectStyleLst>
+      <a:bgFillStyleLst>
+        <a:solidFill>
+          <a:schemeClr val="phClr"/>
+        </a:solidFill>
+        <a:gradFill rotWithShape="1">
+          <a:gsLst>
+            <a:gs pos="0">
+              <a:schemeClr val="phClr">
+                <a:tint val="40000"/>
+                <a:satMod val="350000"/>
+              </a:schemeClr>
+            </a:gs>
+            <a:gs pos="40000">
+              <a:schemeClr val="phClr">
+                <a:tint val="45000"/>
+                <a:shade val="99000"/>
+                <a:satMod val="350000"/>
+              </a:schemeClr>
+            </a:gs>
+            <a:gs pos="100000">
+              <a:schemeClr val="phClr">
+                <a:shade val="20000"/>
+                <a:satMod val="255000"/>
+              </a:schemeClr>
+            </a:gs>
+          </a:gsLst>
+          <a:path path="circle">
+            <a:fillToRect l="50000" t="-80000" r="50000" b="180000"/>
+          </a:path>
+        </a:gradFill>
+        <a:gradFill rotWithShape="1">
+          <a:gsLst>
+            <a:gs pos="0">
+              <a:schemeClr val="phClr">
+                <a:tint val="80000"/>
+                <a:satMod val="300000"/>
+              </a:schemeClr>
+            </a:gs>
+            <a:gs pos="100000">
+              <a:schemeClr val="phClr">
+                <a:shade val="30000"/>
+                <a:satMod val="200000"/>
+              </a:schemeClr>
+            </a:gs>
+          </a:gsLst>
+          <a:path path="circle">
+            <a:fillToRect l="50000" t="50000" r="50000" b="50000"/>
+          </a:path>
+        </a:gradFill>
+      </a:bgFillStyleLst>
+    </a:fmtScheme>
+  </a:themeElements>
+</a:theme>
+</file>
+
+<file path=ppt/theme/theme4.xml><?xml version="1.0" encoding="utf-8"?>
 <a:theme xmlns:a="http://schemas.openxmlformats.org/drawingml/2006/main" xmlns:r="http://schemas.openxmlformats.org/officeDocument/2006/relationships">
   <a:themeElements>
     <a:clrScheme name="Default">
@@ -31358,283 +31637,4 @@
     </a:fmtScheme>
   </a:themeElements>
 </a:theme>
-</file>
-
-<file path=ppt/theme/theme4.xml><?xml version="1.0" encoding="utf-8"?>
-<a:theme xmlns:a="http://schemas.openxmlformats.org/drawingml/2006/main" xmlns:r="http://schemas.openxmlformats.org/officeDocument/2006/relationships" name="Simple Light">
-  <a:themeElements>
-    <a:clrScheme name="Simple Light">
-      <a:dk1>
-        <a:srgbClr val="000000"/>
-      </a:dk1>
-      <a:lt1>
-        <a:srgbClr val="FFFFFF"/>
-      </a:lt1>
-      <a:dk2>
-        <a:srgbClr val="595959"/>
-      </a:dk2>
-      <a:lt2>
-        <a:srgbClr val="EEEEEE"/>
-      </a:lt2>
-      <a:accent1>
-        <a:srgbClr val="4285F4"/>
-      </a:accent1>
-      <a:accent2>
-        <a:srgbClr val="212121"/>
-      </a:accent2>
-      <a:accent3>
-        <a:srgbClr val="78909C"/>
-      </a:accent3>
-      <a:accent4>
-        <a:srgbClr val="FFAB40"/>
-      </a:accent4>
-      <a:accent5>
-        <a:srgbClr val="0097A7"/>
-      </a:accent5>
-      <a:accent6>
-        <a:srgbClr val="EEFF41"/>
-      </a:accent6>
-      <a:hlink>
-        <a:srgbClr val="0097A7"/>
-      </a:hlink>
-      <a:folHlink>
-        <a:srgbClr val="0097A7"/>
-      </a:folHlink>
-    </a:clrScheme>
-    <a:fontScheme name="Office">
-      <a:majorFont>
-        <a:latin typeface="Arial"/>
-        <a:ea typeface=""/>
-        <a:cs typeface=""/>
-        <a:font script="Jpan" typeface="ＭＳ Ｐゴシック"/>
-        <a:font script="Hang" typeface="맑은 고딕"/>
-        <a:font script="Hans" typeface="宋体"/>
-        <a:font script="Hant" typeface="新細明體"/>
-        <a:font script="Arab" typeface="Times New Roman"/>
-        <a:font script="Hebr" typeface="Times New Roman"/>
-        <a:font script="Thai" typeface="Angsana New"/>
-        <a:font script="Ethi" typeface="Nyala"/>
-        <a:font script="Beng" typeface="Vrinda"/>
-        <a:font script="Gujr" typeface="Shruti"/>
-        <a:font script="Khmr" typeface="MoolBoran"/>
-        <a:font script="Knda" typeface="Tunga"/>
-        <a:font script="Guru" typeface="Raavi"/>
-        <a:font script="Cans" typeface="Euphemia"/>
-        <a:font script="Cher" typeface="Plantagenet Cherokee"/>
-        <a:font script="Yiii" typeface="Microsoft Yi Baiti"/>
-        <a:font script="Tibt" typeface="Microsoft Himalaya"/>
-        <a:font script="Thaa" typeface="MV Boli"/>
-        <a:font script="Deva" typeface="Mangal"/>
-        <a:font script="Telu" typeface="Gautami"/>
-        <a:font script="Taml" typeface="Latha"/>
-        <a:font script="Syrc" typeface="Estrangelo Edessa"/>
-        <a:font script="Orya" typeface="Kalinga"/>
-        <a:font script="Mlym" typeface="Kartika"/>
-        <a:font script="Laoo" typeface="DokChampa"/>
-        <a:font script="Sinh" typeface="Iskoola Pota"/>
-        <a:font script="Mong" typeface="Mongolian Baiti"/>
-        <a:font script="Viet" typeface="Times New Roman"/>
-        <a:font script="Uigh" typeface="Microsoft Uighur"/>
-        <a:font script="Geor" typeface="Sylfaen"/>
-      </a:majorFont>
-      <a:minorFont>
-        <a:latin typeface="Arial"/>
-        <a:ea typeface=""/>
-        <a:cs typeface=""/>
-        <a:font script="Jpan" typeface="ＭＳ Ｐゴシック"/>
-        <a:font script="Hang" typeface="맑은 고딕"/>
-        <a:font script="Hans" typeface="宋体"/>
-        <a:font script="Hant" typeface="新細明體"/>
-        <a:font script="Arab" typeface="Arial"/>
-        <a:font script="Hebr" typeface="Arial"/>
-        <a:font script="Thai" typeface="Cordia New"/>
-        <a:font script="Ethi" typeface="Nyala"/>
-        <a:font script="Beng" typeface="Vrinda"/>
-        <a:font script="Gujr" typeface="Shruti"/>
-        <a:font script="Khmr" typeface="DaunPenh"/>
-        <a:font script="Knda" typeface="Tunga"/>
-        <a:font script="Guru" typeface="Raavi"/>
-        <a:font script="Cans" typeface="Euphemia"/>
-        <a:font script="Cher" typeface="Plantagenet Cherokee"/>
-        <a:font script="Yiii" typeface="Microsoft Yi Baiti"/>
-        <a:font script="Tibt" typeface="Microsoft Himalaya"/>
-        <a:font script="Thaa" typeface="MV Boli"/>
-        <a:font script="Deva" typeface="Mangal"/>
-        <a:font script="Telu" typeface="Gautami"/>
-        <a:font script="Taml" typeface="Latha"/>
-        <a:font script="Syrc" typeface="Estrangelo Edessa"/>
-        <a:font script="Orya" typeface="Kalinga"/>
-        <a:font script="Mlym" typeface="Kartika"/>
-        <a:font script="Laoo" typeface="DokChampa"/>
-        <a:font script="Sinh" typeface="Iskoola Pota"/>
-        <a:font script="Mong" typeface="Mongolian Baiti"/>
-        <a:font script="Viet" typeface="Arial"/>
-        <a:font script="Uigh" typeface="Microsoft Uighur"/>
-        <a:font script="Geor" typeface="Sylfaen"/>
-      </a:minorFont>
-    </a:fontScheme>
-    <a:fmtScheme name="Office">
-      <a:fillStyleLst>
-        <a:solidFill>
-          <a:schemeClr val="phClr"/>
-        </a:solidFill>
-        <a:gradFill rotWithShape="1">
-          <a:gsLst>
-            <a:gs pos="0">
-              <a:schemeClr val="phClr">
-                <a:tint val="50000"/>
-                <a:satMod val="300000"/>
-              </a:schemeClr>
-            </a:gs>
-            <a:gs pos="35000">
-              <a:schemeClr val="phClr">
-                <a:tint val="37000"/>
-                <a:satMod val="300000"/>
-              </a:schemeClr>
-            </a:gs>
-            <a:gs pos="100000">
-              <a:schemeClr val="phClr">
-                <a:tint val="15000"/>
-                <a:satMod val="350000"/>
-              </a:schemeClr>
-            </a:gs>
-          </a:gsLst>
-          <a:lin ang="16200000" scaled="1"/>
-        </a:gradFill>
-        <a:gradFill rotWithShape="1">
-          <a:gsLst>
-            <a:gs pos="0">
-              <a:schemeClr val="phClr">
-                <a:tint val="100000"/>
-                <a:shade val="100000"/>
-                <a:satMod val="130000"/>
-              </a:schemeClr>
-            </a:gs>
-            <a:gs pos="100000">
-              <a:schemeClr val="phClr">
-                <a:tint val="50000"/>
-                <a:shade val="100000"/>
-                <a:satMod val="350000"/>
-              </a:schemeClr>
-            </a:gs>
-          </a:gsLst>
-          <a:lin ang="16200000" scaled="0"/>
-        </a:gradFill>
-      </a:fillStyleLst>
-      <a:lnStyleLst>
-        <a:ln w="9525" cap="flat" cmpd="sng" algn="ctr">
-          <a:solidFill>
-            <a:schemeClr val="phClr">
-              <a:shade val="95000"/>
-              <a:satMod val="105000"/>
-            </a:schemeClr>
-          </a:solidFill>
-          <a:prstDash val="solid"/>
-        </a:ln>
-        <a:ln w="25400" cap="flat" cmpd="sng" algn="ctr">
-          <a:solidFill>
-            <a:schemeClr val="phClr"/>
-          </a:solidFill>
-          <a:prstDash val="solid"/>
-        </a:ln>
-        <a:ln w="38100" cap="flat" cmpd="sng" algn="ctr">
-          <a:solidFill>
-            <a:schemeClr val="phClr"/>
-          </a:solidFill>
-          <a:prstDash val="solid"/>
-        </a:ln>
-      </a:lnStyleLst>
-      <a:effectStyleLst>
-        <a:effectStyle>
-          <a:effectLst>
-            <a:outerShdw blurRad="40000" dist="20000" dir="5400000" rotWithShape="0">
-              <a:srgbClr val="000000">
-                <a:alpha val="38000"/>
-              </a:srgbClr>
-            </a:outerShdw>
-          </a:effectLst>
-        </a:effectStyle>
-        <a:effectStyle>
-          <a:effectLst>
-            <a:outerShdw blurRad="40000" dist="23000" dir="5400000" rotWithShape="0">
-              <a:srgbClr val="000000">
-                <a:alpha val="35000"/>
-              </a:srgbClr>
-            </a:outerShdw>
-          </a:effectLst>
-        </a:effectStyle>
-        <a:effectStyle>
-          <a:effectLst>
-            <a:outerShdw blurRad="40000" dist="23000" dir="5400000" rotWithShape="0">
-              <a:srgbClr val="000000">
-                <a:alpha val="35000"/>
-              </a:srgbClr>
-            </a:outerShdw>
-          </a:effectLst>
-          <a:scene3d>
-            <a:camera prst="orthographicFront">
-              <a:rot lat="0" lon="0" rev="0"/>
-            </a:camera>
-            <a:lightRig rig="threePt" dir="t">
-              <a:rot lat="0" lon="0" rev="1200000"/>
-            </a:lightRig>
-          </a:scene3d>
-          <a:sp3d>
-            <a:bevelT w="63500" h="25400"/>
-          </a:sp3d>
-        </a:effectStyle>
-      </a:effectStyleLst>
-      <a:bgFillStyleLst>
-        <a:solidFill>
-          <a:schemeClr val="phClr"/>
-        </a:solidFill>
-        <a:gradFill rotWithShape="1">
-          <a:gsLst>
-            <a:gs pos="0">
-              <a:schemeClr val="phClr">
-                <a:tint val="40000"/>
-                <a:satMod val="350000"/>
-              </a:schemeClr>
-            </a:gs>
-            <a:gs pos="40000">
-              <a:schemeClr val="phClr">
-                <a:tint val="45000"/>
-                <a:shade val="99000"/>
-                <a:satMod val="350000"/>
-              </a:schemeClr>
-            </a:gs>
-            <a:gs pos="100000">
-              <a:schemeClr val="phClr">
-                <a:shade val="20000"/>
-                <a:satMod val="255000"/>
-              </a:schemeClr>
-            </a:gs>
-          </a:gsLst>
-          <a:path path="circle">
-            <a:fillToRect l="50000" t="-80000" r="50000" b="180000"/>
-          </a:path>
-        </a:gradFill>
-        <a:gradFill rotWithShape="1">
-          <a:gsLst>
-            <a:gs pos="0">
-              <a:schemeClr val="phClr">
-                <a:tint val="80000"/>
-                <a:satMod val="300000"/>
-              </a:schemeClr>
-            </a:gs>
-            <a:gs pos="100000">
-              <a:schemeClr val="phClr">
-                <a:shade val="30000"/>
-                <a:satMod val="200000"/>
-              </a:schemeClr>
-            </a:gs>
-          </a:gsLst>
-          <a:path path="circle">
-            <a:fillToRect l="50000" t="50000" r="50000" b="50000"/>
-          </a:path>
-        </a:gradFill>
-      </a:bgFillStyleLst>
-    </a:fmtScheme>
-  </a:themeElements>
-</a:theme>
 </file>
--- a/Day_2/Lectures/Day_2_Lecture_2_Data_Readiness_for_AI_ML_CheckList.pptx
+++ b/Day_2/Lectures/Day_2_Lecture_2_Data_Readiness_for_AI_ML_CheckList.pptx
@@ -45,18 +45,16 @@
     <p:sldId id="288" r:id="rId40"/>
     <p:sldId id="289" r:id="rId41"/>
     <p:sldId id="290" r:id="rId42"/>
-    <p:sldId id="291" r:id="rId43"/>
-    <p:sldId id="292" r:id="rId44"/>
   </p:sldIdLst>
   <p:sldSz cy="5143500" cx="9144000"/>
   <p:notesSz cx="6858000" cy="9144000"/>
   <p:embeddedFontLst>
     <p:embeddedFont>
       <p:font typeface="Roboto"/>
-      <p:regular r:id="rId45"/>
-      <p:bold r:id="rId46"/>
-      <p:italic r:id="rId47"/>
-      <p:boldItalic r:id="rId48"/>
+      <p:regular r:id="rId43"/>
+      <p:bold r:id="rId44"/>
+      <p:italic r:id="rId45"/>
+      <p:boldItalic r:id="rId46"/>
     </p:embeddedFont>
   </p:embeddedFontLst>
   <p:defaultTextStyle>
@@ -925,7 +923,7 @@
   <p:cSld>
     <p:spTree>
       <p:nvGrpSpPr>
-        <p:cNvPr id="243" name="Shape 243"/>
+        <p:cNvPr id="244" name="Shape 244"/>
         <p:cNvGrpSpPr/>
         <p:nvPr/>
       </p:nvGrpSpPr>
@@ -939,7 +937,7 @@
       </p:grpSpPr>
       <p:sp>
         <p:nvSpPr>
-          <p:cNvPr id="244" name="Google Shape;244;g1172bfcbe77_0_120:notes"/>
+          <p:cNvPr id="245" name="Google Shape;245;g1172bfcbe77_0_120:notes"/>
           <p:cNvSpPr/>
           <p:nvPr>
             <p:ph idx="2" type="sldImg"/>
@@ -974,7 +972,7 @@
       </p:sp>
       <p:sp>
         <p:nvSpPr>
-          <p:cNvPr id="245" name="Google Shape;245;g1172bfcbe77_0_120:notes"/>
+          <p:cNvPr id="246" name="Google Shape;246;g1172bfcbe77_0_120:notes"/>
           <p:cNvSpPr txBox="1"/>
           <p:nvPr>
             <p:ph idx="1" type="body"/>
@@ -1024,7 +1022,7 @@
   <p:cSld>
     <p:spTree>
       <p:nvGrpSpPr>
-        <p:cNvPr id="251" name="Shape 251"/>
+        <p:cNvPr id="252" name="Shape 252"/>
         <p:cNvGrpSpPr/>
         <p:nvPr/>
       </p:nvGrpSpPr>
@@ -1038,7 +1036,7 @@
       </p:grpSpPr>
       <p:sp>
         <p:nvSpPr>
-          <p:cNvPr id="252" name="Google Shape;252;g1172bfcbe77_0_126:notes"/>
+          <p:cNvPr id="253" name="Google Shape;253;g1172bfcbe77_0_126:notes"/>
           <p:cNvSpPr/>
           <p:nvPr>
             <p:ph idx="2" type="sldImg"/>
@@ -1073,7 +1071,7 @@
       </p:sp>
       <p:sp>
         <p:nvSpPr>
-          <p:cNvPr id="253" name="Google Shape;253;g1172bfcbe77_0_126:notes"/>
+          <p:cNvPr id="254" name="Google Shape;254;g1172bfcbe77_0_126:notes"/>
           <p:cNvSpPr txBox="1"/>
           <p:nvPr>
             <p:ph idx="1" type="body"/>
@@ -1123,7 +1121,7 @@
   <p:cSld>
     <p:spTree>
       <p:nvGrpSpPr>
-        <p:cNvPr id="259" name="Shape 259"/>
+        <p:cNvPr id="260" name="Shape 260"/>
         <p:cNvGrpSpPr/>
         <p:nvPr/>
       </p:nvGrpSpPr>
@@ -1137,7 +1135,7 @@
       </p:grpSpPr>
       <p:sp>
         <p:nvSpPr>
-          <p:cNvPr id="260" name="Google Shape;260;g1172bfcbe77_0_132:notes"/>
+          <p:cNvPr id="261" name="Google Shape;261;g1172bfcbe77_0_132:notes"/>
           <p:cNvSpPr/>
           <p:nvPr>
             <p:ph idx="2" type="sldImg"/>
@@ -1172,7 +1170,7 @@
       </p:sp>
       <p:sp>
         <p:nvSpPr>
-          <p:cNvPr id="261" name="Google Shape;261;g1172bfcbe77_0_132:notes"/>
+          <p:cNvPr id="262" name="Google Shape;262;g1172bfcbe77_0_132:notes"/>
           <p:cNvSpPr txBox="1"/>
           <p:nvPr>
             <p:ph idx="1" type="body"/>
@@ -1222,7 +1220,7 @@
   <p:cSld>
     <p:spTree>
       <p:nvGrpSpPr>
-        <p:cNvPr id="267" name="Shape 267"/>
+        <p:cNvPr id="268" name="Shape 268"/>
         <p:cNvGrpSpPr/>
         <p:nvPr/>
       </p:nvGrpSpPr>
@@ -1236,7 +1234,7 @@
       </p:grpSpPr>
       <p:sp>
         <p:nvSpPr>
-          <p:cNvPr id="268" name="Google Shape;268;g1172bfcbe77_0_138:notes"/>
+          <p:cNvPr id="269" name="Google Shape;269;g1172bfcbe77_0_138:notes"/>
           <p:cNvSpPr/>
           <p:nvPr>
             <p:ph idx="2" type="sldImg"/>
@@ -1271,7 +1269,7 @@
       </p:sp>
       <p:sp>
         <p:nvSpPr>
-          <p:cNvPr id="269" name="Google Shape;269;g1172bfcbe77_0_138:notes"/>
+          <p:cNvPr id="270" name="Google Shape;270;g1172bfcbe77_0_138:notes"/>
           <p:cNvSpPr txBox="1"/>
           <p:nvPr>
             <p:ph idx="1" type="body"/>
@@ -1321,7 +1319,7 @@
   <p:cSld>
     <p:spTree>
       <p:nvGrpSpPr>
-        <p:cNvPr id="275" name="Shape 275"/>
+        <p:cNvPr id="276" name="Shape 276"/>
         <p:cNvGrpSpPr/>
         <p:nvPr/>
       </p:nvGrpSpPr>
@@ -1335,7 +1333,7 @@
       </p:grpSpPr>
       <p:sp>
         <p:nvSpPr>
-          <p:cNvPr id="276" name="Google Shape;276;g1172bfcbe77_0_144:notes"/>
+          <p:cNvPr id="277" name="Google Shape;277;g1172bfcbe77_0_144:notes"/>
           <p:cNvSpPr/>
           <p:nvPr>
             <p:ph idx="2" type="sldImg"/>
@@ -1370,7 +1368,7 @@
       </p:sp>
       <p:sp>
         <p:nvSpPr>
-          <p:cNvPr id="277" name="Google Shape;277;g1172bfcbe77_0_144:notes"/>
+          <p:cNvPr id="278" name="Google Shape;278;g1172bfcbe77_0_144:notes"/>
           <p:cNvSpPr txBox="1"/>
           <p:nvPr>
             <p:ph idx="1" type="body"/>
@@ -1420,7 +1418,7 @@
   <p:cSld>
     <p:spTree>
       <p:nvGrpSpPr>
-        <p:cNvPr id="283" name="Shape 283"/>
+        <p:cNvPr id="284" name="Shape 284"/>
         <p:cNvGrpSpPr/>
         <p:nvPr/>
       </p:nvGrpSpPr>
@@ -1434,7 +1432,7 @@
       </p:grpSpPr>
       <p:sp>
         <p:nvSpPr>
-          <p:cNvPr id="284" name="Google Shape;284;g1172bfcbe77_0_150:notes"/>
+          <p:cNvPr id="285" name="Google Shape;285;g1172bfcbe77_0_150:notes"/>
           <p:cNvSpPr/>
           <p:nvPr>
             <p:ph idx="2" type="sldImg"/>
@@ -1469,7 +1467,7 @@
       </p:sp>
       <p:sp>
         <p:nvSpPr>
-          <p:cNvPr id="285" name="Google Shape;285;g1172bfcbe77_0_150:notes"/>
+          <p:cNvPr id="286" name="Google Shape;286;g1172bfcbe77_0_150:notes"/>
           <p:cNvSpPr txBox="1"/>
           <p:nvPr>
             <p:ph idx="1" type="body"/>
@@ -1519,7 +1517,7 @@
   <p:cSld>
     <p:spTree>
       <p:nvGrpSpPr>
-        <p:cNvPr id="291" name="Shape 291"/>
+        <p:cNvPr id="292" name="Shape 292"/>
         <p:cNvGrpSpPr/>
         <p:nvPr/>
       </p:nvGrpSpPr>
@@ -1533,7 +1531,7 @@
       </p:grpSpPr>
       <p:sp>
         <p:nvSpPr>
-          <p:cNvPr id="292" name="Google Shape;292;g1172bfcbe77_0_159:notes"/>
+          <p:cNvPr id="293" name="Google Shape;293;g129d47b8340_0_1:notes"/>
           <p:cNvSpPr/>
           <p:nvPr>
             <p:ph idx="2" type="sldImg"/>
@@ -1568,7 +1566,7 @@
       </p:sp>
       <p:sp>
         <p:nvSpPr>
-          <p:cNvPr id="293" name="Google Shape;293;g1172bfcbe77_0_159:notes"/>
+          <p:cNvPr id="294" name="Google Shape;294;g129d47b8340_0_1:notes"/>
           <p:cNvSpPr txBox="1"/>
           <p:nvPr>
             <p:ph idx="1" type="body"/>
@@ -1618,7 +1616,7 @@
   <p:cSld>
     <p:spTree>
       <p:nvGrpSpPr>
-        <p:cNvPr id="299" name="Shape 299"/>
+        <p:cNvPr id="301" name="Shape 301"/>
         <p:cNvGrpSpPr/>
         <p:nvPr/>
       </p:nvGrpSpPr>
@@ -1632,7 +1630,7 @@
       </p:grpSpPr>
       <p:sp>
         <p:nvSpPr>
-          <p:cNvPr id="300" name="Google Shape;300;g129d47b8340_0_1:notes"/>
+          <p:cNvPr id="302" name="Google Shape;302;g1172bfcbe77_0_165:notes"/>
           <p:cNvSpPr/>
           <p:nvPr>
             <p:ph idx="2" type="sldImg"/>
@@ -1667,7 +1665,7 @@
       </p:sp>
       <p:sp>
         <p:nvSpPr>
-          <p:cNvPr id="301" name="Google Shape;301;g129d47b8340_0_1:notes"/>
+          <p:cNvPr id="303" name="Google Shape;303;g1172bfcbe77_0_165:notes"/>
           <p:cNvSpPr txBox="1"/>
           <p:nvPr>
             <p:ph idx="1" type="body"/>
@@ -1717,7 +1715,7 @@
   <p:cSld>
     <p:spTree>
       <p:nvGrpSpPr>
-        <p:cNvPr id="308" name="Shape 308"/>
+        <p:cNvPr id="309" name="Shape 309"/>
         <p:cNvGrpSpPr/>
         <p:nvPr/>
       </p:nvGrpSpPr>
@@ -1731,7 +1729,7 @@
       </p:grpSpPr>
       <p:sp>
         <p:nvSpPr>
-          <p:cNvPr id="309" name="Google Shape;309;g1172bfcbe77_0_165:notes"/>
+          <p:cNvPr id="310" name="Google Shape;310;g1172bfcbe77_0_171:notes"/>
           <p:cNvSpPr/>
           <p:nvPr>
             <p:ph idx="2" type="sldImg"/>
@@ -1766,7 +1764,7 @@
       </p:sp>
       <p:sp>
         <p:nvSpPr>
-          <p:cNvPr id="310" name="Google Shape;310;g1172bfcbe77_0_165:notes"/>
+          <p:cNvPr id="311" name="Google Shape;311;g1172bfcbe77_0_171:notes"/>
           <p:cNvSpPr txBox="1"/>
           <p:nvPr>
             <p:ph idx="1" type="body"/>
@@ -1816,7 +1814,7 @@
   <p:cSld>
     <p:spTree>
       <p:nvGrpSpPr>
-        <p:cNvPr id="316" name="Shape 316"/>
+        <p:cNvPr id="317" name="Shape 317"/>
         <p:cNvGrpSpPr/>
         <p:nvPr/>
       </p:nvGrpSpPr>
@@ -1830,7 +1828,7 @@
       </p:grpSpPr>
       <p:sp>
         <p:nvSpPr>
-          <p:cNvPr id="317" name="Google Shape;317;g1172bfcbe77_0_171:notes"/>
+          <p:cNvPr id="318" name="Google Shape;318;g1172bfcbe77_0_178:notes"/>
           <p:cNvSpPr/>
           <p:nvPr>
             <p:ph idx="2" type="sldImg"/>
@@ -1865,7 +1863,7 @@
       </p:sp>
       <p:sp>
         <p:nvSpPr>
-          <p:cNvPr id="318" name="Google Shape;318;g1172bfcbe77_0_171:notes"/>
+          <p:cNvPr id="319" name="Google Shape;319;g1172bfcbe77_0_178:notes"/>
           <p:cNvSpPr txBox="1"/>
           <p:nvPr>
             <p:ph idx="1" type="body"/>
@@ -1915,7 +1913,7 @@
   <p:cSld>
     <p:spTree>
       <p:nvGrpSpPr>
-        <p:cNvPr id="179" name="Shape 179"/>
+        <p:cNvPr id="180" name="Shape 180"/>
         <p:cNvGrpSpPr/>
         <p:nvPr/>
       </p:nvGrpSpPr>
@@ -1929,7 +1927,7 @@
       </p:grpSpPr>
       <p:sp>
         <p:nvSpPr>
-          <p:cNvPr id="180" name="Google Shape;180;gc6f9e470d_0_0:notes"/>
+          <p:cNvPr id="181" name="Google Shape;181;gc6f9e470d_0_0:notes"/>
           <p:cNvSpPr/>
           <p:nvPr>
             <p:ph idx="2" type="sldImg"/>
@@ -1964,7 +1962,7 @@
       </p:sp>
       <p:sp>
         <p:nvSpPr>
-          <p:cNvPr id="181" name="Google Shape;181;gc6f9e470d_0_0:notes"/>
+          <p:cNvPr id="182" name="Google Shape;182;gc6f9e470d_0_0:notes"/>
           <p:cNvSpPr txBox="1"/>
           <p:nvPr>
             <p:ph idx="1" type="body"/>
@@ -2014,7 +2012,7 @@
   <p:cSld>
     <p:spTree>
       <p:nvGrpSpPr>
-        <p:cNvPr id="324" name="Shape 324"/>
+        <p:cNvPr id="325" name="Shape 325"/>
         <p:cNvGrpSpPr/>
         <p:nvPr/>
       </p:nvGrpSpPr>
@@ -2028,7 +2026,7 @@
       </p:grpSpPr>
       <p:sp>
         <p:nvSpPr>
-          <p:cNvPr id="325" name="Google Shape;325;g1172bfcbe77_0_178:notes"/>
+          <p:cNvPr id="326" name="Google Shape;326;g1172bfcbe77_0_184:notes"/>
           <p:cNvSpPr/>
           <p:nvPr>
             <p:ph idx="2" type="sldImg"/>
@@ -2063,7 +2061,7 @@
       </p:sp>
       <p:sp>
         <p:nvSpPr>
-          <p:cNvPr id="326" name="Google Shape;326;g1172bfcbe77_0_178:notes"/>
+          <p:cNvPr id="327" name="Google Shape;327;g1172bfcbe77_0_184:notes"/>
           <p:cNvSpPr txBox="1"/>
           <p:nvPr>
             <p:ph idx="1" type="body"/>
@@ -2113,7 +2111,7 @@
   <p:cSld>
     <p:spTree>
       <p:nvGrpSpPr>
-        <p:cNvPr id="332" name="Shape 332"/>
+        <p:cNvPr id="333" name="Shape 333"/>
         <p:cNvGrpSpPr/>
         <p:nvPr/>
       </p:nvGrpSpPr>
@@ -2127,7 +2125,7 @@
       </p:grpSpPr>
       <p:sp>
         <p:nvSpPr>
-          <p:cNvPr id="333" name="Google Shape;333;g1172bfcbe77_0_184:notes"/>
+          <p:cNvPr id="334" name="Google Shape;334;g1172bfcbe77_0_193:notes"/>
           <p:cNvSpPr/>
           <p:nvPr>
             <p:ph idx="2" type="sldImg"/>
@@ -2162,7 +2160,7 @@
       </p:sp>
       <p:sp>
         <p:nvSpPr>
-          <p:cNvPr id="334" name="Google Shape;334;g1172bfcbe77_0_184:notes"/>
+          <p:cNvPr id="335" name="Google Shape;335;g1172bfcbe77_0_193:notes"/>
           <p:cNvSpPr txBox="1"/>
           <p:nvPr>
             <p:ph idx="1" type="body"/>
@@ -2212,7 +2210,7 @@
   <p:cSld>
     <p:spTree>
       <p:nvGrpSpPr>
-        <p:cNvPr id="340" name="Shape 340"/>
+        <p:cNvPr id="341" name="Shape 341"/>
         <p:cNvGrpSpPr/>
         <p:nvPr/>
       </p:nvGrpSpPr>
@@ -2226,7 +2224,7 @@
       </p:grpSpPr>
       <p:sp>
         <p:nvSpPr>
-          <p:cNvPr id="341" name="Google Shape;341;g1172bfcbe77_0_193:notes"/>
+          <p:cNvPr id="342" name="Google Shape;342;g1172bfcbe77_0_199:notes"/>
           <p:cNvSpPr/>
           <p:nvPr>
             <p:ph idx="2" type="sldImg"/>
@@ -2261,7 +2259,7 @@
       </p:sp>
       <p:sp>
         <p:nvSpPr>
-          <p:cNvPr id="342" name="Google Shape;342;g1172bfcbe77_0_193:notes"/>
+          <p:cNvPr id="343" name="Google Shape;343;g1172bfcbe77_0_199:notes"/>
           <p:cNvSpPr txBox="1"/>
           <p:nvPr>
             <p:ph idx="1" type="body"/>
@@ -2311,7 +2309,7 @@
   <p:cSld>
     <p:spTree>
       <p:nvGrpSpPr>
-        <p:cNvPr id="348" name="Shape 348"/>
+        <p:cNvPr id="349" name="Shape 349"/>
         <p:cNvGrpSpPr/>
         <p:nvPr/>
       </p:nvGrpSpPr>
@@ -2325,7 +2323,7 @@
       </p:grpSpPr>
       <p:sp>
         <p:nvSpPr>
-          <p:cNvPr id="349" name="Google Shape;349;g1172bfcbe77_0_199:notes"/>
+          <p:cNvPr id="350" name="Google Shape;350;g1172bfcbe77_0_205:notes"/>
           <p:cNvSpPr/>
           <p:nvPr>
             <p:ph idx="2" type="sldImg"/>
@@ -2360,7 +2358,7 @@
       </p:sp>
       <p:sp>
         <p:nvSpPr>
-          <p:cNvPr id="350" name="Google Shape;350;g1172bfcbe77_0_199:notes"/>
+          <p:cNvPr id="351" name="Google Shape;351;g1172bfcbe77_0_205:notes"/>
           <p:cNvSpPr txBox="1"/>
           <p:nvPr>
             <p:ph idx="1" type="body"/>
@@ -2410,7 +2408,7 @@
   <p:cSld>
     <p:spTree>
       <p:nvGrpSpPr>
-        <p:cNvPr id="356" name="Shape 356"/>
+        <p:cNvPr id="357" name="Shape 357"/>
         <p:cNvGrpSpPr/>
         <p:nvPr/>
       </p:nvGrpSpPr>
@@ -2424,7 +2422,7 @@
       </p:grpSpPr>
       <p:sp>
         <p:nvSpPr>
-          <p:cNvPr id="357" name="Google Shape;357;g1172bfcbe77_0_205:notes"/>
+          <p:cNvPr id="358" name="Google Shape;358;g129d47b8340_0_9:notes"/>
           <p:cNvSpPr/>
           <p:nvPr>
             <p:ph idx="2" type="sldImg"/>
@@ -2459,7 +2457,7 @@
       </p:sp>
       <p:sp>
         <p:nvSpPr>
-          <p:cNvPr id="358" name="Google Shape;358;g1172bfcbe77_0_205:notes"/>
+          <p:cNvPr id="359" name="Google Shape;359;g129d47b8340_0_9:notes"/>
           <p:cNvSpPr txBox="1"/>
           <p:nvPr>
             <p:ph idx="1" type="body"/>
@@ -2509,7 +2507,7 @@
   <p:cSld>
     <p:spTree>
       <p:nvGrpSpPr>
-        <p:cNvPr id="364" name="Shape 364"/>
+        <p:cNvPr id="366" name="Shape 366"/>
         <p:cNvGrpSpPr/>
         <p:nvPr/>
       </p:nvGrpSpPr>
@@ -2523,7 +2521,7 @@
       </p:grpSpPr>
       <p:sp>
         <p:nvSpPr>
-          <p:cNvPr id="365" name="Google Shape;365;g129d47b8340_0_9:notes"/>
+          <p:cNvPr id="367" name="Google Shape;367;g1172bfcbe77_0_217:notes"/>
           <p:cNvSpPr/>
           <p:nvPr>
             <p:ph idx="2" type="sldImg"/>
@@ -2558,7 +2556,7 @@
       </p:sp>
       <p:sp>
         <p:nvSpPr>
-          <p:cNvPr id="366" name="Google Shape;366;g129d47b8340_0_9:notes"/>
+          <p:cNvPr id="368" name="Google Shape;368;g1172bfcbe77_0_217:notes"/>
           <p:cNvSpPr txBox="1"/>
           <p:nvPr>
             <p:ph idx="1" type="body"/>
@@ -2608,7 +2606,7 @@
   <p:cSld>
     <p:spTree>
       <p:nvGrpSpPr>
-        <p:cNvPr id="373" name="Shape 373"/>
+        <p:cNvPr id="374" name="Shape 374"/>
         <p:cNvGrpSpPr/>
         <p:nvPr/>
       </p:nvGrpSpPr>
@@ -2622,7 +2620,7 @@
       </p:grpSpPr>
       <p:sp>
         <p:nvSpPr>
-          <p:cNvPr id="374" name="Google Shape;374;g1172bfcbe77_0_217:notes"/>
+          <p:cNvPr id="375" name="Google Shape;375;g1172bfcbe77_0_223:notes"/>
           <p:cNvSpPr/>
           <p:nvPr>
             <p:ph idx="2" type="sldImg"/>
@@ -2657,7 +2655,7 @@
       </p:sp>
       <p:sp>
         <p:nvSpPr>
-          <p:cNvPr id="375" name="Google Shape;375;g1172bfcbe77_0_217:notes"/>
+          <p:cNvPr id="376" name="Google Shape;376;g1172bfcbe77_0_223:notes"/>
           <p:cNvSpPr txBox="1"/>
           <p:nvPr>
             <p:ph idx="1" type="body"/>
@@ -2707,7 +2705,7 @@
   <p:cSld>
     <p:spTree>
       <p:nvGrpSpPr>
-        <p:cNvPr id="381" name="Shape 381"/>
+        <p:cNvPr id="382" name="Shape 382"/>
         <p:cNvGrpSpPr/>
         <p:nvPr/>
       </p:nvGrpSpPr>
@@ -2721,7 +2719,7 @@
       </p:grpSpPr>
       <p:sp>
         <p:nvSpPr>
-          <p:cNvPr id="382" name="Google Shape;382;g1172bfcbe77_0_223:notes"/>
+          <p:cNvPr id="383" name="Google Shape;383;g1172bfcbe77_0_229:notes"/>
           <p:cNvSpPr/>
           <p:nvPr>
             <p:ph idx="2" type="sldImg"/>
@@ -2756,7 +2754,7 @@
       </p:sp>
       <p:sp>
         <p:nvSpPr>
-          <p:cNvPr id="383" name="Google Shape;383;g1172bfcbe77_0_223:notes"/>
+          <p:cNvPr id="384" name="Google Shape;384;g1172bfcbe77_0_229:notes"/>
           <p:cNvSpPr txBox="1"/>
           <p:nvPr>
             <p:ph idx="1" type="body"/>
@@ -2806,7 +2804,7 @@
   <p:cSld>
     <p:spTree>
       <p:nvGrpSpPr>
-        <p:cNvPr id="389" name="Shape 389"/>
+        <p:cNvPr id="390" name="Shape 390"/>
         <p:cNvGrpSpPr/>
         <p:nvPr/>
       </p:nvGrpSpPr>
@@ -2820,7 +2818,7 @@
       </p:grpSpPr>
       <p:sp>
         <p:nvSpPr>
-          <p:cNvPr id="390" name="Google Shape;390;g1172bfcbe77_0_229:notes"/>
+          <p:cNvPr id="391" name="Google Shape;391;g1172bfcbe77_0_238:notes"/>
           <p:cNvSpPr/>
           <p:nvPr>
             <p:ph idx="2" type="sldImg"/>
@@ -2855,7 +2853,7 @@
       </p:sp>
       <p:sp>
         <p:nvSpPr>
-          <p:cNvPr id="391" name="Google Shape;391;g1172bfcbe77_0_229:notes"/>
+          <p:cNvPr id="392" name="Google Shape;392;g1172bfcbe77_0_238:notes"/>
           <p:cNvSpPr txBox="1"/>
           <p:nvPr>
             <p:ph idx="1" type="body"/>
@@ -2905,7 +2903,7 @@
   <p:cSld>
     <p:spTree>
       <p:nvGrpSpPr>
-        <p:cNvPr id="397" name="Shape 397"/>
+        <p:cNvPr id="398" name="Shape 398"/>
         <p:cNvGrpSpPr/>
         <p:nvPr/>
       </p:nvGrpSpPr>
@@ -2919,7 +2917,7 @@
       </p:grpSpPr>
       <p:sp>
         <p:nvSpPr>
-          <p:cNvPr id="398" name="Google Shape;398;g1172bfcbe77_0_238:notes"/>
+          <p:cNvPr id="399" name="Google Shape;399;g1172bfcbe77_0_247:notes"/>
           <p:cNvSpPr/>
           <p:nvPr>
             <p:ph idx="2" type="sldImg"/>
@@ -2954,7 +2952,7 @@
       </p:sp>
       <p:sp>
         <p:nvSpPr>
-          <p:cNvPr id="399" name="Google Shape;399;g1172bfcbe77_0_238:notes"/>
+          <p:cNvPr id="400" name="Google Shape;400;g1172bfcbe77_0_247:notes"/>
           <p:cNvSpPr txBox="1"/>
           <p:nvPr>
             <p:ph idx="1" type="body"/>
@@ -3004,7 +3002,7 @@
   <p:cSld>
     <p:spTree>
       <p:nvGrpSpPr>
-        <p:cNvPr id="186" name="Shape 186"/>
+        <p:cNvPr id="187" name="Shape 187"/>
         <p:cNvGrpSpPr/>
         <p:nvPr/>
       </p:nvGrpSpPr>
@@ -3018,7 +3016,7 @@
       </p:grpSpPr>
       <p:sp>
         <p:nvSpPr>
-          <p:cNvPr id="187" name="Google Shape;187;g11bed6970e4_0_104:notes"/>
+          <p:cNvPr id="188" name="Google Shape;188;g11bed6970e4_0_104:notes"/>
           <p:cNvSpPr/>
           <p:nvPr>
             <p:ph idx="2" type="sldImg"/>
@@ -3053,7 +3051,7 @@
       </p:sp>
       <p:sp>
         <p:nvSpPr>
-          <p:cNvPr id="188" name="Google Shape;188;g11bed6970e4_0_104:notes"/>
+          <p:cNvPr id="189" name="Google Shape;189;g11bed6970e4_0_104:notes"/>
           <p:cNvSpPr txBox="1"/>
           <p:nvPr>
             <p:ph idx="1" type="body"/>
@@ -3103,7 +3101,7 @@
   <p:cSld>
     <p:spTree>
       <p:nvGrpSpPr>
-        <p:cNvPr id="405" name="Shape 405"/>
+        <p:cNvPr id="406" name="Shape 406"/>
         <p:cNvGrpSpPr/>
         <p:nvPr/>
       </p:nvGrpSpPr>
@@ -3117,7 +3115,7 @@
       </p:grpSpPr>
       <p:sp>
         <p:nvSpPr>
-          <p:cNvPr id="406" name="Google Shape;406;g1172bfcbe77_0_247:notes"/>
+          <p:cNvPr id="407" name="Google Shape;407;g1172bfcbe77_0_253:notes"/>
           <p:cNvSpPr/>
           <p:nvPr>
             <p:ph idx="2" type="sldImg"/>
@@ -3152,7 +3150,7 @@
       </p:sp>
       <p:sp>
         <p:nvSpPr>
-          <p:cNvPr id="407" name="Google Shape;407;g1172bfcbe77_0_247:notes"/>
+          <p:cNvPr id="408" name="Google Shape;408;g1172bfcbe77_0_253:notes"/>
           <p:cNvSpPr txBox="1"/>
           <p:nvPr>
             <p:ph idx="1" type="body"/>
@@ -3202,7 +3200,7 @@
   <p:cSld>
     <p:spTree>
       <p:nvGrpSpPr>
-        <p:cNvPr id="413" name="Shape 413"/>
+        <p:cNvPr id="414" name="Shape 414"/>
         <p:cNvGrpSpPr/>
         <p:nvPr/>
       </p:nvGrpSpPr>
@@ -3216,7 +3214,7 @@
       </p:grpSpPr>
       <p:sp>
         <p:nvSpPr>
-          <p:cNvPr id="414" name="Google Shape;414;g1172bfcbe77_0_253:notes"/>
+          <p:cNvPr id="415" name="Google Shape;415;g1172bfcbe77_0_268:notes"/>
           <p:cNvSpPr/>
           <p:nvPr>
             <p:ph idx="2" type="sldImg"/>
@@ -3251,7 +3249,7 @@
       </p:sp>
       <p:sp>
         <p:nvSpPr>
-          <p:cNvPr id="415" name="Google Shape;415;g1172bfcbe77_0_253:notes"/>
+          <p:cNvPr id="416" name="Google Shape;416;g1172bfcbe77_0_268:notes"/>
           <p:cNvSpPr txBox="1"/>
           <p:nvPr>
             <p:ph idx="1" type="body"/>
@@ -3301,7 +3299,7 @@
   <p:cSld>
     <p:spTree>
       <p:nvGrpSpPr>
-        <p:cNvPr id="421" name="Shape 421"/>
+        <p:cNvPr id="422" name="Shape 422"/>
         <p:cNvGrpSpPr/>
         <p:nvPr/>
       </p:nvGrpSpPr>
@@ -3315,7 +3313,7 @@
       </p:grpSpPr>
       <p:sp>
         <p:nvSpPr>
-          <p:cNvPr id="422" name="Google Shape;422;g1172bfcbe77_0_262:notes"/>
+          <p:cNvPr id="423" name="Google Shape;423;g1172bfcbe77_0_274:notes"/>
           <p:cNvSpPr/>
           <p:nvPr>
             <p:ph idx="2" type="sldImg"/>
@@ -3350,7 +3348,7 @@
       </p:sp>
       <p:sp>
         <p:nvSpPr>
-          <p:cNvPr id="423" name="Google Shape;423;g1172bfcbe77_0_262:notes"/>
+          <p:cNvPr id="424" name="Google Shape;424;g1172bfcbe77_0_274:notes"/>
           <p:cNvSpPr txBox="1"/>
           <p:nvPr>
             <p:ph idx="1" type="body"/>
@@ -3400,7 +3398,7 @@
   <p:cSld>
     <p:spTree>
       <p:nvGrpSpPr>
-        <p:cNvPr id="429" name="Shape 429"/>
+        <p:cNvPr id="430" name="Shape 430"/>
         <p:cNvGrpSpPr/>
         <p:nvPr/>
       </p:nvGrpSpPr>
@@ -3414,7 +3412,7 @@
       </p:grpSpPr>
       <p:sp>
         <p:nvSpPr>
-          <p:cNvPr id="430" name="Google Shape;430;g1172bfcbe77_0_268:notes"/>
+          <p:cNvPr id="431" name="Google Shape;431;g1172bfcbe77_0_287:notes"/>
           <p:cNvSpPr/>
           <p:nvPr>
             <p:ph idx="2" type="sldImg"/>
@@ -3449,7 +3447,7 @@
       </p:sp>
       <p:sp>
         <p:nvSpPr>
-          <p:cNvPr id="431" name="Google Shape;431;g1172bfcbe77_0_268:notes"/>
+          <p:cNvPr id="432" name="Google Shape;432;g1172bfcbe77_0_287:notes"/>
           <p:cNvSpPr txBox="1"/>
           <p:nvPr>
             <p:ph idx="1" type="body"/>
@@ -3499,7 +3497,7 @@
   <p:cSld>
     <p:spTree>
       <p:nvGrpSpPr>
-        <p:cNvPr id="437" name="Shape 437"/>
+        <p:cNvPr id="438" name="Shape 438"/>
         <p:cNvGrpSpPr/>
         <p:nvPr/>
       </p:nvGrpSpPr>
@@ -3513,7 +3511,7 @@
       </p:grpSpPr>
       <p:sp>
         <p:nvSpPr>
-          <p:cNvPr id="438" name="Google Shape;438;g1172bfcbe77_0_274:notes"/>
+          <p:cNvPr id="439" name="Google Shape;439;g129b3c81172_0_118:notes"/>
           <p:cNvSpPr/>
           <p:nvPr>
             <p:ph idx="2" type="sldImg"/>
@@ -3548,7 +3546,7 @@
       </p:sp>
       <p:sp>
         <p:nvSpPr>
-          <p:cNvPr id="439" name="Google Shape;439;g1172bfcbe77_0_274:notes"/>
+          <p:cNvPr id="440" name="Google Shape;440;g129b3c81172_0_118:notes"/>
           <p:cNvSpPr txBox="1"/>
           <p:nvPr>
             <p:ph idx="1" type="body"/>
@@ -3598,7 +3596,7 @@
   <p:cSld>
     <p:spTree>
       <p:nvGrpSpPr>
-        <p:cNvPr id="445" name="Shape 445"/>
+        <p:cNvPr id="455" name="Shape 455"/>
         <p:cNvGrpSpPr/>
         <p:nvPr/>
       </p:nvGrpSpPr>
@@ -3612,7 +3610,7 @@
       </p:grpSpPr>
       <p:sp>
         <p:nvSpPr>
-          <p:cNvPr id="446" name="Google Shape;446;g1172bfcbe77_0_287:notes"/>
+          <p:cNvPr id="456" name="Google Shape;456;g110c9cc373d_0_0:notes"/>
           <p:cNvSpPr/>
           <p:nvPr>
             <p:ph idx="2" type="sldImg"/>
@@ -3647,205 +3645,7 @@
       </p:sp>
       <p:sp>
         <p:nvSpPr>
-          <p:cNvPr id="447" name="Google Shape;447;g1172bfcbe77_0_287:notes"/>
-          <p:cNvSpPr txBox="1"/>
-          <p:nvPr>
-            <p:ph idx="1" type="body"/>
-          </p:nvPr>
-        </p:nvSpPr>
-        <p:spPr>
-          <a:xfrm>
-            <a:off x="685800" y="4343400"/>
-            <a:ext cx="5486400" cy="4114800"/>
-          </a:xfrm>
-          <a:prstGeom prst="rect">
-            <a:avLst/>
-          </a:prstGeom>
-        </p:spPr>
-        <p:txBody>
-          <a:bodyPr anchorCtr="0" anchor="t" bIns="91425" lIns="91425" spcFirstLastPara="1" rIns="91425" wrap="square" tIns="91425">
-            <a:noAutofit/>
-          </a:bodyPr>
-          <a:lstStyle/>
-          <a:p>
-            <a:pPr indent="0" lvl="0" marL="0" rtl="0" algn="l">
-              <a:spcBef>
-                <a:spcPts val="0"/>
-              </a:spcBef>
-              <a:spcAft>
-                <a:spcPts val="0"/>
-              </a:spcAft>
-              <a:buNone/>
-            </a:pPr>
-            <a:r>
-              <a:t/>
-            </a:r>
-            <a:endParaRPr/>
-          </a:p>
-        </p:txBody>
-      </p:sp>
-    </p:spTree>
-  </p:cSld>
-  <p:clrMapOvr>
-    <a:masterClrMapping/>
-  </p:clrMapOvr>
-</p:notes>
-</file>
-
-<file path=ppt/notesSlides/notesSlide36.xml><?xml version="1.0" encoding="utf-8"?>
-<p:notes xmlns:a="http://schemas.openxmlformats.org/drawingml/2006/main" xmlns:r="http://schemas.openxmlformats.org/officeDocument/2006/relationships" xmlns:mc="http://schemas.openxmlformats.org/markup-compatibility/2006" xmlns:mv="urn:schemas-microsoft-com:mac:vml" xmlns:p="http://schemas.openxmlformats.org/presentationml/2006/main" xmlns:c="http://schemas.openxmlformats.org/drawingml/2006/chart" xmlns:dgm="http://schemas.openxmlformats.org/drawingml/2006/diagram" xmlns:o="urn:schemas-microsoft-com:office:office" xmlns:v="urn:schemas-microsoft-com:vml" xmlns:pvml="urn:schemas-microsoft-com:office:powerpoint" xmlns:com="http://schemas.openxmlformats.org/drawingml/2006/compatibility" xmlns:p14="http://schemas.microsoft.com/office/powerpoint/2010/main" xmlns:p15="http://schemas.microsoft.com/office/powerpoint/2012/main" xmlns:ahyp="http://schemas.microsoft.com/office/drawing/2018/hyperlinkcolor" showMasterPhAnim="0" showMasterSp="0">
-  <p:cSld>
-    <p:spTree>
-      <p:nvGrpSpPr>
-        <p:cNvPr id="453" name="Shape 453"/>
-        <p:cNvGrpSpPr/>
-        <p:nvPr/>
-      </p:nvGrpSpPr>
-      <p:grpSpPr>
-        <a:xfrm>
-          <a:off x="0" y="0"/>
-          <a:ext cx="0" cy="0"/>
-          <a:chOff x="0" y="0"/>
-          <a:chExt cx="0" cy="0"/>
-        </a:xfrm>
-      </p:grpSpPr>
-      <p:sp>
-        <p:nvSpPr>
-          <p:cNvPr id="454" name="Google Shape;454;g129b3c81172_0_118:notes"/>
-          <p:cNvSpPr/>
-          <p:nvPr>
-            <p:ph idx="2" type="sldImg"/>
-          </p:nvPr>
-        </p:nvSpPr>
-        <p:spPr>
-          <a:xfrm>
-            <a:off x="381188" y="685800"/>
-            <a:ext cx="6096300" cy="3429000"/>
-          </a:xfrm>
-          <a:custGeom>
-            <a:rect b="b" l="l" r="r" t="t"/>
-            <a:pathLst>
-              <a:path extrusionOk="0" h="120000" w="120000">
-                <a:moveTo>
-                  <a:pt x="0" y="0"/>
-                </a:moveTo>
-                <a:lnTo>
-                  <a:pt x="120000" y="0"/>
-                </a:lnTo>
-                <a:lnTo>
-                  <a:pt x="120000" y="120000"/>
-                </a:lnTo>
-                <a:lnTo>
-                  <a:pt x="0" y="120000"/>
-                </a:lnTo>
-                <a:close/>
-              </a:path>
-            </a:pathLst>
-          </a:custGeom>
-        </p:spPr>
-      </p:sp>
-      <p:sp>
-        <p:nvSpPr>
-          <p:cNvPr id="455" name="Google Shape;455;g129b3c81172_0_118:notes"/>
-          <p:cNvSpPr txBox="1"/>
-          <p:nvPr>
-            <p:ph idx="1" type="body"/>
-          </p:nvPr>
-        </p:nvSpPr>
-        <p:spPr>
-          <a:xfrm>
-            <a:off x="685800" y="4343400"/>
-            <a:ext cx="5486400" cy="4114800"/>
-          </a:xfrm>
-          <a:prstGeom prst="rect">
-            <a:avLst/>
-          </a:prstGeom>
-        </p:spPr>
-        <p:txBody>
-          <a:bodyPr anchorCtr="0" anchor="t" bIns="91425" lIns="91425" spcFirstLastPara="1" rIns="91425" wrap="square" tIns="91425">
-            <a:noAutofit/>
-          </a:bodyPr>
-          <a:lstStyle/>
-          <a:p>
-            <a:pPr indent="0" lvl="0" marL="0" rtl="0" algn="l">
-              <a:spcBef>
-                <a:spcPts val="0"/>
-              </a:spcBef>
-              <a:spcAft>
-                <a:spcPts val="0"/>
-              </a:spcAft>
-              <a:buNone/>
-            </a:pPr>
-            <a:r>
-              <a:t/>
-            </a:r>
-            <a:endParaRPr/>
-          </a:p>
-        </p:txBody>
-      </p:sp>
-    </p:spTree>
-  </p:cSld>
-  <p:clrMapOvr>
-    <a:masterClrMapping/>
-  </p:clrMapOvr>
-</p:notes>
-</file>
-
-<file path=ppt/notesSlides/notesSlide37.xml><?xml version="1.0" encoding="utf-8"?>
-<p:notes xmlns:a="http://schemas.openxmlformats.org/drawingml/2006/main" xmlns:r="http://schemas.openxmlformats.org/officeDocument/2006/relationships" xmlns:mc="http://schemas.openxmlformats.org/markup-compatibility/2006" xmlns:mv="urn:schemas-microsoft-com:mac:vml" xmlns:p="http://schemas.openxmlformats.org/presentationml/2006/main" xmlns:c="http://schemas.openxmlformats.org/drawingml/2006/chart" xmlns:dgm="http://schemas.openxmlformats.org/drawingml/2006/diagram" xmlns:o="urn:schemas-microsoft-com:office:office" xmlns:v="urn:schemas-microsoft-com:vml" xmlns:pvml="urn:schemas-microsoft-com:office:powerpoint" xmlns:com="http://schemas.openxmlformats.org/drawingml/2006/compatibility" xmlns:p14="http://schemas.microsoft.com/office/powerpoint/2010/main" xmlns:p15="http://schemas.microsoft.com/office/powerpoint/2012/main" xmlns:ahyp="http://schemas.microsoft.com/office/drawing/2018/hyperlinkcolor" showMasterPhAnim="0" showMasterSp="0">
-  <p:cSld>
-    <p:spTree>
-      <p:nvGrpSpPr>
-        <p:cNvPr id="470" name="Shape 470"/>
-        <p:cNvGrpSpPr/>
-        <p:nvPr/>
-      </p:nvGrpSpPr>
-      <p:grpSpPr>
-        <a:xfrm>
-          <a:off x="0" y="0"/>
-          <a:ext cx="0" cy="0"/>
-          <a:chOff x="0" y="0"/>
-          <a:chExt cx="0" cy="0"/>
-        </a:xfrm>
-      </p:grpSpPr>
-      <p:sp>
-        <p:nvSpPr>
-          <p:cNvPr id="471" name="Google Shape;471;g110c9cc373d_0_0:notes"/>
-          <p:cNvSpPr/>
-          <p:nvPr>
-            <p:ph idx="2" type="sldImg"/>
-          </p:nvPr>
-        </p:nvSpPr>
-        <p:spPr>
-          <a:xfrm>
-            <a:off x="381188" y="685800"/>
-            <a:ext cx="6096300" cy="3429000"/>
-          </a:xfrm>
-          <a:custGeom>
-            <a:rect b="b" l="l" r="r" t="t"/>
-            <a:pathLst>
-              <a:path extrusionOk="0" h="120000" w="120000">
-                <a:moveTo>
-                  <a:pt x="0" y="0"/>
-                </a:moveTo>
-                <a:lnTo>
-                  <a:pt x="120000" y="0"/>
-                </a:lnTo>
-                <a:lnTo>
-                  <a:pt x="120000" y="120000"/>
-                </a:lnTo>
-                <a:lnTo>
-                  <a:pt x="0" y="120000"/>
-                </a:lnTo>
-                <a:close/>
-              </a:path>
-            </a:pathLst>
-          </a:custGeom>
-        </p:spPr>
-      </p:sp>
-      <p:sp>
-        <p:nvSpPr>
-          <p:cNvPr id="472" name="Google Shape;472;g110c9cc373d_0_0:notes"/>
+          <p:cNvPr id="457" name="Google Shape;457;g110c9cc373d_0_0:notes"/>
           <p:cNvSpPr txBox="1"/>
           <p:nvPr>
             <p:ph idx="1" type="body"/>
@@ -3983,7 +3783,7 @@
   <p:cSld>
     <p:spTree>
       <p:nvGrpSpPr>
-        <p:cNvPr id="195" name="Shape 195"/>
+        <p:cNvPr id="196" name="Shape 196"/>
         <p:cNvGrpSpPr/>
         <p:nvPr/>
       </p:nvGrpSpPr>
@@ -3997,7 +3797,7 @@
       </p:grpSpPr>
       <p:sp>
         <p:nvSpPr>
-          <p:cNvPr id="196" name="Google Shape;196;g10c858bddf3_0_0:notes"/>
+          <p:cNvPr id="197" name="Google Shape;197;g10c858bddf3_0_0:notes"/>
           <p:cNvSpPr/>
           <p:nvPr>
             <p:ph idx="2" type="sldImg"/>
@@ -4032,7 +3832,7 @@
       </p:sp>
       <p:sp>
         <p:nvSpPr>
-          <p:cNvPr id="197" name="Google Shape;197;g10c858bddf3_0_0:notes"/>
+          <p:cNvPr id="198" name="Google Shape;198;g10c858bddf3_0_0:notes"/>
           <p:cNvSpPr txBox="1"/>
           <p:nvPr>
             <p:ph idx="1" type="body"/>
@@ -4082,7 +3882,7 @@
   <p:cSld>
     <p:spTree>
       <p:nvGrpSpPr>
-        <p:cNvPr id="203" name="Shape 203"/>
+        <p:cNvPr id="204" name="Shape 204"/>
         <p:cNvGrpSpPr/>
         <p:nvPr/>
       </p:nvGrpSpPr>
@@ -4096,7 +3896,7 @@
       </p:grpSpPr>
       <p:sp>
         <p:nvSpPr>
-          <p:cNvPr id="204" name="Google Shape;204;g1172bfcbe77_0_83:notes"/>
+          <p:cNvPr id="205" name="Google Shape;205;g1172bfcbe77_0_83:notes"/>
           <p:cNvSpPr/>
           <p:nvPr>
             <p:ph idx="2" type="sldImg"/>
@@ -4131,7 +3931,7 @@
       </p:sp>
       <p:sp>
         <p:nvSpPr>
-          <p:cNvPr id="205" name="Google Shape;205;g1172bfcbe77_0_83:notes"/>
+          <p:cNvPr id="206" name="Google Shape;206;g1172bfcbe77_0_83:notes"/>
           <p:cNvSpPr txBox="1"/>
           <p:nvPr>
             <p:ph idx="1" type="body"/>
@@ -4181,7 +3981,7 @@
   <p:cSld>
     <p:spTree>
       <p:nvGrpSpPr>
-        <p:cNvPr id="211" name="Shape 211"/>
+        <p:cNvPr id="212" name="Shape 212"/>
         <p:cNvGrpSpPr/>
         <p:nvPr/>
       </p:nvGrpSpPr>
@@ -4195,7 +3995,7 @@
       </p:grpSpPr>
       <p:sp>
         <p:nvSpPr>
-          <p:cNvPr id="212" name="Google Shape;212;g1172bfcbe77_0_89:notes"/>
+          <p:cNvPr id="213" name="Google Shape;213;g1172bfcbe77_0_89:notes"/>
           <p:cNvSpPr/>
           <p:nvPr>
             <p:ph idx="2" type="sldImg"/>
@@ -4230,7 +4030,7 @@
       </p:sp>
       <p:sp>
         <p:nvSpPr>
-          <p:cNvPr id="213" name="Google Shape;213;g1172bfcbe77_0_89:notes"/>
+          <p:cNvPr id="214" name="Google Shape;214;g1172bfcbe77_0_89:notes"/>
           <p:cNvSpPr txBox="1"/>
           <p:nvPr>
             <p:ph idx="1" type="body"/>
@@ -4280,7 +4080,7 @@
   <p:cSld>
     <p:spTree>
       <p:nvGrpSpPr>
-        <p:cNvPr id="219" name="Shape 219"/>
+        <p:cNvPr id="220" name="Shape 220"/>
         <p:cNvGrpSpPr/>
         <p:nvPr/>
       </p:nvGrpSpPr>
@@ -4294,7 +4094,7 @@
       </p:grpSpPr>
       <p:sp>
         <p:nvSpPr>
-          <p:cNvPr id="220" name="Google Shape;220;g1172bfcbe77_0_95:notes"/>
+          <p:cNvPr id="221" name="Google Shape;221;g1172bfcbe77_0_95:notes"/>
           <p:cNvSpPr/>
           <p:nvPr>
             <p:ph idx="2" type="sldImg"/>
@@ -4329,7 +4129,7 @@
       </p:sp>
       <p:sp>
         <p:nvSpPr>
-          <p:cNvPr id="221" name="Google Shape;221;g1172bfcbe77_0_95:notes"/>
+          <p:cNvPr id="222" name="Google Shape;222;g1172bfcbe77_0_95:notes"/>
           <p:cNvSpPr txBox="1"/>
           <p:nvPr>
             <p:ph idx="1" type="body"/>
@@ -4379,7 +4179,7 @@
   <p:cSld>
     <p:spTree>
       <p:nvGrpSpPr>
-        <p:cNvPr id="227" name="Shape 227"/>
+        <p:cNvPr id="228" name="Shape 228"/>
         <p:cNvGrpSpPr/>
         <p:nvPr/>
       </p:nvGrpSpPr>
@@ -4393,7 +4193,7 @@
       </p:grpSpPr>
       <p:sp>
         <p:nvSpPr>
-          <p:cNvPr id="228" name="Google Shape;228;g1172bfcbe77_0_101:notes"/>
+          <p:cNvPr id="229" name="Google Shape;229;g1172bfcbe77_0_101:notes"/>
           <p:cNvSpPr/>
           <p:nvPr>
             <p:ph idx="2" type="sldImg"/>
@@ -4428,7 +4228,7 @@
       </p:sp>
       <p:sp>
         <p:nvSpPr>
-          <p:cNvPr id="229" name="Google Shape;229;g1172bfcbe77_0_101:notes"/>
+          <p:cNvPr id="230" name="Google Shape;230;g1172bfcbe77_0_101:notes"/>
           <p:cNvSpPr txBox="1"/>
           <p:nvPr>
             <p:ph idx="1" type="body"/>
@@ -4478,7 +4278,7 @@
   <p:cSld>
     <p:spTree>
       <p:nvGrpSpPr>
-        <p:cNvPr id="235" name="Shape 235"/>
+        <p:cNvPr id="236" name="Shape 236"/>
         <p:cNvGrpSpPr/>
         <p:nvPr/>
       </p:nvGrpSpPr>
@@ -4492,7 +4292,7 @@
       </p:grpSpPr>
       <p:sp>
         <p:nvSpPr>
-          <p:cNvPr id="236" name="Google Shape;236;g1172bfcbe77_0_107:notes"/>
+          <p:cNvPr id="237" name="Google Shape;237;g1172bfcbe77_0_107:notes"/>
           <p:cNvSpPr/>
           <p:nvPr>
             <p:ph idx="2" type="sldImg"/>
@@ -4527,7 +4327,7 @@
       </p:sp>
       <p:sp>
         <p:nvSpPr>
-          <p:cNvPr id="237" name="Google Shape;237;g1172bfcbe77_0_107:notes"/>
+          <p:cNvPr id="238" name="Google Shape;238;g1172bfcbe77_0_107:notes"/>
           <p:cNvSpPr txBox="1"/>
           <p:nvPr>
             <p:ph idx="1" type="body"/>
@@ -20886,6 +20686,34 @@
           </a:p>
         </p:txBody>
       </p:sp>
+      <p:pic>
+        <p:nvPicPr>
+          <p:cNvPr id="179" name="Google Shape;179;p37"/>
+          <p:cNvPicPr preferRelativeResize="0"/>
+          <p:nvPr/>
+        </p:nvPicPr>
+        <p:blipFill>
+          <a:blip r:embed="rId5">
+            <a:alphaModFix/>
+          </a:blip>
+          <a:stretch>
+            <a:fillRect/>
+          </a:stretch>
+        </p:blipFill>
+        <p:spPr>
+          <a:xfrm>
+            <a:off x="7959900" y="3603500"/>
+            <a:ext cx="872400" cy="872400"/>
+          </a:xfrm>
+          <a:prstGeom prst="rect">
+            <a:avLst/>
+          </a:prstGeom>
+          <a:noFill/>
+          <a:ln>
+            <a:noFill/>
+          </a:ln>
+        </p:spPr>
+      </p:pic>
     </p:spTree>
   </p:cSld>
   <p:clrMapOvr>
@@ -20899,7 +20727,7 @@
   <p:cSld>
     <p:spTree>
       <p:nvGrpSpPr>
-        <p:cNvPr id="246" name="Shape 246"/>
+        <p:cNvPr id="247" name="Shape 247"/>
         <p:cNvGrpSpPr/>
         <p:nvPr/>
       </p:nvGrpSpPr>
@@ -20913,7 +20741,7 @@
       </p:grpSpPr>
       <p:pic>
         <p:nvPicPr>
-          <p:cNvPr id="247" name="Google Shape;247;p46"/>
+          <p:cNvPr id="248" name="Google Shape;248;p46"/>
           <p:cNvPicPr preferRelativeResize="0"/>
           <p:nvPr/>
         </p:nvPicPr>
@@ -20941,7 +20769,7 @@
       </p:pic>
       <p:sp>
         <p:nvSpPr>
-          <p:cNvPr id="248" name="Google Shape;248;p46"/>
+          <p:cNvPr id="249" name="Google Shape;249;p46"/>
           <p:cNvSpPr txBox="1"/>
           <p:nvPr>
             <p:ph type="title"/>
@@ -20989,7 +20817,7 @@
       </p:sp>
       <p:sp>
         <p:nvSpPr>
-          <p:cNvPr id="249" name="Google Shape;249;p46"/>
+          <p:cNvPr id="250" name="Google Shape;250;p46"/>
           <p:cNvSpPr txBox="1"/>
           <p:nvPr>
             <p:ph idx="12" type="sldNum"/>
@@ -21037,7 +20865,7 @@
       </p:sp>
       <p:sp>
         <p:nvSpPr>
-          <p:cNvPr id="250" name="Google Shape;250;p46"/>
+          <p:cNvPr id="251" name="Google Shape;251;p46"/>
           <p:cNvSpPr txBox="1"/>
           <p:nvPr/>
         </p:nvSpPr>
@@ -21094,7 +20922,7 @@
   <p:cSld>
     <p:spTree>
       <p:nvGrpSpPr>
-        <p:cNvPr id="254" name="Shape 254"/>
+        <p:cNvPr id="255" name="Shape 255"/>
         <p:cNvGrpSpPr/>
         <p:nvPr/>
       </p:nvGrpSpPr>
@@ -21108,7 +20936,7 @@
       </p:grpSpPr>
       <p:pic>
         <p:nvPicPr>
-          <p:cNvPr id="255" name="Google Shape;255;p47"/>
+          <p:cNvPr id="256" name="Google Shape;256;p47"/>
           <p:cNvPicPr preferRelativeResize="0"/>
           <p:nvPr/>
         </p:nvPicPr>
@@ -21136,7 +20964,7 @@
       </p:pic>
       <p:sp>
         <p:nvSpPr>
-          <p:cNvPr id="256" name="Google Shape;256;p47"/>
+          <p:cNvPr id="257" name="Google Shape;257;p47"/>
           <p:cNvSpPr txBox="1"/>
           <p:nvPr>
             <p:ph type="title"/>
@@ -21192,7 +21020,7 @@
       </p:sp>
       <p:sp>
         <p:nvSpPr>
-          <p:cNvPr id="257" name="Google Shape;257;p47"/>
+          <p:cNvPr id="258" name="Google Shape;258;p47"/>
           <p:cNvSpPr txBox="1"/>
           <p:nvPr>
             <p:ph idx="12" type="sldNum"/>
@@ -21240,14 +21068,14 @@
       </p:sp>
       <p:sp>
         <p:nvSpPr>
-          <p:cNvPr id="258" name="Google Shape;258;p47"/>
+          <p:cNvPr id="259" name="Google Shape;259;p47"/>
           <p:cNvSpPr txBox="1"/>
           <p:nvPr/>
         </p:nvSpPr>
         <p:spPr>
           <a:xfrm>
             <a:off x="341550" y="861836"/>
-            <a:ext cx="8460900" cy="2696700"/>
+            <a:ext cx="8460900" cy="1563900"/>
           </a:xfrm>
           <a:prstGeom prst="rect">
             <a:avLst/>
@@ -21298,47 +21126,7 @@
             </a:pPr>
             <a:r>
               <a:rPr lang="en" sz="1600"/>
-              <a:t>For example, suppose you have a massive database of sensor readings that can be accessed using an API. </a:t>
-            </a:r>
-            <a:endParaRPr sz="1600"/>
-          </a:p>
-          <a:p>
-            <a:pPr indent="-330200" lvl="0" marL="457200" rtl="0" algn="l">
-              <a:lnSpc>
-                <a:spcPct val="115000"/>
-              </a:lnSpc>
-              <a:spcBef>
-                <a:spcPts val="0"/>
-              </a:spcBef>
-              <a:spcAft>
-                <a:spcPts val="0"/>
-              </a:spcAft>
-              <a:buSzPts val="1600"/>
-              <a:buChar char="●"/>
-            </a:pPr>
-            <a:r>
-              <a:rPr lang="en" sz="1600"/>
-              <a:t>If you want to generate a new feature that is the sum of all sensor readings, you’ll want to be able to do so within a reasonable amount of time. </a:t>
-            </a:r>
-            <a:endParaRPr sz="1600"/>
-          </a:p>
-          <a:p>
-            <a:pPr indent="-330200" lvl="0" marL="457200" rtl="0" algn="l">
-              <a:lnSpc>
-                <a:spcPct val="115000"/>
-              </a:lnSpc>
-              <a:spcBef>
-                <a:spcPts val="0"/>
-              </a:spcBef>
-              <a:spcAft>
-                <a:spcPts val="0"/>
-              </a:spcAft>
-              <a:buSzPts val="1600"/>
-              <a:buChar char="●"/>
-            </a:pPr>
-            <a:r>
-              <a:rPr lang="en" sz="1600"/>
-              <a:t>The same would be true if, a few days later, you discover that all the readings in a range of dates were flipped in value (due to a software bug), meaning that you’ll need to regenerate the reading sums.</a:t>
+              <a:t>For example, suppose you have a massive database of sensor readings that can be accessed using an API.  If you want to generate a new feature that is the sum of all sensor readings, you’ll want to be able to do so within a reasonable amount of time. </a:t>
             </a:r>
             <a:endParaRPr sz="1600"/>
           </a:p>
@@ -21357,7 +21145,7 @@
   <p:cSld>
     <p:spTree>
       <p:nvGrpSpPr>
-        <p:cNvPr id="262" name="Shape 262"/>
+        <p:cNvPr id="263" name="Shape 263"/>
         <p:cNvGrpSpPr/>
         <p:nvPr/>
       </p:nvGrpSpPr>
@@ -21371,7 +21159,7 @@
       </p:grpSpPr>
       <p:pic>
         <p:nvPicPr>
-          <p:cNvPr id="263" name="Google Shape;263;p48"/>
+          <p:cNvPr id="264" name="Google Shape;264;p48"/>
           <p:cNvPicPr preferRelativeResize="0"/>
           <p:nvPr/>
         </p:nvPicPr>
@@ -21399,7 +21187,7 @@
       </p:pic>
       <p:sp>
         <p:nvSpPr>
-          <p:cNvPr id="264" name="Google Shape;264;p48"/>
+          <p:cNvPr id="265" name="Google Shape;265;p48"/>
           <p:cNvSpPr txBox="1"/>
           <p:nvPr>
             <p:ph type="title"/>
@@ -21447,7 +21235,7 @@
       </p:sp>
       <p:sp>
         <p:nvSpPr>
-          <p:cNvPr id="265" name="Google Shape;265;p48"/>
+          <p:cNvPr id="266" name="Google Shape;266;p48"/>
           <p:cNvSpPr txBox="1"/>
           <p:nvPr>
             <p:ph idx="12" type="sldNum"/>
@@ -21495,7 +21283,7 @@
       </p:sp>
       <p:sp>
         <p:nvSpPr>
-          <p:cNvPr id="266" name="Google Shape;266;p48"/>
+          <p:cNvPr id="267" name="Google Shape;267;p48"/>
           <p:cNvSpPr txBox="1"/>
           <p:nvPr/>
         </p:nvSpPr>
@@ -21533,7 +21321,7 @@
             </a:pPr>
             <a:r>
               <a:rPr lang="en" sz="1600"/>
-              <a:t>Can you provide a brief description for each field that includes its name and type, what it represents, how its value is measured, when the data is collected, whether the original values can get updated, and what its applicability is to the use case? </a:t>
+              <a:t>Can you provide a brief description for each field that includes its name and type, what it represents, how its value is measured, when the data is collected, whether the original values can get updated, and what its applicability to the use case? </a:t>
             </a:r>
             <a:endParaRPr sz="1600"/>
           </a:p>
@@ -21572,7 +21360,7 @@
   <p:cSld>
     <p:spTree>
       <p:nvGrpSpPr>
-        <p:cNvPr id="270" name="Shape 270"/>
+        <p:cNvPr id="271" name="Shape 271"/>
         <p:cNvGrpSpPr/>
         <p:nvPr/>
       </p:nvGrpSpPr>
@@ -21586,7 +21374,7 @@
       </p:grpSpPr>
       <p:pic>
         <p:nvPicPr>
-          <p:cNvPr id="271" name="Google Shape;271;p49"/>
+          <p:cNvPr id="272" name="Google Shape;272;p49"/>
           <p:cNvPicPr preferRelativeResize="0"/>
           <p:nvPr/>
         </p:nvPicPr>
@@ -21614,7 +21402,7 @@
       </p:pic>
       <p:sp>
         <p:nvSpPr>
-          <p:cNvPr id="272" name="Google Shape;272;p49"/>
+          <p:cNvPr id="273" name="Google Shape;273;p49"/>
           <p:cNvSpPr txBox="1"/>
           <p:nvPr>
             <p:ph type="title"/>
@@ -21662,7 +21450,7 @@
       </p:sp>
       <p:sp>
         <p:nvSpPr>
-          <p:cNvPr id="273" name="Google Shape;273;p49"/>
+          <p:cNvPr id="274" name="Google Shape;274;p49"/>
           <p:cNvSpPr txBox="1"/>
           <p:nvPr>
             <p:ph idx="12" type="sldNum"/>
@@ -21710,7 +21498,7 @@
       </p:sp>
       <p:sp>
         <p:nvSpPr>
-          <p:cNvPr id="274" name="Google Shape;274;p49"/>
+          <p:cNvPr id="275" name="Google Shape;275;p49"/>
           <p:cNvSpPr txBox="1"/>
           <p:nvPr/>
         </p:nvSpPr>
@@ -21835,7 +21623,7 @@
   <p:cSld>
     <p:spTree>
       <p:nvGrpSpPr>
-        <p:cNvPr id="278" name="Shape 278"/>
+        <p:cNvPr id="279" name="Shape 279"/>
         <p:cNvGrpSpPr/>
         <p:nvPr/>
       </p:nvGrpSpPr>
@@ -21849,7 +21637,7 @@
       </p:grpSpPr>
       <p:pic>
         <p:nvPicPr>
-          <p:cNvPr id="279" name="Google Shape;279;p50"/>
+          <p:cNvPr id="280" name="Google Shape;280;p50"/>
           <p:cNvPicPr preferRelativeResize="0"/>
           <p:nvPr/>
         </p:nvPicPr>
@@ -21877,7 +21665,7 @@
       </p:pic>
       <p:sp>
         <p:nvSpPr>
-          <p:cNvPr id="280" name="Google Shape;280;p50"/>
+          <p:cNvPr id="281" name="Google Shape;281;p50"/>
           <p:cNvSpPr txBox="1"/>
           <p:nvPr>
             <p:ph type="title"/>
@@ -21925,7 +21713,7 @@
       </p:sp>
       <p:sp>
         <p:nvSpPr>
-          <p:cNvPr id="281" name="Google Shape;281;p50"/>
+          <p:cNvPr id="282" name="Google Shape;282;p50"/>
           <p:cNvSpPr txBox="1"/>
           <p:nvPr>
             <p:ph idx="12" type="sldNum"/>
@@ -21973,7 +21761,7 @@
       </p:sp>
       <p:sp>
         <p:nvSpPr>
-          <p:cNvPr id="282" name="Google Shape;282;p50"/>
+          <p:cNvPr id="283" name="Google Shape;283;p50"/>
           <p:cNvSpPr txBox="1"/>
           <p:nvPr/>
         </p:nvSpPr>
@@ -22070,7 +21858,7 @@
   <p:cSld>
     <p:spTree>
       <p:nvGrpSpPr>
-        <p:cNvPr id="286" name="Shape 286"/>
+        <p:cNvPr id="287" name="Shape 287"/>
         <p:cNvGrpSpPr/>
         <p:nvPr/>
       </p:nvGrpSpPr>
@@ -22084,7 +21872,7 @@
       </p:grpSpPr>
       <p:pic>
         <p:nvPicPr>
-          <p:cNvPr id="287" name="Google Shape;287;p51"/>
+          <p:cNvPr id="288" name="Google Shape;288;p51"/>
           <p:cNvPicPr preferRelativeResize="0"/>
           <p:nvPr/>
         </p:nvPicPr>
@@ -22112,7 +21900,7 @@
       </p:pic>
       <p:sp>
         <p:nvSpPr>
-          <p:cNvPr id="288" name="Google Shape;288;p51"/>
+          <p:cNvPr id="289" name="Google Shape;289;p51"/>
           <p:cNvSpPr txBox="1"/>
           <p:nvPr>
             <p:ph type="title"/>
@@ -22160,7 +21948,7 @@
       </p:sp>
       <p:sp>
         <p:nvSpPr>
-          <p:cNvPr id="289" name="Google Shape;289;p51"/>
+          <p:cNvPr id="290" name="Google Shape;290;p51"/>
           <p:cNvSpPr txBox="1"/>
           <p:nvPr>
             <p:ph idx="12" type="sldNum"/>
@@ -22208,7 +21996,7 @@
       </p:sp>
       <p:sp>
         <p:nvSpPr>
-          <p:cNvPr id="290" name="Google Shape;290;p51"/>
+          <p:cNvPr id="291" name="Google Shape;291;p51"/>
           <p:cNvSpPr txBox="1"/>
           <p:nvPr/>
         </p:nvSpPr>
@@ -22285,7 +22073,7 @@
   <p:cSld>
     <p:spTree>
       <p:nvGrpSpPr>
-        <p:cNvPr id="294" name="Shape 294"/>
+        <p:cNvPr id="295" name="Shape 295"/>
         <p:cNvGrpSpPr/>
         <p:nvPr/>
       </p:nvGrpSpPr>
@@ -22299,7 +22087,7 @@
       </p:grpSpPr>
       <p:pic>
         <p:nvPicPr>
-          <p:cNvPr id="295" name="Google Shape;295;p52"/>
+          <p:cNvPr id="296" name="Google Shape;296;p52"/>
           <p:cNvPicPr preferRelativeResize="0"/>
           <p:nvPr/>
         </p:nvPicPr>
@@ -22327,7 +22115,7 @@
       </p:pic>
       <p:sp>
         <p:nvSpPr>
-          <p:cNvPr id="296" name="Google Shape;296;p52"/>
+          <p:cNvPr id="297" name="Google Shape;297;p52"/>
           <p:cNvSpPr txBox="1"/>
           <p:nvPr>
             <p:ph type="title"/>
@@ -22336,7 +22124,7 @@
         <p:spPr>
           <a:xfrm>
             <a:off x="213850" y="130475"/>
-            <a:ext cx="8661600" cy="1057500"/>
+            <a:ext cx="8520600" cy="607800"/>
           </a:xfrm>
           <a:prstGeom prst="rect">
             <a:avLst/>
@@ -22348,7 +22136,7 @@
           </a:bodyPr>
           <a:lstStyle/>
           <a:p>
-            <a:pPr indent="0" lvl="0" marL="0" rtl="0" algn="l">
+            <a:pPr indent="0" lvl="0" marL="0" rtl="0" algn="ctr">
               <a:spcBef>
                 <a:spcPts val="0"/>
               </a:spcBef>
@@ -22358,14 +22146,14 @@
               <a:buNone/>
             </a:pPr>
             <a:r>
-              <a:rPr lang="en" sz="2800">
+              <a:rPr lang="en">
                 <a:solidFill>
                   <a:srgbClr val="4A86E8"/>
                 </a:solidFill>
               </a:rPr>
-              <a:t>Do you know the timestamp at which each data value was obtained or updated?</a:t>
+              <a:t>Lecture outline</a:t>
             </a:r>
-            <a:endParaRPr sz="2800">
+            <a:endParaRPr>
               <a:solidFill>
                 <a:srgbClr val="4A86E8"/>
               </a:solidFill>
@@ -22375,7 +22163,7 @@
       </p:sp>
       <p:sp>
         <p:nvSpPr>
-          <p:cNvPr id="297" name="Google Shape;297;p52"/>
+          <p:cNvPr id="298" name="Google Shape;298;p52"/>
           <p:cNvSpPr txBox="1"/>
           <p:nvPr>
             <p:ph idx="12" type="sldNum"/>
@@ -22423,14 +22211,14 @@
       </p:sp>
       <p:sp>
         <p:nvSpPr>
-          <p:cNvPr id="298" name="Google Shape;298;p52"/>
+          <p:cNvPr id="299" name="Google Shape;299;p52"/>
           <p:cNvSpPr txBox="1"/>
           <p:nvPr/>
         </p:nvSpPr>
         <p:spPr>
           <a:xfrm>
-            <a:off x="314200" y="1323061"/>
-            <a:ext cx="8460900" cy="2130300"/>
+            <a:off x="2621150" y="1453800"/>
+            <a:ext cx="5938200" cy="1822500"/>
           </a:xfrm>
           <a:prstGeom prst="rect">
             <a:avLst/>
@@ -22446,7 +22234,7 @@
           </a:bodyPr>
           <a:lstStyle/>
           <a:p>
-            <a:pPr indent="-330200" lvl="0" marL="457200" rtl="0" algn="l">
+            <a:pPr indent="0" lvl="0" marL="0" rtl="0" algn="l">
               <a:lnSpc>
                 <a:spcPct val="115000"/>
               </a:lnSpc>
@@ -22456,17 +22244,16 @@
               <a:spcAft>
                 <a:spcPts val="0"/>
               </a:spcAft>
-              <a:buSzPts val="1600"/>
-              <a:buChar char="●"/>
+              <a:buNone/>
             </a:pPr>
             <a:r>
-              <a:rPr lang="en" sz="1600"/>
-              <a:t>To build (that is, to train) a forecasting model, you must re-create snapshots of the data in the past (as examples) and show them to the model to learn from. </a:t>
+              <a:rPr lang="en" sz="1900"/>
+              <a:t>Essential checks</a:t>
             </a:r>
-            <a:endParaRPr sz="1600"/>
+            <a:endParaRPr sz="1900"/>
           </a:p>
           <a:p>
-            <a:pPr indent="-330200" lvl="0" marL="457200" rtl="0" algn="l">
+            <a:pPr indent="0" lvl="0" marL="0" rtl="0" algn="l">
               <a:lnSpc>
                 <a:spcPct val="115000"/>
               </a:lnSpc>
@@ -22476,17 +22263,15 @@
               <a:spcAft>
                 <a:spcPts val="0"/>
               </a:spcAft>
-              <a:buSzPts val="1600"/>
-              <a:buChar char="●"/>
+              <a:buNone/>
             </a:pPr>
             <a:r>
-              <a:rPr lang="en" sz="1600"/>
-              <a:t>For this reason, you’ll often need to know the time of each new data value, as well as the time of each data value update (for example, if an item price is changed or if a user changes a setting). </a:t>
+              <a:t/>
             </a:r>
-            <a:endParaRPr sz="1600"/>
+            <a:endParaRPr sz="1900"/>
           </a:p>
           <a:p>
-            <a:pPr indent="-330200" lvl="0" marL="457200" rtl="0" algn="l">
+            <a:pPr indent="0" lvl="0" marL="0" rtl="0" algn="l">
               <a:lnSpc>
                 <a:spcPct val="115000"/>
               </a:lnSpc>
@@ -22496,17 +22281,80 @@
               <a:spcAft>
                 <a:spcPts val="0"/>
               </a:spcAft>
-              <a:buSzPts val="1600"/>
-              <a:buChar char="●"/>
+              <a:buNone/>
             </a:pPr>
             <a:r>
-              <a:rPr lang="en" sz="1600"/>
-              <a:t>In some problems, it may be sufficient to know the chronological order the data values are obtained to re-create data snapshots.</a:t>
+              <a:rPr b="1" lang="en" sz="1900"/>
+              <a:t>Additional checks</a:t>
             </a:r>
-            <a:endParaRPr sz="1600"/>
+            <a:endParaRPr b="1" sz="1900"/>
+          </a:p>
+          <a:p>
+            <a:pPr indent="0" lvl="0" marL="0" rtl="0" algn="l">
+              <a:lnSpc>
+                <a:spcPct val="115000"/>
+              </a:lnSpc>
+              <a:spcBef>
+                <a:spcPts val="0"/>
+              </a:spcBef>
+              <a:spcAft>
+                <a:spcPts val="0"/>
+              </a:spcAft>
+              <a:buNone/>
+            </a:pPr>
+            <a:r>
+              <a:t/>
+            </a:r>
+            <a:endParaRPr sz="1900"/>
+          </a:p>
+          <a:p>
+            <a:pPr indent="0" lvl="0" marL="0" rtl="0" algn="l">
+              <a:lnSpc>
+                <a:spcPct val="115000"/>
+              </a:lnSpc>
+              <a:spcBef>
+                <a:spcPts val="0"/>
+              </a:spcBef>
+              <a:spcAft>
+                <a:spcPts val="0"/>
+              </a:spcAft>
+              <a:buNone/>
+            </a:pPr>
+            <a:r>
+              <a:rPr lang="en" sz="1900"/>
+              <a:t>Data preparation</a:t>
+            </a:r>
+            <a:endParaRPr sz="1900"/>
           </a:p>
         </p:txBody>
       </p:sp>
+      <p:pic>
+        <p:nvPicPr>
+          <p:cNvPr id="300" name="Google Shape;300;p52"/>
+          <p:cNvPicPr preferRelativeResize="0"/>
+          <p:nvPr/>
+        </p:nvPicPr>
+        <p:blipFill rotWithShape="1">
+          <a:blip r:embed="rId4">
+            <a:alphaModFix/>
+          </a:blip>
+          <a:srcRect b="0" l="0" r="43813" t="0"/>
+          <a:stretch/>
+        </p:blipFill>
+        <p:spPr>
+          <a:xfrm>
+            <a:off x="340300" y="0"/>
+            <a:ext cx="1156000" cy="4730100"/>
+          </a:xfrm>
+          <a:prstGeom prst="rect">
+            <a:avLst/>
+          </a:prstGeom>
+          <a:noFill/>
+          <a:ln>
+            <a:noFill/>
+          </a:ln>
+        </p:spPr>
+      </p:pic>
     </p:spTree>
   </p:cSld>
   <p:clrMapOvr>
@@ -22520,7 +22368,7 @@
   <p:cSld>
     <p:spTree>
       <p:nvGrpSpPr>
-        <p:cNvPr id="302" name="Shape 302"/>
+        <p:cNvPr id="304" name="Shape 304"/>
         <p:cNvGrpSpPr/>
         <p:nvPr/>
       </p:nvGrpSpPr>
@@ -22534,7 +22382,7 @@
       </p:grpSpPr>
       <p:pic>
         <p:nvPicPr>
-          <p:cNvPr id="303" name="Google Shape;303;p53"/>
+          <p:cNvPr id="305" name="Google Shape;305;p53"/>
           <p:cNvPicPr preferRelativeResize="0"/>
           <p:nvPr/>
         </p:nvPicPr>
@@ -22562,302 +22410,7 @@
       </p:pic>
       <p:sp>
         <p:nvSpPr>
-          <p:cNvPr id="304" name="Google Shape;304;p53"/>
-          <p:cNvSpPr txBox="1"/>
-          <p:nvPr>
-            <p:ph type="title"/>
-          </p:nvPr>
-        </p:nvSpPr>
-        <p:spPr>
-          <a:xfrm>
-            <a:off x="213850" y="130475"/>
-            <a:ext cx="8520600" cy="607800"/>
-          </a:xfrm>
-          <a:prstGeom prst="rect">
-            <a:avLst/>
-          </a:prstGeom>
-        </p:spPr>
-        <p:txBody>
-          <a:bodyPr anchorCtr="0" anchor="t" bIns="91425" lIns="91425" spcFirstLastPara="1" rIns="91425" wrap="square" tIns="91425">
-            <a:noAutofit/>
-          </a:bodyPr>
-          <a:lstStyle/>
-          <a:p>
-            <a:pPr indent="0" lvl="0" marL="0" rtl="0" algn="ctr">
-              <a:spcBef>
-                <a:spcPts val="0"/>
-              </a:spcBef>
-              <a:spcAft>
-                <a:spcPts val="0"/>
-              </a:spcAft>
-              <a:buNone/>
-            </a:pPr>
-            <a:r>
-              <a:rPr lang="en">
-                <a:solidFill>
-                  <a:srgbClr val="4A86E8"/>
-                </a:solidFill>
-              </a:rPr>
-              <a:t>Lecture outline</a:t>
-            </a:r>
-            <a:endParaRPr>
-              <a:solidFill>
-                <a:srgbClr val="4A86E8"/>
-              </a:solidFill>
-            </a:endParaRPr>
-          </a:p>
-        </p:txBody>
-      </p:sp>
-      <p:sp>
-        <p:nvSpPr>
-          <p:cNvPr id="305" name="Google Shape;305;p53"/>
-          <p:cNvSpPr txBox="1"/>
-          <p:nvPr>
-            <p:ph idx="12" type="sldNum"/>
-          </p:nvPr>
-        </p:nvSpPr>
-        <p:spPr>
-          <a:xfrm>
-            <a:off x="6" y="4730090"/>
-            <a:ext cx="548700" cy="393600"/>
-          </a:xfrm>
-          <a:prstGeom prst="rect">
-            <a:avLst/>
-          </a:prstGeom>
-        </p:spPr>
-        <p:txBody>
-          <a:bodyPr anchorCtr="0" anchor="ctr" bIns="91425" lIns="91425" spcFirstLastPara="1" rIns="91425" wrap="square" tIns="91425">
-            <a:noAutofit/>
-          </a:bodyPr>
-          <a:lstStyle/>
-          <a:p>
-            <a:pPr indent="0" lvl="0" marL="0" rtl="0" algn="r">
-              <a:spcBef>
-                <a:spcPts val="0"/>
-              </a:spcBef>
-              <a:spcAft>
-                <a:spcPts val="0"/>
-              </a:spcAft>
-              <a:buNone/>
-            </a:pPr>
-            <a:fld id="{00000000-1234-1234-1234-123412341234}" type="slidenum">
-              <a:rPr lang="en">
-                <a:solidFill>
-                  <a:schemeClr val="lt1"/>
-                </a:solidFill>
-              </a:rPr>
-              <a:t>‹#›</a:t>
-            </a:fld>
-            <a:endParaRPr>
-              <a:solidFill>
-                <a:schemeClr val="lt1"/>
-              </a:solidFill>
-            </a:endParaRPr>
-          </a:p>
-        </p:txBody>
-      </p:sp>
-      <p:sp>
-        <p:nvSpPr>
           <p:cNvPr id="306" name="Google Shape;306;p53"/>
-          <p:cNvSpPr txBox="1"/>
-          <p:nvPr/>
-        </p:nvSpPr>
-        <p:spPr>
-          <a:xfrm>
-            <a:off x="2621150" y="1453800"/>
-            <a:ext cx="5938200" cy="1822500"/>
-          </a:xfrm>
-          <a:prstGeom prst="rect">
-            <a:avLst/>
-          </a:prstGeom>
-          <a:noFill/>
-          <a:ln>
-            <a:noFill/>
-          </a:ln>
-        </p:spPr>
-        <p:txBody>
-          <a:bodyPr anchorCtr="0" anchor="t" bIns="91425" lIns="91425" spcFirstLastPara="1" rIns="91425" wrap="square" tIns="91425">
-            <a:spAutoFit/>
-          </a:bodyPr>
-          <a:lstStyle/>
-          <a:p>
-            <a:pPr indent="0" lvl="0" marL="0" rtl="0" algn="l">
-              <a:lnSpc>
-                <a:spcPct val="115000"/>
-              </a:lnSpc>
-              <a:spcBef>
-                <a:spcPts val="0"/>
-              </a:spcBef>
-              <a:spcAft>
-                <a:spcPts val="0"/>
-              </a:spcAft>
-              <a:buNone/>
-            </a:pPr>
-            <a:r>
-              <a:rPr lang="en" sz="1900"/>
-              <a:t>Essential checks</a:t>
-            </a:r>
-            <a:endParaRPr sz="1900"/>
-          </a:p>
-          <a:p>
-            <a:pPr indent="0" lvl="0" marL="0" rtl="0" algn="l">
-              <a:lnSpc>
-                <a:spcPct val="115000"/>
-              </a:lnSpc>
-              <a:spcBef>
-                <a:spcPts val="0"/>
-              </a:spcBef>
-              <a:spcAft>
-                <a:spcPts val="0"/>
-              </a:spcAft>
-              <a:buNone/>
-            </a:pPr>
-            <a:r>
-              <a:t/>
-            </a:r>
-            <a:endParaRPr sz="1900"/>
-          </a:p>
-          <a:p>
-            <a:pPr indent="0" lvl="0" marL="0" rtl="0" algn="l">
-              <a:lnSpc>
-                <a:spcPct val="115000"/>
-              </a:lnSpc>
-              <a:spcBef>
-                <a:spcPts val="0"/>
-              </a:spcBef>
-              <a:spcAft>
-                <a:spcPts val="0"/>
-              </a:spcAft>
-              <a:buNone/>
-            </a:pPr>
-            <a:r>
-              <a:rPr b="1" lang="en" sz="1900"/>
-              <a:t>Additional checks</a:t>
-            </a:r>
-            <a:endParaRPr b="1" sz="1900"/>
-          </a:p>
-          <a:p>
-            <a:pPr indent="0" lvl="0" marL="0" rtl="0" algn="l">
-              <a:lnSpc>
-                <a:spcPct val="115000"/>
-              </a:lnSpc>
-              <a:spcBef>
-                <a:spcPts val="0"/>
-              </a:spcBef>
-              <a:spcAft>
-                <a:spcPts val="0"/>
-              </a:spcAft>
-              <a:buNone/>
-            </a:pPr>
-            <a:r>
-              <a:t/>
-            </a:r>
-            <a:endParaRPr sz="1900"/>
-          </a:p>
-          <a:p>
-            <a:pPr indent="0" lvl="0" marL="0" rtl="0" algn="l">
-              <a:lnSpc>
-                <a:spcPct val="115000"/>
-              </a:lnSpc>
-              <a:spcBef>
-                <a:spcPts val="0"/>
-              </a:spcBef>
-              <a:spcAft>
-                <a:spcPts val="0"/>
-              </a:spcAft>
-              <a:buNone/>
-            </a:pPr>
-            <a:r>
-              <a:rPr lang="en" sz="1900"/>
-              <a:t>Data preparation</a:t>
-            </a:r>
-            <a:endParaRPr sz="1900"/>
-          </a:p>
-        </p:txBody>
-      </p:sp>
-      <p:pic>
-        <p:nvPicPr>
-          <p:cNvPr id="307" name="Google Shape;307;p53"/>
-          <p:cNvPicPr preferRelativeResize="0"/>
-          <p:nvPr/>
-        </p:nvPicPr>
-        <p:blipFill rotWithShape="1">
-          <a:blip r:embed="rId4">
-            <a:alphaModFix/>
-          </a:blip>
-          <a:srcRect b="0" l="0" r="43813" t="0"/>
-          <a:stretch/>
-        </p:blipFill>
-        <p:spPr>
-          <a:xfrm>
-            <a:off x="340300" y="0"/>
-            <a:ext cx="1156000" cy="4730100"/>
-          </a:xfrm>
-          <a:prstGeom prst="rect">
-            <a:avLst/>
-          </a:prstGeom>
-          <a:noFill/>
-          <a:ln>
-            <a:noFill/>
-          </a:ln>
-        </p:spPr>
-      </p:pic>
-    </p:spTree>
-  </p:cSld>
-  <p:clrMapOvr>
-    <a:masterClrMapping/>
-  </p:clrMapOvr>
-</p:sld>
-</file>
-
-<file path=ppt/slides/slide18.xml><?xml version="1.0" encoding="utf-8"?>
-<p:sld xmlns:a="http://schemas.openxmlformats.org/drawingml/2006/main" xmlns:r="http://schemas.openxmlformats.org/officeDocument/2006/relationships" xmlns:mc="http://schemas.openxmlformats.org/markup-compatibility/2006" xmlns:mv="urn:schemas-microsoft-com:mac:vml" xmlns:p="http://schemas.openxmlformats.org/presentationml/2006/main" xmlns:c="http://schemas.openxmlformats.org/drawingml/2006/chart" xmlns:dgm="http://schemas.openxmlformats.org/drawingml/2006/diagram" xmlns:o="urn:schemas-microsoft-com:office:office" xmlns:v="urn:schemas-microsoft-com:vml" xmlns:pvml="urn:schemas-microsoft-com:office:powerpoint" xmlns:com="http://schemas.openxmlformats.org/drawingml/2006/compatibility" xmlns:p14="http://schemas.microsoft.com/office/powerpoint/2010/main" xmlns:p15="http://schemas.microsoft.com/office/powerpoint/2012/main" xmlns:ahyp="http://schemas.microsoft.com/office/drawing/2018/hyperlinkcolor">
-  <p:cSld>
-    <p:spTree>
-      <p:nvGrpSpPr>
-        <p:cNvPr id="311" name="Shape 311"/>
-        <p:cNvGrpSpPr/>
-        <p:nvPr/>
-      </p:nvGrpSpPr>
-      <p:grpSpPr>
-        <a:xfrm>
-          <a:off x="0" y="0"/>
-          <a:ext cx="0" cy="0"/>
-          <a:chOff x="0" y="0"/>
-          <a:chExt cx="0" cy="0"/>
-        </a:xfrm>
-      </p:grpSpPr>
-      <p:pic>
-        <p:nvPicPr>
-          <p:cNvPr id="312" name="Google Shape;312;p54"/>
-          <p:cNvPicPr preferRelativeResize="0"/>
-          <p:nvPr/>
-        </p:nvPicPr>
-        <p:blipFill>
-          <a:blip r:embed="rId3">
-            <a:alphaModFix/>
-          </a:blip>
-          <a:stretch>
-            <a:fillRect/>
-          </a:stretch>
-        </p:blipFill>
-        <p:spPr>
-          <a:xfrm>
-            <a:off x="0" y="4710300"/>
-            <a:ext cx="9144000" cy="433200"/>
-          </a:xfrm>
-          <a:prstGeom prst="rect">
-            <a:avLst/>
-          </a:prstGeom>
-          <a:noFill/>
-          <a:ln>
-            <a:noFill/>
-          </a:ln>
-        </p:spPr>
-      </p:pic>
-      <p:sp>
-        <p:nvSpPr>
-          <p:cNvPr id="313" name="Google Shape;313;p54"/>
           <p:cNvSpPr txBox="1"/>
           <p:nvPr>
             <p:ph type="title"/>
@@ -22913,7 +22466,7 @@
       </p:sp>
       <p:sp>
         <p:nvSpPr>
-          <p:cNvPr id="314" name="Google Shape;314;p54"/>
+          <p:cNvPr id="307" name="Google Shape;307;p53"/>
           <p:cNvSpPr txBox="1"/>
           <p:nvPr>
             <p:ph idx="12" type="sldNum"/>
@@ -22961,7 +22514,7 @@
       </p:sp>
       <p:sp>
         <p:nvSpPr>
-          <p:cNvPr id="315" name="Google Shape;315;p54"/>
+          <p:cNvPr id="308" name="Google Shape;308;p53"/>
           <p:cNvSpPr txBox="1"/>
           <p:nvPr/>
         </p:nvSpPr>
@@ -23073,12 +22626,12 @@
 </p:sld>
 </file>
 
-<file path=ppt/slides/slide19.xml><?xml version="1.0" encoding="utf-8"?>
+<file path=ppt/slides/slide18.xml><?xml version="1.0" encoding="utf-8"?>
 <p:sld xmlns:a="http://schemas.openxmlformats.org/drawingml/2006/main" xmlns:r="http://schemas.openxmlformats.org/officeDocument/2006/relationships" xmlns:mc="http://schemas.openxmlformats.org/markup-compatibility/2006" xmlns:mv="urn:schemas-microsoft-com:mac:vml" xmlns:p="http://schemas.openxmlformats.org/presentationml/2006/main" xmlns:c="http://schemas.openxmlformats.org/drawingml/2006/chart" xmlns:dgm="http://schemas.openxmlformats.org/drawingml/2006/diagram" xmlns:o="urn:schemas-microsoft-com:office:office" xmlns:v="urn:schemas-microsoft-com:vml" xmlns:pvml="urn:schemas-microsoft-com:office:powerpoint" xmlns:com="http://schemas.openxmlformats.org/drawingml/2006/compatibility" xmlns:p14="http://schemas.microsoft.com/office/powerpoint/2010/main" xmlns:p15="http://schemas.microsoft.com/office/powerpoint/2012/main" xmlns:ahyp="http://schemas.microsoft.com/office/drawing/2018/hyperlinkcolor">
   <p:cSld>
     <p:spTree>
       <p:nvGrpSpPr>
-        <p:cNvPr id="319" name="Shape 319"/>
+        <p:cNvPr id="312" name="Shape 312"/>
         <p:cNvGrpSpPr/>
         <p:nvPr/>
       </p:nvGrpSpPr>
@@ -23092,7 +22645,7 @@
       </p:grpSpPr>
       <p:pic>
         <p:nvPicPr>
-          <p:cNvPr id="320" name="Google Shape;320;p55"/>
+          <p:cNvPr id="313" name="Google Shape;313;p54"/>
           <p:cNvPicPr preferRelativeResize="0"/>
           <p:nvPr/>
         </p:nvPicPr>
@@ -23120,7 +22673,7 @@
       </p:pic>
       <p:sp>
         <p:nvSpPr>
-          <p:cNvPr id="321" name="Google Shape;321;p55"/>
+          <p:cNvPr id="314" name="Google Shape;314;p54"/>
           <p:cNvSpPr txBox="1"/>
           <p:nvPr>
             <p:ph type="title"/>
@@ -23168,7 +22721,7 @@
       </p:sp>
       <p:sp>
         <p:nvSpPr>
-          <p:cNvPr id="322" name="Google Shape;322;p55"/>
+          <p:cNvPr id="315" name="Google Shape;315;p54"/>
           <p:cNvSpPr txBox="1"/>
           <p:nvPr>
             <p:ph idx="12" type="sldNum"/>
@@ -23216,14 +22769,14 @@
       </p:sp>
       <p:sp>
         <p:nvSpPr>
-          <p:cNvPr id="323" name="Google Shape;323;p55"/>
+          <p:cNvPr id="316" name="Google Shape;316;p54"/>
           <p:cNvSpPr txBox="1"/>
           <p:nvPr/>
         </p:nvSpPr>
         <p:spPr>
           <a:xfrm>
             <a:off x="314200" y="708086"/>
-            <a:ext cx="8460900" cy="3621900"/>
+            <a:ext cx="8460900" cy="3126300"/>
           </a:xfrm>
           <a:prstGeom prst="rect">
             <a:avLst/>
@@ -23323,26 +22876,6 @@
             <a:r>
               <a:rPr lang="en"/>
               <a:t>If you have to use a subset of your data (for example, due to regulations, privacy, data size, or limited resources) to train the model, make sure it has the same statistical distribution as the original data. </a:t>
-            </a:r>
-            <a:endParaRPr/>
-          </a:p>
-          <a:p>
-            <a:pPr indent="-317500" lvl="1" marL="742950" rtl="0" algn="l">
-              <a:lnSpc>
-                <a:spcPct val="115000"/>
-              </a:lnSpc>
-              <a:spcBef>
-                <a:spcPts val="0"/>
-              </a:spcBef>
-              <a:spcAft>
-                <a:spcPts val="0"/>
-              </a:spcAft>
-              <a:buSzPts val="1400"/>
-              <a:buChar char="○"/>
-            </a:pPr>
-            <a:r>
-              <a:rPr lang="en"/>
-              <a:t>For example, if you want to predict annual bookings for an international hotel chain, do not use data only from San Francisco. Try to sample randomly across the world. </a:t>
             </a:r>
             <a:endParaRPr/>
           </a:p>
@@ -23396,12 +22929,207 @@
 </p:sld>
 </file>
 
+<file path=ppt/slides/slide19.xml><?xml version="1.0" encoding="utf-8"?>
+<p:sld xmlns:a="http://schemas.openxmlformats.org/drawingml/2006/main" xmlns:r="http://schemas.openxmlformats.org/officeDocument/2006/relationships" xmlns:mc="http://schemas.openxmlformats.org/markup-compatibility/2006" xmlns:mv="urn:schemas-microsoft-com:mac:vml" xmlns:p="http://schemas.openxmlformats.org/presentationml/2006/main" xmlns:c="http://schemas.openxmlformats.org/drawingml/2006/chart" xmlns:dgm="http://schemas.openxmlformats.org/drawingml/2006/diagram" xmlns:o="urn:schemas-microsoft-com:office:office" xmlns:v="urn:schemas-microsoft-com:vml" xmlns:pvml="urn:schemas-microsoft-com:office:powerpoint" xmlns:com="http://schemas.openxmlformats.org/drawingml/2006/compatibility" xmlns:p14="http://schemas.microsoft.com/office/powerpoint/2010/main" xmlns:p15="http://schemas.microsoft.com/office/powerpoint/2012/main" xmlns:ahyp="http://schemas.microsoft.com/office/drawing/2018/hyperlinkcolor">
+  <p:cSld>
+    <p:spTree>
+      <p:nvGrpSpPr>
+        <p:cNvPr id="320" name="Shape 320"/>
+        <p:cNvGrpSpPr/>
+        <p:nvPr/>
+      </p:nvGrpSpPr>
+      <p:grpSpPr>
+        <a:xfrm>
+          <a:off x="0" y="0"/>
+          <a:ext cx="0" cy="0"/>
+          <a:chOff x="0" y="0"/>
+          <a:chExt cx="0" cy="0"/>
+        </a:xfrm>
+      </p:grpSpPr>
+      <p:pic>
+        <p:nvPicPr>
+          <p:cNvPr id="321" name="Google Shape;321;p55"/>
+          <p:cNvPicPr preferRelativeResize="0"/>
+          <p:nvPr/>
+        </p:nvPicPr>
+        <p:blipFill>
+          <a:blip r:embed="rId3">
+            <a:alphaModFix/>
+          </a:blip>
+          <a:stretch>
+            <a:fillRect/>
+          </a:stretch>
+        </p:blipFill>
+        <p:spPr>
+          <a:xfrm>
+            <a:off x="0" y="4710300"/>
+            <a:ext cx="9144000" cy="433200"/>
+          </a:xfrm>
+          <a:prstGeom prst="rect">
+            <a:avLst/>
+          </a:prstGeom>
+          <a:noFill/>
+          <a:ln>
+            <a:noFill/>
+          </a:ln>
+        </p:spPr>
+      </p:pic>
+      <p:sp>
+        <p:nvSpPr>
+          <p:cNvPr id="322" name="Google Shape;322;p55"/>
+          <p:cNvSpPr txBox="1"/>
+          <p:nvPr>
+            <p:ph type="title"/>
+          </p:nvPr>
+        </p:nvSpPr>
+        <p:spPr>
+          <a:xfrm>
+            <a:off x="213850" y="130475"/>
+            <a:ext cx="8661600" cy="708300"/>
+          </a:xfrm>
+          <a:prstGeom prst="rect">
+            <a:avLst/>
+          </a:prstGeom>
+        </p:spPr>
+        <p:txBody>
+          <a:bodyPr anchorCtr="0" anchor="t" bIns="91425" lIns="91425" spcFirstLastPara="1" rIns="91425" wrap="square" tIns="91425">
+            <a:noAutofit/>
+          </a:bodyPr>
+          <a:lstStyle/>
+          <a:p>
+            <a:pPr indent="0" lvl="0" marL="0" rtl="0" algn="l">
+              <a:spcBef>
+                <a:spcPts val="0"/>
+              </a:spcBef>
+              <a:spcAft>
+                <a:spcPts val="0"/>
+              </a:spcAft>
+              <a:buNone/>
+            </a:pPr>
+            <a:r>
+              <a:rPr lang="en" sz="2800">
+                <a:solidFill>
+                  <a:srgbClr val="4A86E8"/>
+                </a:solidFill>
+              </a:rPr>
+              <a:t>If there are missing values, do you know the causes?</a:t>
+            </a:r>
+            <a:endParaRPr sz="2800">
+              <a:solidFill>
+                <a:srgbClr val="4A86E8"/>
+              </a:solidFill>
+            </a:endParaRPr>
+          </a:p>
+        </p:txBody>
+      </p:sp>
+      <p:sp>
+        <p:nvSpPr>
+          <p:cNvPr id="323" name="Google Shape;323;p55"/>
+          <p:cNvSpPr txBox="1"/>
+          <p:nvPr>
+            <p:ph idx="12" type="sldNum"/>
+          </p:nvPr>
+        </p:nvSpPr>
+        <p:spPr>
+          <a:xfrm>
+            <a:off x="6" y="4730090"/>
+            <a:ext cx="548700" cy="393600"/>
+          </a:xfrm>
+          <a:prstGeom prst="rect">
+            <a:avLst/>
+          </a:prstGeom>
+        </p:spPr>
+        <p:txBody>
+          <a:bodyPr anchorCtr="0" anchor="ctr" bIns="91425" lIns="91425" spcFirstLastPara="1" rIns="91425" wrap="square" tIns="91425">
+            <a:noAutofit/>
+          </a:bodyPr>
+          <a:lstStyle/>
+          <a:p>
+            <a:pPr indent="0" lvl="0" marL="0" rtl="0" algn="r">
+              <a:spcBef>
+                <a:spcPts val="0"/>
+              </a:spcBef>
+              <a:spcAft>
+                <a:spcPts val="0"/>
+              </a:spcAft>
+              <a:buNone/>
+            </a:pPr>
+            <a:fld id="{00000000-1234-1234-1234-123412341234}" type="slidenum">
+              <a:rPr lang="en">
+                <a:solidFill>
+                  <a:schemeClr val="lt1"/>
+                </a:solidFill>
+              </a:rPr>
+              <a:t>‹#›</a:t>
+            </a:fld>
+            <a:endParaRPr>
+              <a:solidFill>
+                <a:schemeClr val="lt1"/>
+              </a:solidFill>
+            </a:endParaRPr>
+          </a:p>
+        </p:txBody>
+      </p:sp>
+      <p:sp>
+        <p:nvSpPr>
+          <p:cNvPr id="324" name="Google Shape;324;p55"/>
+          <p:cNvSpPr txBox="1"/>
+          <p:nvPr/>
+        </p:nvSpPr>
+        <p:spPr>
+          <a:xfrm>
+            <a:off x="314200" y="838786"/>
+            <a:ext cx="8460900" cy="714300"/>
+          </a:xfrm>
+          <a:prstGeom prst="rect">
+            <a:avLst/>
+          </a:prstGeom>
+          <a:noFill/>
+          <a:ln>
+            <a:noFill/>
+          </a:ln>
+        </p:spPr>
+        <p:txBody>
+          <a:bodyPr anchorCtr="0" anchor="t" bIns="91425" lIns="91425" spcFirstLastPara="1" rIns="91425" wrap="square" tIns="91425">
+            <a:spAutoFit/>
+          </a:bodyPr>
+          <a:lstStyle/>
+          <a:p>
+            <a:pPr indent="-330200" lvl="0" marL="457200" rtl="0" algn="l">
+              <a:lnSpc>
+                <a:spcPct val="115000"/>
+              </a:lnSpc>
+              <a:spcBef>
+                <a:spcPts val="0"/>
+              </a:spcBef>
+              <a:spcAft>
+                <a:spcPts val="0"/>
+              </a:spcAft>
+              <a:buSzPts val="1600"/>
+              <a:buChar char="●"/>
+            </a:pPr>
+            <a:r>
+              <a:rPr lang="en" sz="1600"/>
+              <a:t>Handling missing data is possible, but if the cause of the missing data is not well understood, ML may not be as successful.</a:t>
+            </a:r>
+            <a:endParaRPr sz="1600"/>
+          </a:p>
+        </p:txBody>
+      </p:sp>
+    </p:spTree>
+  </p:cSld>
+  <p:clrMapOvr>
+    <a:masterClrMapping/>
+  </p:clrMapOvr>
+</p:sld>
+</file>
+
 <file path=ppt/slides/slide2.xml><?xml version="1.0" encoding="utf-8"?>
 <p:sld xmlns:a="http://schemas.openxmlformats.org/drawingml/2006/main" xmlns:r="http://schemas.openxmlformats.org/officeDocument/2006/relationships" xmlns:mc="http://schemas.openxmlformats.org/markup-compatibility/2006" xmlns:mv="urn:schemas-microsoft-com:mac:vml" xmlns:p="http://schemas.openxmlformats.org/presentationml/2006/main" xmlns:c="http://schemas.openxmlformats.org/drawingml/2006/chart" xmlns:dgm="http://schemas.openxmlformats.org/drawingml/2006/diagram" xmlns:o="urn:schemas-microsoft-com:office:office" xmlns:v="urn:schemas-microsoft-com:vml" xmlns:pvml="urn:schemas-microsoft-com:office:powerpoint" xmlns:com="http://schemas.openxmlformats.org/drawingml/2006/compatibility" xmlns:p14="http://schemas.microsoft.com/office/powerpoint/2010/main" xmlns:p15="http://schemas.microsoft.com/office/powerpoint/2012/main" xmlns:ahyp="http://schemas.microsoft.com/office/drawing/2018/hyperlinkcolor">
   <p:cSld>
     <p:spTree>
       <p:nvGrpSpPr>
-        <p:cNvPr id="182" name="Shape 182"/>
+        <p:cNvPr id="183" name="Shape 183"/>
         <p:cNvGrpSpPr/>
         <p:nvPr/>
       </p:nvGrpSpPr>
@@ -23415,7 +23143,7 @@
       </p:grpSpPr>
       <p:sp>
         <p:nvSpPr>
-          <p:cNvPr id="183" name="Google Shape;183;p38"/>
+          <p:cNvPr id="184" name="Google Shape;184;p38"/>
           <p:cNvSpPr txBox="1"/>
           <p:nvPr>
             <p:ph idx="4294967295" type="ctrTitle"/>
@@ -23463,7 +23191,7 @@
       </p:sp>
       <p:sp>
         <p:nvSpPr>
-          <p:cNvPr id="184" name="Google Shape;184;p38"/>
+          <p:cNvPr id="185" name="Google Shape;185;p38"/>
           <p:cNvSpPr txBox="1"/>
           <p:nvPr>
             <p:ph idx="12" type="sldNum"/>
@@ -23503,7 +23231,7 @@
       </p:sp>
       <p:pic>
         <p:nvPicPr>
-          <p:cNvPr id="185" name="Google Shape;185;p38"/>
+          <p:cNvPr id="186" name="Google Shape;186;p38"/>
           <p:cNvPicPr preferRelativeResize="0"/>
           <p:nvPr/>
         </p:nvPicPr>
@@ -23542,7 +23270,7 @@
   <p:cSld>
     <p:spTree>
       <p:nvGrpSpPr>
-        <p:cNvPr id="327" name="Shape 327"/>
+        <p:cNvPr id="328" name="Shape 328"/>
         <p:cNvGrpSpPr/>
         <p:nvPr/>
       </p:nvGrpSpPr>
@@ -23556,7 +23284,7 @@
       </p:grpSpPr>
       <p:pic>
         <p:nvPicPr>
-          <p:cNvPr id="328" name="Google Shape;328;p56"/>
+          <p:cNvPr id="329" name="Google Shape;329;p56"/>
           <p:cNvPicPr preferRelativeResize="0"/>
           <p:nvPr/>
         </p:nvPicPr>
@@ -23584,7 +23312,7 @@
       </p:pic>
       <p:sp>
         <p:nvSpPr>
-          <p:cNvPr id="329" name="Google Shape;329;p56"/>
+          <p:cNvPr id="330" name="Google Shape;330;p56"/>
           <p:cNvSpPr txBox="1"/>
           <p:nvPr>
             <p:ph type="title"/>
@@ -23620,7 +23348,7 @@
                   <a:srgbClr val="4A86E8"/>
                 </a:solidFill>
               </a:rPr>
-              <a:t>If there are missing values, do you know the causes?</a:t>
+              <a:t>If there are missing values, do they occur at random?</a:t>
             </a:r>
             <a:endParaRPr sz="2800">
               <a:solidFill>
@@ -23632,7 +23360,7 @@
       </p:sp>
       <p:sp>
         <p:nvSpPr>
-          <p:cNvPr id="330" name="Google Shape;330;p56"/>
+          <p:cNvPr id="331" name="Google Shape;331;p56"/>
           <p:cNvSpPr txBox="1"/>
           <p:nvPr>
             <p:ph idx="12" type="sldNum"/>
@@ -23640,7 +23368,7 @@
         </p:nvSpPr>
         <p:spPr>
           <a:xfrm>
-            <a:off x="6" y="4730090"/>
+            <a:off x="6" y="4710290"/>
             <a:ext cx="548700" cy="393600"/>
           </a:xfrm>
           <a:prstGeom prst="rect">
@@ -23680,14 +23408,14 @@
       </p:sp>
       <p:sp>
         <p:nvSpPr>
-          <p:cNvPr id="331" name="Google Shape;331;p56"/>
+          <p:cNvPr id="332" name="Google Shape;332;p56"/>
           <p:cNvSpPr txBox="1"/>
           <p:nvPr/>
         </p:nvSpPr>
         <p:spPr>
           <a:xfrm>
             <a:off x="314200" y="838786"/>
-            <a:ext cx="8460900" cy="714300"/>
+            <a:ext cx="8460900" cy="2696700"/>
           </a:xfrm>
           <a:prstGeom prst="rect">
             <a:avLst/>
@@ -23718,7 +23446,47 @@
             </a:pPr>
             <a:r>
               <a:rPr lang="en" sz="1600"/>
-              <a:t>Handling missing data is possible, but if the cause of the missing data is not well understood, ML may not be as successful.</a:t>
+              <a:t>Missing values are common. If the values are missing completely at random (MCAR) — that is, if there is nothing systematic happening that makes some data more likely to be missing than other data — then the available data is unbiased. </a:t>
+            </a:r>
+            <a:endParaRPr sz="1600"/>
+          </a:p>
+          <a:p>
+            <a:pPr indent="-330200" lvl="0" marL="457200" rtl="0" algn="l">
+              <a:lnSpc>
+                <a:spcPct val="115000"/>
+              </a:lnSpc>
+              <a:spcBef>
+                <a:spcPts val="0"/>
+              </a:spcBef>
+              <a:spcAft>
+                <a:spcPts val="0"/>
+              </a:spcAft>
+              <a:buSzPts val="1600"/>
+              <a:buChar char="●"/>
+            </a:pPr>
+            <a:r>
+              <a:rPr lang="en" sz="1600"/>
+              <a:t>For values not MCAR, there are two cases. If the missing values can be fully accounted for by other variables, this group is called missing at random (MAR). In this case, you should impute the missing values properly using the available data to build a model that is reasonably unbiased. </a:t>
+            </a:r>
+            <a:endParaRPr sz="1600"/>
+          </a:p>
+          <a:p>
+            <a:pPr indent="-330200" lvl="0" marL="457200" rtl="0" algn="l">
+              <a:lnSpc>
+                <a:spcPct val="115000"/>
+              </a:lnSpc>
+              <a:spcBef>
+                <a:spcPts val="0"/>
+              </a:spcBef>
+              <a:spcAft>
+                <a:spcPts val="0"/>
+              </a:spcAft>
+              <a:buSzPts val="1600"/>
+              <a:buChar char="●"/>
+            </a:pPr>
+            <a:r>
+              <a:rPr lang="en" sz="1600"/>
+              <a:t>But if the values are missing systematically, that is, missing not at random (MNAR), the model built on this data may be biased and so may underperform at deployment.</a:t>
             </a:r>
             <a:endParaRPr sz="1600"/>
           </a:p>
@@ -23737,7 +23505,7 @@
   <p:cSld>
     <p:spTree>
       <p:nvGrpSpPr>
-        <p:cNvPr id="335" name="Shape 335"/>
+        <p:cNvPr id="336" name="Shape 336"/>
         <p:cNvGrpSpPr/>
         <p:nvPr/>
       </p:nvGrpSpPr>
@@ -23751,7 +23519,7 @@
       </p:grpSpPr>
       <p:pic>
         <p:nvPicPr>
-          <p:cNvPr id="336" name="Google Shape;336;p57"/>
+          <p:cNvPr id="337" name="Google Shape;337;p57"/>
           <p:cNvPicPr preferRelativeResize="0"/>
           <p:nvPr/>
         </p:nvPicPr>
@@ -23779,7 +23547,7 @@
       </p:pic>
       <p:sp>
         <p:nvSpPr>
-          <p:cNvPr id="337" name="Google Shape;337;p57"/>
+          <p:cNvPr id="338" name="Google Shape;338;p57"/>
           <p:cNvSpPr txBox="1"/>
           <p:nvPr>
             <p:ph type="title"/>
@@ -23788,7 +23556,7 @@
         <p:spPr>
           <a:xfrm>
             <a:off x="213850" y="130475"/>
-            <a:ext cx="8661600" cy="708300"/>
+            <a:ext cx="8661600" cy="917700"/>
           </a:xfrm>
           <a:prstGeom prst="rect">
             <a:avLst/>
@@ -23815,7 +23583,7 @@
                   <a:srgbClr val="4A86E8"/>
                 </a:solidFill>
               </a:rPr>
-              <a:t>If there are missing values, do they occur at random?</a:t>
+              <a:t>For each field (input or target), does the data have the same unit?</a:t>
             </a:r>
             <a:endParaRPr sz="2800">
               <a:solidFill>
@@ -23827,7 +23595,7 @@
       </p:sp>
       <p:sp>
         <p:nvSpPr>
-          <p:cNvPr id="338" name="Google Shape;338;p57"/>
+          <p:cNvPr id="339" name="Google Shape;339;p57"/>
           <p:cNvSpPr txBox="1"/>
           <p:nvPr>
             <p:ph idx="12" type="sldNum"/>
@@ -23875,262 +23643,7 @@
       </p:sp>
       <p:sp>
         <p:nvSpPr>
-          <p:cNvPr id="339" name="Google Shape;339;p57"/>
-          <p:cNvSpPr txBox="1"/>
-          <p:nvPr/>
-        </p:nvSpPr>
-        <p:spPr>
-          <a:xfrm>
-            <a:off x="314200" y="838786"/>
-            <a:ext cx="8460900" cy="3263100"/>
-          </a:xfrm>
-          <a:prstGeom prst="rect">
-            <a:avLst/>
-          </a:prstGeom>
-          <a:noFill/>
-          <a:ln>
-            <a:noFill/>
-          </a:ln>
-        </p:spPr>
-        <p:txBody>
-          <a:bodyPr anchorCtr="0" anchor="t" bIns="91425" lIns="91425" spcFirstLastPara="1" rIns="91425" wrap="square" tIns="91425">
-            <a:spAutoFit/>
-          </a:bodyPr>
-          <a:lstStyle/>
-          <a:p>
-            <a:pPr indent="-330200" lvl="0" marL="457200" rtl="0" algn="l">
-              <a:lnSpc>
-                <a:spcPct val="115000"/>
-              </a:lnSpc>
-              <a:spcBef>
-                <a:spcPts val="0"/>
-              </a:spcBef>
-              <a:spcAft>
-                <a:spcPts val="0"/>
-              </a:spcAft>
-              <a:buSzPts val="1600"/>
-              <a:buChar char="●"/>
-            </a:pPr>
-            <a:r>
-              <a:rPr lang="en" sz="1600"/>
-              <a:t>Missing values are common. For example, say you are missing the age and/or occupation of some of your customers. </a:t>
-            </a:r>
-            <a:endParaRPr sz="1600"/>
-          </a:p>
-          <a:p>
-            <a:pPr indent="-330200" lvl="0" marL="457200" rtl="0" algn="l">
-              <a:lnSpc>
-                <a:spcPct val="115000"/>
-              </a:lnSpc>
-              <a:spcBef>
-                <a:spcPts val="0"/>
-              </a:spcBef>
-              <a:spcAft>
-                <a:spcPts val="0"/>
-              </a:spcAft>
-              <a:buSzPts val="1600"/>
-              <a:buChar char="●"/>
-            </a:pPr>
-            <a:r>
-              <a:rPr lang="en" sz="1600"/>
-              <a:t>If the values are missing completely at random (MCAR) — that is, if there is nothing systematic happening that makes some data more likely to be missing than other data — then the available data is unbiased. </a:t>
-            </a:r>
-            <a:endParaRPr sz="1600"/>
-          </a:p>
-          <a:p>
-            <a:pPr indent="-330200" lvl="0" marL="457200" rtl="0" algn="l">
-              <a:lnSpc>
-                <a:spcPct val="115000"/>
-              </a:lnSpc>
-              <a:spcBef>
-                <a:spcPts val="0"/>
-              </a:spcBef>
-              <a:spcAft>
-                <a:spcPts val="0"/>
-              </a:spcAft>
-              <a:buSzPts val="1600"/>
-              <a:buChar char="●"/>
-            </a:pPr>
-            <a:r>
-              <a:rPr lang="en" sz="1600"/>
-              <a:t>For values not MCAR, there are two cases. If the missing values can be fully accounted for by other variables, this group is called missing at random (MAR). In this case, you should impute the missing values properly using the available data to build a model that is reasonably unbiased. </a:t>
-            </a:r>
-            <a:endParaRPr sz="1600"/>
-          </a:p>
-          <a:p>
-            <a:pPr indent="-330200" lvl="0" marL="457200" rtl="0" algn="l">
-              <a:lnSpc>
-                <a:spcPct val="115000"/>
-              </a:lnSpc>
-              <a:spcBef>
-                <a:spcPts val="0"/>
-              </a:spcBef>
-              <a:spcAft>
-                <a:spcPts val="0"/>
-              </a:spcAft>
-              <a:buSzPts val="1600"/>
-              <a:buChar char="●"/>
-            </a:pPr>
-            <a:r>
-              <a:rPr lang="en" sz="1600"/>
-              <a:t>But if the values are missing systematically, that is, missing not at random (MNAR), the model built on this data may be biased and so may underperform at deployment.</a:t>
-            </a:r>
-            <a:endParaRPr sz="1600"/>
-          </a:p>
-        </p:txBody>
-      </p:sp>
-    </p:spTree>
-  </p:cSld>
-  <p:clrMapOvr>
-    <a:masterClrMapping/>
-  </p:clrMapOvr>
-</p:sld>
-</file>
-
-<file path=ppt/slides/slide22.xml><?xml version="1.0" encoding="utf-8"?>
-<p:sld xmlns:a="http://schemas.openxmlformats.org/drawingml/2006/main" xmlns:r="http://schemas.openxmlformats.org/officeDocument/2006/relationships" xmlns:mc="http://schemas.openxmlformats.org/markup-compatibility/2006" xmlns:mv="urn:schemas-microsoft-com:mac:vml" xmlns:p="http://schemas.openxmlformats.org/presentationml/2006/main" xmlns:c="http://schemas.openxmlformats.org/drawingml/2006/chart" xmlns:dgm="http://schemas.openxmlformats.org/drawingml/2006/diagram" xmlns:o="urn:schemas-microsoft-com:office:office" xmlns:v="urn:schemas-microsoft-com:vml" xmlns:pvml="urn:schemas-microsoft-com:office:powerpoint" xmlns:com="http://schemas.openxmlformats.org/drawingml/2006/compatibility" xmlns:p14="http://schemas.microsoft.com/office/powerpoint/2010/main" xmlns:p15="http://schemas.microsoft.com/office/powerpoint/2012/main" xmlns:ahyp="http://schemas.microsoft.com/office/drawing/2018/hyperlinkcolor">
-  <p:cSld>
-    <p:spTree>
-      <p:nvGrpSpPr>
-        <p:cNvPr id="343" name="Shape 343"/>
-        <p:cNvGrpSpPr/>
-        <p:nvPr/>
-      </p:nvGrpSpPr>
-      <p:grpSpPr>
-        <a:xfrm>
-          <a:off x="0" y="0"/>
-          <a:ext cx="0" cy="0"/>
-          <a:chOff x="0" y="0"/>
-          <a:chExt cx="0" cy="0"/>
-        </a:xfrm>
-      </p:grpSpPr>
-      <p:pic>
-        <p:nvPicPr>
-          <p:cNvPr id="344" name="Google Shape;344;p58"/>
-          <p:cNvPicPr preferRelativeResize="0"/>
-          <p:nvPr/>
-        </p:nvPicPr>
-        <p:blipFill>
-          <a:blip r:embed="rId3">
-            <a:alphaModFix/>
-          </a:blip>
-          <a:stretch>
-            <a:fillRect/>
-          </a:stretch>
-        </p:blipFill>
-        <p:spPr>
-          <a:xfrm>
-            <a:off x="0" y="4710300"/>
-            <a:ext cx="9144000" cy="433200"/>
-          </a:xfrm>
-          <a:prstGeom prst="rect">
-            <a:avLst/>
-          </a:prstGeom>
-          <a:noFill/>
-          <a:ln>
-            <a:noFill/>
-          </a:ln>
-        </p:spPr>
-      </p:pic>
-      <p:sp>
-        <p:nvSpPr>
-          <p:cNvPr id="345" name="Google Shape;345;p58"/>
-          <p:cNvSpPr txBox="1"/>
-          <p:nvPr>
-            <p:ph type="title"/>
-          </p:nvPr>
-        </p:nvSpPr>
-        <p:spPr>
-          <a:xfrm>
-            <a:off x="213850" y="130475"/>
-            <a:ext cx="8661600" cy="917700"/>
-          </a:xfrm>
-          <a:prstGeom prst="rect">
-            <a:avLst/>
-          </a:prstGeom>
-        </p:spPr>
-        <p:txBody>
-          <a:bodyPr anchorCtr="0" anchor="t" bIns="91425" lIns="91425" spcFirstLastPara="1" rIns="91425" wrap="square" tIns="91425">
-            <a:noAutofit/>
-          </a:bodyPr>
-          <a:lstStyle/>
-          <a:p>
-            <a:pPr indent="0" lvl="0" marL="0" rtl="0" algn="l">
-              <a:spcBef>
-                <a:spcPts val="0"/>
-              </a:spcBef>
-              <a:spcAft>
-                <a:spcPts val="0"/>
-              </a:spcAft>
-              <a:buNone/>
-            </a:pPr>
-            <a:r>
-              <a:rPr lang="en" sz="2800">
-                <a:solidFill>
-                  <a:srgbClr val="4A86E8"/>
-                </a:solidFill>
-              </a:rPr>
-              <a:t>For each field (input or target), does the data have the same unit?</a:t>
-            </a:r>
-            <a:endParaRPr sz="2800">
-              <a:solidFill>
-                <a:srgbClr val="4A86E8"/>
-              </a:solidFill>
-            </a:endParaRPr>
-          </a:p>
-        </p:txBody>
-      </p:sp>
-      <p:sp>
-        <p:nvSpPr>
-          <p:cNvPr id="346" name="Google Shape;346;p58"/>
-          <p:cNvSpPr txBox="1"/>
-          <p:nvPr>
-            <p:ph idx="12" type="sldNum"/>
-          </p:nvPr>
-        </p:nvSpPr>
-        <p:spPr>
-          <a:xfrm>
-            <a:off x="6" y="4710290"/>
-            <a:ext cx="548700" cy="393600"/>
-          </a:xfrm>
-          <a:prstGeom prst="rect">
-            <a:avLst/>
-          </a:prstGeom>
-        </p:spPr>
-        <p:txBody>
-          <a:bodyPr anchorCtr="0" anchor="ctr" bIns="91425" lIns="91425" spcFirstLastPara="1" rIns="91425" wrap="square" tIns="91425">
-            <a:noAutofit/>
-          </a:bodyPr>
-          <a:lstStyle/>
-          <a:p>
-            <a:pPr indent="0" lvl="0" marL="0" rtl="0" algn="r">
-              <a:spcBef>
-                <a:spcPts val="0"/>
-              </a:spcBef>
-              <a:spcAft>
-                <a:spcPts val="0"/>
-              </a:spcAft>
-              <a:buNone/>
-            </a:pPr>
-            <a:fld id="{00000000-1234-1234-1234-123412341234}" type="slidenum">
-              <a:rPr lang="en">
-                <a:solidFill>
-                  <a:schemeClr val="lt1"/>
-                </a:solidFill>
-              </a:rPr>
-              <a:t>‹#›</a:t>
-            </a:fld>
-            <a:endParaRPr>
-              <a:solidFill>
-                <a:schemeClr val="lt1"/>
-              </a:solidFill>
-            </a:endParaRPr>
-          </a:p>
-        </p:txBody>
-      </p:sp>
-      <p:sp>
-        <p:nvSpPr>
-          <p:cNvPr id="347" name="Google Shape;347;p58"/>
+          <p:cNvPr id="340" name="Google Shape;340;p57"/>
           <p:cNvSpPr txBox="1"/>
           <p:nvPr/>
         </p:nvSpPr>
@@ -24210,12 +23723,12 @@
 </p:sld>
 </file>
 
-<file path=ppt/slides/slide23.xml><?xml version="1.0" encoding="utf-8"?>
+<file path=ppt/slides/slide22.xml><?xml version="1.0" encoding="utf-8"?>
 <p:sld xmlns:a="http://schemas.openxmlformats.org/drawingml/2006/main" xmlns:r="http://schemas.openxmlformats.org/officeDocument/2006/relationships" xmlns:mc="http://schemas.openxmlformats.org/markup-compatibility/2006" xmlns:mv="urn:schemas-microsoft-com:mac:vml" xmlns:p="http://schemas.openxmlformats.org/presentationml/2006/main" xmlns:c="http://schemas.openxmlformats.org/drawingml/2006/chart" xmlns:dgm="http://schemas.openxmlformats.org/drawingml/2006/diagram" xmlns:o="urn:schemas-microsoft-com:office:office" xmlns:v="urn:schemas-microsoft-com:vml" xmlns:pvml="urn:schemas-microsoft-com:office:powerpoint" xmlns:com="http://schemas.openxmlformats.org/drawingml/2006/compatibility" xmlns:p14="http://schemas.microsoft.com/office/powerpoint/2010/main" xmlns:p15="http://schemas.microsoft.com/office/powerpoint/2012/main" xmlns:ahyp="http://schemas.microsoft.com/office/drawing/2018/hyperlinkcolor">
   <p:cSld>
     <p:spTree>
       <p:nvGrpSpPr>
-        <p:cNvPr id="351" name="Shape 351"/>
+        <p:cNvPr id="344" name="Shape 344"/>
         <p:cNvGrpSpPr/>
         <p:nvPr/>
       </p:nvGrpSpPr>
@@ -24229,7 +23742,7 @@
       </p:grpSpPr>
       <p:pic>
         <p:nvPicPr>
-          <p:cNvPr id="352" name="Google Shape;352;p59"/>
+          <p:cNvPr id="345" name="Google Shape;345;p58"/>
           <p:cNvPicPr preferRelativeResize="0"/>
           <p:nvPr/>
         </p:nvPicPr>
@@ -24257,7 +23770,7 @@
       </p:pic>
       <p:sp>
         <p:nvSpPr>
-          <p:cNvPr id="353" name="Google Shape;353;p59"/>
+          <p:cNvPr id="346" name="Google Shape;346;p58"/>
           <p:cNvSpPr txBox="1"/>
           <p:nvPr>
             <p:ph type="title"/>
@@ -24305,7 +23818,7 @@
       </p:sp>
       <p:sp>
         <p:nvSpPr>
-          <p:cNvPr id="354" name="Google Shape;354;p59"/>
+          <p:cNvPr id="347" name="Google Shape;347;p58"/>
           <p:cNvSpPr txBox="1"/>
           <p:nvPr>
             <p:ph idx="12" type="sldNum"/>
@@ -24353,14 +23866,14 @@
       </p:sp>
       <p:sp>
         <p:nvSpPr>
-          <p:cNvPr id="355" name="Google Shape;355;p59"/>
+          <p:cNvPr id="348" name="Google Shape;348;p58"/>
           <p:cNvSpPr txBox="1"/>
           <p:nvPr/>
         </p:nvSpPr>
         <p:spPr>
           <a:xfrm>
             <a:off x="213850" y="1388100"/>
-            <a:ext cx="8577600" cy="2696700"/>
+            <a:ext cx="8577600" cy="1847100"/>
           </a:xfrm>
           <a:prstGeom prst="rect">
             <a:avLst/>
@@ -24443,26 +23956,6 @@
             </a:r>
             <a:endParaRPr sz="1600"/>
           </a:p>
-          <a:p>
-            <a:pPr indent="-330200" lvl="0" marL="457200" rtl="0" algn="l">
-              <a:lnSpc>
-                <a:spcPct val="115000"/>
-              </a:lnSpc>
-              <a:spcBef>
-                <a:spcPts val="0"/>
-              </a:spcBef>
-              <a:spcAft>
-                <a:spcPts val="0"/>
-              </a:spcAft>
-              <a:buSzPts val="1600"/>
-              <a:buChar char="●"/>
-            </a:pPr>
-            <a:r>
-              <a:rPr lang="en" sz="1600"/>
-              <a:t>Inconsistent sensor calibrations is another example. Studies of consistency of human responses suggest that the same person may give different answers to simple questions when asked that same question at different times.</a:t>
-            </a:r>
-            <a:endParaRPr sz="1600"/>
-          </a:p>
         </p:txBody>
       </p:sp>
     </p:spTree>
@@ -24473,12 +23966,12 @@
 </p:sld>
 </file>
 
-<file path=ppt/slides/slide24.xml><?xml version="1.0" encoding="utf-8"?>
+<file path=ppt/slides/slide23.xml><?xml version="1.0" encoding="utf-8"?>
 <p:sld xmlns:a="http://schemas.openxmlformats.org/drawingml/2006/main" xmlns:r="http://schemas.openxmlformats.org/officeDocument/2006/relationships" xmlns:mc="http://schemas.openxmlformats.org/markup-compatibility/2006" xmlns:mv="urn:schemas-microsoft-com:mac:vml" xmlns:p="http://schemas.openxmlformats.org/presentationml/2006/main" xmlns:c="http://schemas.openxmlformats.org/drawingml/2006/chart" xmlns:dgm="http://schemas.openxmlformats.org/drawingml/2006/diagram" xmlns:o="urn:schemas-microsoft-com:office:office" xmlns:v="urn:schemas-microsoft-com:vml" xmlns:pvml="urn:schemas-microsoft-com:office:powerpoint" xmlns:com="http://schemas.openxmlformats.org/drawingml/2006/compatibility" xmlns:p14="http://schemas.microsoft.com/office/powerpoint/2010/main" xmlns:p15="http://schemas.microsoft.com/office/powerpoint/2012/main" xmlns:ahyp="http://schemas.microsoft.com/office/drawing/2018/hyperlinkcolor">
   <p:cSld>
     <p:spTree>
       <p:nvGrpSpPr>
-        <p:cNvPr id="359" name="Shape 359"/>
+        <p:cNvPr id="352" name="Shape 352"/>
         <p:cNvGrpSpPr/>
         <p:nvPr/>
       </p:nvGrpSpPr>
@@ -24492,7 +23985,7 @@
       </p:grpSpPr>
       <p:pic>
         <p:nvPicPr>
-          <p:cNvPr id="360" name="Google Shape;360;p60"/>
+          <p:cNvPr id="353" name="Google Shape;353;p59"/>
           <p:cNvPicPr preferRelativeResize="0"/>
           <p:nvPr/>
         </p:nvPicPr>
@@ -24520,7 +24013,7 @@
       </p:pic>
       <p:sp>
         <p:nvSpPr>
-          <p:cNvPr id="361" name="Google Shape;361;p60"/>
+          <p:cNvPr id="354" name="Google Shape;354;p59"/>
           <p:cNvSpPr txBox="1"/>
           <p:nvPr>
             <p:ph type="title"/>
@@ -24568,7 +24061,7 @@
       </p:sp>
       <p:sp>
         <p:nvSpPr>
-          <p:cNvPr id="362" name="Google Shape;362;p60"/>
+          <p:cNvPr id="355" name="Google Shape;355;p59"/>
           <p:cNvSpPr txBox="1"/>
           <p:nvPr>
             <p:ph idx="12" type="sldNum"/>
@@ -24616,7 +24109,7 @@
       </p:sp>
       <p:sp>
         <p:nvSpPr>
-          <p:cNvPr id="363" name="Google Shape;363;p60"/>
+          <p:cNvPr id="356" name="Google Shape;356;p59"/>
           <p:cNvSpPr txBox="1"/>
           <p:nvPr/>
         </p:nvSpPr>
@@ -24720,12 +24213,12 @@
 </p:sld>
 </file>
 
-<file path=ppt/slides/slide25.xml><?xml version="1.0" encoding="utf-8"?>
+<file path=ppt/slides/slide24.xml><?xml version="1.0" encoding="utf-8"?>
 <p:sld xmlns:a="http://schemas.openxmlformats.org/drawingml/2006/main" xmlns:r="http://schemas.openxmlformats.org/officeDocument/2006/relationships" xmlns:mc="http://schemas.openxmlformats.org/markup-compatibility/2006" xmlns:mv="urn:schemas-microsoft-com:mac:vml" xmlns:p="http://schemas.openxmlformats.org/presentationml/2006/main" xmlns:c="http://schemas.openxmlformats.org/drawingml/2006/chart" xmlns:dgm="http://schemas.openxmlformats.org/drawingml/2006/diagram" xmlns:o="urn:schemas-microsoft-com:office:office" xmlns:v="urn:schemas-microsoft-com:vml" xmlns:pvml="urn:schemas-microsoft-com:office:powerpoint" xmlns:com="http://schemas.openxmlformats.org/drawingml/2006/compatibility" xmlns:p14="http://schemas.microsoft.com/office/powerpoint/2010/main" xmlns:p15="http://schemas.microsoft.com/office/powerpoint/2012/main" xmlns:ahyp="http://schemas.microsoft.com/office/drawing/2018/hyperlinkcolor">
   <p:cSld>
     <p:spTree>
       <p:nvGrpSpPr>
-        <p:cNvPr id="367" name="Shape 367"/>
+        <p:cNvPr id="360" name="Shape 360"/>
         <p:cNvGrpSpPr/>
         <p:nvPr/>
       </p:nvGrpSpPr>
@@ -24739,7 +24232,7 @@
       </p:grpSpPr>
       <p:pic>
         <p:nvPicPr>
-          <p:cNvPr id="368" name="Google Shape;368;p61"/>
+          <p:cNvPr id="361" name="Google Shape;361;p60"/>
           <p:cNvPicPr preferRelativeResize="0"/>
           <p:nvPr/>
         </p:nvPicPr>
@@ -24767,7 +24260,7 @@
       </p:pic>
       <p:sp>
         <p:nvSpPr>
-          <p:cNvPr id="369" name="Google Shape;369;p61"/>
+          <p:cNvPr id="362" name="Google Shape;362;p60"/>
           <p:cNvSpPr txBox="1"/>
           <p:nvPr>
             <p:ph type="title"/>
@@ -24815,7 +24308,7 @@
       </p:sp>
       <p:sp>
         <p:nvSpPr>
-          <p:cNvPr id="370" name="Google Shape;370;p61"/>
+          <p:cNvPr id="363" name="Google Shape;363;p60"/>
           <p:cNvSpPr txBox="1"/>
           <p:nvPr>
             <p:ph idx="12" type="sldNum"/>
@@ -24863,7 +24356,7 @@
       </p:sp>
       <p:sp>
         <p:nvSpPr>
-          <p:cNvPr id="371" name="Google Shape;371;p61"/>
+          <p:cNvPr id="364" name="Google Shape;364;p60"/>
           <p:cNvSpPr txBox="1"/>
           <p:nvPr/>
         </p:nvSpPr>
@@ -24982,7 +24475,7 @@
       </p:sp>
       <p:pic>
         <p:nvPicPr>
-          <p:cNvPr id="372" name="Google Shape;372;p61"/>
+          <p:cNvPr id="365" name="Google Shape;365;p60"/>
           <p:cNvPicPr preferRelativeResize="0"/>
           <p:nvPr/>
         </p:nvPicPr>
@@ -25015,12 +24508,12 @@
 </p:sld>
 </file>
 
-<file path=ppt/slides/slide26.xml><?xml version="1.0" encoding="utf-8"?>
+<file path=ppt/slides/slide25.xml><?xml version="1.0" encoding="utf-8"?>
 <p:sld xmlns:a="http://schemas.openxmlformats.org/drawingml/2006/main" xmlns:r="http://schemas.openxmlformats.org/officeDocument/2006/relationships" xmlns:mc="http://schemas.openxmlformats.org/markup-compatibility/2006" xmlns:mv="urn:schemas-microsoft-com:mac:vml" xmlns:p="http://schemas.openxmlformats.org/presentationml/2006/main" xmlns:c="http://schemas.openxmlformats.org/drawingml/2006/chart" xmlns:dgm="http://schemas.openxmlformats.org/drawingml/2006/diagram" xmlns:o="urn:schemas-microsoft-com:office:office" xmlns:v="urn:schemas-microsoft-com:vml" xmlns:pvml="urn:schemas-microsoft-com:office:powerpoint" xmlns:com="http://schemas.openxmlformats.org/drawingml/2006/compatibility" xmlns:p14="http://schemas.microsoft.com/office/powerpoint/2010/main" xmlns:p15="http://schemas.microsoft.com/office/powerpoint/2012/main" xmlns:ahyp="http://schemas.microsoft.com/office/drawing/2018/hyperlinkcolor">
   <p:cSld>
     <p:spTree>
       <p:nvGrpSpPr>
-        <p:cNvPr id="376" name="Shape 376"/>
+        <p:cNvPr id="369" name="Shape 369"/>
         <p:cNvGrpSpPr/>
         <p:nvPr/>
       </p:nvGrpSpPr>
@@ -25034,7 +24527,7 @@
       </p:grpSpPr>
       <p:pic>
         <p:nvPicPr>
-          <p:cNvPr id="377" name="Google Shape;377;p62"/>
+          <p:cNvPr id="370" name="Google Shape;370;p61"/>
           <p:cNvPicPr preferRelativeResize="0"/>
           <p:nvPr/>
         </p:nvPicPr>
@@ -25062,7 +24555,7 @@
       </p:pic>
       <p:sp>
         <p:nvSpPr>
-          <p:cNvPr id="378" name="Google Shape;378;p62"/>
+          <p:cNvPr id="371" name="Google Shape;371;p61"/>
           <p:cNvSpPr txBox="1"/>
           <p:nvPr>
             <p:ph type="title"/>
@@ -25098,7 +24591,7 @@
                   <a:srgbClr val="4A86E8"/>
                 </a:solidFill>
               </a:rPr>
-              <a:t>Data Preparation</a:t>
+              <a:t>Data Preparation Tasks</a:t>
             </a:r>
             <a:endParaRPr>
               <a:solidFill>
@@ -25110,7 +24603,7 @@
       </p:sp>
       <p:sp>
         <p:nvSpPr>
-          <p:cNvPr id="379" name="Google Shape;379;p62"/>
+          <p:cNvPr id="372" name="Google Shape;372;p61"/>
           <p:cNvSpPr txBox="1"/>
           <p:nvPr>
             <p:ph idx="12" type="sldNum"/>
@@ -25158,7 +24651,7 @@
       </p:sp>
       <p:sp>
         <p:nvSpPr>
-          <p:cNvPr id="380" name="Google Shape;380;p62"/>
+          <p:cNvPr id="373" name="Google Shape;373;p61"/>
           <p:cNvSpPr txBox="1"/>
           <p:nvPr/>
         </p:nvSpPr>
@@ -25250,12 +24743,12 @@
 </p:sld>
 </file>
 
-<file path=ppt/slides/slide27.xml><?xml version="1.0" encoding="utf-8"?>
+<file path=ppt/slides/slide26.xml><?xml version="1.0" encoding="utf-8"?>
 <p:sld xmlns:a="http://schemas.openxmlformats.org/drawingml/2006/main" xmlns:r="http://schemas.openxmlformats.org/officeDocument/2006/relationships" xmlns:mc="http://schemas.openxmlformats.org/markup-compatibility/2006" xmlns:mv="urn:schemas-microsoft-com:mac:vml" xmlns:p="http://schemas.openxmlformats.org/presentationml/2006/main" xmlns:c="http://schemas.openxmlformats.org/drawingml/2006/chart" xmlns:dgm="http://schemas.openxmlformats.org/drawingml/2006/diagram" xmlns:o="urn:schemas-microsoft-com:office:office" xmlns:v="urn:schemas-microsoft-com:vml" xmlns:pvml="urn:schemas-microsoft-com:office:powerpoint" xmlns:com="http://schemas.openxmlformats.org/drawingml/2006/compatibility" xmlns:p14="http://schemas.microsoft.com/office/powerpoint/2010/main" xmlns:p15="http://schemas.microsoft.com/office/powerpoint/2012/main" xmlns:ahyp="http://schemas.microsoft.com/office/drawing/2018/hyperlinkcolor">
   <p:cSld>
     <p:spTree>
       <p:nvGrpSpPr>
-        <p:cNvPr id="384" name="Shape 384"/>
+        <p:cNvPr id="377" name="Shape 377"/>
         <p:cNvGrpSpPr/>
         <p:nvPr/>
       </p:nvGrpSpPr>
@@ -25269,7 +24762,7 @@
       </p:grpSpPr>
       <p:pic>
         <p:nvPicPr>
-          <p:cNvPr id="385" name="Google Shape;385;p63"/>
+          <p:cNvPr id="378" name="Google Shape;378;p62"/>
           <p:cNvPicPr preferRelativeResize="0"/>
           <p:nvPr/>
         </p:nvPicPr>
@@ -25297,7 +24790,7 @@
       </p:pic>
       <p:sp>
         <p:nvSpPr>
-          <p:cNvPr id="386" name="Google Shape;386;p63"/>
+          <p:cNvPr id="379" name="Google Shape;379;p62"/>
           <p:cNvSpPr txBox="1"/>
           <p:nvPr>
             <p:ph type="title"/>
@@ -25345,7 +24838,7 @@
       </p:sp>
       <p:sp>
         <p:nvSpPr>
-          <p:cNvPr id="387" name="Google Shape;387;p63"/>
+          <p:cNvPr id="380" name="Google Shape;380;p62"/>
           <p:cNvSpPr txBox="1"/>
           <p:nvPr>
             <p:ph idx="12" type="sldNum"/>
@@ -25393,7 +24886,7 @@
       </p:sp>
       <p:sp>
         <p:nvSpPr>
-          <p:cNvPr id="388" name="Google Shape;388;p63"/>
+          <p:cNvPr id="381" name="Google Shape;381;p62"/>
           <p:cNvSpPr txBox="1"/>
           <p:nvPr/>
         </p:nvSpPr>
@@ -25445,12 +24938,12 @@
 </p:sld>
 </file>
 
-<file path=ppt/slides/slide28.xml><?xml version="1.0" encoding="utf-8"?>
+<file path=ppt/slides/slide27.xml><?xml version="1.0" encoding="utf-8"?>
 <p:sld xmlns:a="http://schemas.openxmlformats.org/drawingml/2006/main" xmlns:r="http://schemas.openxmlformats.org/officeDocument/2006/relationships" xmlns:mc="http://schemas.openxmlformats.org/markup-compatibility/2006" xmlns:mv="urn:schemas-microsoft-com:mac:vml" xmlns:p="http://schemas.openxmlformats.org/presentationml/2006/main" xmlns:c="http://schemas.openxmlformats.org/drawingml/2006/chart" xmlns:dgm="http://schemas.openxmlformats.org/drawingml/2006/diagram" xmlns:o="urn:schemas-microsoft-com:office:office" xmlns:v="urn:schemas-microsoft-com:vml" xmlns:pvml="urn:schemas-microsoft-com:office:powerpoint" xmlns:com="http://schemas.openxmlformats.org/drawingml/2006/compatibility" xmlns:p14="http://schemas.microsoft.com/office/powerpoint/2010/main" xmlns:p15="http://schemas.microsoft.com/office/powerpoint/2012/main" xmlns:ahyp="http://schemas.microsoft.com/office/drawing/2018/hyperlinkcolor">
   <p:cSld>
     <p:spTree>
       <p:nvGrpSpPr>
-        <p:cNvPr id="392" name="Shape 392"/>
+        <p:cNvPr id="385" name="Shape 385"/>
         <p:cNvGrpSpPr/>
         <p:nvPr/>
       </p:nvGrpSpPr>
@@ -25464,7 +24957,7 @@
       </p:grpSpPr>
       <p:pic>
         <p:nvPicPr>
-          <p:cNvPr id="393" name="Google Shape;393;p64"/>
+          <p:cNvPr id="386" name="Google Shape;386;p63"/>
           <p:cNvPicPr preferRelativeResize="0"/>
           <p:nvPr/>
         </p:nvPicPr>
@@ -25492,7 +24985,7 @@
       </p:pic>
       <p:sp>
         <p:nvSpPr>
-          <p:cNvPr id="394" name="Google Shape;394;p64"/>
+          <p:cNvPr id="387" name="Google Shape;387;p63"/>
           <p:cNvSpPr txBox="1"/>
           <p:nvPr>
             <p:ph type="title"/>
@@ -25540,7 +25033,7 @@
       </p:sp>
       <p:sp>
         <p:nvSpPr>
-          <p:cNvPr id="395" name="Google Shape;395;p64"/>
+          <p:cNvPr id="388" name="Google Shape;388;p63"/>
           <p:cNvSpPr txBox="1"/>
           <p:nvPr>
             <p:ph idx="12" type="sldNum"/>
@@ -25588,14 +25081,14 @@
       </p:sp>
       <p:sp>
         <p:nvSpPr>
-          <p:cNvPr id="396" name="Google Shape;396;p64"/>
+          <p:cNvPr id="389" name="Google Shape;389;p63"/>
           <p:cNvSpPr txBox="1"/>
           <p:nvPr/>
         </p:nvSpPr>
         <p:spPr>
           <a:xfrm>
             <a:off x="213850" y="1048175"/>
-            <a:ext cx="8577600" cy="2130300"/>
+            <a:ext cx="8577600" cy="1847100"/>
           </a:xfrm>
           <a:prstGeom prst="rect">
             <a:avLst/>
@@ -25682,27 +25175,11 @@
             </a:pPr>
             <a:r>
               <a:rPr lang="en" sz="1600"/>
-              <a:t>Do not consolidate, however, at the cost of losing any data. </a:t>
+              <a:t>However, if</a:t>
             </a:r>
-            <a:endParaRPr sz="1600"/>
-          </a:p>
-          <a:p>
-            <a:pPr indent="-330200" lvl="0" marL="457200" rtl="0" algn="l">
-              <a:lnSpc>
-                <a:spcPct val="115000"/>
-              </a:lnSpc>
-              <a:spcBef>
-                <a:spcPts val="0"/>
-              </a:spcBef>
-              <a:spcAft>
-                <a:spcPts val="0"/>
-              </a:spcAft>
-              <a:buSzPts val="1600"/>
-              <a:buChar char="●"/>
-            </a:pPr>
             <a:r>
               <a:rPr lang="en" sz="1600"/>
-              <a:t>For example, if the redundant values stored in two different places do not match, do not arbitrarily drop one.</a:t>
+              <a:t> the redundant values stored in two different places do not match, do not arbitrarily drop one.</a:t>
             </a:r>
             <a:endParaRPr sz="1600"/>
           </a:p>
@@ -25716,12 +25193,12 @@
 </p:sld>
 </file>
 
-<file path=ppt/slides/slide29.xml><?xml version="1.0" encoding="utf-8"?>
+<file path=ppt/slides/slide28.xml><?xml version="1.0" encoding="utf-8"?>
 <p:sld xmlns:a="http://schemas.openxmlformats.org/drawingml/2006/main" xmlns:r="http://schemas.openxmlformats.org/officeDocument/2006/relationships" xmlns:mc="http://schemas.openxmlformats.org/markup-compatibility/2006" xmlns:mv="urn:schemas-microsoft-com:mac:vml" xmlns:p="http://schemas.openxmlformats.org/presentationml/2006/main" xmlns:c="http://schemas.openxmlformats.org/drawingml/2006/chart" xmlns:dgm="http://schemas.openxmlformats.org/drawingml/2006/diagram" xmlns:o="urn:schemas-microsoft-com:office:office" xmlns:v="urn:schemas-microsoft-com:vml" xmlns:pvml="urn:schemas-microsoft-com:office:powerpoint" xmlns:com="http://schemas.openxmlformats.org/drawingml/2006/compatibility" xmlns:p14="http://schemas.microsoft.com/office/powerpoint/2010/main" xmlns:p15="http://schemas.microsoft.com/office/powerpoint/2012/main" xmlns:ahyp="http://schemas.microsoft.com/office/drawing/2018/hyperlinkcolor">
   <p:cSld>
     <p:spTree>
       <p:nvGrpSpPr>
-        <p:cNvPr id="400" name="Shape 400"/>
+        <p:cNvPr id="393" name="Shape 393"/>
         <p:cNvGrpSpPr/>
         <p:nvPr/>
       </p:nvGrpSpPr>
@@ -25735,7 +25212,7 @@
       </p:grpSpPr>
       <p:pic>
         <p:nvPicPr>
-          <p:cNvPr id="401" name="Google Shape;401;p65"/>
+          <p:cNvPr id="394" name="Google Shape;394;p64"/>
           <p:cNvPicPr preferRelativeResize="0"/>
           <p:nvPr/>
         </p:nvPicPr>
@@ -25763,7 +25240,7 @@
       </p:pic>
       <p:sp>
         <p:nvSpPr>
-          <p:cNvPr id="402" name="Google Shape;402;p65"/>
+          <p:cNvPr id="395" name="Google Shape;395;p64"/>
           <p:cNvSpPr txBox="1"/>
           <p:nvPr>
             <p:ph type="title"/>
@@ -25811,7 +25288,7 @@
       </p:sp>
       <p:sp>
         <p:nvSpPr>
-          <p:cNvPr id="403" name="Google Shape;403;p65"/>
+          <p:cNvPr id="396" name="Google Shape;396;p64"/>
           <p:cNvSpPr txBox="1"/>
           <p:nvPr>
             <p:ph idx="12" type="sldNum"/>
@@ -25859,7 +25336,7 @@
       </p:sp>
       <p:sp>
         <p:nvSpPr>
-          <p:cNvPr id="404" name="Google Shape;404;p65"/>
+          <p:cNvPr id="397" name="Google Shape;397;p64"/>
           <p:cNvSpPr txBox="1"/>
           <p:nvPr/>
         </p:nvSpPr>
@@ -25995,12 +25472,12 @@
 </p:sld>
 </file>
 
-<file path=ppt/slides/slide3.xml><?xml version="1.0" encoding="utf-8"?>
+<file path=ppt/slides/slide29.xml><?xml version="1.0" encoding="utf-8"?>
 <p:sld xmlns:a="http://schemas.openxmlformats.org/drawingml/2006/main" xmlns:r="http://schemas.openxmlformats.org/officeDocument/2006/relationships" xmlns:mc="http://schemas.openxmlformats.org/markup-compatibility/2006" xmlns:mv="urn:schemas-microsoft-com:mac:vml" xmlns:p="http://schemas.openxmlformats.org/presentationml/2006/main" xmlns:c="http://schemas.openxmlformats.org/drawingml/2006/chart" xmlns:dgm="http://schemas.openxmlformats.org/drawingml/2006/diagram" xmlns:o="urn:schemas-microsoft-com:office:office" xmlns:v="urn:schemas-microsoft-com:vml" xmlns:pvml="urn:schemas-microsoft-com:office:powerpoint" xmlns:com="http://schemas.openxmlformats.org/drawingml/2006/compatibility" xmlns:p14="http://schemas.microsoft.com/office/powerpoint/2010/main" xmlns:p15="http://schemas.microsoft.com/office/powerpoint/2012/main" xmlns:ahyp="http://schemas.microsoft.com/office/drawing/2018/hyperlinkcolor">
   <p:cSld>
     <p:spTree>
       <p:nvGrpSpPr>
-        <p:cNvPr id="189" name="Shape 189"/>
+        <p:cNvPr id="401" name="Shape 401"/>
         <p:cNvGrpSpPr/>
         <p:nvPr/>
       </p:nvGrpSpPr>
@@ -26014,7 +25491,7 @@
       </p:grpSpPr>
       <p:pic>
         <p:nvPicPr>
-          <p:cNvPr id="190" name="Google Shape;190;p39"/>
+          <p:cNvPr id="402" name="Google Shape;402;p65"/>
           <p:cNvPicPr preferRelativeResize="0"/>
           <p:nvPr/>
         </p:nvPicPr>
@@ -26042,7 +25519,222 @@
       </p:pic>
       <p:sp>
         <p:nvSpPr>
+          <p:cNvPr id="403" name="Google Shape;403;p65"/>
+          <p:cNvSpPr txBox="1"/>
+          <p:nvPr>
+            <p:ph type="title"/>
+          </p:nvPr>
+        </p:nvSpPr>
+        <p:spPr>
+          <a:xfrm>
+            <a:off x="213850" y="130475"/>
+            <a:ext cx="8661600" cy="917700"/>
+          </a:xfrm>
+          <a:prstGeom prst="rect">
+            <a:avLst/>
+          </a:prstGeom>
+        </p:spPr>
+        <p:txBody>
+          <a:bodyPr anchorCtr="0" anchor="t" bIns="91425" lIns="91425" spcFirstLastPara="1" rIns="91425" wrap="square" tIns="91425">
+            <a:noAutofit/>
+          </a:bodyPr>
+          <a:lstStyle/>
+          <a:p>
+            <a:pPr indent="0" lvl="0" marL="0" rtl="0" algn="l">
+              <a:spcBef>
+                <a:spcPts val="0"/>
+              </a:spcBef>
+              <a:spcAft>
+                <a:spcPts val="0"/>
+              </a:spcAft>
+              <a:buNone/>
+            </a:pPr>
+            <a:r>
+              <a:rPr lang="en" sz="2800">
+                <a:solidFill>
+                  <a:srgbClr val="4A86E8"/>
+                </a:solidFill>
+              </a:rPr>
+              <a:t>Remove all sources of noise from your data</a:t>
+            </a:r>
+            <a:endParaRPr sz="2800">
+              <a:solidFill>
+                <a:srgbClr val="4A86E8"/>
+              </a:solidFill>
+            </a:endParaRPr>
+          </a:p>
+        </p:txBody>
+      </p:sp>
+      <p:sp>
+        <p:nvSpPr>
+          <p:cNvPr id="404" name="Google Shape;404;p65"/>
+          <p:cNvSpPr txBox="1"/>
+          <p:nvPr>
+            <p:ph idx="12" type="sldNum"/>
+          </p:nvPr>
+        </p:nvSpPr>
+        <p:spPr>
+          <a:xfrm>
+            <a:off x="6" y="4730090"/>
+            <a:ext cx="548700" cy="393600"/>
+          </a:xfrm>
+          <a:prstGeom prst="rect">
+            <a:avLst/>
+          </a:prstGeom>
+        </p:spPr>
+        <p:txBody>
+          <a:bodyPr anchorCtr="0" anchor="ctr" bIns="91425" lIns="91425" spcFirstLastPara="1" rIns="91425" wrap="square" tIns="91425">
+            <a:noAutofit/>
+          </a:bodyPr>
+          <a:lstStyle/>
+          <a:p>
+            <a:pPr indent="0" lvl="0" marL="0" rtl="0" algn="r">
+              <a:spcBef>
+                <a:spcPts val="0"/>
+              </a:spcBef>
+              <a:spcAft>
+                <a:spcPts val="0"/>
+              </a:spcAft>
+              <a:buNone/>
+            </a:pPr>
+            <a:fld id="{00000000-1234-1234-1234-123412341234}" type="slidenum">
+              <a:rPr lang="en">
+                <a:solidFill>
+                  <a:schemeClr val="lt1"/>
+                </a:solidFill>
+              </a:rPr>
+              <a:t>‹#›</a:t>
+            </a:fld>
+            <a:endParaRPr>
+              <a:solidFill>
+                <a:schemeClr val="lt1"/>
+              </a:solidFill>
+            </a:endParaRPr>
+          </a:p>
+        </p:txBody>
+      </p:sp>
+      <p:sp>
+        <p:nvSpPr>
+          <p:cNvPr id="405" name="Google Shape;405;p65"/>
+          <p:cNvSpPr txBox="1"/>
+          <p:nvPr/>
+        </p:nvSpPr>
+        <p:spPr>
+          <a:xfrm>
+            <a:off x="213850" y="1048175"/>
+            <a:ext cx="8577600" cy="1563900"/>
+          </a:xfrm>
+          <a:prstGeom prst="rect">
+            <a:avLst/>
+          </a:prstGeom>
+          <a:noFill/>
+          <a:ln>
+            <a:noFill/>
+          </a:ln>
+        </p:spPr>
+        <p:txBody>
+          <a:bodyPr anchorCtr="0" anchor="t" bIns="91425" lIns="91425" spcFirstLastPara="1" rIns="91425" wrap="square" tIns="91425">
+            <a:spAutoFit/>
+          </a:bodyPr>
+          <a:lstStyle/>
+          <a:p>
+            <a:pPr indent="-330200" lvl="0" marL="457200" rtl="0" algn="l">
+              <a:lnSpc>
+                <a:spcPct val="115000"/>
+              </a:lnSpc>
+              <a:spcBef>
+                <a:spcPts val="0"/>
+              </a:spcBef>
+              <a:spcAft>
+                <a:spcPts val="0"/>
+              </a:spcAft>
+              <a:buSzPts val="1600"/>
+              <a:buChar char="●"/>
+            </a:pPr>
+            <a:r>
+              <a:rPr lang="en" sz="1600"/>
+              <a:t>Treat noise similarly to errors. Identify and remove as much as possible. </a:t>
+            </a:r>
+            <a:endParaRPr sz="1600"/>
+          </a:p>
+          <a:p>
+            <a:pPr indent="-330200" lvl="0" marL="457200" rtl="0" algn="l">
+              <a:lnSpc>
+                <a:spcPct val="115000"/>
+              </a:lnSpc>
+              <a:spcBef>
+                <a:spcPts val="0"/>
+              </a:spcBef>
+              <a:spcAft>
+                <a:spcPts val="0"/>
+              </a:spcAft>
+              <a:buSzPts val="1600"/>
+              <a:buChar char="●"/>
+            </a:pPr>
+            <a:r>
+              <a:rPr lang="en" sz="1600"/>
+              <a:t>For example, apply notch filters to reduce periodic noise from images before doing image classification. Or, to do NLP on scanned documents, first remove any scanning artifacts and irrelevant material (for example, a copier cover page) that is not useful for the ML model.</a:t>
+            </a:r>
+            <a:endParaRPr sz="1600"/>
+          </a:p>
+        </p:txBody>
+      </p:sp>
+    </p:spTree>
+  </p:cSld>
+  <p:clrMapOvr>
+    <a:masterClrMapping/>
+  </p:clrMapOvr>
+</p:sld>
+</file>
+
+<file path=ppt/slides/slide3.xml><?xml version="1.0" encoding="utf-8"?>
+<p:sld xmlns:a="http://schemas.openxmlformats.org/drawingml/2006/main" xmlns:r="http://schemas.openxmlformats.org/officeDocument/2006/relationships" xmlns:mc="http://schemas.openxmlformats.org/markup-compatibility/2006" xmlns:mv="urn:schemas-microsoft-com:mac:vml" xmlns:p="http://schemas.openxmlformats.org/presentationml/2006/main" xmlns:c="http://schemas.openxmlformats.org/drawingml/2006/chart" xmlns:dgm="http://schemas.openxmlformats.org/drawingml/2006/diagram" xmlns:o="urn:schemas-microsoft-com:office:office" xmlns:v="urn:schemas-microsoft-com:vml" xmlns:pvml="urn:schemas-microsoft-com:office:powerpoint" xmlns:com="http://schemas.openxmlformats.org/drawingml/2006/compatibility" xmlns:p14="http://schemas.microsoft.com/office/powerpoint/2010/main" xmlns:p15="http://schemas.microsoft.com/office/powerpoint/2012/main" xmlns:ahyp="http://schemas.microsoft.com/office/drawing/2018/hyperlinkcolor">
+  <p:cSld>
+    <p:spTree>
+      <p:nvGrpSpPr>
+        <p:cNvPr id="190" name="Shape 190"/>
+        <p:cNvGrpSpPr/>
+        <p:nvPr/>
+      </p:nvGrpSpPr>
+      <p:grpSpPr>
+        <a:xfrm>
+          <a:off x="0" y="0"/>
+          <a:ext cx="0" cy="0"/>
+          <a:chOff x="0" y="0"/>
+          <a:chExt cx="0" cy="0"/>
+        </a:xfrm>
+      </p:grpSpPr>
+      <p:pic>
+        <p:nvPicPr>
           <p:cNvPr id="191" name="Google Shape;191;p39"/>
+          <p:cNvPicPr preferRelativeResize="0"/>
+          <p:nvPr/>
+        </p:nvPicPr>
+        <p:blipFill>
+          <a:blip r:embed="rId3">
+            <a:alphaModFix/>
+          </a:blip>
+          <a:stretch>
+            <a:fillRect/>
+          </a:stretch>
+        </p:blipFill>
+        <p:spPr>
+          <a:xfrm>
+            <a:off x="0" y="4710300"/>
+            <a:ext cx="9144000" cy="433200"/>
+          </a:xfrm>
+          <a:prstGeom prst="rect">
+            <a:avLst/>
+          </a:prstGeom>
+          <a:noFill/>
+          <a:ln>
+            <a:noFill/>
+          </a:ln>
+        </p:spPr>
+      </p:pic>
+      <p:sp>
+        <p:nvSpPr>
+          <p:cNvPr id="192" name="Google Shape;192;p39"/>
           <p:cNvSpPr txBox="1"/>
           <p:nvPr>
             <p:ph type="title"/>
@@ -26090,7 +25782,7 @@
       </p:sp>
       <p:sp>
         <p:nvSpPr>
-          <p:cNvPr id="192" name="Google Shape;192;p39"/>
+          <p:cNvPr id="193" name="Google Shape;193;p39"/>
           <p:cNvSpPr txBox="1"/>
           <p:nvPr>
             <p:ph idx="12" type="sldNum"/>
@@ -26138,7 +25830,7 @@
       </p:sp>
       <p:sp>
         <p:nvSpPr>
-          <p:cNvPr id="193" name="Google Shape;193;p39"/>
+          <p:cNvPr id="194" name="Google Shape;194;p39"/>
           <p:cNvSpPr txBox="1"/>
           <p:nvPr/>
         </p:nvSpPr>
@@ -26257,7 +25949,7 @@
       </p:sp>
       <p:pic>
         <p:nvPicPr>
-          <p:cNvPr id="194" name="Google Shape;194;p39"/>
+          <p:cNvPr id="195" name="Google Shape;195;p39"/>
           <p:cNvPicPr preferRelativeResize="0"/>
           <p:nvPr/>
         </p:nvPicPr>
@@ -26295,7 +25987,7 @@
   <p:cSld>
     <p:spTree>
       <p:nvGrpSpPr>
-        <p:cNvPr id="408" name="Shape 408"/>
+        <p:cNvPr id="409" name="Shape 409"/>
         <p:cNvGrpSpPr/>
         <p:nvPr/>
       </p:nvGrpSpPr>
@@ -26309,7 +26001,7 @@
       </p:grpSpPr>
       <p:pic>
         <p:nvPicPr>
-          <p:cNvPr id="409" name="Google Shape;409;p66"/>
+          <p:cNvPr id="410" name="Google Shape;410;p66"/>
           <p:cNvPicPr preferRelativeResize="0"/>
           <p:nvPr/>
         </p:nvPicPr>
@@ -26337,7 +26029,7 @@
       </p:pic>
       <p:sp>
         <p:nvSpPr>
-          <p:cNvPr id="410" name="Google Shape;410;p66"/>
+          <p:cNvPr id="411" name="Google Shape;411;p66"/>
           <p:cNvSpPr txBox="1"/>
           <p:nvPr>
             <p:ph type="title"/>
@@ -26373,7 +26065,7 @@
                   <a:srgbClr val="4A86E8"/>
                 </a:solidFill>
               </a:rPr>
-              <a:t>Remove all sources of noise from your data</a:t>
+              <a:t>Create new features that improve predicting the target</a:t>
             </a:r>
             <a:endParaRPr sz="2800">
               <a:solidFill>
@@ -26385,7 +26077,7 @@
       </p:sp>
       <p:sp>
         <p:nvSpPr>
-          <p:cNvPr id="411" name="Google Shape;411;p66"/>
+          <p:cNvPr id="412" name="Google Shape;412;p66"/>
           <p:cNvSpPr txBox="1"/>
           <p:nvPr>
             <p:ph idx="12" type="sldNum"/>
@@ -26433,14 +26125,14 @@
       </p:sp>
       <p:sp>
         <p:nvSpPr>
-          <p:cNvPr id="412" name="Google Shape;412;p66"/>
+          <p:cNvPr id="413" name="Google Shape;413;p66"/>
           <p:cNvSpPr txBox="1"/>
           <p:nvPr/>
         </p:nvSpPr>
         <p:spPr>
           <a:xfrm>
-            <a:off x="213850" y="1048175"/>
-            <a:ext cx="8577600" cy="1563900"/>
+            <a:off x="143975" y="1481450"/>
+            <a:ext cx="8577600" cy="714300"/>
           </a:xfrm>
           <a:prstGeom prst="rect">
             <a:avLst/>
@@ -26471,7 +26163,7 @@
             </a:pPr>
             <a:r>
               <a:rPr lang="en" sz="1600"/>
-              <a:t>Treat noise similarly to errors. Identify and remove as much as possible. </a:t>
+              <a:t>This is called feature engineering . </a:t>
             </a:r>
             <a:endParaRPr sz="1600"/>
           </a:p>
@@ -26491,7 +26183,7 @@
             </a:pPr>
             <a:r>
               <a:rPr lang="en" sz="1600"/>
-              <a:t>For example, apply notch filters to reduce periodic noise from images before doing image classification. Or, to do NLP on scanned documents, first remove any scanning artifacts and irrelevant material (for example, a copier cover page) that is not useful for the ML model.</a:t>
+              <a:t>Be careful that the new features don’t lead to pitfalls such as data leakage.</a:t>
             </a:r>
             <a:endParaRPr sz="1600"/>
           </a:p>
@@ -26510,7 +26202,7 @@
   <p:cSld>
     <p:spTree>
       <p:nvGrpSpPr>
-        <p:cNvPr id="416" name="Shape 416"/>
+        <p:cNvPr id="417" name="Shape 417"/>
         <p:cNvGrpSpPr/>
         <p:nvPr/>
       </p:nvGrpSpPr>
@@ -26524,7 +26216,7 @@
       </p:grpSpPr>
       <p:pic>
         <p:nvPicPr>
-          <p:cNvPr id="417" name="Google Shape;417;p67"/>
+          <p:cNvPr id="418" name="Google Shape;418;p67"/>
           <p:cNvPicPr preferRelativeResize="0"/>
           <p:nvPr/>
         </p:nvPicPr>
@@ -26552,7 +26244,7 @@
       </p:pic>
       <p:sp>
         <p:nvSpPr>
-          <p:cNvPr id="418" name="Google Shape;418;p67"/>
+          <p:cNvPr id="419" name="Google Shape;419;p67"/>
           <p:cNvSpPr txBox="1"/>
           <p:nvPr>
             <p:ph type="title"/>
@@ -26588,7 +26280,7 @@
                   <a:srgbClr val="4A86E8"/>
                 </a:solidFill>
               </a:rPr>
-              <a:t>Create new features that improve predicting the target</a:t>
+              <a:t>Identify and remove all sources of data leakage</a:t>
             </a:r>
             <a:endParaRPr sz="2800">
               <a:solidFill>
@@ -26600,7 +26292,7 @@
       </p:sp>
       <p:sp>
         <p:nvSpPr>
-          <p:cNvPr id="419" name="Google Shape;419;p67"/>
+          <p:cNvPr id="420" name="Google Shape;420;p67"/>
           <p:cNvSpPr txBox="1"/>
           <p:nvPr>
             <p:ph idx="12" type="sldNum"/>
@@ -26648,444 +26340,14 @@
       </p:sp>
       <p:sp>
         <p:nvSpPr>
-          <p:cNvPr id="420" name="Google Shape;420;p67"/>
+          <p:cNvPr id="421" name="Google Shape;421;p67"/>
           <p:cNvSpPr txBox="1"/>
           <p:nvPr/>
         </p:nvSpPr>
         <p:spPr>
           <a:xfrm>
-            <a:off x="143975" y="1481450"/>
-            <a:ext cx="8577600" cy="1563900"/>
-          </a:xfrm>
-          <a:prstGeom prst="rect">
-            <a:avLst/>
-          </a:prstGeom>
-          <a:noFill/>
-          <a:ln>
-            <a:noFill/>
-          </a:ln>
-        </p:spPr>
-        <p:txBody>
-          <a:bodyPr anchorCtr="0" anchor="t" bIns="91425" lIns="91425" spcFirstLastPara="1" rIns="91425" wrap="square" tIns="91425">
-            <a:spAutoFit/>
-          </a:bodyPr>
-          <a:lstStyle/>
-          <a:p>
-            <a:pPr indent="-330200" lvl="0" marL="457200" rtl="0" algn="l">
-              <a:lnSpc>
-                <a:spcPct val="115000"/>
-              </a:lnSpc>
-              <a:spcBef>
-                <a:spcPts val="0"/>
-              </a:spcBef>
-              <a:spcAft>
-                <a:spcPts val="0"/>
-              </a:spcAft>
-              <a:buSzPts val="1600"/>
-              <a:buChar char="●"/>
-            </a:pPr>
-            <a:r>
-              <a:rPr lang="en" sz="1600"/>
-              <a:t>This is called feature engineering . </a:t>
-            </a:r>
-            <a:endParaRPr sz="1600"/>
-          </a:p>
-          <a:p>
-            <a:pPr indent="-330200" lvl="0" marL="457200" rtl="0" algn="l">
-              <a:lnSpc>
-                <a:spcPct val="115000"/>
-              </a:lnSpc>
-              <a:spcBef>
-                <a:spcPts val="0"/>
-              </a:spcBef>
-              <a:spcAft>
-                <a:spcPts val="0"/>
-              </a:spcAft>
-              <a:buSzPts val="1600"/>
-              <a:buChar char="●"/>
-            </a:pPr>
-            <a:r>
-              <a:rPr lang="en" sz="1600"/>
-              <a:t>To predict which hotel a traveler will reserve on your travel website, you can create a new feature that is equal to the average spending on accommodation in her previous trips. </a:t>
-            </a:r>
-            <a:endParaRPr sz="1600"/>
-          </a:p>
-          <a:p>
-            <a:pPr indent="-330200" lvl="0" marL="457200" rtl="0" algn="l">
-              <a:lnSpc>
-                <a:spcPct val="115000"/>
-              </a:lnSpc>
-              <a:spcBef>
-                <a:spcPts val="0"/>
-              </a:spcBef>
-              <a:spcAft>
-                <a:spcPts val="0"/>
-              </a:spcAft>
-              <a:buSzPts val="1600"/>
-              <a:buChar char="●"/>
-            </a:pPr>
-            <a:r>
-              <a:rPr lang="en" sz="1600"/>
-              <a:t>Be careful that the new features don’t lead to pitfalls such as data leakage.</a:t>
-            </a:r>
-            <a:endParaRPr sz="1600"/>
-          </a:p>
-        </p:txBody>
-      </p:sp>
-    </p:spTree>
-  </p:cSld>
-  <p:clrMapOvr>
-    <a:masterClrMapping/>
-  </p:clrMapOvr>
-</p:sld>
-</file>
-
-<file path=ppt/slides/slide32.xml><?xml version="1.0" encoding="utf-8"?>
-<p:sld xmlns:a="http://schemas.openxmlformats.org/drawingml/2006/main" xmlns:r="http://schemas.openxmlformats.org/officeDocument/2006/relationships" xmlns:mc="http://schemas.openxmlformats.org/markup-compatibility/2006" xmlns:mv="urn:schemas-microsoft-com:mac:vml" xmlns:p="http://schemas.openxmlformats.org/presentationml/2006/main" xmlns:c="http://schemas.openxmlformats.org/drawingml/2006/chart" xmlns:dgm="http://schemas.openxmlformats.org/drawingml/2006/diagram" xmlns:o="urn:schemas-microsoft-com:office:office" xmlns:v="urn:schemas-microsoft-com:vml" xmlns:pvml="urn:schemas-microsoft-com:office:powerpoint" xmlns:com="http://schemas.openxmlformats.org/drawingml/2006/compatibility" xmlns:p14="http://schemas.microsoft.com/office/powerpoint/2010/main" xmlns:p15="http://schemas.microsoft.com/office/powerpoint/2012/main" xmlns:ahyp="http://schemas.microsoft.com/office/drawing/2018/hyperlinkcolor">
-  <p:cSld>
-    <p:spTree>
-      <p:nvGrpSpPr>
-        <p:cNvPr id="424" name="Shape 424"/>
-        <p:cNvGrpSpPr/>
-        <p:nvPr/>
-      </p:nvGrpSpPr>
-      <p:grpSpPr>
-        <a:xfrm>
-          <a:off x="0" y="0"/>
-          <a:ext cx="0" cy="0"/>
-          <a:chOff x="0" y="0"/>
-          <a:chExt cx="0" cy="0"/>
-        </a:xfrm>
-      </p:grpSpPr>
-      <p:pic>
-        <p:nvPicPr>
-          <p:cNvPr id="425" name="Google Shape;425;p68"/>
-          <p:cNvPicPr preferRelativeResize="0"/>
-          <p:nvPr/>
-        </p:nvPicPr>
-        <p:blipFill>
-          <a:blip r:embed="rId3">
-            <a:alphaModFix/>
-          </a:blip>
-          <a:stretch>
-            <a:fillRect/>
-          </a:stretch>
-        </p:blipFill>
-        <p:spPr>
-          <a:xfrm>
-            <a:off x="0" y="4710300"/>
-            <a:ext cx="9144000" cy="433200"/>
-          </a:xfrm>
-          <a:prstGeom prst="rect">
-            <a:avLst/>
-          </a:prstGeom>
-          <a:noFill/>
-          <a:ln>
-            <a:noFill/>
-          </a:ln>
-        </p:spPr>
-      </p:pic>
-      <p:sp>
-        <p:nvSpPr>
-          <p:cNvPr id="426" name="Google Shape;426;p68"/>
-          <p:cNvSpPr txBox="1"/>
-          <p:nvPr>
-            <p:ph type="title"/>
-          </p:nvPr>
-        </p:nvSpPr>
-        <p:spPr>
-          <a:xfrm>
-            <a:off x="213850" y="130475"/>
-            <a:ext cx="8661600" cy="917700"/>
-          </a:xfrm>
-          <a:prstGeom prst="rect">
-            <a:avLst/>
-          </a:prstGeom>
-        </p:spPr>
-        <p:txBody>
-          <a:bodyPr anchorCtr="0" anchor="t" bIns="91425" lIns="91425" spcFirstLastPara="1" rIns="91425" wrap="square" tIns="91425">
-            <a:noAutofit/>
-          </a:bodyPr>
-          <a:lstStyle/>
-          <a:p>
-            <a:pPr indent="0" lvl="0" marL="0" rtl="0" algn="l">
-              <a:spcBef>
-                <a:spcPts val="0"/>
-              </a:spcBef>
-              <a:spcAft>
-                <a:spcPts val="0"/>
-              </a:spcAft>
-              <a:buNone/>
-            </a:pPr>
-            <a:r>
-              <a:rPr lang="en" sz="2800">
-                <a:solidFill>
-                  <a:srgbClr val="4A86E8"/>
-                </a:solidFill>
-              </a:rPr>
-              <a:t>Look for new sources of information to complement your data</a:t>
-            </a:r>
-            <a:endParaRPr sz="2800">
-              <a:solidFill>
-                <a:srgbClr val="4A86E8"/>
-              </a:solidFill>
-            </a:endParaRPr>
-          </a:p>
-        </p:txBody>
-      </p:sp>
-      <p:sp>
-        <p:nvSpPr>
-          <p:cNvPr id="427" name="Google Shape;427;p68"/>
-          <p:cNvSpPr txBox="1"/>
-          <p:nvPr>
-            <p:ph idx="12" type="sldNum"/>
-          </p:nvPr>
-        </p:nvSpPr>
-        <p:spPr>
-          <a:xfrm>
-            <a:off x="62581" y="4710290"/>
-            <a:ext cx="548700" cy="393600"/>
-          </a:xfrm>
-          <a:prstGeom prst="rect">
-            <a:avLst/>
-          </a:prstGeom>
-        </p:spPr>
-        <p:txBody>
-          <a:bodyPr anchorCtr="0" anchor="ctr" bIns="91425" lIns="91425" spcFirstLastPara="1" rIns="91425" wrap="square" tIns="91425">
-            <a:noAutofit/>
-          </a:bodyPr>
-          <a:lstStyle/>
-          <a:p>
-            <a:pPr indent="0" lvl="0" marL="0" rtl="0" algn="r">
-              <a:spcBef>
-                <a:spcPts val="0"/>
-              </a:spcBef>
-              <a:spcAft>
-                <a:spcPts val="0"/>
-              </a:spcAft>
-              <a:buNone/>
-            </a:pPr>
-            <a:fld id="{00000000-1234-1234-1234-123412341234}" type="slidenum">
-              <a:rPr lang="en">
-                <a:solidFill>
-                  <a:schemeClr val="lt1"/>
-                </a:solidFill>
-              </a:rPr>
-              <a:t>‹#›</a:t>
-            </a:fld>
-            <a:endParaRPr>
-              <a:solidFill>
-                <a:schemeClr val="lt1"/>
-              </a:solidFill>
-            </a:endParaRPr>
-          </a:p>
-        </p:txBody>
-      </p:sp>
-      <p:sp>
-        <p:nvSpPr>
-          <p:cNvPr id="428" name="Google Shape;428;p68"/>
-          <p:cNvSpPr txBox="1"/>
-          <p:nvPr/>
-        </p:nvSpPr>
-        <p:spPr>
-          <a:xfrm>
-            <a:off x="143975" y="1481450"/>
-            <a:ext cx="8577600" cy="997500"/>
-          </a:xfrm>
-          <a:prstGeom prst="rect">
-            <a:avLst/>
-          </a:prstGeom>
-          <a:noFill/>
-          <a:ln>
-            <a:noFill/>
-          </a:ln>
-        </p:spPr>
-        <p:txBody>
-          <a:bodyPr anchorCtr="0" anchor="t" bIns="91425" lIns="91425" spcFirstLastPara="1" rIns="91425" wrap="square" tIns="91425">
-            <a:spAutoFit/>
-          </a:bodyPr>
-          <a:lstStyle/>
-          <a:p>
-            <a:pPr indent="-330200" lvl="0" marL="457200" rtl="0" algn="l">
-              <a:lnSpc>
-                <a:spcPct val="115000"/>
-              </a:lnSpc>
-              <a:spcBef>
-                <a:spcPts val="0"/>
-              </a:spcBef>
-              <a:spcAft>
-                <a:spcPts val="0"/>
-              </a:spcAft>
-              <a:buSzPts val="1600"/>
-              <a:buChar char="●"/>
-            </a:pPr>
-            <a:r>
-              <a:rPr lang="en" sz="1600"/>
-              <a:t>For example, if one of your features is organization_name, you can complement it with features containing organization information obtained from different resources, including free public datasets.</a:t>
-            </a:r>
-            <a:endParaRPr sz="1600"/>
-          </a:p>
-        </p:txBody>
-      </p:sp>
-    </p:spTree>
-  </p:cSld>
-  <p:clrMapOvr>
-    <a:masterClrMapping/>
-  </p:clrMapOvr>
-</p:sld>
-</file>
-
-<file path=ppt/slides/slide33.xml><?xml version="1.0" encoding="utf-8"?>
-<p:sld xmlns:a="http://schemas.openxmlformats.org/drawingml/2006/main" xmlns:r="http://schemas.openxmlformats.org/officeDocument/2006/relationships" xmlns:mc="http://schemas.openxmlformats.org/markup-compatibility/2006" xmlns:mv="urn:schemas-microsoft-com:mac:vml" xmlns:p="http://schemas.openxmlformats.org/presentationml/2006/main" xmlns:c="http://schemas.openxmlformats.org/drawingml/2006/chart" xmlns:dgm="http://schemas.openxmlformats.org/drawingml/2006/diagram" xmlns:o="urn:schemas-microsoft-com:office:office" xmlns:v="urn:schemas-microsoft-com:vml" xmlns:pvml="urn:schemas-microsoft-com:office:powerpoint" xmlns:com="http://schemas.openxmlformats.org/drawingml/2006/compatibility" xmlns:p14="http://schemas.microsoft.com/office/powerpoint/2010/main" xmlns:p15="http://schemas.microsoft.com/office/powerpoint/2012/main" xmlns:ahyp="http://schemas.microsoft.com/office/drawing/2018/hyperlinkcolor">
-  <p:cSld>
-    <p:spTree>
-      <p:nvGrpSpPr>
-        <p:cNvPr id="432" name="Shape 432"/>
-        <p:cNvGrpSpPr/>
-        <p:nvPr/>
-      </p:nvGrpSpPr>
-      <p:grpSpPr>
-        <a:xfrm>
-          <a:off x="0" y="0"/>
-          <a:ext cx="0" cy="0"/>
-          <a:chOff x="0" y="0"/>
-          <a:chExt cx="0" cy="0"/>
-        </a:xfrm>
-      </p:grpSpPr>
-      <p:pic>
-        <p:nvPicPr>
-          <p:cNvPr id="433" name="Google Shape;433;p69"/>
-          <p:cNvPicPr preferRelativeResize="0"/>
-          <p:nvPr/>
-        </p:nvPicPr>
-        <p:blipFill>
-          <a:blip r:embed="rId3">
-            <a:alphaModFix/>
-          </a:blip>
-          <a:stretch>
-            <a:fillRect/>
-          </a:stretch>
-        </p:blipFill>
-        <p:spPr>
-          <a:xfrm>
-            <a:off x="0" y="4710300"/>
-            <a:ext cx="9144000" cy="433200"/>
-          </a:xfrm>
-          <a:prstGeom prst="rect">
-            <a:avLst/>
-          </a:prstGeom>
-          <a:noFill/>
-          <a:ln>
-            <a:noFill/>
-          </a:ln>
-        </p:spPr>
-      </p:pic>
-      <p:sp>
-        <p:nvSpPr>
-          <p:cNvPr id="434" name="Google Shape;434;p69"/>
-          <p:cNvSpPr txBox="1"/>
-          <p:nvPr>
-            <p:ph type="title"/>
-          </p:nvPr>
-        </p:nvSpPr>
-        <p:spPr>
-          <a:xfrm>
-            <a:off x="213850" y="130475"/>
-            <a:ext cx="8661600" cy="917700"/>
-          </a:xfrm>
-          <a:prstGeom prst="rect">
-            <a:avLst/>
-          </a:prstGeom>
-        </p:spPr>
-        <p:txBody>
-          <a:bodyPr anchorCtr="0" anchor="t" bIns="91425" lIns="91425" spcFirstLastPara="1" rIns="91425" wrap="square" tIns="91425">
-            <a:noAutofit/>
-          </a:bodyPr>
-          <a:lstStyle/>
-          <a:p>
-            <a:pPr indent="0" lvl="0" marL="0" rtl="0" algn="l">
-              <a:spcBef>
-                <a:spcPts val="0"/>
-              </a:spcBef>
-              <a:spcAft>
-                <a:spcPts val="0"/>
-              </a:spcAft>
-              <a:buNone/>
-            </a:pPr>
-            <a:r>
-              <a:rPr lang="en" sz="2800">
-                <a:solidFill>
-                  <a:srgbClr val="4A86E8"/>
-                </a:solidFill>
-              </a:rPr>
-              <a:t>Identify and remove all sources of data leakage</a:t>
-            </a:r>
-            <a:endParaRPr sz="2800">
-              <a:solidFill>
-                <a:srgbClr val="4A86E8"/>
-              </a:solidFill>
-            </a:endParaRPr>
-          </a:p>
-        </p:txBody>
-      </p:sp>
-      <p:sp>
-        <p:nvSpPr>
-          <p:cNvPr id="435" name="Google Shape;435;p69"/>
-          <p:cNvSpPr txBox="1"/>
-          <p:nvPr>
-            <p:ph idx="12" type="sldNum"/>
-          </p:nvPr>
-        </p:nvSpPr>
-        <p:spPr>
-          <a:xfrm>
-            <a:off x="6" y="4730090"/>
-            <a:ext cx="548700" cy="393600"/>
-          </a:xfrm>
-          <a:prstGeom prst="rect">
-            <a:avLst/>
-          </a:prstGeom>
-        </p:spPr>
-        <p:txBody>
-          <a:bodyPr anchorCtr="0" anchor="ctr" bIns="91425" lIns="91425" spcFirstLastPara="1" rIns="91425" wrap="square" tIns="91425">
-            <a:noAutofit/>
-          </a:bodyPr>
-          <a:lstStyle/>
-          <a:p>
-            <a:pPr indent="0" lvl="0" marL="0" rtl="0" algn="r">
-              <a:spcBef>
-                <a:spcPts val="0"/>
-              </a:spcBef>
-              <a:spcAft>
-                <a:spcPts val="0"/>
-              </a:spcAft>
-              <a:buNone/>
-            </a:pPr>
-            <a:fld id="{00000000-1234-1234-1234-123412341234}" type="slidenum">
-              <a:rPr lang="en">
-                <a:solidFill>
-                  <a:schemeClr val="lt1"/>
-                </a:solidFill>
-              </a:rPr>
-              <a:t>‹#›</a:t>
-            </a:fld>
-            <a:endParaRPr>
-              <a:solidFill>
-                <a:schemeClr val="lt1"/>
-              </a:solidFill>
-            </a:endParaRPr>
-          </a:p>
-        </p:txBody>
-      </p:sp>
-      <p:sp>
-        <p:nvSpPr>
-          <p:cNvPr id="436" name="Google Shape;436;p69"/>
-          <p:cNvSpPr txBox="1"/>
-          <p:nvPr/>
-        </p:nvSpPr>
-        <p:spPr>
-          <a:xfrm>
             <a:off x="255850" y="1048175"/>
-            <a:ext cx="8577600" cy="3263100"/>
+            <a:ext cx="8577600" cy="1847100"/>
           </a:xfrm>
           <a:prstGeom prst="rect">
             <a:avLst/>
@@ -27136,47 +26398,7 @@
             </a:pPr>
             <a:r>
               <a:rPr lang="en" sz="1600"/>
-              <a:t>For example, in an ML competition for identifying which acoustic recordings contained calls from an endangered species of whale, the audio files with whale calls turned out to have a very specific set of file sizes.</a:t>
-            </a:r>
-            <a:endParaRPr sz="1600"/>
-          </a:p>
-          <a:p>
-            <a:pPr indent="-330200" lvl="0" marL="457200" rtl="0" algn="l">
-              <a:lnSpc>
-                <a:spcPct val="115000"/>
-              </a:lnSpc>
-              <a:spcBef>
-                <a:spcPts val="0"/>
-              </a:spcBef>
-              <a:spcAft>
-                <a:spcPts val="0"/>
-              </a:spcAft>
-              <a:buSzPts val="1600"/>
-              <a:buChar char="●"/>
-            </a:pPr>
-            <a:r>
-              <a:rPr lang="en" sz="1600"/>
-              <a:t>Learning that information (and some other leakage), the model did great on the competition dataset. Obviously, such a model would fail in a real test. </a:t>
-            </a:r>
-            <a:endParaRPr sz="1600"/>
-          </a:p>
-          <a:p>
-            <a:pPr indent="-330200" lvl="0" marL="457200" rtl="0" algn="l">
-              <a:lnSpc>
-                <a:spcPct val="115000"/>
-              </a:lnSpc>
-              <a:spcBef>
-                <a:spcPts val="0"/>
-              </a:spcBef>
-              <a:spcAft>
-                <a:spcPts val="0"/>
-              </a:spcAft>
-              <a:buSzPts val="1600"/>
-              <a:buChar char="●"/>
-            </a:pPr>
-            <a:r>
-              <a:rPr lang="en" sz="1600"/>
-              <a:t>As another example, suppose you’d like to use the electronic health records (hundreds of fields of data) to predict whether someone would need surgery. </a:t>
+              <a:t>For example, suppose you’d like to use the electronic health records (hundreds of fields of data) to predict whether someone would need surgery. </a:t>
             </a:r>
             <a:endParaRPr sz="1600"/>
           </a:p>
@@ -27218,12 +26440,12 @@
 </p:sld>
 </file>
 
-<file path=ppt/slides/slide34.xml><?xml version="1.0" encoding="utf-8"?>
+<file path=ppt/slides/slide32.xml><?xml version="1.0" encoding="utf-8"?>
 <p:sld xmlns:a="http://schemas.openxmlformats.org/drawingml/2006/main" xmlns:r="http://schemas.openxmlformats.org/officeDocument/2006/relationships" xmlns:mc="http://schemas.openxmlformats.org/markup-compatibility/2006" xmlns:mv="urn:schemas-microsoft-com:mac:vml" xmlns:p="http://schemas.openxmlformats.org/presentationml/2006/main" xmlns:c="http://schemas.openxmlformats.org/drawingml/2006/chart" xmlns:dgm="http://schemas.openxmlformats.org/drawingml/2006/diagram" xmlns:o="urn:schemas-microsoft-com:office:office" xmlns:v="urn:schemas-microsoft-com:vml" xmlns:pvml="urn:schemas-microsoft-com:office:powerpoint" xmlns:com="http://schemas.openxmlformats.org/drawingml/2006/compatibility" xmlns:p14="http://schemas.microsoft.com/office/powerpoint/2010/main" xmlns:p15="http://schemas.microsoft.com/office/powerpoint/2012/main" xmlns:ahyp="http://schemas.microsoft.com/office/drawing/2018/hyperlinkcolor">
   <p:cSld>
     <p:spTree>
       <p:nvGrpSpPr>
-        <p:cNvPr id="440" name="Shape 440"/>
+        <p:cNvPr id="425" name="Shape 425"/>
         <p:cNvGrpSpPr/>
         <p:nvPr/>
       </p:nvGrpSpPr>
@@ -27237,7 +26459,7 @@
       </p:grpSpPr>
       <p:pic>
         <p:nvPicPr>
-          <p:cNvPr id="441" name="Google Shape;441;p70"/>
+          <p:cNvPr id="426" name="Google Shape;426;p68"/>
           <p:cNvPicPr preferRelativeResize="0"/>
           <p:nvPr/>
         </p:nvPicPr>
@@ -27265,7 +26487,7 @@
       </p:pic>
       <p:sp>
         <p:nvSpPr>
-          <p:cNvPr id="442" name="Google Shape;442;p70"/>
+          <p:cNvPr id="427" name="Google Shape;427;p68"/>
           <p:cNvSpPr txBox="1"/>
           <p:nvPr>
             <p:ph type="title"/>
@@ -27313,7 +26535,7 @@
       </p:sp>
       <p:sp>
         <p:nvSpPr>
-          <p:cNvPr id="443" name="Google Shape;443;p70"/>
+          <p:cNvPr id="428" name="Google Shape;428;p68"/>
           <p:cNvSpPr txBox="1"/>
           <p:nvPr>
             <p:ph idx="12" type="sldNum"/>
@@ -27361,7 +26583,7 @@
       </p:sp>
       <p:sp>
         <p:nvSpPr>
-          <p:cNvPr id="444" name="Google Shape;444;p70"/>
+          <p:cNvPr id="429" name="Google Shape;429;p68"/>
           <p:cNvSpPr txBox="1"/>
           <p:nvPr/>
         </p:nvSpPr>
@@ -27433,12 +26655,12 @@
 </p:sld>
 </file>
 
-<file path=ppt/slides/slide35.xml><?xml version="1.0" encoding="utf-8"?>
+<file path=ppt/slides/slide33.xml><?xml version="1.0" encoding="utf-8"?>
 <p:sld xmlns:a="http://schemas.openxmlformats.org/drawingml/2006/main" xmlns:r="http://schemas.openxmlformats.org/officeDocument/2006/relationships" xmlns:mc="http://schemas.openxmlformats.org/markup-compatibility/2006" xmlns:mv="urn:schemas-microsoft-com:mac:vml" xmlns:p="http://schemas.openxmlformats.org/presentationml/2006/main" xmlns:c="http://schemas.openxmlformats.org/drawingml/2006/chart" xmlns:dgm="http://schemas.openxmlformats.org/drawingml/2006/diagram" xmlns:o="urn:schemas-microsoft-com:office:office" xmlns:v="urn:schemas-microsoft-com:vml" xmlns:pvml="urn:schemas-microsoft-com:office:powerpoint" xmlns:com="http://schemas.openxmlformats.org/drawingml/2006/compatibility" xmlns:p14="http://schemas.microsoft.com/office/powerpoint/2010/main" xmlns:p15="http://schemas.microsoft.com/office/powerpoint/2012/main" xmlns:ahyp="http://schemas.microsoft.com/office/drawing/2018/hyperlinkcolor">
   <p:cSld>
     <p:spTree>
       <p:nvGrpSpPr>
-        <p:cNvPr id="448" name="Shape 448"/>
+        <p:cNvPr id="433" name="Shape 433"/>
         <p:cNvGrpSpPr/>
         <p:nvPr/>
       </p:nvGrpSpPr>
@@ -27452,7 +26674,7 @@
       </p:grpSpPr>
       <p:pic>
         <p:nvPicPr>
-          <p:cNvPr id="449" name="Google Shape;449;p71"/>
+          <p:cNvPr id="434" name="Google Shape;434;p69"/>
           <p:cNvPicPr preferRelativeResize="0"/>
           <p:nvPr/>
         </p:nvPicPr>
@@ -27480,7 +26702,7 @@
       </p:pic>
       <p:sp>
         <p:nvSpPr>
-          <p:cNvPr id="450" name="Google Shape;450;p71"/>
+          <p:cNvPr id="435" name="Google Shape;435;p69"/>
           <p:cNvSpPr txBox="1"/>
           <p:nvPr>
             <p:ph type="title"/>
@@ -27516,7 +26738,7 @@
                   <a:srgbClr val="4A86E8"/>
                 </a:solidFill>
               </a:rPr>
-              <a:t>Implement data quality tests</a:t>
+              <a:t>Implement data quality checks</a:t>
             </a:r>
             <a:endParaRPr sz="2800">
               <a:solidFill>
@@ -27528,7 +26750,7 @@
       </p:sp>
       <p:sp>
         <p:nvSpPr>
-          <p:cNvPr id="451" name="Google Shape;451;p71"/>
+          <p:cNvPr id="436" name="Google Shape;436;p69"/>
           <p:cNvSpPr txBox="1"/>
           <p:nvPr>
             <p:ph idx="12" type="sldNum"/>
@@ -27576,7 +26798,7 @@
       </p:sp>
       <p:sp>
         <p:nvSpPr>
-          <p:cNvPr id="452" name="Google Shape;452;p71"/>
+          <p:cNvPr id="437" name="Google Shape;437;p69"/>
           <p:cNvSpPr txBox="1"/>
           <p:nvPr/>
         </p:nvSpPr>
@@ -27714,7 +26936,7 @@
             </a:pPr>
             <a:r>
               <a:rPr lang="en" sz="1600"/>
-              <a:t>There is consistency between serving and training, including no data leakage.</a:t>
+              <a:t>There is consistency between testing and training, including no data leakage.</a:t>
             </a:r>
             <a:endParaRPr sz="1600"/>
           </a:p>
@@ -27728,12 +26950,12 @@
 </p:sld>
 </file>
 
-<file path=ppt/slides/slide36.xml><?xml version="1.0" encoding="utf-8"?>
+<file path=ppt/slides/slide34.xml><?xml version="1.0" encoding="utf-8"?>
 <p:sld xmlns:a="http://schemas.openxmlformats.org/drawingml/2006/main" xmlns:r="http://schemas.openxmlformats.org/officeDocument/2006/relationships" xmlns:mc="http://schemas.openxmlformats.org/markup-compatibility/2006" xmlns:mv="urn:schemas-microsoft-com:mac:vml" xmlns:p="http://schemas.openxmlformats.org/presentationml/2006/main" xmlns:c="http://schemas.openxmlformats.org/drawingml/2006/chart" xmlns:dgm="http://schemas.openxmlformats.org/drawingml/2006/diagram" xmlns:o="urn:schemas-microsoft-com:office:office" xmlns:v="urn:schemas-microsoft-com:vml" xmlns:pvml="urn:schemas-microsoft-com:office:powerpoint" xmlns:com="http://schemas.openxmlformats.org/drawingml/2006/compatibility" xmlns:p14="http://schemas.microsoft.com/office/powerpoint/2010/main" xmlns:p15="http://schemas.microsoft.com/office/powerpoint/2012/main" xmlns:ahyp="http://schemas.microsoft.com/office/drawing/2018/hyperlinkcolor">
   <p:cSld>
     <p:spTree>
       <p:nvGrpSpPr>
-        <p:cNvPr id="456" name="Shape 456"/>
+        <p:cNvPr id="441" name="Shape 441"/>
         <p:cNvGrpSpPr/>
         <p:nvPr/>
       </p:nvGrpSpPr>
@@ -27747,7 +26969,7 @@
       </p:grpSpPr>
       <p:pic>
         <p:nvPicPr>
-          <p:cNvPr id="457" name="Google Shape;457;p72"/>
+          <p:cNvPr id="442" name="Google Shape;442;p70"/>
           <p:cNvPicPr preferRelativeResize="0"/>
           <p:nvPr/>
         </p:nvPicPr>
@@ -27775,7 +26997,7 @@
       </p:pic>
       <p:sp>
         <p:nvSpPr>
-          <p:cNvPr id="458" name="Google Shape;458;p72"/>
+          <p:cNvPr id="443" name="Google Shape;443;p70"/>
           <p:cNvSpPr txBox="1"/>
           <p:nvPr>
             <p:ph type="title"/>
@@ -27823,7 +27045,7 @@
       </p:sp>
       <p:sp>
         <p:nvSpPr>
-          <p:cNvPr id="459" name="Google Shape;459;p72"/>
+          <p:cNvPr id="444" name="Google Shape;444;p70"/>
           <p:cNvSpPr txBox="1"/>
           <p:nvPr>
             <p:ph idx="12" type="sldNum"/>
@@ -27879,7 +27101,7 @@
       </p:sp>
       <p:sp>
         <p:nvSpPr>
-          <p:cNvPr id="460" name="Google Shape;460;p72"/>
+          <p:cNvPr id="445" name="Google Shape;445;p70"/>
           <p:cNvSpPr txBox="1"/>
           <p:nvPr/>
         </p:nvSpPr>
@@ -27933,7 +27155,7 @@
       </p:sp>
       <p:sp>
         <p:nvSpPr>
-          <p:cNvPr id="461" name="Google Shape;461;p72"/>
+          <p:cNvPr id="446" name="Google Shape;446;p70"/>
           <p:cNvSpPr txBox="1"/>
           <p:nvPr/>
         </p:nvSpPr>
@@ -27974,7 +27196,7 @@
       </p:sp>
       <p:sp>
         <p:nvSpPr>
-          <p:cNvPr id="462" name="Google Shape;462;p72"/>
+          <p:cNvPr id="447" name="Google Shape;447;p70"/>
           <p:cNvSpPr txBox="1"/>
           <p:nvPr/>
         </p:nvSpPr>
@@ -28068,7 +27290,7 @@
       </p:sp>
       <p:sp>
         <p:nvSpPr>
-          <p:cNvPr id="463" name="Google Shape;463;p72"/>
+          <p:cNvPr id="448" name="Google Shape;448;p70"/>
           <p:cNvSpPr txBox="1"/>
           <p:nvPr/>
         </p:nvSpPr>
@@ -28109,25 +27331,7 @@
                 <a:cs typeface="Roboto"/>
                 <a:sym typeface="Roboto"/>
               </a:rPr>
-              <a:t>For your data, </a:t>
-            </a:r>
-            <a:r>
-              <a:rPr lang="en" sz="1800">
-                <a:latin typeface="Roboto"/>
-                <a:ea typeface="Roboto"/>
-                <a:cs typeface="Roboto"/>
-                <a:sym typeface="Roboto"/>
-              </a:rPr>
-              <a:t>what</a:t>
-            </a:r>
-            <a:r>
-              <a:rPr lang="en" sz="1800">
-                <a:latin typeface="Roboto"/>
-                <a:ea typeface="Roboto"/>
-                <a:cs typeface="Roboto"/>
-                <a:sym typeface="Roboto"/>
-              </a:rPr>
-              <a:t> should you ?</a:t>
+              <a:t>What should you ask for your data?</a:t>
             </a:r>
             <a:endParaRPr sz="1800">
               <a:latin typeface="Roboto"/>
@@ -28140,7 +27344,7 @@
       </p:sp>
       <p:sp>
         <p:nvSpPr>
-          <p:cNvPr id="464" name="Google Shape;464;p72"/>
+          <p:cNvPr id="449" name="Google Shape;449;p70"/>
           <p:cNvSpPr txBox="1"/>
           <p:nvPr/>
         </p:nvSpPr>
@@ -28242,7 +27446,7 @@
       </p:sp>
       <p:sp>
         <p:nvSpPr>
-          <p:cNvPr id="465" name="Google Shape;465;p72"/>
+          <p:cNvPr id="450" name="Google Shape;450;p70"/>
           <p:cNvSpPr txBox="1"/>
           <p:nvPr/>
         </p:nvSpPr>
@@ -28296,7 +27500,7 @@
       </p:sp>
       <p:sp>
         <p:nvSpPr>
-          <p:cNvPr id="466" name="Google Shape;466;p72"/>
+          <p:cNvPr id="451" name="Google Shape;451;p70"/>
           <p:cNvSpPr txBox="1"/>
           <p:nvPr/>
         </p:nvSpPr>
@@ -28394,7 +27598,7 @@
       </p:sp>
       <p:sp>
         <p:nvSpPr>
-          <p:cNvPr id="467" name="Google Shape;467;p72"/>
+          <p:cNvPr id="452" name="Google Shape;452;p70"/>
           <p:cNvSpPr txBox="1"/>
           <p:nvPr/>
         </p:nvSpPr>
@@ -28436,7 +27640,7 @@
       </p:sp>
       <p:sp>
         <p:nvSpPr>
-          <p:cNvPr id="468" name="Google Shape;468;p72"/>
+          <p:cNvPr id="453" name="Google Shape;453;p70"/>
           <p:cNvSpPr txBox="1"/>
           <p:nvPr/>
         </p:nvSpPr>
@@ -28478,7 +27682,7 @@
       </p:sp>
       <p:sp>
         <p:nvSpPr>
-          <p:cNvPr id="469" name="Google Shape;469;p72"/>
+          <p:cNvPr id="454" name="Google Shape;454;p70"/>
           <p:cNvSpPr txBox="1"/>
           <p:nvPr/>
         </p:nvSpPr>
@@ -28557,7 +27761,7 @@
                                           </p:stCondLst>
                                         </p:cTn>
                                         <p:tgtEl>
-                                          <p:spTgt spid="467"/>
+                                          <p:spTgt spid="452"/>
                                         </p:tgtEl>
                                         <p:attrNameLst>
                                           <p:attrName>style.visibility</p:attrName>
@@ -28571,7 +27775,7 @@
                                       <p:cBhvr>
                                         <p:cTn dur="1000"/>
                                         <p:tgtEl>
-                                          <p:spTgt spid="467"/>
+                                          <p:spTgt spid="452"/>
                                         </p:tgtEl>
                                       </p:cBhvr>
                                     </p:animEffect>
@@ -28610,7 +27814,7 @@
                                           </p:stCondLst>
                                         </p:cTn>
                                         <p:tgtEl>
-                                          <p:spTgt spid="468"/>
+                                          <p:spTgt spid="453"/>
                                         </p:tgtEl>
                                         <p:attrNameLst>
                                           <p:attrName>style.visibility</p:attrName>
@@ -28624,7 +27828,7 @@
                                       <p:cBhvr>
                                         <p:cTn dur="1000"/>
                                         <p:tgtEl>
-                                          <p:spTgt spid="468"/>
+                                          <p:spTgt spid="453"/>
                                         </p:tgtEl>
                                       </p:cBhvr>
                                     </p:animEffect>
@@ -28663,7 +27867,7 @@
                                           </p:stCondLst>
                                         </p:cTn>
                                         <p:tgtEl>
-                                          <p:spTgt spid="469"/>
+                                          <p:spTgt spid="454"/>
                                         </p:tgtEl>
                                         <p:attrNameLst>
                                           <p:attrName>style.visibility</p:attrName>
@@ -28677,7 +27881,7 @@
                                       <p:cBhvr>
                                         <p:cTn dur="1000"/>
                                         <p:tgtEl>
-                                          <p:spTgt spid="469"/>
+                                          <p:spTgt spid="454"/>
                                         </p:tgtEl>
                                       </p:cBhvr>
                                     </p:animEffect>
@@ -28715,12 +27919,12 @@
 </p:sld>
 </file>
 
-<file path=ppt/slides/slide37.xml><?xml version="1.0" encoding="utf-8"?>
+<file path=ppt/slides/slide35.xml><?xml version="1.0" encoding="utf-8"?>
 <p:sld xmlns:a="http://schemas.openxmlformats.org/drawingml/2006/main" xmlns:r="http://schemas.openxmlformats.org/officeDocument/2006/relationships" xmlns:mc="http://schemas.openxmlformats.org/markup-compatibility/2006" xmlns:mv="urn:schemas-microsoft-com:mac:vml" xmlns:p="http://schemas.openxmlformats.org/presentationml/2006/main" xmlns:c="http://schemas.openxmlformats.org/drawingml/2006/chart" xmlns:dgm="http://schemas.openxmlformats.org/drawingml/2006/diagram" xmlns:o="urn:schemas-microsoft-com:office:office" xmlns:v="urn:schemas-microsoft-com:vml" xmlns:pvml="urn:schemas-microsoft-com:office:powerpoint" xmlns:com="http://schemas.openxmlformats.org/drawingml/2006/compatibility" xmlns:p14="http://schemas.microsoft.com/office/powerpoint/2010/main" xmlns:p15="http://schemas.microsoft.com/office/powerpoint/2012/main" xmlns:ahyp="http://schemas.microsoft.com/office/drawing/2018/hyperlinkcolor">
   <p:cSld>
     <p:spTree>
       <p:nvGrpSpPr>
-        <p:cNvPr id="473" name="Shape 473"/>
+        <p:cNvPr id="458" name="Shape 458"/>
         <p:cNvGrpSpPr/>
         <p:nvPr/>
       </p:nvGrpSpPr>
@@ -28734,7 +27938,7 @@
       </p:grpSpPr>
       <p:pic>
         <p:nvPicPr>
-          <p:cNvPr id="474" name="Google Shape;474;p73"/>
+          <p:cNvPr id="459" name="Google Shape;459;p71"/>
           <p:cNvPicPr preferRelativeResize="0"/>
           <p:nvPr/>
         </p:nvPicPr>
@@ -28762,7 +27966,7 @@
       </p:pic>
       <p:sp>
         <p:nvSpPr>
-          <p:cNvPr id="475" name="Google Shape;475;p73"/>
+          <p:cNvPr id="460" name="Google Shape;460;p71"/>
           <p:cNvSpPr txBox="1"/>
           <p:nvPr>
             <p:ph type="title"/>
@@ -28810,7 +28014,7 @@
       </p:sp>
       <p:sp>
         <p:nvSpPr>
-          <p:cNvPr id="476" name="Google Shape;476;p73"/>
+          <p:cNvPr id="461" name="Google Shape;461;p71"/>
           <p:cNvSpPr txBox="1"/>
           <p:nvPr/>
         </p:nvSpPr>
@@ -28856,7 +28060,7 @@
       </p:sp>
       <p:sp>
         <p:nvSpPr>
-          <p:cNvPr id="477" name="Google Shape;477;p73"/>
+          <p:cNvPr id="462" name="Google Shape;462;p71"/>
           <p:cNvSpPr txBox="1"/>
           <p:nvPr>
             <p:ph idx="12" type="sldNum"/>
@@ -28915,7 +28119,7 @@
   <p:cSld>
     <p:spTree>
       <p:nvGrpSpPr>
-        <p:cNvPr id="198" name="Shape 198"/>
+        <p:cNvPr id="199" name="Shape 199"/>
         <p:cNvGrpSpPr/>
         <p:nvPr/>
       </p:nvGrpSpPr>
@@ -28929,7 +28133,7 @@
       </p:grpSpPr>
       <p:pic>
         <p:nvPicPr>
-          <p:cNvPr id="199" name="Google Shape;199;p40"/>
+          <p:cNvPr id="200" name="Google Shape;200;p40"/>
           <p:cNvPicPr preferRelativeResize="0"/>
           <p:nvPr/>
         </p:nvPicPr>
@@ -28957,7 +28161,7 @@
       </p:pic>
       <p:sp>
         <p:nvSpPr>
-          <p:cNvPr id="200" name="Google Shape;200;p40"/>
+          <p:cNvPr id="201" name="Google Shape;201;p40"/>
           <p:cNvSpPr txBox="1"/>
           <p:nvPr>
             <p:ph type="title"/>
@@ -29013,7 +28217,7 @@
       </p:sp>
       <p:sp>
         <p:nvSpPr>
-          <p:cNvPr id="201" name="Google Shape;201;p40"/>
+          <p:cNvPr id="202" name="Google Shape;202;p40"/>
           <p:cNvSpPr txBox="1"/>
           <p:nvPr>
             <p:ph idx="12" type="sldNum"/>
@@ -29061,7 +28265,7 @@
       </p:sp>
       <p:sp>
         <p:nvSpPr>
-          <p:cNvPr id="202" name="Google Shape;202;p40"/>
+          <p:cNvPr id="203" name="Google Shape;203;p40"/>
           <p:cNvSpPr txBox="1"/>
           <p:nvPr/>
         </p:nvSpPr>
@@ -29158,7 +28362,7 @@
   <p:cSld>
     <p:spTree>
       <p:nvGrpSpPr>
-        <p:cNvPr id="206" name="Shape 206"/>
+        <p:cNvPr id="207" name="Shape 207"/>
         <p:cNvGrpSpPr/>
         <p:nvPr/>
       </p:nvGrpSpPr>
@@ -29172,7 +28376,7 @@
       </p:grpSpPr>
       <p:pic>
         <p:nvPicPr>
-          <p:cNvPr id="207" name="Google Shape;207;p41"/>
+          <p:cNvPr id="208" name="Google Shape;208;p41"/>
           <p:cNvPicPr preferRelativeResize="0"/>
           <p:nvPr/>
         </p:nvPicPr>
@@ -29200,7 +28404,7 @@
       </p:pic>
       <p:sp>
         <p:nvSpPr>
-          <p:cNvPr id="208" name="Google Shape;208;p41"/>
+          <p:cNvPr id="209" name="Google Shape;209;p41"/>
           <p:cNvSpPr txBox="1"/>
           <p:nvPr>
             <p:ph type="title"/>
@@ -29248,7 +28452,7 @@
       </p:sp>
       <p:sp>
         <p:nvSpPr>
-          <p:cNvPr id="209" name="Google Shape;209;p41"/>
+          <p:cNvPr id="210" name="Google Shape;210;p41"/>
           <p:cNvSpPr txBox="1"/>
           <p:nvPr>
             <p:ph idx="12" type="sldNum"/>
@@ -29296,7 +28500,7 @@
       </p:sp>
       <p:sp>
         <p:nvSpPr>
-          <p:cNvPr id="210" name="Google Shape;210;p41"/>
+          <p:cNvPr id="211" name="Google Shape;211;p41"/>
           <p:cNvSpPr txBox="1"/>
           <p:nvPr/>
         </p:nvSpPr>
@@ -29392,7 +28596,7 @@
   <p:cSld>
     <p:spTree>
       <p:nvGrpSpPr>
-        <p:cNvPr id="214" name="Shape 214"/>
+        <p:cNvPr id="215" name="Shape 215"/>
         <p:cNvGrpSpPr/>
         <p:nvPr/>
       </p:nvGrpSpPr>
@@ -29406,7 +28610,7 @@
       </p:grpSpPr>
       <p:pic>
         <p:nvPicPr>
-          <p:cNvPr id="215" name="Google Shape;215;p42"/>
+          <p:cNvPr id="216" name="Google Shape;216;p42"/>
           <p:cNvPicPr preferRelativeResize="0"/>
           <p:nvPr/>
         </p:nvPicPr>
@@ -29434,7 +28638,7 @@
       </p:pic>
       <p:sp>
         <p:nvSpPr>
-          <p:cNvPr id="216" name="Google Shape;216;p42"/>
+          <p:cNvPr id="217" name="Google Shape;217;p42"/>
           <p:cNvSpPr txBox="1"/>
           <p:nvPr>
             <p:ph type="title"/>
@@ -29482,7 +28686,7 @@
       </p:sp>
       <p:sp>
         <p:nvSpPr>
-          <p:cNvPr id="217" name="Google Shape;217;p42"/>
+          <p:cNvPr id="218" name="Google Shape;218;p42"/>
           <p:cNvSpPr txBox="1"/>
           <p:nvPr>
             <p:ph idx="12" type="sldNum"/>
@@ -29530,7 +28734,7 @@
       </p:sp>
       <p:sp>
         <p:nvSpPr>
-          <p:cNvPr id="218" name="Google Shape;218;p42"/>
+          <p:cNvPr id="219" name="Google Shape;219;p42"/>
           <p:cNvSpPr txBox="1"/>
           <p:nvPr/>
         </p:nvSpPr>
@@ -29635,7 +28839,7 @@
   <p:cSld>
     <p:spTree>
       <p:nvGrpSpPr>
-        <p:cNvPr id="222" name="Shape 222"/>
+        <p:cNvPr id="223" name="Shape 223"/>
         <p:cNvGrpSpPr/>
         <p:nvPr/>
       </p:nvGrpSpPr>
@@ -29649,7 +28853,7 @@
       </p:grpSpPr>
       <p:pic>
         <p:nvPicPr>
-          <p:cNvPr id="223" name="Google Shape;223;p43"/>
+          <p:cNvPr id="224" name="Google Shape;224;p43"/>
           <p:cNvPicPr preferRelativeResize="0"/>
           <p:nvPr/>
         </p:nvPicPr>
@@ -29677,7 +28881,7 @@
       </p:pic>
       <p:sp>
         <p:nvSpPr>
-          <p:cNvPr id="224" name="Google Shape;224;p43"/>
+          <p:cNvPr id="225" name="Google Shape;225;p43"/>
           <p:cNvSpPr txBox="1"/>
           <p:nvPr>
             <p:ph type="title"/>
@@ -29725,7 +28929,7 @@
       </p:sp>
       <p:sp>
         <p:nvSpPr>
-          <p:cNvPr id="225" name="Google Shape;225;p43"/>
+          <p:cNvPr id="226" name="Google Shape;226;p43"/>
           <p:cNvSpPr txBox="1"/>
           <p:nvPr>
             <p:ph idx="12" type="sldNum"/>
@@ -29773,7 +28977,7 @@
       </p:sp>
       <p:sp>
         <p:nvSpPr>
-          <p:cNvPr id="226" name="Google Shape;226;p43"/>
+          <p:cNvPr id="227" name="Google Shape;227;p43"/>
           <p:cNvSpPr txBox="1"/>
           <p:nvPr/>
         </p:nvSpPr>
@@ -29938,7 +29142,7 @@
   <p:cSld>
     <p:spTree>
       <p:nvGrpSpPr>
-        <p:cNvPr id="230" name="Shape 230"/>
+        <p:cNvPr id="231" name="Shape 231"/>
         <p:cNvGrpSpPr/>
         <p:nvPr/>
       </p:nvGrpSpPr>
@@ -29952,7 +29156,7 @@
       </p:grpSpPr>
       <p:pic>
         <p:nvPicPr>
-          <p:cNvPr id="231" name="Google Shape;231;p44"/>
+          <p:cNvPr id="232" name="Google Shape;232;p44"/>
           <p:cNvPicPr preferRelativeResize="0"/>
           <p:nvPr/>
         </p:nvPicPr>
@@ -29980,7 +29184,7 @@
       </p:pic>
       <p:sp>
         <p:nvSpPr>
-          <p:cNvPr id="232" name="Google Shape;232;p44"/>
+          <p:cNvPr id="233" name="Google Shape;233;p44"/>
           <p:cNvSpPr txBox="1"/>
           <p:nvPr>
             <p:ph type="title"/>
@@ -30028,7 +29232,7 @@
       </p:sp>
       <p:sp>
         <p:nvSpPr>
-          <p:cNvPr id="233" name="Google Shape;233;p44"/>
+          <p:cNvPr id="234" name="Google Shape;234;p44"/>
           <p:cNvSpPr txBox="1"/>
           <p:nvPr>
             <p:ph idx="12" type="sldNum"/>
@@ -30076,7 +29280,7 @@
       </p:sp>
       <p:sp>
         <p:nvSpPr>
-          <p:cNvPr id="234" name="Google Shape;234;p44"/>
+          <p:cNvPr id="235" name="Google Shape;235;p44"/>
           <p:cNvSpPr txBox="1"/>
           <p:nvPr/>
         </p:nvSpPr>
@@ -30134,7 +29338,7 @@
             </a:pPr>
             <a:r>
               <a:rPr lang="en" sz="1600"/>
-              <a:t>If you have erroneous values in your data, for example, due to software or hardware failure, try to identify and impute the correct values as much as possible. </a:t>
+              <a:t>If you have erroneous values in your data, for example, due to software or hardware failure, you should try to identify and impute the correct values as much as possible. </a:t>
             </a:r>
             <a:endParaRPr sz="1600"/>
           </a:p>
@@ -30174,7 +29378,7 @@
             </a:pPr>
             <a:r>
               <a:rPr lang="en" sz="1600"/>
-              <a:t>In some problems (for example, a failure forecast), data errors can be an important predictor field.</a:t>
+              <a:t>Keep in mind, in some problems (for example, a failure forecast), data errors can be an important predictor field.</a:t>
             </a:r>
             <a:endParaRPr sz="1600"/>
           </a:p>
@@ -30193,7 +29397,7 @@
   <p:cSld>
     <p:spTree>
       <p:nvGrpSpPr>
-        <p:cNvPr id="238" name="Shape 238"/>
+        <p:cNvPr id="239" name="Shape 239"/>
         <p:cNvGrpSpPr/>
         <p:nvPr/>
       </p:nvGrpSpPr>
@@ -30207,7 +29411,7 @@
       </p:grpSpPr>
       <p:pic>
         <p:nvPicPr>
-          <p:cNvPr id="239" name="Google Shape;239;p45"/>
+          <p:cNvPr id="240" name="Google Shape;240;p45"/>
           <p:cNvPicPr preferRelativeResize="0"/>
           <p:nvPr/>
         </p:nvPicPr>
@@ -30235,7 +29439,7 @@
       </p:pic>
       <p:sp>
         <p:nvSpPr>
-          <p:cNvPr id="240" name="Google Shape;240;p45"/>
+          <p:cNvPr id="241" name="Google Shape;241;p45"/>
           <p:cNvSpPr txBox="1"/>
           <p:nvPr>
             <p:ph type="title"/>
@@ -30283,7 +29487,7 @@
       </p:sp>
       <p:sp>
         <p:nvSpPr>
-          <p:cNvPr id="241" name="Google Shape;241;p45"/>
+          <p:cNvPr id="242" name="Google Shape;242;p45"/>
           <p:cNvSpPr txBox="1"/>
           <p:nvPr>
             <p:ph idx="12" type="sldNum"/>
@@ -30331,14 +29535,14 @@
       </p:sp>
       <p:sp>
         <p:nvSpPr>
-          <p:cNvPr id="242" name="Google Shape;242;p45"/>
+          <p:cNvPr id="243" name="Google Shape;243;p45"/>
           <p:cNvSpPr txBox="1"/>
           <p:nvPr/>
         </p:nvSpPr>
         <p:spPr>
           <a:xfrm>
             <a:off x="281850" y="779975"/>
-            <a:ext cx="8520600" cy="3836400"/>
+            <a:ext cx="8520600" cy="2916000"/>
           </a:xfrm>
           <a:prstGeom prst="rect">
             <a:avLst/>
@@ -30429,47 +29633,7 @@
             </a:pPr>
             <a:r>
               <a:rPr lang="en" sz="1300"/>
-              <a:t>This statement is assuming samples are distributed evenly across the range of target values. Sample imbalance leads to requiring more data.</a:t>
-            </a:r>
-            <a:endParaRPr sz="1300"/>
-          </a:p>
-          <a:p>
-            <a:pPr indent="-311150" lvl="0" marL="571500" rtl="0" algn="l">
-              <a:lnSpc>
-                <a:spcPct val="115000"/>
-              </a:lnSpc>
-              <a:spcBef>
-                <a:spcPts val="0"/>
-              </a:spcBef>
-              <a:spcAft>
-                <a:spcPts val="0"/>
-              </a:spcAft>
-              <a:buSzPts val="1300"/>
-              <a:buChar char="●"/>
-            </a:pPr>
-            <a:r>
-              <a:rPr b="1" lang="en" sz="1300"/>
-              <a:t>Transfer learning may require less data.</a:t>
-            </a:r>
-            <a:endParaRPr b="1" sz="1300"/>
-          </a:p>
-          <a:p>
-            <a:pPr indent="-311150" lvl="1" marL="857250" rtl="0" algn="l">
-              <a:lnSpc>
-                <a:spcPct val="115000"/>
-              </a:lnSpc>
-              <a:spcBef>
-                <a:spcPts val="0"/>
-              </a:spcBef>
-              <a:spcAft>
-                <a:spcPts val="0"/>
-              </a:spcAft>
-              <a:buSzPts val="1300"/>
-              <a:buChar char="○"/>
-            </a:pPr>
-            <a:r>
-              <a:rPr lang="en" sz="1300"/>
-              <a:t>For example, if you are engaged in transfer learning with the preceding handwritten digit classification example, you may get highly accurate results with Cloud AutoML Vision using only 50 training images per category, that is, 500 images in total.</a:t>
+              <a:t>This statement is assuming samples are distributed evenly across the range of target values. Sample imbalance requires more data.</a:t>
             </a:r>
             <a:endParaRPr sz="1300"/>
           </a:p>
@@ -30803,44 +29967,44 @@
 </file>
 
 <file path=ppt/theme/theme2.xml><?xml version="1.0" encoding="utf-8"?>
-<a:theme xmlns:a="http://schemas.openxmlformats.org/drawingml/2006/main" xmlns:r="http://schemas.openxmlformats.org/officeDocument/2006/relationships" name="Geometric">
+<a:theme xmlns:a="http://schemas.openxmlformats.org/drawingml/2006/main" xmlns:r="http://schemas.openxmlformats.org/officeDocument/2006/relationships">
   <a:themeElements>
-    <a:clrScheme name="Geometric">
+    <a:clrScheme name="Default">
       <a:dk1>
-        <a:srgbClr val="2A3990"/>
+        <a:srgbClr val="000000"/>
       </a:dk1>
       <a:lt1>
         <a:srgbClr val="FFFFFF"/>
       </a:lt1>
       <a:dk2>
-        <a:srgbClr val="434343"/>
+        <a:srgbClr val="158158"/>
       </a:dk2>
       <a:lt2>
-        <a:srgbClr val="999999"/>
+        <a:srgbClr val="F3F3F3"/>
       </a:lt2>
       <a:accent1>
-        <a:srgbClr val="212D74"/>
+        <a:srgbClr val="058DC7"/>
       </a:accent1>
       <a:accent2>
-        <a:srgbClr val="3949AB"/>
+        <a:srgbClr val="50B432"/>
       </a:accent2>
       <a:accent3>
-        <a:srgbClr val="9C254D"/>
+        <a:srgbClr val="ED561B"/>
       </a:accent3>
       <a:accent4>
-        <a:srgbClr val="D23369"/>
+        <a:srgbClr val="EDEF00"/>
       </a:accent4>
       <a:accent5>
-        <a:srgbClr val="F06292"/>
+        <a:srgbClr val="24CBE5"/>
       </a:accent5>
       <a:accent6>
-        <a:srgbClr val="7890CD"/>
+        <a:srgbClr val="64E572"/>
       </a:accent6>
       <a:hlink>
-        <a:srgbClr val="F06292"/>
+        <a:srgbClr val="2200CC"/>
       </a:hlink>
       <a:folHlink>
-        <a:srgbClr val="F06292"/>
+        <a:srgbClr val="551A8B"/>
       </a:folHlink>
     </a:clrScheme>
     <a:fontScheme name="Office">
@@ -31361,44 +30525,44 @@
 </file>
 
 <file path=ppt/theme/theme4.xml><?xml version="1.0" encoding="utf-8"?>
-<a:theme xmlns:a="http://schemas.openxmlformats.org/drawingml/2006/main" xmlns:r="http://schemas.openxmlformats.org/officeDocument/2006/relationships">
+<a:theme xmlns:a="http://schemas.openxmlformats.org/drawingml/2006/main" xmlns:r="http://schemas.openxmlformats.org/officeDocument/2006/relationships" name="Geometric">
   <a:themeElements>
-    <a:clrScheme name="Default">
+    <a:clrScheme name="Geometric">
       <a:dk1>
-        <a:srgbClr val="000000"/>
+        <a:srgbClr val="2A3990"/>
       </a:dk1>
       <a:lt1>
         <a:srgbClr val="FFFFFF"/>
       </a:lt1>
       <a:dk2>
-        <a:srgbClr val="158158"/>
+        <a:srgbClr val="434343"/>
       </a:dk2>
       <a:lt2>
-        <a:srgbClr val="F3F3F3"/>
+        <a:srgbClr val="999999"/>
       </a:lt2>
       <a:accent1>
-        <a:srgbClr val="058DC7"/>
+        <a:srgbClr val="212D74"/>
       </a:accent1>
       <a:accent2>
-        <a:srgbClr val="50B432"/>
+        <a:srgbClr val="3949AB"/>
       </a:accent2>
       <a:accent3>
-        <a:srgbClr val="ED561B"/>
+        <a:srgbClr val="9C254D"/>
       </a:accent3>
       <a:accent4>
-        <a:srgbClr val="EDEF00"/>
+        <a:srgbClr val="D23369"/>
       </a:accent4>
       <a:accent5>
-        <a:srgbClr val="24CBE5"/>
+        <a:srgbClr val="F06292"/>
       </a:accent5>
       <a:accent6>
-        <a:srgbClr val="64E572"/>
+        <a:srgbClr val="7890CD"/>
       </a:accent6>
       <a:hlink>
-        <a:srgbClr val="2200CC"/>
+        <a:srgbClr val="F06292"/>
       </a:hlink>
       <a:folHlink>
-        <a:srgbClr val="551A8B"/>
+        <a:srgbClr val="F06292"/>
       </a:folHlink>
     </a:clrScheme>
     <a:fontScheme name="Office">

--- a/Day_2/Lectures/Day_2_Lecture_2_Data_Readiness_for_AI_ML_CheckList.pptx
+++ b/Day_2/Lectures/Day_2_Lecture_2_Data_Readiness_for_AI_ML_CheckList.pptx
@@ -31321,6 +31321,285 @@
 </file>
 
 <file path=ppt/theme/theme1.xml><?xml version="1.0" encoding="utf-8"?>
+<a:theme xmlns:a="http://schemas.openxmlformats.org/drawingml/2006/main" xmlns:r="http://schemas.openxmlformats.org/officeDocument/2006/relationships" name="Simple Light">
+  <a:themeElements>
+    <a:clrScheme name="Simple Light">
+      <a:dk1>
+        <a:srgbClr val="000000"/>
+      </a:dk1>
+      <a:lt1>
+        <a:srgbClr val="FFFFFF"/>
+      </a:lt1>
+      <a:dk2>
+        <a:srgbClr val="595959"/>
+      </a:dk2>
+      <a:lt2>
+        <a:srgbClr val="EEEEEE"/>
+      </a:lt2>
+      <a:accent1>
+        <a:srgbClr val="4285F4"/>
+      </a:accent1>
+      <a:accent2>
+        <a:srgbClr val="212121"/>
+      </a:accent2>
+      <a:accent3>
+        <a:srgbClr val="78909C"/>
+      </a:accent3>
+      <a:accent4>
+        <a:srgbClr val="FFAB40"/>
+      </a:accent4>
+      <a:accent5>
+        <a:srgbClr val="0097A7"/>
+      </a:accent5>
+      <a:accent6>
+        <a:srgbClr val="EEFF41"/>
+      </a:accent6>
+      <a:hlink>
+        <a:srgbClr val="0097A7"/>
+      </a:hlink>
+      <a:folHlink>
+        <a:srgbClr val="0097A7"/>
+      </a:folHlink>
+    </a:clrScheme>
+    <a:fontScheme name="Office">
+      <a:majorFont>
+        <a:latin typeface="Arial"/>
+        <a:ea typeface=""/>
+        <a:cs typeface=""/>
+        <a:font script="Jpan" typeface="ＭＳ Ｐゴシック"/>
+        <a:font script="Hang" typeface="맑은 고딕"/>
+        <a:font script="Hans" typeface="宋体"/>
+        <a:font script="Hant" typeface="新細明體"/>
+        <a:font script="Arab" typeface="Times New Roman"/>
+        <a:font script="Hebr" typeface="Times New Roman"/>
+        <a:font script="Thai" typeface="Angsana New"/>
+        <a:font script="Ethi" typeface="Nyala"/>
+        <a:font script="Beng" typeface="Vrinda"/>
+        <a:font script="Gujr" typeface="Shruti"/>
+        <a:font script="Khmr" typeface="MoolBoran"/>
+        <a:font script="Knda" typeface="Tunga"/>
+        <a:font script="Guru" typeface="Raavi"/>
+        <a:font script="Cans" typeface="Euphemia"/>
+        <a:font script="Cher" typeface="Plantagenet Cherokee"/>
+        <a:font script="Yiii" typeface="Microsoft Yi Baiti"/>
+        <a:font script="Tibt" typeface="Microsoft Himalaya"/>
+        <a:font script="Thaa" typeface="MV Boli"/>
+        <a:font script="Deva" typeface="Mangal"/>
+        <a:font script="Telu" typeface="Gautami"/>
+        <a:font script="Taml" typeface="Latha"/>
+        <a:font script="Syrc" typeface="Estrangelo Edessa"/>
+        <a:font script="Orya" typeface="Kalinga"/>
+        <a:font script="Mlym" typeface="Kartika"/>
+        <a:font script="Laoo" typeface="DokChampa"/>
+        <a:font script="Sinh" typeface="Iskoola Pota"/>
+        <a:font script="Mong" typeface="Mongolian Baiti"/>
+        <a:font script="Viet" typeface="Times New Roman"/>
+        <a:font script="Uigh" typeface="Microsoft Uighur"/>
+        <a:font script="Geor" typeface="Sylfaen"/>
+      </a:majorFont>
+      <a:minorFont>
+        <a:latin typeface="Arial"/>
+        <a:ea typeface=""/>
+        <a:cs typeface=""/>
+        <a:font script="Jpan" typeface="ＭＳ Ｐゴシック"/>
+        <a:font script="Hang" typeface="맑은 고딕"/>
+        <a:font script="Hans" typeface="宋体"/>
+        <a:font script="Hant" typeface="新細明體"/>
+        <a:font script="Arab" typeface="Arial"/>
+        <a:font script="Hebr" typeface="Arial"/>
+        <a:font script="Thai" typeface="Cordia New"/>
+        <a:font script="Ethi" typeface="Nyala"/>
+        <a:font script="Beng" typeface="Vrinda"/>
+        <a:font script="Gujr" typeface="Shruti"/>
+        <a:font script="Khmr" typeface="DaunPenh"/>
+        <a:font script="Knda" typeface="Tunga"/>
+        <a:font script="Guru" typeface="Raavi"/>
+        <a:font script="Cans" typeface="Euphemia"/>
+        <a:font script="Cher" typeface="Plantagenet Cherokee"/>
+        <a:font script="Yiii" typeface="Microsoft Yi Baiti"/>
+        <a:font script="Tibt" typeface="Microsoft Himalaya"/>
+        <a:font script="Thaa" typeface="MV Boli"/>
+        <a:font script="Deva" typeface="Mangal"/>
+        <a:font script="Telu" typeface="Gautami"/>
+        <a:font script="Taml" typeface="Latha"/>
+        <a:font script="Syrc" typeface="Estrangelo Edessa"/>
+        <a:font script="Orya" typeface="Kalinga"/>
+        <a:font script="Mlym" typeface="Kartika"/>
+        <a:font script="Laoo" typeface="DokChampa"/>
+        <a:font script="Sinh" typeface="Iskoola Pota"/>
+        <a:font script="Mong" typeface="Mongolian Baiti"/>
+        <a:font script="Viet" typeface="Arial"/>
+        <a:font script="Uigh" typeface="Microsoft Uighur"/>
+        <a:font script="Geor" typeface="Sylfaen"/>
+      </a:minorFont>
+    </a:fontScheme>
+    <a:fmtScheme name="Office">
+      <a:fillStyleLst>
+        <a:solidFill>
+          <a:schemeClr val="phClr"/>
+        </a:solidFill>
+        <a:gradFill rotWithShape="1">
+          <a:gsLst>
+            <a:gs pos="0">
+              <a:schemeClr val="phClr">
+                <a:tint val="50000"/>
+                <a:satMod val="300000"/>
+              </a:schemeClr>
+            </a:gs>
+            <a:gs pos="35000">
+              <a:schemeClr val="phClr">
+                <a:tint val="37000"/>
+                <a:satMod val="300000"/>
+              </a:schemeClr>
+            </a:gs>
+            <a:gs pos="100000">
+              <a:schemeClr val="phClr">
+                <a:tint val="15000"/>
+                <a:satMod val="350000"/>
+              </a:schemeClr>
+            </a:gs>
+          </a:gsLst>
+          <a:lin ang="16200000" scaled="1"/>
+        </a:gradFill>
+        <a:gradFill rotWithShape="1">
+          <a:gsLst>
+            <a:gs pos="0">
+              <a:schemeClr val="phClr">
+                <a:tint val="100000"/>
+                <a:shade val="100000"/>
+                <a:satMod val="130000"/>
+              </a:schemeClr>
+            </a:gs>
+            <a:gs pos="100000">
+              <a:schemeClr val="phClr">
+                <a:tint val="50000"/>
+                <a:shade val="100000"/>
+                <a:satMod val="350000"/>
+              </a:schemeClr>
+            </a:gs>
+          </a:gsLst>
+          <a:lin ang="16200000" scaled="0"/>
+        </a:gradFill>
+      </a:fillStyleLst>
+      <a:lnStyleLst>
+        <a:ln w="9525" cap="flat" cmpd="sng" algn="ctr">
+          <a:solidFill>
+            <a:schemeClr val="phClr">
+              <a:shade val="95000"/>
+              <a:satMod val="105000"/>
+            </a:schemeClr>
+          </a:solidFill>
+          <a:prstDash val="solid"/>
+        </a:ln>
+        <a:ln w="25400" cap="flat" cmpd="sng" algn="ctr">
+          <a:solidFill>
+            <a:schemeClr val="phClr"/>
+          </a:solidFill>
+          <a:prstDash val="solid"/>
+        </a:ln>
+        <a:ln w="38100" cap="flat" cmpd="sng" algn="ctr">
+          <a:solidFill>
+            <a:schemeClr val="phClr"/>
+          </a:solidFill>
+          <a:prstDash val="solid"/>
+        </a:ln>
+      </a:lnStyleLst>
+      <a:effectStyleLst>
+        <a:effectStyle>
+          <a:effectLst>
+            <a:outerShdw blurRad="40000" dist="20000" dir="5400000" rotWithShape="0">
+              <a:srgbClr val="000000">
+                <a:alpha val="38000"/>
+              </a:srgbClr>
+            </a:outerShdw>
+          </a:effectLst>
+        </a:effectStyle>
+        <a:effectStyle>
+          <a:effectLst>
+            <a:outerShdw blurRad="40000" dist="23000" dir="5400000" rotWithShape="0">
+              <a:srgbClr val="000000">
+                <a:alpha val="35000"/>
+              </a:srgbClr>
+            </a:outerShdw>
+          </a:effectLst>
+        </a:effectStyle>
+        <a:effectStyle>
+          <a:effectLst>
+            <a:outerShdw blurRad="40000" dist="23000" dir="5400000" rotWithShape="0">
+              <a:srgbClr val="000000">
+                <a:alpha val="35000"/>
+              </a:srgbClr>
+            </a:outerShdw>
+          </a:effectLst>
+          <a:scene3d>
+            <a:camera prst="orthographicFront">
+              <a:rot lat="0" lon="0" rev="0"/>
+            </a:camera>
+            <a:lightRig rig="threePt" dir="t">
+              <a:rot lat="0" lon="0" rev="1200000"/>
+            </a:lightRig>
+          </a:scene3d>
+          <a:sp3d>
+            <a:bevelT w="63500" h="25400"/>
+          </a:sp3d>
+        </a:effectStyle>
+      </a:effectStyleLst>
+      <a:bgFillStyleLst>
+        <a:solidFill>
+          <a:schemeClr val="phClr"/>
+        </a:solidFill>
+        <a:gradFill rotWithShape="1">
+          <a:gsLst>
+            <a:gs pos="0">
+              <a:schemeClr val="phClr">
+                <a:tint val="40000"/>
+                <a:satMod val="350000"/>
+              </a:schemeClr>
+            </a:gs>
+            <a:gs pos="40000">
+              <a:schemeClr val="phClr">
+                <a:tint val="45000"/>
+                <a:shade val="99000"/>
+                <a:satMod val="350000"/>
+              </a:schemeClr>
+            </a:gs>
+            <a:gs pos="100000">
+              <a:schemeClr val="phClr">
+                <a:shade val="20000"/>
+                <a:satMod val="255000"/>
+              </a:schemeClr>
+            </a:gs>
+          </a:gsLst>
+          <a:path path="circle">
+            <a:fillToRect l="50000" t="-80000" r="50000" b="180000"/>
+          </a:path>
+        </a:gradFill>
+        <a:gradFill rotWithShape="1">
+          <a:gsLst>
+            <a:gs pos="0">
+              <a:schemeClr val="phClr">
+                <a:tint val="80000"/>
+                <a:satMod val="300000"/>
+              </a:schemeClr>
+            </a:gs>
+            <a:gs pos="100000">
+              <a:schemeClr val="phClr">
+                <a:shade val="30000"/>
+                <a:satMod val="200000"/>
+              </a:schemeClr>
+            </a:gs>
+          </a:gsLst>
+          <a:path path="circle">
+            <a:fillToRect l="50000" t="50000" r="50000" b="50000"/>
+          </a:path>
+        </a:gradFill>
+      </a:bgFillStyleLst>
+    </a:fmtScheme>
+  </a:themeElements>
+</a:theme>
+</file>
+
+<file path=ppt/theme/theme2.xml><?xml version="1.0" encoding="utf-8"?>
 <a:theme xmlns:a="http://schemas.openxmlformats.org/drawingml/2006/main" xmlns:r="http://schemas.openxmlformats.org/officeDocument/2006/relationships" name="Geometric">
   <a:themeElements>
     <a:clrScheme name="Geometric">
@@ -31599,7 +31878,286 @@
 </a:theme>
 </file>
 
-<file path=ppt/theme/theme2.xml><?xml version="1.0" encoding="utf-8"?>
+<file path=ppt/theme/theme3.xml><?xml version="1.0" encoding="utf-8"?>
+<a:theme xmlns:a="http://schemas.openxmlformats.org/drawingml/2006/main" xmlns:r="http://schemas.openxmlformats.org/officeDocument/2006/relationships">
+  <a:themeElements>
+    <a:clrScheme name="Default">
+      <a:dk1>
+        <a:srgbClr val="000000"/>
+      </a:dk1>
+      <a:lt1>
+        <a:srgbClr val="FFFFFF"/>
+      </a:lt1>
+      <a:dk2>
+        <a:srgbClr val="158158"/>
+      </a:dk2>
+      <a:lt2>
+        <a:srgbClr val="F3F3F3"/>
+      </a:lt2>
+      <a:accent1>
+        <a:srgbClr val="058DC7"/>
+      </a:accent1>
+      <a:accent2>
+        <a:srgbClr val="50B432"/>
+      </a:accent2>
+      <a:accent3>
+        <a:srgbClr val="ED561B"/>
+      </a:accent3>
+      <a:accent4>
+        <a:srgbClr val="EDEF00"/>
+      </a:accent4>
+      <a:accent5>
+        <a:srgbClr val="24CBE5"/>
+      </a:accent5>
+      <a:accent6>
+        <a:srgbClr val="64E572"/>
+      </a:accent6>
+      <a:hlink>
+        <a:srgbClr val="2200CC"/>
+      </a:hlink>
+      <a:folHlink>
+        <a:srgbClr val="551A8B"/>
+      </a:folHlink>
+    </a:clrScheme>
+    <a:fontScheme name="Office">
+      <a:majorFont>
+        <a:latin typeface="Arial"/>
+        <a:ea typeface=""/>
+        <a:cs typeface=""/>
+        <a:font script="Jpan" typeface="ＭＳ Ｐゴシック"/>
+        <a:font script="Hang" typeface="맑은 고딕"/>
+        <a:font script="Hans" typeface="宋体"/>
+        <a:font script="Hant" typeface="新細明體"/>
+        <a:font script="Arab" typeface="Times New Roman"/>
+        <a:font script="Hebr" typeface="Times New Roman"/>
+        <a:font script="Thai" typeface="Angsana New"/>
+        <a:font script="Ethi" typeface="Nyala"/>
+        <a:font script="Beng" typeface="Vrinda"/>
+        <a:font script="Gujr" typeface="Shruti"/>
+        <a:font script="Khmr" typeface="MoolBoran"/>
+        <a:font script="Knda" typeface="Tunga"/>
+        <a:font script="Guru" typeface="Raavi"/>
+        <a:font script="Cans" typeface="Euphemia"/>
+        <a:font script="Cher" typeface="Plantagenet Cherokee"/>
+        <a:font script="Yiii" typeface="Microsoft Yi Baiti"/>
+        <a:font script="Tibt" typeface="Microsoft Himalaya"/>
+        <a:font script="Thaa" typeface="MV Boli"/>
+        <a:font script="Deva" typeface="Mangal"/>
+        <a:font script="Telu" typeface="Gautami"/>
+        <a:font script="Taml" typeface="Latha"/>
+        <a:font script="Syrc" typeface="Estrangelo Edessa"/>
+        <a:font script="Orya" typeface="Kalinga"/>
+        <a:font script="Mlym" typeface="Kartika"/>
+        <a:font script="Laoo" typeface="DokChampa"/>
+        <a:font script="Sinh" typeface="Iskoola Pota"/>
+        <a:font script="Mong" typeface="Mongolian Baiti"/>
+        <a:font script="Viet" typeface="Times New Roman"/>
+        <a:font script="Uigh" typeface="Microsoft Uighur"/>
+        <a:font script="Geor" typeface="Sylfaen"/>
+      </a:majorFont>
+      <a:minorFont>
+        <a:latin typeface="Arial"/>
+        <a:ea typeface=""/>
+        <a:cs typeface=""/>
+        <a:font script="Jpan" typeface="ＭＳ Ｐゴシック"/>
+        <a:font script="Hang" typeface="맑은 고딕"/>
+        <a:font script="Hans" typeface="宋体"/>
+        <a:font script="Hant" typeface="新細明體"/>
+        <a:font script="Arab" typeface="Arial"/>
+        <a:font script="Hebr" typeface="Arial"/>
+        <a:font script="Thai" typeface="Cordia New"/>
+        <a:font script="Ethi" typeface="Nyala"/>
+        <a:font script="Beng" typeface="Vrinda"/>
+        <a:font script="Gujr" typeface="Shruti"/>
+        <a:font script="Khmr" typeface="DaunPenh"/>
+        <a:font script="Knda" typeface="Tunga"/>
+        <a:font script="Guru" typeface="Raavi"/>
+        <a:font script="Cans" typeface="Euphemia"/>
+        <a:font script="Cher" typeface="Plantagenet Cherokee"/>
+        <a:font script="Yiii" typeface="Microsoft Yi Baiti"/>
+        <a:font script="Tibt" typeface="Microsoft Himalaya"/>
+        <a:font script="Thaa" typeface="MV Boli"/>
+        <a:font script="Deva" typeface="Mangal"/>
+        <a:font script="Telu" typeface="Gautami"/>
+        <a:font script="Taml" typeface="Latha"/>
+        <a:font script="Syrc" typeface="Estrangelo Edessa"/>
+        <a:font script="Orya" typeface="Kalinga"/>
+        <a:font script="Mlym" typeface="Kartika"/>
+        <a:font script="Laoo" typeface="DokChampa"/>
+        <a:font script="Sinh" typeface="Iskoola Pota"/>
+        <a:font script="Mong" typeface="Mongolian Baiti"/>
+        <a:font script="Viet" typeface="Arial"/>
+        <a:font script="Uigh" typeface="Microsoft Uighur"/>
+        <a:font script="Geor" typeface="Sylfaen"/>
+      </a:minorFont>
+    </a:fontScheme>
+    <a:fmtScheme name="Office">
+      <a:fillStyleLst>
+        <a:solidFill>
+          <a:schemeClr val="phClr"/>
+        </a:solidFill>
+        <a:gradFill rotWithShape="1">
+          <a:gsLst>
+            <a:gs pos="0">
+              <a:schemeClr val="phClr">
+                <a:tint val="50000"/>
+                <a:satMod val="300000"/>
+              </a:schemeClr>
+            </a:gs>
+            <a:gs pos="35000">
+              <a:schemeClr val="phClr">
+                <a:tint val="37000"/>
+                <a:satMod val="300000"/>
+              </a:schemeClr>
+            </a:gs>
+            <a:gs pos="100000">
+              <a:schemeClr val="phClr">
+                <a:tint val="15000"/>
+                <a:satMod val="350000"/>
+              </a:schemeClr>
+            </a:gs>
+          </a:gsLst>
+          <a:lin ang="16200000" scaled="1"/>
+        </a:gradFill>
+        <a:gradFill rotWithShape="1">
+          <a:gsLst>
+            <a:gs pos="0">
+              <a:schemeClr val="phClr">
+                <a:tint val="100000"/>
+                <a:shade val="100000"/>
+                <a:satMod val="130000"/>
+              </a:schemeClr>
+            </a:gs>
+            <a:gs pos="100000">
+              <a:schemeClr val="phClr">
+                <a:tint val="50000"/>
+                <a:shade val="100000"/>
+                <a:satMod val="350000"/>
+              </a:schemeClr>
+            </a:gs>
+          </a:gsLst>
+          <a:lin ang="16200000" scaled="0"/>
+        </a:gradFill>
+      </a:fillStyleLst>
+      <a:lnStyleLst>
+        <a:ln w="9525" cap="flat" cmpd="sng" algn="ctr">
+          <a:solidFill>
+            <a:schemeClr val="phClr">
+              <a:shade val="95000"/>
+              <a:satMod val="105000"/>
+            </a:schemeClr>
+          </a:solidFill>
+          <a:prstDash val="solid"/>
+        </a:ln>
+        <a:ln w="25400" cap="flat" cmpd="sng" algn="ctr">
+          <a:solidFill>
+            <a:schemeClr val="phClr"/>
+          </a:solidFill>
+          <a:prstDash val="solid"/>
+        </a:ln>
+        <a:ln w="38100" cap="flat" cmpd="sng" algn="ctr">
+          <a:solidFill>
+            <a:schemeClr val="phClr"/>
+          </a:solidFill>
+          <a:prstDash val="solid"/>
+        </a:ln>
+      </a:lnStyleLst>
+      <a:effectStyleLst>
+        <a:effectStyle>
+          <a:effectLst>
+            <a:outerShdw blurRad="40000" dist="20000" dir="5400000" rotWithShape="0">
+              <a:srgbClr val="000000">
+                <a:alpha val="38000"/>
+              </a:srgbClr>
+            </a:outerShdw>
+          </a:effectLst>
+        </a:effectStyle>
+        <a:effectStyle>
+          <a:effectLst>
+            <a:outerShdw blurRad="40000" dist="23000" dir="5400000" rotWithShape="0">
+              <a:srgbClr val="000000">
+                <a:alpha val="35000"/>
+              </a:srgbClr>
+            </a:outerShdw>
+          </a:effectLst>
+        </a:effectStyle>
+        <a:effectStyle>
+          <a:effectLst>
+            <a:outerShdw blurRad="40000" dist="23000" dir="5400000" rotWithShape="0">
+              <a:srgbClr val="000000">
+                <a:alpha val="35000"/>
+              </a:srgbClr>
+            </a:outerShdw>
+          </a:effectLst>
+          <a:scene3d>
+            <a:camera prst="orthographicFront">
+              <a:rot lat="0" lon="0" rev="0"/>
+            </a:camera>
+            <a:lightRig rig="threePt" dir="t">
+              <a:rot lat="0" lon="0" rev="1200000"/>
+            </a:lightRig>
+          </a:scene3d>
+          <a:sp3d>
+            <a:bevelT w="63500" h="25400"/>
+          </a:sp3d>
+        </a:effectStyle>
+      </a:effectStyleLst>
+      <a:bgFillStyleLst>
+        <a:solidFill>
+          <a:schemeClr val="phClr"/>
+        </a:solidFill>
+        <a:gradFill rotWithShape="1">
+          <a:gsLst>
+            <a:gs pos="0">
+              <a:schemeClr val="phClr">
+                <a:tint val="40000"/>
+                <a:satMod val="350000"/>
+              </a:schemeClr>
+            </a:gs>
+            <a:gs pos="40000">
+              <a:schemeClr val="phClr">
+                <a:tint val="45000"/>
+                <a:shade val="99000"/>
+                <a:satMod val="350000"/>
+              </a:schemeClr>
+            </a:gs>
+            <a:gs pos="100000">
+              <a:schemeClr val="phClr">
+                <a:shade val="20000"/>
+                <a:satMod val="255000"/>
+              </a:schemeClr>
+            </a:gs>
+          </a:gsLst>
+          <a:path path="circle">
+            <a:fillToRect l="50000" t="-80000" r="50000" b="180000"/>
+          </a:path>
+        </a:gradFill>
+        <a:gradFill rotWithShape="1">
+          <a:gsLst>
+            <a:gs pos="0">
+              <a:schemeClr val="phClr">
+                <a:tint val="80000"/>
+                <a:satMod val="300000"/>
+              </a:schemeClr>
+            </a:gs>
+            <a:gs pos="100000">
+              <a:schemeClr val="phClr">
+                <a:shade val="30000"/>
+                <a:satMod val="200000"/>
+              </a:schemeClr>
+            </a:gs>
+          </a:gsLst>
+          <a:path path="circle">
+            <a:fillToRect l="50000" t="50000" r="50000" b="50000"/>
+          </a:path>
+        </a:gradFill>
+      </a:bgFillStyleLst>
+    </a:fmtScheme>
+  </a:themeElements>
+</a:theme>
+</file>
+
+<file path=ppt/theme/theme4.xml><?xml version="1.0" encoding="utf-8"?>
 <a:theme xmlns:a="http://schemas.openxmlformats.org/drawingml/2006/main" xmlns:r="http://schemas.openxmlformats.org/officeDocument/2006/relationships" name="Simple Light">
   <a:themeElements>
     <a:clrScheme name="Simple Light">
@@ -31876,562 +32434,4 @@
     </a:fmtScheme>
   </a:themeElements>
 </a:theme>
-</file>
-
-<file path=ppt/theme/theme3.xml><?xml version="1.0" encoding="utf-8"?>
-<a:theme xmlns:a="http://schemas.openxmlformats.org/drawingml/2006/main" xmlns:r="http://schemas.openxmlformats.org/officeDocument/2006/relationships" name="Simple Light">
-  <a:themeElements>
-    <a:clrScheme name="Simple Light">
-      <a:dk1>
-        <a:srgbClr val="000000"/>
-      </a:dk1>
-      <a:lt1>
-        <a:srgbClr val="FFFFFF"/>
-      </a:lt1>
-      <a:dk2>
-        <a:srgbClr val="595959"/>
-      </a:dk2>
-      <a:lt2>
-        <a:srgbClr val="EEEEEE"/>
-      </a:lt2>
-      <a:accent1>
-        <a:srgbClr val="4285F4"/>
-      </a:accent1>
-      <a:accent2>
-        <a:srgbClr val="212121"/>
-      </a:accent2>
-      <a:accent3>
-        <a:srgbClr val="78909C"/>
-      </a:accent3>
-      <a:accent4>
-        <a:srgbClr val="FFAB40"/>
-      </a:accent4>
-      <a:accent5>
-        <a:srgbClr val="0097A7"/>
-      </a:accent5>
-      <a:accent6>
-        <a:srgbClr val="EEFF41"/>
-      </a:accent6>
-      <a:hlink>
-        <a:srgbClr val="0097A7"/>
-      </a:hlink>
-      <a:folHlink>
-        <a:srgbClr val="0097A7"/>
-      </a:folHlink>
-    </a:clrScheme>
-    <a:fontScheme name="Office">
-      <a:majorFont>
-        <a:latin typeface="Arial"/>
-        <a:ea typeface=""/>
-        <a:cs typeface=""/>
-        <a:font script="Jpan" typeface="ＭＳ Ｐゴシック"/>
-        <a:font script="Hang" typeface="맑은 고딕"/>
-        <a:font script="Hans" typeface="宋体"/>
-        <a:font script="Hant" typeface="新細明體"/>
-        <a:font script="Arab" typeface="Times New Roman"/>
-        <a:font script="Hebr" typeface="Times New Roman"/>
-        <a:font script="Thai" typeface="Angsana New"/>
-        <a:font script="Ethi" typeface="Nyala"/>
-        <a:font script="Beng" typeface="Vrinda"/>
-        <a:font script="Gujr" typeface="Shruti"/>
-        <a:font script="Khmr" typeface="MoolBoran"/>
-        <a:font script="Knda" typeface="Tunga"/>
-        <a:font script="Guru" typeface="Raavi"/>
-        <a:font script="Cans" typeface="Euphemia"/>
-        <a:font script="Cher" typeface="Plantagenet Cherokee"/>
-        <a:font script="Yiii" typeface="Microsoft Yi Baiti"/>
-        <a:font script="Tibt" typeface="Microsoft Himalaya"/>
-        <a:font script="Thaa" typeface="MV Boli"/>
-        <a:font script="Deva" typeface="Mangal"/>
-        <a:font script="Telu" typeface="Gautami"/>
-        <a:font script="Taml" typeface="Latha"/>
-        <a:font script="Syrc" typeface="Estrangelo Edessa"/>
-        <a:font script="Orya" typeface="Kalinga"/>
-        <a:font script="Mlym" typeface="Kartika"/>
-        <a:font script="Laoo" typeface="DokChampa"/>
-        <a:font script="Sinh" typeface="Iskoola Pota"/>
-        <a:font script="Mong" typeface="Mongolian Baiti"/>
-        <a:font script="Viet" typeface="Times New Roman"/>
-        <a:font script="Uigh" typeface="Microsoft Uighur"/>
-        <a:font script="Geor" typeface="Sylfaen"/>
-      </a:majorFont>
-      <a:minorFont>
-        <a:latin typeface="Arial"/>
-        <a:ea typeface=""/>
-        <a:cs typeface=""/>
-        <a:font script="Jpan" typeface="ＭＳ Ｐゴシック"/>
-        <a:font script="Hang" typeface="맑은 고딕"/>
-        <a:font script="Hans" typeface="宋体"/>
-        <a:font script="Hant" typeface="新細明體"/>
-        <a:font script="Arab" typeface="Arial"/>
-        <a:font script="Hebr" typeface="Arial"/>
-        <a:font script="Thai" typeface="Cordia New"/>
-        <a:font script="Ethi" typeface="Nyala"/>
-        <a:font script="Beng" typeface="Vrinda"/>
-        <a:font script="Gujr" typeface="Shruti"/>
-        <a:font script="Khmr" typeface="DaunPenh"/>
-        <a:font script="Knda" typeface="Tunga"/>
-        <a:font script="Guru" typeface="Raavi"/>
-        <a:font script="Cans" typeface="Euphemia"/>
-        <a:font script="Cher" typeface="Plantagenet Cherokee"/>
-        <a:font script="Yiii" typeface="Microsoft Yi Baiti"/>
-        <a:font script="Tibt" typeface="Microsoft Himalaya"/>
-        <a:font script="Thaa" typeface="MV Boli"/>
-        <a:font script="Deva" typeface="Mangal"/>
-        <a:font script="Telu" typeface="Gautami"/>
-        <a:font script="Taml" typeface="Latha"/>
-        <a:font script="Syrc" typeface="Estrangelo Edessa"/>
-        <a:font script="Orya" typeface="Kalinga"/>
-        <a:font script="Mlym" typeface="Kartika"/>
-        <a:font script="Laoo" typeface="DokChampa"/>
-        <a:font script="Sinh" typeface="Iskoola Pota"/>
-        <a:font script="Mong" typeface="Mongolian Baiti"/>
-        <a:font script="Viet" typeface="Arial"/>
-        <a:font script="Uigh" typeface="Microsoft Uighur"/>
-        <a:font script="Geor" typeface="Sylfaen"/>
-      </a:minorFont>
-    </a:fontScheme>
-    <a:fmtScheme name="Office">
-      <a:fillStyleLst>
-        <a:solidFill>
-          <a:schemeClr val="phClr"/>
-        </a:solidFill>
-        <a:gradFill rotWithShape="1">
-          <a:gsLst>
-            <a:gs pos="0">
-              <a:schemeClr val="phClr">
-                <a:tint val="50000"/>
-                <a:satMod val="300000"/>
-              </a:schemeClr>
-            </a:gs>
-            <a:gs pos="35000">
-              <a:schemeClr val="phClr">
-                <a:tint val="37000"/>
-                <a:satMod val="300000"/>
-              </a:schemeClr>
-            </a:gs>
-            <a:gs pos="100000">
-              <a:schemeClr val="phClr">
-                <a:tint val="15000"/>
-                <a:satMod val="350000"/>
-              </a:schemeClr>
-            </a:gs>
-          </a:gsLst>
-          <a:lin ang="16200000" scaled="1"/>
-        </a:gradFill>
-        <a:gradFill rotWithShape="1">
-          <a:gsLst>
-            <a:gs pos="0">
-              <a:schemeClr val="phClr">
-                <a:tint val="100000"/>
-                <a:shade val="100000"/>
-                <a:satMod val="130000"/>
-              </a:schemeClr>
-            </a:gs>
-            <a:gs pos="100000">
-              <a:schemeClr val="phClr">
-                <a:tint val="50000"/>
-                <a:shade val="100000"/>
-                <a:satMod val="350000"/>
-              </a:schemeClr>
-            </a:gs>
-          </a:gsLst>
-          <a:lin ang="16200000" scaled="0"/>
-        </a:gradFill>
-      </a:fillStyleLst>
-      <a:lnStyleLst>
-        <a:ln w="9525" cap="flat" cmpd="sng" algn="ctr">
-          <a:solidFill>
-            <a:schemeClr val="phClr">
-              <a:shade val="95000"/>
-              <a:satMod val="105000"/>
-            </a:schemeClr>
-          </a:solidFill>
-          <a:prstDash val="solid"/>
-        </a:ln>
-        <a:ln w="25400" cap="flat" cmpd="sng" algn="ctr">
-          <a:solidFill>
-            <a:schemeClr val="phClr"/>
-          </a:solidFill>
-          <a:prstDash val="solid"/>
-        </a:ln>
-        <a:ln w="38100" cap="flat" cmpd="sng" algn="ctr">
-          <a:solidFill>
-            <a:schemeClr val="phClr"/>
-          </a:solidFill>
-          <a:prstDash val="solid"/>
-        </a:ln>
-      </a:lnStyleLst>
-      <a:effectStyleLst>
-        <a:effectStyle>
-          <a:effectLst>
-            <a:outerShdw blurRad="40000" dist="20000" dir="5400000" rotWithShape="0">
-              <a:srgbClr val="000000">
-                <a:alpha val="38000"/>
-              </a:srgbClr>
-            </a:outerShdw>
-          </a:effectLst>
-        </a:effectStyle>
-        <a:effectStyle>
-          <a:effectLst>
-            <a:outerShdw blurRad="40000" dist="23000" dir="5400000" rotWithShape="0">
-              <a:srgbClr val="000000">
-                <a:alpha val="35000"/>
-              </a:srgbClr>
-            </a:outerShdw>
-          </a:effectLst>
-        </a:effectStyle>
-        <a:effectStyle>
-          <a:effectLst>
-            <a:outerShdw blurRad="40000" dist="23000" dir="5400000" rotWithShape="0">
-              <a:srgbClr val="000000">
-                <a:alpha val="35000"/>
-              </a:srgbClr>
-            </a:outerShdw>
-          </a:effectLst>
-          <a:scene3d>
-            <a:camera prst="orthographicFront">
-              <a:rot lat="0" lon="0" rev="0"/>
-            </a:camera>
-            <a:lightRig rig="threePt" dir="t">
-              <a:rot lat="0" lon="0" rev="1200000"/>
-            </a:lightRig>
-          </a:scene3d>
-          <a:sp3d>
-            <a:bevelT w="63500" h="25400"/>
-          </a:sp3d>
-        </a:effectStyle>
-      </a:effectStyleLst>
-      <a:bgFillStyleLst>
-        <a:solidFill>
-          <a:schemeClr val="phClr"/>
-        </a:solidFill>
-        <a:gradFill rotWithShape="1">
-          <a:gsLst>
-            <a:gs pos="0">
-              <a:schemeClr val="phClr">
-                <a:tint val="40000"/>
-                <a:satMod val="350000"/>
-              </a:schemeClr>
-            </a:gs>
-            <a:gs pos="40000">
-              <a:schemeClr val="phClr">
-                <a:tint val="45000"/>
-                <a:shade val="99000"/>
-                <a:satMod val="350000"/>
-              </a:schemeClr>
-            </a:gs>
-            <a:gs pos="100000">
-              <a:schemeClr val="phClr">
-                <a:shade val="20000"/>
-                <a:satMod val="255000"/>
-              </a:schemeClr>
-            </a:gs>
-          </a:gsLst>
-          <a:path path="circle">
-            <a:fillToRect l="50000" t="-80000" r="50000" b="180000"/>
-          </a:path>
-        </a:gradFill>
-        <a:gradFill rotWithShape="1">
-          <a:gsLst>
-            <a:gs pos="0">
-              <a:schemeClr val="phClr">
-                <a:tint val="80000"/>
-                <a:satMod val="300000"/>
-              </a:schemeClr>
-            </a:gs>
-            <a:gs pos="100000">
-              <a:schemeClr val="phClr">
-                <a:shade val="30000"/>
-                <a:satMod val="200000"/>
-              </a:schemeClr>
-            </a:gs>
-          </a:gsLst>
-          <a:path path="circle">
-            <a:fillToRect l="50000" t="50000" r="50000" b="50000"/>
-          </a:path>
-        </a:gradFill>
-      </a:bgFillStyleLst>
-    </a:fmtScheme>
-  </a:themeElements>
-</a:theme>
-</file>
-
-<file path=ppt/theme/theme4.xml><?xml version="1.0" encoding="utf-8"?>
-<a:theme xmlns:a="http://schemas.openxmlformats.org/drawingml/2006/main" xmlns:r="http://schemas.openxmlformats.org/officeDocument/2006/relationships">
-  <a:themeElements>
-    <a:clrScheme name="Default">
-      <a:dk1>
-        <a:srgbClr val="000000"/>
-      </a:dk1>
-      <a:lt1>
-        <a:srgbClr val="FFFFFF"/>
-      </a:lt1>
-      <a:dk2>
-        <a:srgbClr val="158158"/>
-      </a:dk2>
-      <a:lt2>
-        <a:srgbClr val="F3F3F3"/>
-      </a:lt2>
-      <a:accent1>
-        <a:srgbClr val="058DC7"/>
-      </a:accent1>
-      <a:accent2>
-        <a:srgbClr val="50B432"/>
-      </a:accent2>
-      <a:accent3>
-        <a:srgbClr val="ED561B"/>
-      </a:accent3>
-      <a:accent4>
-        <a:srgbClr val="EDEF00"/>
-      </a:accent4>
-      <a:accent5>
-        <a:srgbClr val="24CBE5"/>
-      </a:accent5>
-      <a:accent6>
-        <a:srgbClr val="64E572"/>
-      </a:accent6>
-      <a:hlink>
-        <a:srgbClr val="2200CC"/>
-      </a:hlink>
-      <a:folHlink>
-        <a:srgbClr val="551A8B"/>
-      </a:folHlink>
-    </a:clrScheme>
-    <a:fontScheme name="Office">
-      <a:majorFont>
-        <a:latin typeface="Arial"/>
-        <a:ea typeface=""/>
-        <a:cs typeface=""/>
-        <a:font script="Jpan" typeface="ＭＳ Ｐゴシック"/>
-        <a:font script="Hang" typeface="맑은 고딕"/>
-        <a:font script="Hans" typeface="宋体"/>
-        <a:font script="Hant" typeface="新細明體"/>
-        <a:font script="Arab" typeface="Times New Roman"/>
-        <a:font script="Hebr" typeface="Times New Roman"/>
-        <a:font script="Thai" typeface="Angsana New"/>
-        <a:font script="Ethi" typeface="Nyala"/>
-        <a:font script="Beng" typeface="Vrinda"/>
-        <a:font script="Gujr" typeface="Shruti"/>
-        <a:font script="Khmr" typeface="MoolBoran"/>
-        <a:font script="Knda" typeface="Tunga"/>
-        <a:font script="Guru" typeface="Raavi"/>
-        <a:font script="Cans" typeface="Euphemia"/>
-        <a:font script="Cher" typeface="Plantagenet Cherokee"/>
-        <a:font script="Yiii" typeface="Microsoft Yi Baiti"/>
-        <a:font script="Tibt" typeface="Microsoft Himalaya"/>
-        <a:font script="Thaa" typeface="MV Boli"/>
-        <a:font script="Deva" typeface="Mangal"/>
-        <a:font script="Telu" typeface="Gautami"/>
-        <a:font script="Taml" typeface="Latha"/>
-        <a:font script="Syrc" typeface="Estrangelo Edessa"/>
-        <a:font script="Orya" typeface="Kalinga"/>
-        <a:font script="Mlym" typeface="Kartika"/>
-        <a:font script="Laoo" typeface="DokChampa"/>
-        <a:font script="Sinh" typeface="Iskoola Pota"/>
-        <a:font script="Mong" typeface="Mongolian Baiti"/>
-        <a:font script="Viet" typeface="Times New Roman"/>
-        <a:font script="Uigh" typeface="Microsoft Uighur"/>
-        <a:font script="Geor" typeface="Sylfaen"/>
-      </a:majorFont>
-      <a:minorFont>
-        <a:latin typeface="Arial"/>
-        <a:ea typeface=""/>
-        <a:cs typeface=""/>
-        <a:font script="Jpan" typeface="ＭＳ Ｐゴシック"/>
-        <a:font script="Hang" typeface="맑은 고딕"/>
-        <a:font script="Hans" typeface="宋体"/>
-        <a:font script="Hant" typeface="新細明體"/>
-        <a:font script="Arab" typeface="Arial"/>
-        <a:font script="Hebr" typeface="Arial"/>
-        <a:font script="Thai" typeface="Cordia New"/>
-        <a:font script="Ethi" typeface="Nyala"/>
-        <a:font script="Beng" typeface="Vrinda"/>
-        <a:font script="Gujr" typeface="Shruti"/>
-        <a:font script="Khmr" typeface="DaunPenh"/>
-        <a:font script="Knda" typeface="Tunga"/>
-        <a:font script="Guru" typeface="Raavi"/>
-        <a:font script="Cans" typeface="Euphemia"/>
-        <a:font script="Cher" typeface="Plantagenet Cherokee"/>
-        <a:font script="Yiii" typeface="Microsoft Yi Baiti"/>
-        <a:font script="Tibt" typeface="Microsoft Himalaya"/>
-        <a:font script="Thaa" typeface="MV Boli"/>
-        <a:font script="Deva" typeface="Mangal"/>
-        <a:font script="Telu" typeface="Gautami"/>
-        <a:font script="Taml" typeface="Latha"/>
-        <a:font script="Syrc" typeface="Estrangelo Edessa"/>
-        <a:font script="Orya" typeface="Kalinga"/>
-        <a:font script="Mlym" typeface="Kartika"/>
-        <a:font script="Laoo" typeface="DokChampa"/>
-        <a:font script="Sinh" typeface="Iskoola Pota"/>
-        <a:font script="Mong" typeface="Mongolian Baiti"/>
-        <a:font script="Viet" typeface="Arial"/>
-        <a:font script="Uigh" typeface="Microsoft Uighur"/>
-        <a:font script="Geor" typeface="Sylfaen"/>
-      </a:minorFont>
-    </a:fontScheme>
-    <a:fmtScheme name="Office">
-      <a:fillStyleLst>
-        <a:solidFill>
-          <a:schemeClr val="phClr"/>
-        </a:solidFill>
-        <a:gradFill rotWithShape="1">
-          <a:gsLst>
-            <a:gs pos="0">
-              <a:schemeClr val="phClr">
-                <a:tint val="50000"/>
-                <a:satMod val="300000"/>
-              </a:schemeClr>
-            </a:gs>
-            <a:gs pos="35000">
-              <a:schemeClr val="phClr">
-                <a:tint val="37000"/>
-                <a:satMod val="300000"/>
-              </a:schemeClr>
-            </a:gs>
-            <a:gs pos="100000">
-              <a:schemeClr val="phClr">
-                <a:tint val="15000"/>
-                <a:satMod val="350000"/>
-              </a:schemeClr>
-            </a:gs>
-          </a:gsLst>
-          <a:lin ang="16200000" scaled="1"/>
-        </a:gradFill>
-        <a:gradFill rotWithShape="1">
-          <a:gsLst>
-            <a:gs pos="0">
-              <a:schemeClr val="phClr">
-                <a:tint val="100000"/>
-                <a:shade val="100000"/>
-                <a:satMod val="130000"/>
-              </a:schemeClr>
-            </a:gs>
-            <a:gs pos="100000">
-              <a:schemeClr val="phClr">
-                <a:tint val="50000"/>
-                <a:shade val="100000"/>
-                <a:satMod val="350000"/>
-              </a:schemeClr>
-            </a:gs>
-          </a:gsLst>
-          <a:lin ang="16200000" scaled="0"/>
-        </a:gradFill>
-      </a:fillStyleLst>
-      <a:lnStyleLst>
-        <a:ln w="9525" cap="flat" cmpd="sng" algn="ctr">
-          <a:solidFill>
-            <a:schemeClr val="phClr">
-              <a:shade val="95000"/>
-              <a:satMod val="105000"/>
-            </a:schemeClr>
-          </a:solidFill>
-          <a:prstDash val="solid"/>
-        </a:ln>
-        <a:ln w="25400" cap="flat" cmpd="sng" algn="ctr">
-          <a:solidFill>
-            <a:schemeClr val="phClr"/>
-          </a:solidFill>
-          <a:prstDash val="solid"/>
-        </a:ln>
-        <a:ln w="38100" cap="flat" cmpd="sng" algn="ctr">
-          <a:solidFill>
-            <a:schemeClr val="phClr"/>
-          </a:solidFill>
-          <a:prstDash val="solid"/>
-        </a:ln>
-      </a:lnStyleLst>
-      <a:effectStyleLst>
-        <a:effectStyle>
-          <a:effectLst>
-            <a:outerShdw blurRad="40000" dist="20000" dir="5400000" rotWithShape="0">
-              <a:srgbClr val="000000">
-                <a:alpha val="38000"/>
-              </a:srgbClr>
-            </a:outerShdw>
-          </a:effectLst>
-        </a:effectStyle>
-        <a:effectStyle>
-          <a:effectLst>
-            <a:outerShdw blurRad="40000" dist="23000" dir="5400000" rotWithShape="0">
-              <a:srgbClr val="000000">
-                <a:alpha val="35000"/>
-              </a:srgbClr>
-            </a:outerShdw>
-          </a:effectLst>
-        </a:effectStyle>
-        <a:effectStyle>
-          <a:effectLst>
-            <a:outerShdw blurRad="40000" dist="23000" dir="5400000" rotWithShape="0">
-              <a:srgbClr val="000000">
-                <a:alpha val="35000"/>
-              </a:srgbClr>
-            </a:outerShdw>
-          </a:effectLst>
-          <a:scene3d>
-            <a:camera prst="orthographicFront">
-              <a:rot lat="0" lon="0" rev="0"/>
-            </a:camera>
-            <a:lightRig rig="threePt" dir="t">
-              <a:rot lat="0" lon="0" rev="1200000"/>
-            </a:lightRig>
-          </a:scene3d>
-          <a:sp3d>
-            <a:bevelT w="63500" h="25400"/>
-          </a:sp3d>
-        </a:effectStyle>
-      </a:effectStyleLst>
-      <a:bgFillStyleLst>
-        <a:solidFill>
-          <a:schemeClr val="phClr"/>
-        </a:solidFill>
-        <a:gradFill rotWithShape="1">
-          <a:gsLst>
-            <a:gs pos="0">
-              <a:schemeClr val="phClr">
-                <a:tint val="40000"/>
-                <a:satMod val="350000"/>
-              </a:schemeClr>
-            </a:gs>
-            <a:gs pos="40000">
-              <a:schemeClr val="phClr">
-                <a:tint val="45000"/>
-                <a:shade val="99000"/>
-                <a:satMod val="350000"/>
-              </a:schemeClr>
-            </a:gs>
-            <a:gs pos="100000">
-              <a:schemeClr val="phClr">
-                <a:shade val="20000"/>
-                <a:satMod val="255000"/>
-              </a:schemeClr>
-            </a:gs>
-          </a:gsLst>
-          <a:path path="circle">
-            <a:fillToRect l="50000" t="-80000" r="50000" b="180000"/>
-          </a:path>
-        </a:gradFill>
-        <a:gradFill rotWithShape="1">
-          <a:gsLst>
-            <a:gs pos="0">
-              <a:schemeClr val="phClr">
-                <a:tint val="80000"/>
-                <a:satMod val="300000"/>
-              </a:schemeClr>
-            </a:gs>
-            <a:gs pos="100000">
-              <a:schemeClr val="phClr">
-                <a:shade val="30000"/>
-                <a:satMod val="200000"/>
-              </a:schemeClr>
-            </a:gs>
-          </a:gsLst>
-          <a:path path="circle">
-            <a:fillToRect l="50000" t="50000" r="50000" b="50000"/>
-          </a:path>
-        </a:gradFill>
-      </a:bgFillStyleLst>
-    </a:fmtScheme>
-  </a:themeElements>
-</a:theme>
 </file>
--- a/Day_2/Lectures/Day_2_Lecture_2_Data_Readiness_for_AI_ML_CheckList.pptx
+++ b/Day_2/Lectures/Day_2_Lecture_2_Data_Readiness_for_AI_ML_CheckList.pptx
@@ -1312,7 +1312,7 @@
   <p:cSld>
     <p:spTree>
       <p:nvGrpSpPr>
-        <p:cNvPr id="313" name="Shape 313"/>
+        <p:cNvPr id="314" name="Shape 314"/>
         <p:cNvGrpSpPr/>
         <p:nvPr/>
       </p:nvGrpSpPr>
@@ -1326,7 +1326,7 @@
       </p:grpSpPr>
       <p:sp>
         <p:nvSpPr>
-          <p:cNvPr id="314" name="Google Shape;314;g130577da8f0_0_48:notes"/>
+          <p:cNvPr id="315" name="Google Shape;315;g130577da8f0_0_48:notes"/>
           <p:cNvSpPr/>
           <p:nvPr>
             <p:ph idx="2" type="sldImg"/>
@@ -1361,7 +1361,7 @@
       </p:sp>
       <p:sp>
         <p:nvSpPr>
-          <p:cNvPr id="315" name="Google Shape;315;g130577da8f0_0_48:notes"/>
+          <p:cNvPr id="316" name="Google Shape;316;g130577da8f0_0_48:notes"/>
           <p:cNvSpPr txBox="1"/>
           <p:nvPr>
             <p:ph idx="1" type="body"/>
@@ -1517,7 +1517,7 @@
   <p:cSld>
     <p:spTree>
       <p:nvGrpSpPr>
-        <p:cNvPr id="323" name="Shape 323"/>
+        <p:cNvPr id="324" name="Shape 324"/>
         <p:cNvGrpSpPr/>
         <p:nvPr/>
       </p:nvGrpSpPr>
@@ -1531,7 +1531,7 @@
       </p:grpSpPr>
       <p:sp>
         <p:nvSpPr>
-          <p:cNvPr id="324" name="Google Shape;324;g130577da8f0_0_57:notes"/>
+          <p:cNvPr id="325" name="Google Shape;325;g130577da8f0_0_57:notes"/>
           <p:cNvSpPr/>
           <p:nvPr>
             <p:ph idx="2" type="sldImg"/>
@@ -1566,7 +1566,7 @@
       </p:sp>
       <p:sp>
         <p:nvSpPr>
-          <p:cNvPr id="325" name="Google Shape;325;g130577da8f0_0_57:notes"/>
+          <p:cNvPr id="326" name="Google Shape;326;g130577da8f0_0_57:notes"/>
           <p:cNvSpPr txBox="1"/>
           <p:nvPr>
             <p:ph idx="1" type="body"/>
@@ -1616,7 +1616,7 @@
   <p:cSld>
     <p:spTree>
       <p:nvGrpSpPr>
-        <p:cNvPr id="331" name="Shape 331"/>
+        <p:cNvPr id="332" name="Shape 332"/>
         <p:cNvGrpSpPr/>
         <p:nvPr/>
       </p:nvGrpSpPr>
@@ -1630,7 +1630,7 @@
       </p:grpSpPr>
       <p:sp>
         <p:nvSpPr>
-          <p:cNvPr id="332" name="Google Shape;332;g1172bfcbe77_0_120:notes"/>
+          <p:cNvPr id="333" name="Google Shape;333;g1172bfcbe77_0_120:notes"/>
           <p:cNvSpPr/>
           <p:nvPr>
             <p:ph idx="2" type="sldImg"/>
@@ -1665,7 +1665,7 @@
       </p:sp>
       <p:sp>
         <p:nvSpPr>
-          <p:cNvPr id="333" name="Google Shape;333;g1172bfcbe77_0_120:notes"/>
+          <p:cNvPr id="334" name="Google Shape;334;g1172bfcbe77_0_120:notes"/>
           <p:cNvSpPr txBox="1"/>
           <p:nvPr>
             <p:ph idx="1" type="body"/>
@@ -1715,7 +1715,7 @@
   <p:cSld>
     <p:spTree>
       <p:nvGrpSpPr>
-        <p:cNvPr id="342" name="Shape 342"/>
+        <p:cNvPr id="343" name="Shape 343"/>
         <p:cNvGrpSpPr/>
         <p:nvPr/>
       </p:nvGrpSpPr>
@@ -1729,7 +1729,7 @@
       </p:grpSpPr>
       <p:sp>
         <p:nvSpPr>
-          <p:cNvPr id="343" name="Google Shape;343;g1172bfcbe77_0_126:notes"/>
+          <p:cNvPr id="344" name="Google Shape;344;g1172bfcbe77_0_126:notes"/>
           <p:cNvSpPr/>
           <p:nvPr>
             <p:ph idx="2" type="sldImg"/>
@@ -1764,7 +1764,7 @@
       </p:sp>
       <p:sp>
         <p:nvSpPr>
-          <p:cNvPr id="344" name="Google Shape;344;g1172bfcbe77_0_126:notes"/>
+          <p:cNvPr id="345" name="Google Shape;345;g1172bfcbe77_0_126:notes"/>
           <p:cNvSpPr txBox="1"/>
           <p:nvPr>
             <p:ph idx="1" type="body"/>
@@ -1814,7 +1814,7 @@
   <p:cSld>
     <p:spTree>
       <p:nvGrpSpPr>
-        <p:cNvPr id="352" name="Shape 352"/>
+        <p:cNvPr id="353" name="Shape 353"/>
         <p:cNvGrpSpPr/>
         <p:nvPr/>
       </p:nvGrpSpPr>
@@ -1828,7 +1828,7 @@
       </p:grpSpPr>
       <p:sp>
         <p:nvSpPr>
-          <p:cNvPr id="353" name="Google Shape;353;g1172bfcbe77_0_132:notes"/>
+          <p:cNvPr id="354" name="Google Shape;354;g1172bfcbe77_0_132:notes"/>
           <p:cNvSpPr/>
           <p:nvPr>
             <p:ph idx="2" type="sldImg"/>
@@ -1863,7 +1863,7 @@
       </p:sp>
       <p:sp>
         <p:nvSpPr>
-          <p:cNvPr id="354" name="Google Shape;354;g1172bfcbe77_0_132:notes"/>
+          <p:cNvPr id="355" name="Google Shape;355;g1172bfcbe77_0_132:notes"/>
           <p:cNvSpPr txBox="1"/>
           <p:nvPr>
             <p:ph idx="1" type="body"/>
@@ -1913,7 +1913,7 @@
   <p:cSld>
     <p:spTree>
       <p:nvGrpSpPr>
-        <p:cNvPr id="362" name="Shape 362"/>
+        <p:cNvPr id="363" name="Shape 363"/>
         <p:cNvGrpSpPr/>
         <p:nvPr/>
       </p:nvGrpSpPr>
@@ -1927,7 +1927,7 @@
       </p:grpSpPr>
       <p:sp>
         <p:nvSpPr>
-          <p:cNvPr id="363" name="Google Shape;363;g1172bfcbe77_0_138:notes"/>
+          <p:cNvPr id="364" name="Google Shape;364;g1172bfcbe77_0_138:notes"/>
           <p:cNvSpPr/>
           <p:nvPr>
             <p:ph idx="2" type="sldImg"/>
@@ -1962,7 +1962,7 @@
       </p:sp>
       <p:sp>
         <p:nvSpPr>
-          <p:cNvPr id="364" name="Google Shape;364;g1172bfcbe77_0_138:notes"/>
+          <p:cNvPr id="365" name="Google Shape;365;g1172bfcbe77_0_138:notes"/>
           <p:cNvSpPr txBox="1"/>
           <p:nvPr>
             <p:ph idx="1" type="body"/>
@@ -2111,7 +2111,7 @@
   <p:cSld>
     <p:spTree>
       <p:nvGrpSpPr>
-        <p:cNvPr id="372" name="Shape 372"/>
+        <p:cNvPr id="373" name="Shape 373"/>
         <p:cNvGrpSpPr/>
         <p:nvPr/>
       </p:nvGrpSpPr>
@@ -2125,7 +2125,7 @@
       </p:grpSpPr>
       <p:sp>
         <p:nvSpPr>
-          <p:cNvPr id="373" name="Google Shape;373;g1172bfcbe77_0_150:notes"/>
+          <p:cNvPr id="374" name="Google Shape;374;g1172bfcbe77_0_150:notes"/>
           <p:cNvSpPr/>
           <p:nvPr>
             <p:ph idx="2" type="sldImg"/>
@@ -2160,7 +2160,7 @@
       </p:sp>
       <p:sp>
         <p:nvSpPr>
-          <p:cNvPr id="374" name="Google Shape;374;g1172bfcbe77_0_150:notes"/>
+          <p:cNvPr id="375" name="Google Shape;375;g1172bfcbe77_0_150:notes"/>
           <p:cNvSpPr txBox="1"/>
           <p:nvPr>
             <p:ph idx="1" type="body"/>
@@ -2210,7 +2210,7 @@
   <p:cSld>
     <p:spTree>
       <p:nvGrpSpPr>
-        <p:cNvPr id="384" name="Shape 384"/>
+        <p:cNvPr id="385" name="Shape 385"/>
         <p:cNvGrpSpPr/>
         <p:nvPr/>
       </p:nvGrpSpPr>
@@ -2224,7 +2224,7 @@
       </p:grpSpPr>
       <p:sp>
         <p:nvSpPr>
-          <p:cNvPr id="385" name="Google Shape;385;g129d47b8340_0_1:notes"/>
+          <p:cNvPr id="386" name="Google Shape;386;g129d47b8340_0_1:notes"/>
           <p:cNvSpPr/>
           <p:nvPr>
             <p:ph idx="2" type="sldImg"/>
@@ -2259,7 +2259,7 @@
       </p:sp>
       <p:sp>
         <p:nvSpPr>
-          <p:cNvPr id="386" name="Google Shape;386;g129d47b8340_0_1:notes"/>
+          <p:cNvPr id="387" name="Google Shape;387;g129d47b8340_0_1:notes"/>
           <p:cNvSpPr txBox="1"/>
           <p:nvPr>
             <p:ph idx="1" type="body"/>
@@ -2309,7 +2309,7 @@
   <p:cSld>
     <p:spTree>
       <p:nvGrpSpPr>
-        <p:cNvPr id="393" name="Shape 393"/>
+        <p:cNvPr id="394" name="Shape 394"/>
         <p:cNvGrpSpPr/>
         <p:nvPr/>
       </p:nvGrpSpPr>
@@ -2323,7 +2323,7 @@
       </p:grpSpPr>
       <p:sp>
         <p:nvSpPr>
-          <p:cNvPr id="394" name="Google Shape;394;g130ea3b0e61_0_170:notes"/>
+          <p:cNvPr id="395" name="Google Shape;395;g130ea3b0e61_0_170:notes"/>
           <p:cNvSpPr/>
           <p:nvPr>
             <p:ph idx="2" type="sldImg"/>
@@ -2358,7 +2358,7 @@
       </p:sp>
       <p:sp>
         <p:nvSpPr>
-          <p:cNvPr id="395" name="Google Shape;395;g130ea3b0e61_0_170:notes"/>
+          <p:cNvPr id="396" name="Google Shape;396;g130ea3b0e61_0_170:notes"/>
           <p:cNvSpPr txBox="1"/>
           <p:nvPr>
             <p:ph idx="1" type="body"/>
@@ -2513,7 +2513,7 @@
   <p:cSld>
     <p:spTree>
       <p:nvGrpSpPr>
-        <p:cNvPr id="411" name="Shape 411"/>
+        <p:cNvPr id="412" name="Shape 412"/>
         <p:cNvGrpSpPr/>
         <p:nvPr/>
       </p:nvGrpSpPr>
@@ -2527,7 +2527,7 @@
       </p:grpSpPr>
       <p:sp>
         <p:nvSpPr>
-          <p:cNvPr id="412" name="Google Shape;412;g1172bfcbe77_0_171:notes"/>
+          <p:cNvPr id="413" name="Google Shape;413;g1172bfcbe77_0_171:notes"/>
           <p:cNvSpPr/>
           <p:nvPr>
             <p:ph idx="2" type="sldImg"/>
@@ -2562,7 +2562,7 @@
       </p:sp>
       <p:sp>
         <p:nvSpPr>
-          <p:cNvPr id="413" name="Google Shape;413;g1172bfcbe77_0_171:notes"/>
+          <p:cNvPr id="414" name="Google Shape;414;g1172bfcbe77_0_171:notes"/>
           <p:cNvSpPr txBox="1"/>
           <p:nvPr>
             <p:ph idx="1" type="body"/>
@@ -2686,7 +2686,7 @@
   <p:cSld>
     <p:spTree>
       <p:nvGrpSpPr>
-        <p:cNvPr id="421" name="Shape 421"/>
+        <p:cNvPr id="422" name="Shape 422"/>
         <p:cNvGrpSpPr/>
         <p:nvPr/>
       </p:nvGrpSpPr>
@@ -2700,7 +2700,7 @@
       </p:grpSpPr>
       <p:sp>
         <p:nvSpPr>
-          <p:cNvPr id="422" name="Google Shape;422;g1172bfcbe77_0_178:notes"/>
+          <p:cNvPr id="423" name="Google Shape;423;g1172bfcbe77_0_178:notes"/>
           <p:cNvSpPr/>
           <p:nvPr>
             <p:ph idx="2" type="sldImg"/>
@@ -2735,7 +2735,7 @@
       </p:sp>
       <p:sp>
         <p:nvSpPr>
-          <p:cNvPr id="423" name="Google Shape;423;g1172bfcbe77_0_178:notes"/>
+          <p:cNvPr id="424" name="Google Shape;424;g1172bfcbe77_0_178:notes"/>
           <p:cNvSpPr txBox="1"/>
           <p:nvPr>
             <p:ph idx="1" type="body"/>
@@ -2890,7 +2890,7 @@
   <p:cSld>
     <p:spTree>
       <p:nvGrpSpPr>
-        <p:cNvPr id="433" name="Shape 433"/>
+        <p:cNvPr id="434" name="Shape 434"/>
         <p:cNvGrpSpPr/>
         <p:nvPr/>
       </p:nvGrpSpPr>
@@ -2904,7 +2904,7 @@
       </p:grpSpPr>
       <p:sp>
         <p:nvSpPr>
-          <p:cNvPr id="434" name="Google Shape;434;g1172bfcbe77_0_193:notes"/>
+          <p:cNvPr id="435" name="Google Shape;435;g1172bfcbe77_0_193:notes"/>
           <p:cNvSpPr/>
           <p:nvPr>
             <p:ph idx="2" type="sldImg"/>
@@ -2939,7 +2939,7 @@
       </p:sp>
       <p:sp>
         <p:nvSpPr>
-          <p:cNvPr id="435" name="Google Shape;435;g1172bfcbe77_0_193:notes"/>
+          <p:cNvPr id="436" name="Google Shape;436;g1172bfcbe77_0_193:notes"/>
           <p:cNvSpPr txBox="1"/>
           <p:nvPr>
             <p:ph idx="1" type="body"/>
@@ -3188,7 +3188,7 @@
   <p:cSld>
     <p:spTree>
       <p:nvGrpSpPr>
-        <p:cNvPr id="445" name="Shape 445"/>
+        <p:cNvPr id="446" name="Shape 446"/>
         <p:cNvGrpSpPr/>
         <p:nvPr/>
       </p:nvGrpSpPr>
@@ -3202,7 +3202,7 @@
       </p:grpSpPr>
       <p:sp>
         <p:nvSpPr>
-          <p:cNvPr id="446" name="Google Shape;446;g1172bfcbe77_0_205:notes"/>
+          <p:cNvPr id="447" name="Google Shape;447;g1172bfcbe77_0_205:notes"/>
           <p:cNvSpPr/>
           <p:nvPr>
             <p:ph idx="2" type="sldImg"/>
@@ -3237,7 +3237,7 @@
       </p:sp>
       <p:sp>
         <p:nvSpPr>
-          <p:cNvPr id="447" name="Google Shape;447;g1172bfcbe77_0_205:notes"/>
+          <p:cNvPr id="448" name="Google Shape;448;g1172bfcbe77_0_205:notes"/>
           <p:cNvSpPr txBox="1"/>
           <p:nvPr>
             <p:ph idx="1" type="body"/>
@@ -3287,7 +3287,7 @@
   <p:cSld>
     <p:spTree>
       <p:nvGrpSpPr>
-        <p:cNvPr id="455" name="Shape 455"/>
+        <p:cNvPr id="456" name="Shape 456"/>
         <p:cNvGrpSpPr/>
         <p:nvPr/>
       </p:nvGrpSpPr>
@@ -3301,7 +3301,7 @@
       </p:grpSpPr>
       <p:sp>
         <p:nvSpPr>
-          <p:cNvPr id="456" name="Google Shape;456;g129b3c81172_0_118:notes"/>
+          <p:cNvPr id="457" name="Google Shape;457;g129b3c81172_0_118:notes"/>
           <p:cNvSpPr/>
           <p:nvPr>
             <p:ph idx="2" type="sldImg"/>
@@ -3336,7 +3336,7 @@
       </p:sp>
       <p:sp>
         <p:nvSpPr>
-          <p:cNvPr id="457" name="Google Shape;457;g129b3c81172_0_118:notes"/>
+          <p:cNvPr id="458" name="Google Shape;458;g129b3c81172_0_118:notes"/>
           <p:cNvSpPr txBox="1"/>
           <p:nvPr>
             <p:ph idx="1" type="body"/>
@@ -3386,7 +3386,7 @@
   <p:cSld>
     <p:spTree>
       <p:nvGrpSpPr>
-        <p:cNvPr id="474" name="Shape 474"/>
+        <p:cNvPr id="475" name="Shape 475"/>
         <p:cNvGrpSpPr/>
         <p:nvPr/>
       </p:nvGrpSpPr>
@@ -3400,7 +3400,7 @@
       </p:grpSpPr>
       <p:sp>
         <p:nvSpPr>
-          <p:cNvPr id="475" name="Google Shape;475;g110c9cc373d_0_0:notes"/>
+          <p:cNvPr id="476" name="Google Shape;476;g110c9cc373d_0_0:notes"/>
           <p:cNvSpPr/>
           <p:nvPr>
             <p:ph idx="2" type="sldImg"/>
@@ -3435,7 +3435,7 @@
       </p:sp>
       <p:sp>
         <p:nvSpPr>
-          <p:cNvPr id="476" name="Google Shape;476;g110c9cc373d_0_0:notes"/>
+          <p:cNvPr id="477" name="Google Shape;477;g110c9cc373d_0_0:notes"/>
           <p:cNvSpPr txBox="1"/>
           <p:nvPr>
             <p:ph idx="1" type="body"/>
@@ -22045,6 +22045,58 @@
           </a:ln>
         </p:spPr>
       </p:pic>
+      <p:sp>
+        <p:nvSpPr>
+          <p:cNvPr id="313" name="Google Shape;313;p49"/>
+          <p:cNvSpPr txBox="1"/>
+          <p:nvPr/>
+        </p:nvSpPr>
+        <p:spPr>
+          <a:xfrm>
+            <a:off x="656100" y="4440800"/>
+            <a:ext cx="2537100" cy="338700"/>
+          </a:xfrm>
+          <a:prstGeom prst="rect">
+            <a:avLst/>
+          </a:prstGeom>
+          <a:noFill/>
+          <a:ln>
+            <a:noFill/>
+          </a:ln>
+        </p:spPr>
+        <p:txBody>
+          <a:bodyPr anchorCtr="0" anchor="t" bIns="91425" lIns="91425" spcFirstLastPara="1" rIns="91425" wrap="square" tIns="91425">
+            <a:spAutoFit/>
+          </a:bodyPr>
+          <a:lstStyle/>
+          <a:p>
+            <a:pPr indent="0" lvl="0" marL="0" rtl="0" algn="r">
+              <a:spcBef>
+                <a:spcPts val="0"/>
+              </a:spcBef>
+              <a:spcAft>
+                <a:spcPts val="0"/>
+              </a:spcAft>
+              <a:buNone/>
+            </a:pPr>
+            <a:r>
+              <a:rPr i="1" lang="en" sz="1000">
+                <a:latin typeface="Roboto"/>
+                <a:ea typeface="Roboto"/>
+                <a:cs typeface="Roboto"/>
+                <a:sym typeface="Roboto"/>
+              </a:rPr>
+              <a:t>Created in Lucidchart  by C. Arighi</a:t>
+            </a:r>
+            <a:endParaRPr i="1" sz="1000">
+              <a:latin typeface="Roboto"/>
+              <a:ea typeface="Roboto"/>
+              <a:cs typeface="Roboto"/>
+              <a:sym typeface="Roboto"/>
+            </a:endParaRPr>
+          </a:p>
+        </p:txBody>
+      </p:sp>
     </p:spTree>
   </p:cSld>
   <p:clrMapOvr>
@@ -22058,7 +22110,7 @@
   <p:cSld>
     <p:spTree>
       <p:nvGrpSpPr>
-        <p:cNvPr id="316" name="Shape 316"/>
+        <p:cNvPr id="317" name="Shape 317"/>
         <p:cNvGrpSpPr/>
         <p:nvPr/>
       </p:nvGrpSpPr>
@@ -22072,7 +22124,7 @@
       </p:grpSpPr>
       <p:pic>
         <p:nvPicPr>
-          <p:cNvPr id="317" name="Google Shape;317;p50"/>
+          <p:cNvPr id="318" name="Google Shape;318;p50"/>
           <p:cNvPicPr preferRelativeResize="0"/>
           <p:nvPr/>
         </p:nvPicPr>
@@ -22100,7 +22152,7 @@
       </p:pic>
       <p:sp>
         <p:nvSpPr>
-          <p:cNvPr id="318" name="Google Shape;318;p50"/>
+          <p:cNvPr id="319" name="Google Shape;319;p50"/>
           <p:cNvSpPr txBox="1"/>
           <p:nvPr>
             <p:ph type="title"/>
@@ -22148,7 +22200,7 @@
       </p:sp>
       <p:sp>
         <p:nvSpPr>
-          <p:cNvPr id="319" name="Google Shape;319;p50"/>
+          <p:cNvPr id="320" name="Google Shape;320;p50"/>
           <p:cNvSpPr txBox="1"/>
           <p:nvPr>
             <p:ph idx="12" type="sldNum"/>
@@ -22196,7 +22248,7 @@
       </p:sp>
       <p:sp>
         <p:nvSpPr>
-          <p:cNvPr id="320" name="Google Shape;320;p50"/>
+          <p:cNvPr id="321" name="Google Shape;321;p50"/>
           <p:cNvSpPr txBox="1"/>
           <p:nvPr/>
         </p:nvSpPr>
@@ -22278,7 +22330,7 @@
       </p:sp>
       <p:sp>
         <p:nvSpPr>
-          <p:cNvPr id="321" name="Google Shape;321;p50"/>
+          <p:cNvPr id="322" name="Google Shape;322;p50"/>
           <p:cNvSpPr txBox="1"/>
           <p:nvPr/>
         </p:nvSpPr>
@@ -22323,7 +22375,7 @@
       </p:sp>
       <p:pic>
         <p:nvPicPr>
-          <p:cNvPr id="322" name="Google Shape;322;p50"/>
+          <p:cNvPr id="323" name="Google Shape;323;p50"/>
           <p:cNvPicPr preferRelativeResize="0"/>
           <p:nvPr/>
         </p:nvPicPr>
@@ -22362,7 +22414,7 @@
   <p:cSld>
     <p:spTree>
       <p:nvGrpSpPr>
-        <p:cNvPr id="326" name="Shape 326"/>
+        <p:cNvPr id="327" name="Shape 327"/>
         <p:cNvGrpSpPr/>
         <p:nvPr/>
       </p:nvGrpSpPr>
@@ -22376,7 +22428,7 @@
       </p:grpSpPr>
       <p:pic>
         <p:nvPicPr>
-          <p:cNvPr id="327" name="Google Shape;327;p51"/>
+          <p:cNvPr id="328" name="Google Shape;328;p51"/>
           <p:cNvPicPr preferRelativeResize="0"/>
           <p:nvPr/>
         </p:nvPicPr>
@@ -22404,7 +22456,7 @@
       </p:pic>
       <p:sp>
         <p:nvSpPr>
-          <p:cNvPr id="328" name="Google Shape;328;p51"/>
+          <p:cNvPr id="329" name="Google Shape;329;p51"/>
           <p:cNvSpPr txBox="1"/>
           <p:nvPr>
             <p:ph type="title"/>
@@ -22460,7 +22512,7 @@
       </p:sp>
       <p:sp>
         <p:nvSpPr>
-          <p:cNvPr id="329" name="Google Shape;329;p51"/>
+          <p:cNvPr id="330" name="Google Shape;330;p51"/>
           <p:cNvSpPr txBox="1"/>
           <p:nvPr>
             <p:ph idx="12" type="sldNum"/>
@@ -22508,7 +22560,7 @@
       </p:sp>
       <p:sp>
         <p:nvSpPr>
-          <p:cNvPr id="330" name="Google Shape;330;p51"/>
+          <p:cNvPr id="331" name="Google Shape;331;p51"/>
           <p:cNvSpPr txBox="1"/>
           <p:nvPr/>
         </p:nvSpPr>
@@ -22593,7 +22645,7 @@
   <p:cSld>
     <p:spTree>
       <p:nvGrpSpPr>
-        <p:cNvPr id="334" name="Shape 334"/>
+        <p:cNvPr id="335" name="Shape 335"/>
         <p:cNvGrpSpPr/>
         <p:nvPr/>
       </p:nvGrpSpPr>
@@ -22607,7 +22659,7 @@
       </p:grpSpPr>
       <p:pic>
         <p:nvPicPr>
-          <p:cNvPr id="335" name="Google Shape;335;p52"/>
+          <p:cNvPr id="336" name="Google Shape;336;p52"/>
           <p:cNvPicPr preferRelativeResize="0"/>
           <p:nvPr/>
         </p:nvPicPr>
@@ -22635,7 +22687,7 @@
       </p:pic>
       <p:sp>
         <p:nvSpPr>
-          <p:cNvPr id="336" name="Google Shape;336;p52"/>
+          <p:cNvPr id="337" name="Google Shape;337;p52"/>
           <p:cNvSpPr txBox="1"/>
           <p:nvPr>
             <p:ph type="title"/>
@@ -22683,7 +22735,7 @@
       </p:sp>
       <p:sp>
         <p:nvSpPr>
-          <p:cNvPr id="337" name="Google Shape;337;p52"/>
+          <p:cNvPr id="338" name="Google Shape;338;p52"/>
           <p:cNvSpPr txBox="1"/>
           <p:nvPr>
             <p:ph idx="12" type="sldNum"/>
@@ -22731,7 +22783,7 @@
       </p:sp>
       <p:sp>
         <p:nvSpPr>
-          <p:cNvPr id="338" name="Google Shape;338;p52"/>
+          <p:cNvPr id="339" name="Google Shape;339;p52"/>
           <p:cNvSpPr txBox="1"/>
           <p:nvPr/>
         </p:nvSpPr>
@@ -22777,7 +22829,7 @@
       </p:sp>
       <p:pic>
         <p:nvPicPr>
-          <p:cNvPr id="339" name="Google Shape;339;p52"/>
+          <p:cNvPr id="340" name="Google Shape;340;p52"/>
           <p:cNvPicPr preferRelativeResize="0"/>
           <p:nvPr/>
         </p:nvPicPr>
@@ -22805,7 +22857,7 @@
       </p:pic>
       <p:pic>
         <p:nvPicPr>
-          <p:cNvPr id="340" name="Google Shape;340;p52"/>
+          <p:cNvPr id="341" name="Google Shape;341;p52"/>
           <p:cNvPicPr preferRelativeResize="0"/>
           <p:nvPr/>
         </p:nvPicPr>
@@ -22833,7 +22885,7 @@
       </p:pic>
       <p:sp>
         <p:nvSpPr>
-          <p:cNvPr id="341" name="Google Shape;341;p52"/>
+          <p:cNvPr id="342" name="Google Shape;342;p52"/>
           <p:cNvSpPr/>
           <p:nvPr/>
         </p:nvSpPr>
@@ -22894,7 +22946,7 @@
   <p:cSld>
     <p:spTree>
       <p:nvGrpSpPr>
-        <p:cNvPr id="345" name="Shape 345"/>
+        <p:cNvPr id="346" name="Shape 346"/>
         <p:cNvGrpSpPr/>
         <p:nvPr/>
       </p:nvGrpSpPr>
@@ -22908,7 +22960,7 @@
       </p:grpSpPr>
       <p:pic>
         <p:nvPicPr>
-          <p:cNvPr id="346" name="Google Shape;346;p53"/>
+          <p:cNvPr id="347" name="Google Shape;347;p53"/>
           <p:cNvPicPr preferRelativeResize="0"/>
           <p:nvPr/>
         </p:nvPicPr>
@@ -22936,7 +22988,7 @@
       </p:pic>
       <p:sp>
         <p:nvSpPr>
-          <p:cNvPr id="347" name="Google Shape;347;p53"/>
+          <p:cNvPr id="348" name="Google Shape;348;p53"/>
           <p:cNvSpPr txBox="1"/>
           <p:nvPr>
             <p:ph type="title"/>
@@ -22992,7 +23044,7 @@
       </p:sp>
       <p:sp>
         <p:nvSpPr>
-          <p:cNvPr id="348" name="Google Shape;348;p53"/>
+          <p:cNvPr id="349" name="Google Shape;349;p53"/>
           <p:cNvSpPr txBox="1"/>
           <p:nvPr>
             <p:ph idx="12" type="sldNum"/>
@@ -23040,7 +23092,7 @@
       </p:sp>
       <p:sp>
         <p:nvSpPr>
-          <p:cNvPr id="349" name="Google Shape;349;p53"/>
+          <p:cNvPr id="350" name="Google Shape;350;p53"/>
           <p:cNvSpPr txBox="1"/>
           <p:nvPr/>
         </p:nvSpPr>
@@ -23124,7 +23176,7 @@
       </p:sp>
       <p:pic>
         <p:nvPicPr>
-          <p:cNvPr id="350" name="Google Shape;350;p53"/>
+          <p:cNvPr id="351" name="Google Shape;351;p53"/>
           <p:cNvPicPr preferRelativeResize="0"/>
           <p:nvPr/>
         </p:nvPicPr>
@@ -23152,7 +23204,7 @@
       </p:pic>
       <p:sp>
         <p:nvSpPr>
-          <p:cNvPr id="351" name="Google Shape;351;p53"/>
+          <p:cNvPr id="352" name="Google Shape;352;p53"/>
           <p:cNvSpPr/>
           <p:nvPr/>
         </p:nvSpPr>
@@ -23213,7 +23265,7 @@
   <p:cSld>
     <p:spTree>
       <p:nvGrpSpPr>
-        <p:cNvPr id="355" name="Shape 355"/>
+        <p:cNvPr id="356" name="Shape 356"/>
         <p:cNvGrpSpPr/>
         <p:nvPr/>
       </p:nvGrpSpPr>
@@ -23227,7 +23279,7 @@
       </p:grpSpPr>
       <p:pic>
         <p:nvPicPr>
-          <p:cNvPr id="356" name="Google Shape;356;p54"/>
+          <p:cNvPr id="357" name="Google Shape;357;p54"/>
           <p:cNvPicPr preferRelativeResize="0"/>
           <p:nvPr/>
         </p:nvPicPr>
@@ -23255,7 +23307,7 @@
       </p:pic>
       <p:sp>
         <p:nvSpPr>
-          <p:cNvPr id="357" name="Google Shape;357;p54"/>
+          <p:cNvPr id="358" name="Google Shape;358;p54"/>
           <p:cNvSpPr txBox="1"/>
           <p:nvPr>
             <p:ph type="title"/>
@@ -23303,7 +23355,7 @@
       </p:sp>
       <p:sp>
         <p:nvSpPr>
-          <p:cNvPr id="358" name="Google Shape;358;p54"/>
+          <p:cNvPr id="359" name="Google Shape;359;p54"/>
           <p:cNvSpPr txBox="1"/>
           <p:nvPr>
             <p:ph idx="12" type="sldNum"/>
@@ -23351,14 +23403,14 @@
       </p:sp>
       <p:sp>
         <p:nvSpPr>
-          <p:cNvPr id="359" name="Google Shape;359;p54"/>
+          <p:cNvPr id="360" name="Google Shape;360;p54"/>
           <p:cNvSpPr txBox="1"/>
           <p:nvPr/>
         </p:nvSpPr>
         <p:spPr>
           <a:xfrm>
             <a:off x="341550" y="1628386"/>
-            <a:ext cx="8460900" cy="1847100"/>
+            <a:ext cx="8460900" cy="2413500"/>
           </a:xfrm>
           <a:prstGeom prst="rect">
             <a:avLst/>
@@ -23440,11 +23492,53 @@
             </a:r>
             <a:endParaRPr sz="1600"/>
           </a:p>
+          <a:p>
+            <a:pPr indent="0" lvl="0" marL="914400" rtl="0" algn="l">
+              <a:lnSpc>
+                <a:spcPct val="115000"/>
+              </a:lnSpc>
+              <a:spcBef>
+                <a:spcPts val="0"/>
+              </a:spcBef>
+              <a:spcAft>
+                <a:spcPts val="0"/>
+              </a:spcAft>
+              <a:buNone/>
+            </a:pPr>
+            <a:r>
+              <a:t/>
+            </a:r>
+            <a:endParaRPr sz="1600"/>
+          </a:p>
+          <a:p>
+            <a:pPr indent="-330200" lvl="0" marL="457200" rtl="0" algn="l">
+              <a:lnSpc>
+                <a:spcPct val="115000"/>
+              </a:lnSpc>
+              <a:spcBef>
+                <a:spcPts val="0"/>
+              </a:spcBef>
+              <a:spcAft>
+                <a:spcPts val="0"/>
+              </a:spcAft>
+              <a:buSzPts val="1600"/>
+              <a:buChar char="●"/>
+            </a:pPr>
+            <a:r>
+              <a:rPr b="1" lang="en" sz="1600"/>
+              <a:t>FAIR</a:t>
+            </a:r>
+            <a:r>
+              <a:rPr lang="en" sz="1600"/>
+              <a:t> (Findable, Accessible, Interoperable, and Reusable) data practices</a:t>
+            </a:r>
+            <a:endParaRPr sz="1600"/>
+          </a:p>
         </p:txBody>
       </p:sp>
       <p:pic>
         <p:nvPicPr>
-          <p:cNvPr id="360" name="Google Shape;360;p54"/>
+          <p:cNvPr id="361" name="Google Shape;361;p54"/>
           <p:cNvPicPr preferRelativeResize="0"/>
           <p:nvPr/>
         </p:nvPicPr>
@@ -23472,7 +23566,7 @@
       </p:pic>
       <p:sp>
         <p:nvSpPr>
-          <p:cNvPr id="361" name="Google Shape;361;p54"/>
+          <p:cNvPr id="362" name="Google Shape;362;p54"/>
           <p:cNvSpPr/>
           <p:nvPr/>
         </p:nvSpPr>
@@ -23533,7 +23627,7 @@
   <p:cSld>
     <p:spTree>
       <p:nvGrpSpPr>
-        <p:cNvPr id="365" name="Shape 365"/>
+        <p:cNvPr id="366" name="Shape 366"/>
         <p:cNvGrpSpPr/>
         <p:nvPr/>
       </p:nvGrpSpPr>
@@ -23547,7 +23641,7 @@
       </p:grpSpPr>
       <p:pic>
         <p:nvPicPr>
-          <p:cNvPr id="366" name="Google Shape;366;p55"/>
+          <p:cNvPr id="367" name="Google Shape;367;p55"/>
           <p:cNvPicPr preferRelativeResize="0"/>
           <p:nvPr/>
         </p:nvPicPr>
@@ -23575,7 +23669,7 @@
       </p:pic>
       <p:sp>
         <p:nvSpPr>
-          <p:cNvPr id="367" name="Google Shape;367;p55"/>
+          <p:cNvPr id="368" name="Google Shape;368;p55"/>
           <p:cNvSpPr txBox="1"/>
           <p:nvPr>
             <p:ph type="title"/>
@@ -23623,7 +23717,7 @@
       </p:sp>
       <p:sp>
         <p:nvSpPr>
-          <p:cNvPr id="368" name="Google Shape;368;p55"/>
+          <p:cNvPr id="369" name="Google Shape;369;p55"/>
           <p:cNvSpPr txBox="1"/>
           <p:nvPr>
             <p:ph idx="12" type="sldNum"/>
@@ -23671,7 +23765,7 @@
       </p:sp>
       <p:sp>
         <p:nvSpPr>
-          <p:cNvPr id="369" name="Google Shape;369;p55"/>
+          <p:cNvPr id="370" name="Google Shape;370;p55"/>
           <p:cNvSpPr txBox="1"/>
           <p:nvPr/>
         </p:nvSpPr>
@@ -23803,7 +23897,7 @@
       </p:sp>
       <p:pic>
         <p:nvPicPr>
-          <p:cNvPr id="370" name="Google Shape;370;p55"/>
+          <p:cNvPr id="371" name="Google Shape;371;p55"/>
           <p:cNvPicPr preferRelativeResize="0"/>
           <p:nvPr/>
         </p:nvPicPr>
@@ -23831,7 +23925,7 @@
       </p:pic>
       <p:sp>
         <p:nvSpPr>
-          <p:cNvPr id="371" name="Google Shape;371;p55"/>
+          <p:cNvPr id="372" name="Google Shape;372;p55"/>
           <p:cNvSpPr/>
           <p:nvPr/>
         </p:nvSpPr>
@@ -24033,7 +24127,7 @@
   <p:cSld>
     <p:spTree>
       <p:nvGrpSpPr>
-        <p:cNvPr id="375" name="Shape 375"/>
+        <p:cNvPr id="376" name="Shape 376"/>
         <p:cNvGrpSpPr/>
         <p:nvPr/>
       </p:nvGrpSpPr>
@@ -24047,7 +24141,7 @@
       </p:grpSpPr>
       <p:pic>
         <p:nvPicPr>
-          <p:cNvPr id="376" name="Google Shape;376;p56"/>
+          <p:cNvPr id="377" name="Google Shape;377;p56"/>
           <p:cNvPicPr preferRelativeResize="0"/>
           <p:nvPr/>
         </p:nvPicPr>
@@ -24075,7 +24169,7 @@
       </p:pic>
       <p:sp>
         <p:nvSpPr>
-          <p:cNvPr id="377" name="Google Shape;377;p56"/>
+          <p:cNvPr id="378" name="Google Shape;378;p56"/>
           <p:cNvSpPr txBox="1"/>
           <p:nvPr>
             <p:ph type="title"/>
@@ -24123,7 +24217,7 @@
       </p:sp>
       <p:sp>
         <p:nvSpPr>
-          <p:cNvPr id="378" name="Google Shape;378;p56"/>
+          <p:cNvPr id="379" name="Google Shape;379;p56"/>
           <p:cNvSpPr txBox="1"/>
           <p:nvPr>
             <p:ph idx="12" type="sldNum"/>
@@ -24171,7 +24265,7 @@
       </p:sp>
       <p:sp>
         <p:nvSpPr>
-          <p:cNvPr id="379" name="Google Shape;379;p56"/>
+          <p:cNvPr id="380" name="Google Shape;380;p56"/>
           <p:cNvSpPr txBox="1"/>
           <p:nvPr/>
         </p:nvSpPr>
@@ -24245,7 +24339,7 @@
       </p:sp>
       <p:pic>
         <p:nvPicPr>
-          <p:cNvPr id="380" name="Google Shape;380;p56"/>
+          <p:cNvPr id="381" name="Google Shape;381;p56"/>
           <p:cNvPicPr preferRelativeResize="0"/>
           <p:nvPr/>
         </p:nvPicPr>
@@ -24273,7 +24367,7 @@
       </p:pic>
       <p:pic>
         <p:nvPicPr>
-          <p:cNvPr id="381" name="Google Shape;381;p56"/>
+          <p:cNvPr id="382" name="Google Shape;382;p56"/>
           <p:cNvPicPr preferRelativeResize="0"/>
           <p:nvPr/>
         </p:nvPicPr>
@@ -24300,7 +24394,7 @@
       </p:pic>
       <p:sp>
         <p:nvSpPr>
-          <p:cNvPr id="382" name="Google Shape;382;p56"/>
+          <p:cNvPr id="383" name="Google Shape;383;p56"/>
           <p:cNvSpPr txBox="1"/>
           <p:nvPr/>
         </p:nvSpPr>
@@ -24349,7 +24443,7 @@
       </p:sp>
       <p:sp>
         <p:nvSpPr>
-          <p:cNvPr id="383" name="Google Shape;383;p56"/>
+          <p:cNvPr id="384" name="Google Shape;384;p56"/>
           <p:cNvSpPr/>
           <p:nvPr/>
         </p:nvSpPr>
@@ -24410,7 +24504,7 @@
   <p:cSld>
     <p:spTree>
       <p:nvGrpSpPr>
-        <p:cNvPr id="387" name="Shape 387"/>
+        <p:cNvPr id="388" name="Shape 388"/>
         <p:cNvGrpSpPr/>
         <p:nvPr/>
       </p:nvGrpSpPr>
@@ -24424,7 +24518,7 @@
       </p:grpSpPr>
       <p:pic>
         <p:nvPicPr>
-          <p:cNvPr id="388" name="Google Shape;388;p57"/>
+          <p:cNvPr id="389" name="Google Shape;389;p57"/>
           <p:cNvPicPr preferRelativeResize="0"/>
           <p:nvPr/>
         </p:nvPicPr>
@@ -24452,7 +24546,7 @@
       </p:pic>
       <p:sp>
         <p:nvSpPr>
-          <p:cNvPr id="389" name="Google Shape;389;p57"/>
+          <p:cNvPr id="390" name="Google Shape;390;p57"/>
           <p:cNvSpPr txBox="1"/>
           <p:nvPr>
             <p:ph type="title"/>
@@ -24500,7 +24594,7 @@
       </p:sp>
       <p:sp>
         <p:nvSpPr>
-          <p:cNvPr id="390" name="Google Shape;390;p57"/>
+          <p:cNvPr id="391" name="Google Shape;391;p57"/>
           <p:cNvSpPr txBox="1"/>
           <p:nvPr>
             <p:ph idx="12" type="sldNum"/>
@@ -24548,7 +24642,7 @@
       </p:sp>
       <p:sp>
         <p:nvSpPr>
-          <p:cNvPr id="391" name="Google Shape;391;p57"/>
+          <p:cNvPr id="392" name="Google Shape;392;p57"/>
           <p:cNvSpPr txBox="1"/>
           <p:nvPr/>
         </p:nvSpPr>
@@ -24630,7 +24724,7 @@
       </p:sp>
       <p:pic>
         <p:nvPicPr>
-          <p:cNvPr id="392" name="Google Shape;392;p57"/>
+          <p:cNvPr id="393" name="Google Shape;393;p57"/>
           <p:cNvPicPr preferRelativeResize="0"/>
           <p:nvPr/>
         </p:nvPicPr>
@@ -24668,7 +24762,7 @@
   <p:cSld>
     <p:spTree>
       <p:nvGrpSpPr>
-        <p:cNvPr id="396" name="Shape 396"/>
+        <p:cNvPr id="397" name="Shape 397"/>
         <p:cNvGrpSpPr/>
         <p:nvPr/>
       </p:nvGrpSpPr>
@@ -24682,7 +24776,7 @@
       </p:grpSpPr>
       <p:pic>
         <p:nvPicPr>
-          <p:cNvPr id="397" name="Google Shape;397;p58"/>
+          <p:cNvPr id="398" name="Google Shape;398;p58"/>
           <p:cNvPicPr preferRelativeResize="0"/>
           <p:nvPr/>
         </p:nvPicPr>
@@ -24710,7 +24804,7 @@
       </p:pic>
       <p:sp>
         <p:nvSpPr>
-          <p:cNvPr id="398" name="Google Shape;398;p58"/>
+          <p:cNvPr id="399" name="Google Shape;399;p58"/>
           <p:cNvSpPr txBox="1"/>
           <p:nvPr>
             <p:ph type="title"/>
@@ -24758,7 +24852,7 @@
       </p:sp>
       <p:sp>
         <p:nvSpPr>
-          <p:cNvPr id="399" name="Google Shape;399;p58"/>
+          <p:cNvPr id="400" name="Google Shape;400;p58"/>
           <p:cNvSpPr txBox="1"/>
           <p:nvPr>
             <p:ph idx="12" type="sldNum"/>
@@ -24806,7 +24900,7 @@
       </p:sp>
       <p:sp>
         <p:nvSpPr>
-          <p:cNvPr id="400" name="Google Shape;400;p58"/>
+          <p:cNvPr id="401" name="Google Shape;401;p58"/>
           <p:cNvSpPr/>
           <p:nvPr/>
         </p:nvSpPr>
@@ -24864,9 +24958,9 @@
       </p:sp>
       <p:cxnSp>
         <p:nvCxnSpPr>
-          <p:cNvPr id="401" name="Google Shape;401;p58"/>
+          <p:cNvPr id="402" name="Google Shape;402;p58"/>
           <p:cNvCxnSpPr>
-            <a:stCxn id="400" idx="2"/>
+            <a:stCxn id="401" idx="2"/>
           </p:cNvCxnSpPr>
           <p:nvPr/>
         </p:nvCxnSpPr>
@@ -24892,7 +24986,7 @@
       </p:cxnSp>
       <p:cxnSp>
         <p:nvCxnSpPr>
-          <p:cNvPr id="402" name="Google Shape;402;p58"/>
+          <p:cNvPr id="403" name="Google Shape;403;p58"/>
           <p:cNvCxnSpPr/>
           <p:nvPr/>
         </p:nvCxnSpPr>
@@ -24918,7 +25012,7 @@
       </p:cxnSp>
       <p:sp>
         <p:nvSpPr>
-          <p:cNvPr id="403" name="Google Shape;403;p58"/>
+          <p:cNvPr id="404" name="Google Shape;404;p58"/>
           <p:cNvSpPr/>
           <p:nvPr/>
         </p:nvSpPr>
@@ -24970,9 +25064,9 @@
       </p:sp>
       <p:cxnSp>
         <p:nvCxnSpPr>
-          <p:cNvPr id="404" name="Google Shape;404;p58"/>
+          <p:cNvPr id="405" name="Google Shape;405;p58"/>
           <p:cNvCxnSpPr>
-            <a:endCxn id="400" idx="0"/>
+            <a:endCxn id="401" idx="0"/>
           </p:cNvCxnSpPr>
           <p:nvPr/>
         </p:nvCxnSpPr>
@@ -24998,7 +25092,7 @@
       </p:cxnSp>
       <p:sp>
         <p:nvSpPr>
-          <p:cNvPr id="405" name="Google Shape;405;p58"/>
+          <p:cNvPr id="406" name="Google Shape;406;p58"/>
           <p:cNvSpPr txBox="1"/>
           <p:nvPr/>
         </p:nvSpPr>
@@ -25050,7 +25144,7 @@
       </p:sp>
       <p:sp>
         <p:nvSpPr>
-          <p:cNvPr id="406" name="Google Shape;406;p58"/>
+          <p:cNvPr id="407" name="Google Shape;407;p58"/>
           <p:cNvSpPr txBox="1"/>
           <p:nvPr/>
         </p:nvSpPr>
@@ -25102,7 +25196,7 @@
       </p:sp>
       <p:sp>
         <p:nvSpPr>
-          <p:cNvPr id="407" name="Google Shape;407;p58"/>
+          <p:cNvPr id="408" name="Google Shape;408;p58"/>
           <p:cNvSpPr/>
           <p:nvPr/>
         </p:nvSpPr>
@@ -25154,7 +25248,7 @@
       </p:sp>
       <p:sp>
         <p:nvSpPr>
-          <p:cNvPr id="408" name="Google Shape;408;p58"/>
+          <p:cNvPr id="409" name="Google Shape;409;p58"/>
           <p:cNvSpPr/>
           <p:nvPr/>
         </p:nvSpPr>
@@ -25206,10 +25300,10 @@
       </p:sp>
       <p:cxnSp>
         <p:nvCxnSpPr>
-          <p:cNvPr id="409" name="Google Shape;409;p58"/>
+          <p:cNvPr id="410" name="Google Shape;410;p58"/>
           <p:cNvCxnSpPr>
-            <a:stCxn id="407" idx="0"/>
-            <a:endCxn id="403" idx="3"/>
+            <a:stCxn id="408" idx="0"/>
+            <a:endCxn id="404" idx="3"/>
           </p:cNvCxnSpPr>
           <p:nvPr/>
         </p:nvCxnSpPr>
@@ -25235,7 +25329,7 @@
       </p:cxnSp>
       <p:sp>
         <p:nvSpPr>
-          <p:cNvPr id="410" name="Google Shape;410;p58"/>
+          <p:cNvPr id="411" name="Google Shape;411;p58"/>
           <p:cNvSpPr txBox="1"/>
           <p:nvPr/>
         </p:nvSpPr>
@@ -25336,7 +25430,7 @@
   <p:cSld>
     <p:spTree>
       <p:nvGrpSpPr>
-        <p:cNvPr id="414" name="Shape 414"/>
+        <p:cNvPr id="415" name="Shape 415"/>
         <p:cNvGrpSpPr/>
         <p:nvPr/>
       </p:nvGrpSpPr>
@@ -25350,7 +25444,7 @@
       </p:grpSpPr>
       <p:pic>
         <p:nvPicPr>
-          <p:cNvPr id="415" name="Google Shape;415;p59"/>
+          <p:cNvPr id="416" name="Google Shape;416;p59"/>
           <p:cNvPicPr preferRelativeResize="0"/>
           <p:nvPr/>
         </p:nvPicPr>
@@ -25378,7 +25472,7 @@
       </p:pic>
       <p:sp>
         <p:nvSpPr>
-          <p:cNvPr id="416" name="Google Shape;416;p59"/>
+          <p:cNvPr id="417" name="Google Shape;417;p59"/>
           <p:cNvSpPr txBox="1"/>
           <p:nvPr>
             <p:ph type="title"/>
@@ -25426,7 +25520,7 @@
       </p:sp>
       <p:sp>
         <p:nvSpPr>
-          <p:cNvPr id="417" name="Google Shape;417;p59"/>
+          <p:cNvPr id="418" name="Google Shape;418;p59"/>
           <p:cNvSpPr txBox="1"/>
           <p:nvPr>
             <p:ph idx="12" type="sldNum"/>
@@ -25474,7 +25568,7 @@
       </p:sp>
       <p:sp>
         <p:nvSpPr>
-          <p:cNvPr id="418" name="Google Shape;418;p59"/>
+          <p:cNvPr id="419" name="Google Shape;419;p59"/>
           <p:cNvSpPr txBox="1"/>
           <p:nvPr/>
         </p:nvSpPr>
@@ -25626,7 +25720,7 @@
       </p:sp>
       <p:sp>
         <p:nvSpPr>
-          <p:cNvPr id="419" name="Google Shape;419;p59"/>
+          <p:cNvPr id="420" name="Google Shape;420;p59"/>
           <p:cNvSpPr/>
           <p:nvPr/>
         </p:nvSpPr>
@@ -25676,7 +25770,7 @@
       </p:sp>
       <p:pic>
         <p:nvPicPr>
-          <p:cNvPr id="420" name="Google Shape;420;p59"/>
+          <p:cNvPr id="421" name="Google Shape;421;p59"/>
           <p:cNvPicPr preferRelativeResize="0"/>
           <p:nvPr/>
         </p:nvPicPr>
@@ -25715,7 +25809,7 @@
   <p:cSld>
     <p:spTree>
       <p:nvGrpSpPr>
-        <p:cNvPr id="424" name="Shape 424"/>
+        <p:cNvPr id="425" name="Shape 425"/>
         <p:cNvGrpSpPr/>
         <p:nvPr/>
       </p:nvGrpSpPr>
@@ -25729,7 +25823,7 @@
       </p:grpSpPr>
       <p:pic>
         <p:nvPicPr>
-          <p:cNvPr id="425" name="Google Shape;425;p60"/>
+          <p:cNvPr id="426" name="Google Shape;426;p60"/>
           <p:cNvPicPr preferRelativeResize="0"/>
           <p:nvPr/>
         </p:nvPicPr>
@@ -25757,7 +25851,7 @@
       </p:pic>
       <p:sp>
         <p:nvSpPr>
-          <p:cNvPr id="426" name="Google Shape;426;p60"/>
+          <p:cNvPr id="427" name="Google Shape;427;p60"/>
           <p:cNvSpPr txBox="1"/>
           <p:nvPr>
             <p:ph type="title"/>
@@ -25805,7 +25899,7 @@
       </p:sp>
       <p:sp>
         <p:nvSpPr>
-          <p:cNvPr id="427" name="Google Shape;427;p60"/>
+          <p:cNvPr id="428" name="Google Shape;428;p60"/>
           <p:cNvSpPr txBox="1"/>
           <p:nvPr>
             <p:ph idx="12" type="sldNum"/>
@@ -25853,7 +25947,7 @@
       </p:sp>
       <p:sp>
         <p:nvSpPr>
-          <p:cNvPr id="428" name="Google Shape;428;p60"/>
+          <p:cNvPr id="429" name="Google Shape;429;p60"/>
           <p:cNvSpPr txBox="1"/>
           <p:nvPr/>
         </p:nvSpPr>
@@ -25899,7 +25993,7 @@
       </p:sp>
       <p:sp>
         <p:nvSpPr>
-          <p:cNvPr id="429" name="Google Shape;429;p60"/>
+          <p:cNvPr id="430" name="Google Shape;430;p60"/>
           <p:cNvSpPr txBox="1"/>
           <p:nvPr>
             <p:ph type="title"/>
@@ -25955,7 +26049,7 @@
       </p:sp>
       <p:pic>
         <p:nvPicPr>
-          <p:cNvPr id="430" name="Google Shape;430;p60"/>
+          <p:cNvPr id="431" name="Google Shape;431;p60"/>
           <p:cNvPicPr preferRelativeResize="0"/>
           <p:nvPr/>
         </p:nvPicPr>
@@ -25983,7 +26077,7 @@
       </p:pic>
       <p:sp>
         <p:nvSpPr>
-          <p:cNvPr id="431" name="Google Shape;431;p60"/>
+          <p:cNvPr id="432" name="Google Shape;432;p60"/>
           <p:cNvSpPr/>
           <p:nvPr/>
         </p:nvSpPr>
@@ -26033,7 +26127,7 @@
       </p:sp>
       <p:pic>
         <p:nvPicPr>
-          <p:cNvPr id="432" name="Google Shape;432;p60"/>
+          <p:cNvPr id="433" name="Google Shape;433;p60"/>
           <p:cNvPicPr preferRelativeResize="0"/>
           <p:nvPr/>
         </p:nvPicPr>
@@ -26072,7 +26166,7 @@
   <p:cSld>
     <p:spTree>
       <p:nvGrpSpPr>
-        <p:cNvPr id="436" name="Shape 436"/>
+        <p:cNvPr id="437" name="Shape 437"/>
         <p:cNvGrpSpPr/>
         <p:nvPr/>
       </p:nvGrpSpPr>
@@ -26086,7 +26180,7 @@
       </p:grpSpPr>
       <p:pic>
         <p:nvPicPr>
-          <p:cNvPr id="437" name="Google Shape;437;p61"/>
+          <p:cNvPr id="438" name="Google Shape;438;p61"/>
           <p:cNvPicPr preferRelativeResize="0"/>
           <p:nvPr/>
         </p:nvPicPr>
@@ -26114,7 +26208,7 @@
       </p:pic>
       <p:sp>
         <p:nvSpPr>
-          <p:cNvPr id="438" name="Google Shape;438;p61"/>
+          <p:cNvPr id="439" name="Google Shape;439;p61"/>
           <p:cNvSpPr txBox="1"/>
           <p:nvPr>
             <p:ph type="title"/>
@@ -26162,7 +26256,7 @@
       </p:sp>
       <p:sp>
         <p:nvSpPr>
-          <p:cNvPr id="439" name="Google Shape;439;p61"/>
+          <p:cNvPr id="440" name="Google Shape;440;p61"/>
           <p:cNvSpPr txBox="1"/>
           <p:nvPr>
             <p:ph idx="12" type="sldNum"/>
@@ -26210,7 +26304,7 @@
       </p:sp>
       <p:sp>
         <p:nvSpPr>
-          <p:cNvPr id="440" name="Google Shape;440;p61"/>
+          <p:cNvPr id="441" name="Google Shape;441;p61"/>
           <p:cNvSpPr txBox="1"/>
           <p:nvPr/>
         </p:nvSpPr>
@@ -26284,7 +26378,7 @@
       </p:sp>
       <p:sp>
         <p:nvSpPr>
-          <p:cNvPr id="441" name="Google Shape;441;p61"/>
+          <p:cNvPr id="442" name="Google Shape;442;p61"/>
           <p:cNvSpPr txBox="1"/>
           <p:nvPr/>
         </p:nvSpPr>
@@ -26354,7 +26448,7 @@
       </p:sp>
       <p:sp>
         <p:nvSpPr>
-          <p:cNvPr id="442" name="Google Shape;442;p61"/>
+          <p:cNvPr id="443" name="Google Shape;443;p61"/>
           <p:cNvSpPr txBox="1"/>
           <p:nvPr/>
         </p:nvSpPr>
@@ -26444,7 +26538,7 @@
       </p:sp>
       <p:sp>
         <p:nvSpPr>
-          <p:cNvPr id="443" name="Google Shape;443;p61"/>
+          <p:cNvPr id="444" name="Google Shape;444;p61"/>
           <p:cNvSpPr/>
           <p:nvPr/>
         </p:nvSpPr>
@@ -26494,7 +26588,7 @@
       </p:sp>
       <p:pic>
         <p:nvPicPr>
-          <p:cNvPr id="444" name="Google Shape;444;p61"/>
+          <p:cNvPr id="445" name="Google Shape;445;p61"/>
           <p:cNvPicPr preferRelativeResize="0"/>
           <p:nvPr/>
         </p:nvPicPr>
@@ -26533,7 +26627,7 @@
   <p:cSld>
     <p:spTree>
       <p:nvGrpSpPr>
-        <p:cNvPr id="448" name="Shape 448"/>
+        <p:cNvPr id="449" name="Shape 449"/>
         <p:cNvGrpSpPr/>
         <p:nvPr/>
       </p:nvGrpSpPr>
@@ -26547,7 +26641,7 @@
       </p:grpSpPr>
       <p:pic>
         <p:nvPicPr>
-          <p:cNvPr id="449" name="Google Shape;449;p62"/>
+          <p:cNvPr id="450" name="Google Shape;450;p62"/>
           <p:cNvPicPr preferRelativeResize="0"/>
           <p:nvPr/>
         </p:nvPicPr>
@@ -26575,7 +26669,7 @@
       </p:pic>
       <p:sp>
         <p:nvSpPr>
-          <p:cNvPr id="450" name="Google Shape;450;p62"/>
+          <p:cNvPr id="451" name="Google Shape;451;p62"/>
           <p:cNvSpPr txBox="1"/>
           <p:nvPr>
             <p:ph type="title"/>
@@ -26623,7 +26717,7 @@
       </p:sp>
       <p:sp>
         <p:nvSpPr>
-          <p:cNvPr id="451" name="Google Shape;451;p62"/>
+          <p:cNvPr id="452" name="Google Shape;452;p62"/>
           <p:cNvSpPr txBox="1"/>
           <p:nvPr>
             <p:ph idx="12" type="sldNum"/>
@@ -26671,7 +26765,7 @@
       </p:sp>
       <p:sp>
         <p:nvSpPr>
-          <p:cNvPr id="452" name="Google Shape;452;p62"/>
+          <p:cNvPr id="453" name="Google Shape;453;p62"/>
           <p:cNvSpPr txBox="1"/>
           <p:nvPr/>
         </p:nvSpPr>
@@ -26769,7 +26863,7 @@
       </p:sp>
       <p:sp>
         <p:nvSpPr>
-          <p:cNvPr id="453" name="Google Shape;453;p62"/>
+          <p:cNvPr id="454" name="Google Shape;454;p62"/>
           <p:cNvSpPr/>
           <p:nvPr/>
         </p:nvSpPr>
@@ -26819,7 +26913,7 @@
       </p:sp>
       <p:pic>
         <p:nvPicPr>
-          <p:cNvPr id="454" name="Google Shape;454;p62"/>
+          <p:cNvPr id="455" name="Google Shape;455;p62"/>
           <p:cNvPicPr preferRelativeResize="0"/>
           <p:nvPr/>
         </p:nvPicPr>
@@ -26858,7 +26952,7 @@
   <p:cSld>
     <p:spTree>
       <p:nvGrpSpPr>
-        <p:cNvPr id="458" name="Shape 458"/>
+        <p:cNvPr id="459" name="Shape 459"/>
         <p:cNvGrpSpPr/>
         <p:nvPr/>
       </p:nvGrpSpPr>
@@ -26872,7 +26966,7 @@
       </p:grpSpPr>
       <p:pic>
         <p:nvPicPr>
-          <p:cNvPr id="459" name="Google Shape;459;p63"/>
+          <p:cNvPr id="460" name="Google Shape;460;p63"/>
           <p:cNvPicPr preferRelativeResize="0"/>
           <p:nvPr/>
         </p:nvPicPr>
@@ -26900,7 +26994,7 @@
       </p:pic>
       <p:sp>
         <p:nvSpPr>
-          <p:cNvPr id="460" name="Google Shape;460;p63"/>
+          <p:cNvPr id="461" name="Google Shape;461;p63"/>
           <p:cNvSpPr txBox="1"/>
           <p:nvPr>
             <p:ph type="title"/>
@@ -26948,7 +27042,7 @@
       </p:sp>
       <p:sp>
         <p:nvSpPr>
-          <p:cNvPr id="461" name="Google Shape;461;p63"/>
+          <p:cNvPr id="462" name="Google Shape;462;p63"/>
           <p:cNvSpPr txBox="1"/>
           <p:nvPr>
             <p:ph idx="12" type="sldNum"/>
@@ -27004,7 +27098,7 @@
       </p:sp>
       <p:sp>
         <p:nvSpPr>
-          <p:cNvPr id="462" name="Google Shape;462;p63"/>
+          <p:cNvPr id="463" name="Google Shape;463;p63"/>
           <p:cNvSpPr txBox="1"/>
           <p:nvPr/>
         </p:nvSpPr>
@@ -27058,7 +27152,7 @@
       </p:sp>
       <p:sp>
         <p:nvSpPr>
-          <p:cNvPr id="463" name="Google Shape;463;p63"/>
+          <p:cNvPr id="464" name="Google Shape;464;p63"/>
           <p:cNvSpPr txBox="1"/>
           <p:nvPr/>
         </p:nvSpPr>
@@ -27099,7 +27193,7 @@
       </p:sp>
       <p:sp>
         <p:nvSpPr>
-          <p:cNvPr id="464" name="Google Shape;464;p63"/>
+          <p:cNvPr id="465" name="Google Shape;465;p63"/>
           <p:cNvSpPr txBox="1"/>
           <p:nvPr/>
         </p:nvSpPr>
@@ -27193,7 +27287,7 @@
       </p:sp>
       <p:sp>
         <p:nvSpPr>
-          <p:cNvPr id="465" name="Google Shape;465;p63"/>
+          <p:cNvPr id="466" name="Google Shape;466;p63"/>
           <p:cNvSpPr txBox="1"/>
           <p:nvPr/>
         </p:nvSpPr>
@@ -27247,7 +27341,7 @@
       </p:sp>
       <p:sp>
         <p:nvSpPr>
-          <p:cNvPr id="466" name="Google Shape;466;p63"/>
+          <p:cNvPr id="467" name="Google Shape;467;p63"/>
           <p:cNvSpPr txBox="1"/>
           <p:nvPr/>
         </p:nvSpPr>
@@ -27349,7 +27443,7 @@
       </p:sp>
       <p:sp>
         <p:nvSpPr>
-          <p:cNvPr id="467" name="Google Shape;467;p63"/>
+          <p:cNvPr id="468" name="Google Shape;468;p63"/>
           <p:cNvSpPr txBox="1"/>
           <p:nvPr/>
         </p:nvSpPr>
@@ -27403,7 +27497,7 @@
       </p:sp>
       <p:sp>
         <p:nvSpPr>
-          <p:cNvPr id="468" name="Google Shape;468;p63"/>
+          <p:cNvPr id="469" name="Google Shape;469;p63"/>
           <p:cNvSpPr txBox="1"/>
           <p:nvPr/>
         </p:nvSpPr>
@@ -27501,55 +27595,13 @@
       </p:sp>
       <p:sp>
         <p:nvSpPr>
-          <p:cNvPr id="469" name="Google Shape;469;p63"/>
-          <p:cNvSpPr txBox="1"/>
-          <p:nvPr/>
-        </p:nvSpPr>
-        <p:spPr>
-          <a:xfrm>
-            <a:off x="661900" y="1313025"/>
-            <a:ext cx="427500" cy="400200"/>
-          </a:xfrm>
-          <a:prstGeom prst="rect">
-            <a:avLst/>
-          </a:prstGeom>
-          <a:noFill/>
-          <a:ln>
-            <a:noFill/>
-          </a:ln>
-        </p:spPr>
-        <p:txBody>
-          <a:bodyPr anchorCtr="0" anchor="t" bIns="91425" lIns="91425" spcFirstLastPara="1" rIns="91425" wrap="square" tIns="91425">
-            <a:spAutoFit/>
-          </a:bodyPr>
-          <a:lstStyle/>
-          <a:p>
-            <a:pPr indent="0" lvl="0" marL="0" rtl="0" algn="l">
-              <a:spcBef>
-                <a:spcPts val="0"/>
-              </a:spcBef>
-              <a:spcAft>
-                <a:spcPts val="0"/>
-              </a:spcAft>
-              <a:buNone/>
-            </a:pPr>
-            <a:r>
-              <a:rPr lang="en"/>
-              <a:t>✔</a:t>
-            </a:r>
-            <a:endParaRPr/>
-          </a:p>
-        </p:txBody>
-      </p:sp>
-      <p:sp>
-        <p:nvSpPr>
           <p:cNvPr id="470" name="Google Shape;470;p63"/>
           <p:cNvSpPr txBox="1"/>
           <p:nvPr/>
         </p:nvSpPr>
         <p:spPr>
           <a:xfrm>
-            <a:off x="661900" y="2796825"/>
+            <a:off x="661900" y="1313025"/>
             <a:ext cx="427500" cy="400200"/>
           </a:xfrm>
           <a:prstGeom prst="rect">
@@ -27591,7 +27643,7 @@
         </p:nvSpPr>
         <p:spPr>
           <a:xfrm>
-            <a:off x="661900" y="4153200"/>
+            <a:off x="661900" y="2796825"/>
             <a:ext cx="427500" cy="400200"/>
           </a:xfrm>
           <a:prstGeom prst="rect">
@@ -27628,6 +27680,48 @@
       <p:sp>
         <p:nvSpPr>
           <p:cNvPr id="472" name="Google Shape;472;p63"/>
+          <p:cNvSpPr txBox="1"/>
+          <p:nvPr/>
+        </p:nvSpPr>
+        <p:spPr>
+          <a:xfrm>
+            <a:off x="661900" y="4153200"/>
+            <a:ext cx="427500" cy="400200"/>
+          </a:xfrm>
+          <a:prstGeom prst="rect">
+            <a:avLst/>
+          </a:prstGeom>
+          <a:noFill/>
+          <a:ln>
+            <a:noFill/>
+          </a:ln>
+        </p:spPr>
+        <p:txBody>
+          <a:bodyPr anchorCtr="0" anchor="t" bIns="91425" lIns="91425" spcFirstLastPara="1" rIns="91425" wrap="square" tIns="91425">
+            <a:spAutoFit/>
+          </a:bodyPr>
+          <a:lstStyle/>
+          <a:p>
+            <a:pPr indent="0" lvl="0" marL="0" rtl="0" algn="l">
+              <a:spcBef>
+                <a:spcPts val="0"/>
+              </a:spcBef>
+              <a:spcAft>
+                <a:spcPts val="0"/>
+              </a:spcAft>
+              <a:buNone/>
+            </a:pPr>
+            <a:r>
+              <a:rPr lang="en"/>
+              <a:t>✔</a:t>
+            </a:r>
+            <a:endParaRPr/>
+          </a:p>
+        </p:txBody>
+      </p:sp>
+      <p:sp>
+        <p:nvSpPr>
+          <p:cNvPr id="473" name="Google Shape;473;p63"/>
           <p:cNvSpPr txBox="1"/>
           <p:nvPr/>
         </p:nvSpPr>
@@ -27678,7 +27772,7 @@
       </p:sp>
       <p:pic>
         <p:nvPicPr>
-          <p:cNvPr id="473" name="Google Shape;473;p63"/>
+          <p:cNvPr id="474" name="Google Shape;474;p63"/>
           <p:cNvPicPr preferRelativeResize="0"/>
           <p:nvPr/>
         </p:nvPicPr>
@@ -27717,59 +27811,6 @@
             <p:seq concurrent="1" nextAc="seek">
               <p:cTn dur="indefinite" id="2" nodeType="mainSeq">
                 <p:childTnLst>
-                  <p:par>
-                    <p:cTn fill="hold">
-                      <p:stCondLst>
-                        <p:cond delay="indefinite"/>
-                      </p:stCondLst>
-                      <p:childTnLst>
-                        <p:par>
-                          <p:cTn fill="hold">
-                            <p:stCondLst>
-                              <p:cond delay="0"/>
-                            </p:stCondLst>
-                            <p:childTnLst>
-                              <p:par>
-                                <p:cTn fill="hold" nodeType="clickEffect" presetClass="entr" presetID="10" presetSubtype="0">
-                                  <p:stCondLst>
-                                    <p:cond delay="0"/>
-                                  </p:stCondLst>
-                                  <p:childTnLst>
-                                    <p:set>
-                                      <p:cBhvr>
-                                        <p:cTn dur="1" fill="hold">
-                                          <p:stCondLst>
-                                            <p:cond delay="0"/>
-                                          </p:stCondLst>
-                                        </p:cTn>
-                                        <p:tgtEl>
-                                          <p:spTgt spid="469"/>
-                                        </p:tgtEl>
-                                        <p:attrNameLst>
-                                          <p:attrName>style.visibility</p:attrName>
-                                        </p:attrNameLst>
-                                      </p:cBhvr>
-                                      <p:to>
-                                        <p:strVal val="visible"/>
-                                      </p:to>
-                                    </p:set>
-                                    <p:animEffect filter="fade" transition="in">
-                                      <p:cBhvr>
-                                        <p:cTn dur="1000"/>
-                                        <p:tgtEl>
-                                          <p:spTgt spid="469"/>
-                                        </p:tgtEl>
-                                      </p:cBhvr>
-                                    </p:animEffect>
-                                  </p:childTnLst>
-                                </p:cTn>
-                              </p:par>
-                            </p:childTnLst>
-                          </p:cTn>
-                        </p:par>
-                      </p:childTnLst>
-                    </p:cTn>
-                  </p:par>
                   <p:par>
                     <p:cTn fill="hold">
                       <p:stCondLst>
@@ -27876,6 +27917,59 @@
                       </p:childTnLst>
                     </p:cTn>
                   </p:par>
+                  <p:par>
+                    <p:cTn fill="hold">
+                      <p:stCondLst>
+                        <p:cond delay="indefinite"/>
+                      </p:stCondLst>
+                      <p:childTnLst>
+                        <p:par>
+                          <p:cTn fill="hold">
+                            <p:stCondLst>
+                              <p:cond delay="0"/>
+                            </p:stCondLst>
+                            <p:childTnLst>
+                              <p:par>
+                                <p:cTn fill="hold" nodeType="clickEffect" presetClass="entr" presetID="10" presetSubtype="0">
+                                  <p:stCondLst>
+                                    <p:cond delay="0"/>
+                                  </p:stCondLst>
+                                  <p:childTnLst>
+                                    <p:set>
+                                      <p:cBhvr>
+                                        <p:cTn dur="1" fill="hold">
+                                          <p:stCondLst>
+                                            <p:cond delay="0"/>
+                                          </p:stCondLst>
+                                        </p:cTn>
+                                        <p:tgtEl>
+                                          <p:spTgt spid="472"/>
+                                        </p:tgtEl>
+                                        <p:attrNameLst>
+                                          <p:attrName>style.visibility</p:attrName>
+                                        </p:attrNameLst>
+                                      </p:cBhvr>
+                                      <p:to>
+                                        <p:strVal val="visible"/>
+                                      </p:to>
+                                    </p:set>
+                                    <p:animEffect filter="fade" transition="in">
+                                      <p:cBhvr>
+                                        <p:cTn dur="1000"/>
+                                        <p:tgtEl>
+                                          <p:spTgt spid="472"/>
+                                        </p:tgtEl>
+                                      </p:cBhvr>
+                                    </p:animEffect>
+                                  </p:childTnLst>
+                                </p:cTn>
+                              </p:par>
+                            </p:childTnLst>
+                          </p:cTn>
+                        </p:par>
+                      </p:childTnLst>
+                    </p:cTn>
+                  </p:par>
                 </p:childTnLst>
               </p:cTn>
               <p:prevCondLst>
@@ -27906,7 +28000,7 @@
   <p:cSld>
     <p:spTree>
       <p:nvGrpSpPr>
-        <p:cNvPr id="477" name="Shape 477"/>
+        <p:cNvPr id="478" name="Shape 478"/>
         <p:cNvGrpSpPr/>
         <p:nvPr/>
       </p:nvGrpSpPr>
@@ -27920,7 +28014,7 @@
       </p:grpSpPr>
       <p:pic>
         <p:nvPicPr>
-          <p:cNvPr id="478" name="Google Shape;478;p64"/>
+          <p:cNvPr id="479" name="Google Shape;479;p64"/>
           <p:cNvPicPr preferRelativeResize="0"/>
           <p:nvPr/>
         </p:nvPicPr>
@@ -27948,7 +28042,7 @@
       </p:pic>
       <p:sp>
         <p:nvSpPr>
-          <p:cNvPr id="479" name="Google Shape;479;p64"/>
+          <p:cNvPr id="480" name="Google Shape;480;p64"/>
           <p:cNvSpPr txBox="1"/>
           <p:nvPr>
             <p:ph type="title"/>
@@ -27996,7 +28090,7 @@
       </p:sp>
       <p:sp>
         <p:nvSpPr>
-          <p:cNvPr id="480" name="Google Shape;480;p64"/>
+          <p:cNvPr id="481" name="Google Shape;481;p64"/>
           <p:cNvSpPr txBox="1"/>
           <p:nvPr/>
         </p:nvSpPr>
@@ -28042,7 +28136,7 @@
       </p:sp>
       <p:sp>
         <p:nvSpPr>
-          <p:cNvPr id="481" name="Google Shape;481;p64"/>
+          <p:cNvPr id="482" name="Google Shape;482;p64"/>
           <p:cNvSpPr txBox="1"/>
           <p:nvPr>
             <p:ph idx="12" type="sldNum"/>
@@ -28090,7 +28184,7 @@
       </p:sp>
       <p:pic>
         <p:nvPicPr>
-          <p:cNvPr id="482" name="Google Shape;482;p64"/>
+          <p:cNvPr id="483" name="Google Shape;483;p64"/>
           <p:cNvPicPr preferRelativeResize="0"/>
           <p:nvPr/>
         </p:nvPicPr>
@@ -31321,6 +31415,285 @@
 </file>
 
 <file path=ppt/theme/theme1.xml><?xml version="1.0" encoding="utf-8"?>
+<a:theme xmlns:a="http://schemas.openxmlformats.org/drawingml/2006/main" xmlns:r="http://schemas.openxmlformats.org/officeDocument/2006/relationships" name="Geometric">
+  <a:themeElements>
+    <a:clrScheme name="Geometric">
+      <a:dk1>
+        <a:srgbClr val="2A3990"/>
+      </a:dk1>
+      <a:lt1>
+        <a:srgbClr val="FFFFFF"/>
+      </a:lt1>
+      <a:dk2>
+        <a:srgbClr val="434343"/>
+      </a:dk2>
+      <a:lt2>
+        <a:srgbClr val="999999"/>
+      </a:lt2>
+      <a:accent1>
+        <a:srgbClr val="212D74"/>
+      </a:accent1>
+      <a:accent2>
+        <a:srgbClr val="3949AB"/>
+      </a:accent2>
+      <a:accent3>
+        <a:srgbClr val="9C254D"/>
+      </a:accent3>
+      <a:accent4>
+        <a:srgbClr val="D23369"/>
+      </a:accent4>
+      <a:accent5>
+        <a:srgbClr val="F06292"/>
+      </a:accent5>
+      <a:accent6>
+        <a:srgbClr val="7890CD"/>
+      </a:accent6>
+      <a:hlink>
+        <a:srgbClr val="F06292"/>
+      </a:hlink>
+      <a:folHlink>
+        <a:srgbClr val="F06292"/>
+      </a:folHlink>
+    </a:clrScheme>
+    <a:fontScheme name="Office">
+      <a:majorFont>
+        <a:latin typeface="Arial"/>
+        <a:ea typeface=""/>
+        <a:cs typeface=""/>
+        <a:font script="Jpan" typeface="ＭＳ Ｐゴシック"/>
+        <a:font script="Hang" typeface="맑은 고딕"/>
+        <a:font script="Hans" typeface="宋体"/>
+        <a:font script="Hant" typeface="新細明體"/>
+        <a:font script="Arab" typeface="Times New Roman"/>
+        <a:font script="Hebr" typeface="Times New Roman"/>
+        <a:font script="Thai" typeface="Angsana New"/>
+        <a:font script="Ethi" typeface="Nyala"/>
+        <a:font script="Beng" typeface="Vrinda"/>
+        <a:font script="Gujr" typeface="Shruti"/>
+        <a:font script="Khmr" typeface="MoolBoran"/>
+        <a:font script="Knda" typeface="Tunga"/>
+        <a:font script="Guru" typeface="Raavi"/>
+        <a:font script="Cans" typeface="Euphemia"/>
+        <a:font script="Cher" typeface="Plantagenet Cherokee"/>
+        <a:font script="Yiii" typeface="Microsoft Yi Baiti"/>
+        <a:font script="Tibt" typeface="Microsoft Himalaya"/>
+        <a:font script="Thaa" typeface="MV Boli"/>
+        <a:font script="Deva" typeface="Mangal"/>
+        <a:font script="Telu" typeface="Gautami"/>
+        <a:font script="Taml" typeface="Latha"/>
+        <a:font script="Syrc" typeface="Estrangelo Edessa"/>
+        <a:font script="Orya" typeface="Kalinga"/>
+        <a:font script="Mlym" typeface="Kartika"/>
+        <a:font script="Laoo" typeface="DokChampa"/>
+        <a:font script="Sinh" typeface="Iskoola Pota"/>
+        <a:font script="Mong" typeface="Mongolian Baiti"/>
+        <a:font script="Viet" typeface="Times New Roman"/>
+        <a:font script="Uigh" typeface="Microsoft Uighur"/>
+        <a:font script="Geor" typeface="Sylfaen"/>
+      </a:majorFont>
+      <a:minorFont>
+        <a:latin typeface="Arial"/>
+        <a:ea typeface=""/>
+        <a:cs typeface=""/>
+        <a:font script="Jpan" typeface="ＭＳ Ｐゴシック"/>
+        <a:font script="Hang" typeface="맑은 고딕"/>
+        <a:font script="Hans" typeface="宋体"/>
+        <a:font script="Hant" typeface="新細明體"/>
+        <a:font script="Arab" typeface="Arial"/>
+        <a:font script="Hebr" typeface="Arial"/>
+        <a:font script="Thai" typeface="Cordia New"/>
+        <a:font script="Ethi" typeface="Nyala"/>
+        <a:font script="Beng" typeface="Vrinda"/>
+        <a:font script="Gujr" typeface="Shruti"/>
+        <a:font script="Khmr" typeface="DaunPenh"/>
+        <a:font script="Knda" typeface="Tunga"/>
+        <a:font script="Guru" typeface="Raavi"/>
+        <a:font script="Cans" typeface="Euphemia"/>
+        <a:font script="Cher" typeface="Plantagenet Cherokee"/>
+        <a:font script="Yiii" typeface="Microsoft Yi Baiti"/>
+        <a:font script="Tibt" typeface="Microsoft Himalaya"/>
+        <a:font script="Thaa" typeface="MV Boli"/>
+        <a:font script="Deva" typeface="Mangal"/>
+        <a:font script="Telu" typeface="Gautami"/>
+        <a:font script="Taml" typeface="Latha"/>
+        <a:font script="Syrc" typeface="Estrangelo Edessa"/>
+        <a:font script="Orya" typeface="Kalinga"/>
+        <a:font script="Mlym" typeface="Kartika"/>
+        <a:font script="Laoo" typeface="DokChampa"/>
+        <a:font script="Sinh" typeface="Iskoola Pota"/>
+        <a:font script="Mong" typeface="Mongolian Baiti"/>
+        <a:font script="Viet" typeface="Arial"/>
+        <a:font script="Uigh" typeface="Microsoft Uighur"/>
+        <a:font script="Geor" typeface="Sylfaen"/>
+      </a:minorFont>
+    </a:fontScheme>
+    <a:fmtScheme name="Office">
+      <a:fillStyleLst>
+        <a:solidFill>
+          <a:schemeClr val="phClr"/>
+        </a:solidFill>
+        <a:gradFill rotWithShape="1">
+          <a:gsLst>
+            <a:gs pos="0">
+              <a:schemeClr val="phClr">
+                <a:tint val="50000"/>
+                <a:satMod val="300000"/>
+              </a:schemeClr>
+            </a:gs>
+            <a:gs pos="35000">
+              <a:schemeClr val="phClr">
+                <a:tint val="37000"/>
+                <a:satMod val="300000"/>
+              </a:schemeClr>
+            </a:gs>
+            <a:gs pos="100000">
+              <a:schemeClr val="phClr">
+                <a:tint val="15000"/>
+                <a:satMod val="350000"/>
+              </a:schemeClr>
+            </a:gs>
+          </a:gsLst>
+          <a:lin ang="16200000" scaled="1"/>
+        </a:gradFill>
+        <a:gradFill rotWithShape="1">
+          <a:gsLst>
+            <a:gs pos="0">
+              <a:schemeClr val="phClr">
+                <a:tint val="100000"/>
+                <a:shade val="100000"/>
+                <a:satMod val="130000"/>
+              </a:schemeClr>
+            </a:gs>
+            <a:gs pos="100000">
+              <a:schemeClr val="phClr">
+                <a:tint val="50000"/>
+                <a:shade val="100000"/>
+                <a:satMod val="350000"/>
+              </a:schemeClr>
+            </a:gs>
+          </a:gsLst>
+          <a:lin ang="16200000" scaled="0"/>
+        </a:gradFill>
+      </a:fillStyleLst>
+      <a:lnStyleLst>
+        <a:ln w="9525" cap="flat" cmpd="sng" algn="ctr">
+          <a:solidFill>
+            <a:schemeClr val="phClr">
+              <a:shade val="95000"/>
+              <a:satMod val="105000"/>
+            </a:schemeClr>
+          </a:solidFill>
+          <a:prstDash val="solid"/>
+        </a:ln>
+        <a:ln w="25400" cap="flat" cmpd="sng" algn="ctr">
+          <a:solidFill>
+            <a:schemeClr val="phClr"/>
+          </a:solidFill>
+          <a:prstDash val="solid"/>
+        </a:ln>
+        <a:ln w="38100" cap="flat" cmpd="sng" algn="ctr">
+          <a:solidFill>
+            <a:schemeClr val="phClr"/>
+          </a:solidFill>
+          <a:prstDash val="solid"/>
+        </a:ln>
+      </a:lnStyleLst>
+      <a:effectStyleLst>
+        <a:effectStyle>
+          <a:effectLst>
+            <a:outerShdw blurRad="40000" dist="20000" dir="5400000" rotWithShape="0">
+              <a:srgbClr val="000000">
+                <a:alpha val="38000"/>
+              </a:srgbClr>
+            </a:outerShdw>
+          </a:effectLst>
+        </a:effectStyle>
+        <a:effectStyle>
+          <a:effectLst>
+            <a:outerShdw blurRad="40000" dist="23000" dir="5400000" rotWithShape="0">
+              <a:srgbClr val="000000">
+                <a:alpha val="35000"/>
+              </a:srgbClr>
+            </a:outerShdw>
+          </a:effectLst>
+        </a:effectStyle>
+        <a:effectStyle>
+          <a:effectLst>
+            <a:outerShdw blurRad="40000" dist="23000" dir="5400000" rotWithShape="0">
+              <a:srgbClr val="000000">
+                <a:alpha val="35000"/>
+              </a:srgbClr>
+            </a:outerShdw>
+          </a:effectLst>
+          <a:scene3d>
+            <a:camera prst="orthographicFront">
+              <a:rot lat="0" lon="0" rev="0"/>
+            </a:camera>
+            <a:lightRig rig="threePt" dir="t">
+              <a:rot lat="0" lon="0" rev="1200000"/>
+            </a:lightRig>
+          </a:scene3d>
+          <a:sp3d>
+            <a:bevelT w="63500" h="25400"/>
+          </a:sp3d>
+        </a:effectStyle>
+      </a:effectStyleLst>
+      <a:bgFillStyleLst>
+        <a:solidFill>
+          <a:schemeClr val="phClr"/>
+        </a:solidFill>
+        <a:gradFill rotWithShape="1">
+          <a:gsLst>
+            <a:gs pos="0">
+              <a:schemeClr val="phClr">
+                <a:tint val="40000"/>
+                <a:satMod val="350000"/>
+              </a:schemeClr>
+            </a:gs>
+            <a:gs pos="40000">
+              <a:schemeClr val="phClr">
+                <a:tint val="45000"/>
+                <a:shade val="99000"/>
+                <a:satMod val="350000"/>
+              </a:schemeClr>
+            </a:gs>
+            <a:gs pos="100000">
+              <a:schemeClr val="phClr">
+                <a:shade val="20000"/>
+                <a:satMod val="255000"/>
+              </a:schemeClr>
+            </a:gs>
+          </a:gsLst>
+          <a:path path="circle">
+            <a:fillToRect l="50000" t="-80000" r="50000" b="180000"/>
+          </a:path>
+        </a:gradFill>
+        <a:gradFill rotWithShape="1">
+          <a:gsLst>
+            <a:gs pos="0">
+              <a:schemeClr val="phClr">
+                <a:tint val="80000"/>
+                <a:satMod val="300000"/>
+              </a:schemeClr>
+            </a:gs>
+            <a:gs pos="100000">
+              <a:schemeClr val="phClr">
+                <a:shade val="30000"/>
+                <a:satMod val="200000"/>
+              </a:schemeClr>
+            </a:gs>
+          </a:gsLst>
+          <a:path path="circle">
+            <a:fillToRect l="50000" t="50000" r="50000" b="50000"/>
+          </a:path>
+        </a:gradFill>
+      </a:bgFillStyleLst>
+    </a:fmtScheme>
+  </a:themeElements>
+</a:theme>
+</file>
+
+<file path=ppt/theme/theme2.xml><?xml version="1.0" encoding="utf-8"?>
 <a:theme xmlns:a="http://schemas.openxmlformats.org/drawingml/2006/main" xmlns:r="http://schemas.openxmlformats.org/officeDocument/2006/relationships" name="Simple Light">
   <a:themeElements>
     <a:clrScheme name="Simple Light">
@@ -31599,45 +31972,45 @@
 </a:theme>
 </file>
 
-<file path=ppt/theme/theme2.xml><?xml version="1.0" encoding="utf-8"?>
-<a:theme xmlns:a="http://schemas.openxmlformats.org/drawingml/2006/main" xmlns:r="http://schemas.openxmlformats.org/officeDocument/2006/relationships" name="Geometric">
+<file path=ppt/theme/theme3.xml><?xml version="1.0" encoding="utf-8"?>
+<a:theme xmlns:a="http://schemas.openxmlformats.org/drawingml/2006/main" xmlns:r="http://schemas.openxmlformats.org/officeDocument/2006/relationships" name="Simple Light">
   <a:themeElements>
-    <a:clrScheme name="Geometric">
+    <a:clrScheme name="Simple Light">
       <a:dk1>
-        <a:srgbClr val="2A3990"/>
+        <a:srgbClr val="000000"/>
       </a:dk1>
       <a:lt1>
         <a:srgbClr val="FFFFFF"/>
       </a:lt1>
       <a:dk2>
-        <a:srgbClr val="434343"/>
+        <a:srgbClr val="595959"/>
       </a:dk2>
       <a:lt2>
-        <a:srgbClr val="999999"/>
+        <a:srgbClr val="EEEEEE"/>
       </a:lt2>
       <a:accent1>
-        <a:srgbClr val="212D74"/>
+        <a:srgbClr val="4285F4"/>
       </a:accent1>
       <a:accent2>
-        <a:srgbClr val="3949AB"/>
+        <a:srgbClr val="212121"/>
       </a:accent2>
       <a:accent3>
-        <a:srgbClr val="9C254D"/>
+        <a:srgbClr val="78909C"/>
       </a:accent3>
       <a:accent4>
-        <a:srgbClr val="D23369"/>
+        <a:srgbClr val="FFAB40"/>
       </a:accent4>
       <a:accent5>
-        <a:srgbClr val="F06292"/>
+        <a:srgbClr val="0097A7"/>
       </a:accent5>
       <a:accent6>
-        <a:srgbClr val="7890CD"/>
+        <a:srgbClr val="EEFF41"/>
       </a:accent6>
       <a:hlink>
-        <a:srgbClr val="F06292"/>
+        <a:srgbClr val="0097A7"/>
       </a:hlink>
       <a:folHlink>
-        <a:srgbClr val="F06292"/>
+        <a:srgbClr val="0097A7"/>
       </a:folHlink>
     </a:clrScheme>
     <a:fontScheme name="Office">
@@ -31878,7 +32251,7 @@
 </a:theme>
 </file>
 
-<file path=ppt/theme/theme3.xml><?xml version="1.0" encoding="utf-8"?>
+<file path=ppt/theme/theme4.xml><?xml version="1.0" encoding="utf-8"?>
 <a:theme xmlns:a="http://schemas.openxmlformats.org/drawingml/2006/main" xmlns:r="http://schemas.openxmlformats.org/officeDocument/2006/relationships">
   <a:themeElements>
     <a:clrScheme name="Default">
@@ -32155,283 +32528,4 @@
     </a:fmtScheme>
   </a:themeElements>
 </a:theme>
-</file>
-
-<file path=ppt/theme/theme4.xml><?xml version="1.0" encoding="utf-8"?>
-<a:theme xmlns:a="http://schemas.openxmlformats.org/drawingml/2006/main" xmlns:r="http://schemas.openxmlformats.org/officeDocument/2006/relationships" name="Simple Light">
-  <a:themeElements>
-    <a:clrScheme name="Simple Light">
-      <a:dk1>
-        <a:srgbClr val="000000"/>
-      </a:dk1>
-      <a:lt1>
-        <a:srgbClr val="FFFFFF"/>
-      </a:lt1>
-      <a:dk2>
-        <a:srgbClr val="595959"/>
-      </a:dk2>
-      <a:lt2>
-        <a:srgbClr val="EEEEEE"/>
-      </a:lt2>
-      <a:accent1>
-        <a:srgbClr val="4285F4"/>
-      </a:accent1>
-      <a:accent2>
-        <a:srgbClr val="212121"/>
-      </a:accent2>
-      <a:accent3>
-        <a:srgbClr val="78909C"/>
-      </a:accent3>
-      <a:accent4>
-        <a:srgbClr val="FFAB40"/>
-      </a:accent4>
-      <a:accent5>
-        <a:srgbClr val="0097A7"/>
-      </a:accent5>
-      <a:accent6>
-        <a:srgbClr val="EEFF41"/>
-      </a:accent6>
-      <a:hlink>
-        <a:srgbClr val="0097A7"/>
-      </a:hlink>
-      <a:folHlink>
-        <a:srgbClr val="0097A7"/>
-      </a:folHlink>
-    </a:clrScheme>
-    <a:fontScheme name="Office">
-      <a:majorFont>
-        <a:latin typeface="Arial"/>
-        <a:ea typeface=""/>
-        <a:cs typeface=""/>
-        <a:font script="Jpan" typeface="ＭＳ Ｐゴシック"/>
-        <a:font script="Hang" typeface="맑은 고딕"/>
-        <a:font script="Hans" typeface="宋体"/>
-        <a:font script="Hant" typeface="新細明體"/>
-        <a:font script="Arab" typeface="Times New Roman"/>
-        <a:font script="Hebr" typeface="Times New Roman"/>
-        <a:font script="Thai" typeface="Angsana New"/>
-        <a:font script="Ethi" typeface="Nyala"/>
-        <a:font script="Beng" typeface="Vrinda"/>
-        <a:font script="Gujr" typeface="Shruti"/>
-        <a:font script="Khmr" typeface="MoolBoran"/>
-        <a:font script="Knda" typeface="Tunga"/>
-        <a:font script="Guru" typeface="Raavi"/>
-        <a:font script="Cans" typeface="Euphemia"/>
-        <a:font script="Cher" typeface="Plantagenet Cherokee"/>
-        <a:font script="Yiii" typeface="Microsoft Yi Baiti"/>
-        <a:font script="Tibt" typeface="Microsoft Himalaya"/>
-        <a:font script="Thaa" typeface="MV Boli"/>
-        <a:font script="Deva" typeface="Mangal"/>
-        <a:font script="Telu" typeface="Gautami"/>
-        <a:font script="Taml" typeface="Latha"/>
-        <a:font script="Syrc" typeface="Estrangelo Edessa"/>
-        <a:font script="Orya" typeface="Kalinga"/>
-        <a:font script="Mlym" typeface="Kartika"/>
-        <a:font script="Laoo" typeface="DokChampa"/>
-        <a:font script="Sinh" typeface="Iskoola Pota"/>
-        <a:font script="Mong" typeface="Mongolian Baiti"/>
-        <a:font script="Viet" typeface="Times New Roman"/>
-        <a:font script="Uigh" typeface="Microsoft Uighur"/>
-        <a:font script="Geor" typeface="Sylfaen"/>
-      </a:majorFont>
-      <a:minorFont>
-        <a:latin typeface="Arial"/>
-        <a:ea typeface=""/>
-        <a:cs typeface=""/>
-        <a:font script="Jpan" typeface="ＭＳ Ｐゴシック"/>
-        <a:font script="Hang" typeface="맑은 고딕"/>
-        <a:font script="Hans" typeface="宋体"/>
-        <a:font script="Hant" typeface="新細明體"/>
-        <a:font script="Arab" typeface="Arial"/>
-        <a:font script="Hebr" typeface="Arial"/>
-        <a:font script="Thai" typeface="Cordia New"/>
-        <a:font script="Ethi" typeface="Nyala"/>
-        <a:font script="Beng" typeface="Vrinda"/>
-        <a:font script="Gujr" typeface="Shruti"/>
-        <a:font script="Khmr" typeface="DaunPenh"/>
-        <a:font script="Knda" typeface="Tunga"/>
-        <a:font script="Guru" typeface="Raavi"/>
-        <a:font script="Cans" typeface="Euphemia"/>
-        <a:font script="Cher" typeface="Plantagenet Cherokee"/>
-        <a:font script="Yiii" typeface="Microsoft Yi Baiti"/>
-        <a:font script="Tibt" typeface="Microsoft Himalaya"/>
-        <a:font script="Thaa" typeface="MV Boli"/>
-        <a:font script="Deva" typeface="Mangal"/>
-        <a:font script="Telu" typeface="Gautami"/>
-        <a:font script="Taml" typeface="Latha"/>
-        <a:font script="Syrc" typeface="Estrangelo Edessa"/>
-        <a:font script="Orya" typeface="Kalinga"/>
-        <a:font script="Mlym" typeface="Kartika"/>
-        <a:font script="Laoo" typeface="DokChampa"/>
-        <a:font script="Sinh" typeface="Iskoola Pota"/>
-        <a:font script="Mong" typeface="Mongolian Baiti"/>
-        <a:font script="Viet" typeface="Arial"/>
-        <a:font script="Uigh" typeface="Microsoft Uighur"/>
-        <a:font script="Geor" typeface="Sylfaen"/>
-      </a:minorFont>
-    </a:fontScheme>
-    <a:fmtScheme name="Office">
-      <a:fillStyleLst>
-        <a:solidFill>
-          <a:schemeClr val="phClr"/>
-        </a:solidFill>
-        <a:gradFill rotWithShape="1">
-          <a:gsLst>
-            <a:gs pos="0">
-              <a:schemeClr val="phClr">
-                <a:tint val="50000"/>
-                <a:satMod val="300000"/>
-              </a:schemeClr>
-            </a:gs>
-            <a:gs pos="35000">
-              <a:schemeClr val="phClr">
-                <a:tint val="37000"/>
-                <a:satMod val="300000"/>
-              </a:schemeClr>
-            </a:gs>
-            <a:gs pos="100000">
-              <a:schemeClr val="phClr">
-                <a:tint val="15000"/>
-                <a:satMod val="350000"/>
-              </a:schemeClr>
-            </a:gs>
-          </a:gsLst>
-          <a:lin ang="16200000" scaled="1"/>
-        </a:gradFill>
-        <a:gradFill rotWithShape="1">
-          <a:gsLst>
-            <a:gs pos="0">
-              <a:schemeClr val="phClr">
-                <a:tint val="100000"/>
-                <a:shade val="100000"/>
-                <a:satMod val="130000"/>
-              </a:schemeClr>
-            </a:gs>
-            <a:gs pos="100000">
-              <a:schemeClr val="phClr">
-                <a:tint val="50000"/>
-                <a:shade val="100000"/>
-                <a:satMod val="350000"/>
-              </a:schemeClr>
-            </a:gs>
-          </a:gsLst>
-          <a:lin ang="16200000" scaled="0"/>
-        </a:gradFill>
-      </a:fillStyleLst>
-      <a:lnStyleLst>
-        <a:ln w="9525" cap="flat" cmpd="sng" algn="ctr">
-          <a:solidFill>
-            <a:schemeClr val="phClr">
-              <a:shade val="95000"/>
-              <a:satMod val="105000"/>
-            </a:schemeClr>
-          </a:solidFill>
-          <a:prstDash val="solid"/>
-        </a:ln>
-        <a:ln w="25400" cap="flat" cmpd="sng" algn="ctr">
-          <a:solidFill>
-            <a:schemeClr val="phClr"/>
-          </a:solidFill>
-          <a:prstDash val="solid"/>
-        </a:ln>
-        <a:ln w="38100" cap="flat" cmpd="sng" algn="ctr">
-          <a:solidFill>
-            <a:schemeClr val="phClr"/>
-          </a:solidFill>
-          <a:prstDash val="solid"/>
-        </a:ln>
-      </a:lnStyleLst>
-      <a:effectStyleLst>
-        <a:effectStyle>
-          <a:effectLst>
-            <a:outerShdw blurRad="40000" dist="20000" dir="5400000" rotWithShape="0">
-              <a:srgbClr val="000000">
-                <a:alpha val="38000"/>
-              </a:srgbClr>
-            </a:outerShdw>
-          </a:effectLst>
-        </a:effectStyle>
-        <a:effectStyle>
-          <a:effectLst>
-            <a:outerShdw blurRad="40000" dist="23000" dir="5400000" rotWithShape="0">
-              <a:srgbClr val="000000">
-                <a:alpha val="35000"/>
-              </a:srgbClr>
-            </a:outerShdw>
-          </a:effectLst>
-        </a:effectStyle>
-        <a:effectStyle>
-          <a:effectLst>
-            <a:outerShdw blurRad="40000" dist="23000" dir="5400000" rotWithShape="0">
-              <a:srgbClr val="000000">
-                <a:alpha val="35000"/>
-              </a:srgbClr>
-            </a:outerShdw>
-          </a:effectLst>
-          <a:scene3d>
-            <a:camera prst="orthographicFront">
-              <a:rot lat="0" lon="0" rev="0"/>
-            </a:camera>
-            <a:lightRig rig="threePt" dir="t">
-              <a:rot lat="0" lon="0" rev="1200000"/>
-            </a:lightRig>
-          </a:scene3d>
-          <a:sp3d>
-            <a:bevelT w="63500" h="25400"/>
-          </a:sp3d>
-        </a:effectStyle>
-      </a:effectStyleLst>
-      <a:bgFillStyleLst>
-        <a:solidFill>
-          <a:schemeClr val="phClr"/>
-        </a:solidFill>
-        <a:gradFill rotWithShape="1">
-          <a:gsLst>
-            <a:gs pos="0">
-              <a:schemeClr val="phClr">
-                <a:tint val="40000"/>
-                <a:satMod val="350000"/>
-              </a:schemeClr>
-            </a:gs>
-            <a:gs pos="40000">
-              <a:schemeClr val="phClr">
-                <a:tint val="45000"/>
-                <a:shade val="99000"/>
-                <a:satMod val="350000"/>
-              </a:schemeClr>
-            </a:gs>
-            <a:gs pos="100000">
-              <a:schemeClr val="phClr">
-                <a:shade val="20000"/>
-                <a:satMod val="255000"/>
-              </a:schemeClr>
-            </a:gs>
-          </a:gsLst>
-          <a:path path="circle">
-            <a:fillToRect l="50000" t="-80000" r="50000" b="180000"/>
-          </a:path>
-        </a:gradFill>
-        <a:gradFill rotWithShape="1">
-          <a:gsLst>
-            <a:gs pos="0">
-              <a:schemeClr val="phClr">
-                <a:tint val="80000"/>
-                <a:satMod val="300000"/>
-              </a:schemeClr>
-            </a:gs>
-            <a:gs pos="100000">
-              <a:schemeClr val="phClr">
-                <a:shade val="30000"/>
-                <a:satMod val="200000"/>
-              </a:schemeClr>
-            </a:gs>
-          </a:gsLst>
-          <a:path path="circle">
-            <a:fillToRect l="50000" t="50000" r="50000" b="50000"/>
-          </a:path>
-        </a:gradFill>
-      </a:bgFillStyleLst>
-    </a:fmtScheme>
-  </a:themeElements>
-</a:theme>
 </file>
--- a/Day_2/Lectures/Day_2_Lecture_2_Data_Readiness_for_AI_ML_CheckList.pptx
+++ b/Day_2/Lectures/Day_2_Lecture_2_Data_Readiness_for_AI_ML_CheckList.pptx
@@ -31415,6 +31415,285 @@
 </file>
 
 <file path=ppt/theme/theme1.xml><?xml version="1.0" encoding="utf-8"?>
+<a:theme xmlns:a="http://schemas.openxmlformats.org/drawingml/2006/main" xmlns:r="http://schemas.openxmlformats.org/officeDocument/2006/relationships" name="Simple Light">
+  <a:themeElements>
+    <a:clrScheme name="Simple Light">
+      <a:dk1>
+        <a:srgbClr val="000000"/>
+      </a:dk1>
+      <a:lt1>
+        <a:srgbClr val="FFFFFF"/>
+      </a:lt1>
+      <a:dk2>
+        <a:srgbClr val="595959"/>
+      </a:dk2>
+      <a:lt2>
+        <a:srgbClr val="EEEEEE"/>
+      </a:lt2>
+      <a:accent1>
+        <a:srgbClr val="4285F4"/>
+      </a:accent1>
+      <a:accent2>
+        <a:srgbClr val="212121"/>
+      </a:accent2>
+      <a:accent3>
+        <a:srgbClr val="78909C"/>
+      </a:accent3>
+      <a:accent4>
+        <a:srgbClr val="FFAB40"/>
+      </a:accent4>
+      <a:accent5>
+        <a:srgbClr val="0097A7"/>
+      </a:accent5>
+      <a:accent6>
+        <a:srgbClr val="EEFF41"/>
+      </a:accent6>
+      <a:hlink>
+        <a:srgbClr val="0097A7"/>
+      </a:hlink>
+      <a:folHlink>
+        <a:srgbClr val="0097A7"/>
+      </a:folHlink>
+    </a:clrScheme>
+    <a:fontScheme name="Office">
+      <a:majorFont>
+        <a:latin typeface="Arial"/>
+        <a:ea typeface=""/>
+        <a:cs typeface=""/>
+        <a:font script="Jpan" typeface="ＭＳ Ｐゴシック"/>
+        <a:font script="Hang" typeface="맑은 고딕"/>
+        <a:font script="Hans" typeface="宋体"/>
+        <a:font script="Hant" typeface="新細明體"/>
+        <a:font script="Arab" typeface="Times New Roman"/>
+        <a:font script="Hebr" typeface="Times New Roman"/>
+        <a:font script="Thai" typeface="Angsana New"/>
+        <a:font script="Ethi" typeface="Nyala"/>
+        <a:font script="Beng" typeface="Vrinda"/>
+        <a:font script="Gujr" typeface="Shruti"/>
+        <a:font script="Khmr" typeface="MoolBoran"/>
+        <a:font script="Knda" typeface="Tunga"/>
+        <a:font script="Guru" typeface="Raavi"/>
+        <a:font script="Cans" typeface="Euphemia"/>
+        <a:font script="Cher" typeface="Plantagenet Cherokee"/>
+        <a:font script="Yiii" typeface="Microsoft Yi Baiti"/>
+        <a:font script="Tibt" typeface="Microsoft Himalaya"/>
+        <a:font script="Thaa" typeface="MV Boli"/>
+        <a:font script="Deva" typeface="Mangal"/>
+        <a:font script="Telu" typeface="Gautami"/>
+        <a:font script="Taml" typeface="Latha"/>
+        <a:font script="Syrc" typeface="Estrangelo Edessa"/>
+        <a:font script="Orya" typeface="Kalinga"/>
+        <a:font script="Mlym" typeface="Kartika"/>
+        <a:font script="Laoo" typeface="DokChampa"/>
+        <a:font script="Sinh" typeface="Iskoola Pota"/>
+        <a:font script="Mong" typeface="Mongolian Baiti"/>
+        <a:font script="Viet" typeface="Times New Roman"/>
+        <a:font script="Uigh" typeface="Microsoft Uighur"/>
+        <a:font script="Geor" typeface="Sylfaen"/>
+      </a:majorFont>
+      <a:minorFont>
+        <a:latin typeface="Arial"/>
+        <a:ea typeface=""/>
+        <a:cs typeface=""/>
+        <a:font script="Jpan" typeface="ＭＳ Ｐゴシック"/>
+        <a:font script="Hang" typeface="맑은 고딕"/>
+        <a:font script="Hans" typeface="宋体"/>
+        <a:font script="Hant" typeface="新細明體"/>
+        <a:font script="Arab" typeface="Arial"/>
+        <a:font script="Hebr" typeface="Arial"/>
+        <a:font script="Thai" typeface="Cordia New"/>
+        <a:font script="Ethi" typeface="Nyala"/>
+        <a:font script="Beng" typeface="Vrinda"/>
+        <a:font script="Gujr" typeface="Shruti"/>
+        <a:font script="Khmr" typeface="DaunPenh"/>
+        <a:font script="Knda" typeface="Tunga"/>
+        <a:font script="Guru" typeface="Raavi"/>
+        <a:font script="Cans" typeface="Euphemia"/>
+        <a:font script="Cher" typeface="Plantagenet Cherokee"/>
+        <a:font script="Yiii" typeface="Microsoft Yi Baiti"/>
+        <a:font script="Tibt" typeface="Microsoft Himalaya"/>
+        <a:font script="Thaa" typeface="MV Boli"/>
+        <a:font script="Deva" typeface="Mangal"/>
+        <a:font script="Telu" typeface="Gautami"/>
+        <a:font script="Taml" typeface="Latha"/>
+        <a:font script="Syrc" typeface="Estrangelo Edessa"/>
+        <a:font script="Orya" typeface="Kalinga"/>
+        <a:font script="Mlym" typeface="Kartika"/>
+        <a:font script="Laoo" typeface="DokChampa"/>
+        <a:font script="Sinh" typeface="Iskoola Pota"/>
+        <a:font script="Mong" typeface="Mongolian Baiti"/>
+        <a:font script="Viet" typeface="Arial"/>
+        <a:font script="Uigh" typeface="Microsoft Uighur"/>
+        <a:font script="Geor" typeface="Sylfaen"/>
+      </a:minorFont>
+    </a:fontScheme>
+    <a:fmtScheme name="Office">
+      <a:fillStyleLst>
+        <a:solidFill>
+          <a:schemeClr val="phClr"/>
+        </a:solidFill>
+        <a:gradFill rotWithShape="1">
+          <a:gsLst>
+            <a:gs pos="0">
+              <a:schemeClr val="phClr">
+                <a:tint val="50000"/>
+                <a:satMod val="300000"/>
+              </a:schemeClr>
+            </a:gs>
+            <a:gs pos="35000">
+              <a:schemeClr val="phClr">
+                <a:tint val="37000"/>
+                <a:satMod val="300000"/>
+              </a:schemeClr>
+            </a:gs>
+            <a:gs pos="100000">
+              <a:schemeClr val="phClr">
+                <a:tint val="15000"/>
+                <a:satMod val="350000"/>
+              </a:schemeClr>
+            </a:gs>
+          </a:gsLst>
+          <a:lin ang="16200000" scaled="1"/>
+        </a:gradFill>
+        <a:gradFill rotWithShape="1">
+          <a:gsLst>
+            <a:gs pos="0">
+              <a:schemeClr val="phClr">
+                <a:tint val="100000"/>
+                <a:shade val="100000"/>
+                <a:satMod val="130000"/>
+              </a:schemeClr>
+            </a:gs>
+            <a:gs pos="100000">
+              <a:schemeClr val="phClr">
+                <a:tint val="50000"/>
+                <a:shade val="100000"/>
+                <a:satMod val="350000"/>
+              </a:schemeClr>
+            </a:gs>
+          </a:gsLst>
+          <a:lin ang="16200000" scaled="0"/>
+        </a:gradFill>
+      </a:fillStyleLst>
+      <a:lnStyleLst>
+        <a:ln w="9525" cap="flat" cmpd="sng" algn="ctr">
+          <a:solidFill>
+            <a:schemeClr val="phClr">
+              <a:shade val="95000"/>
+              <a:satMod val="105000"/>
+            </a:schemeClr>
+          </a:solidFill>
+          <a:prstDash val="solid"/>
+        </a:ln>
+        <a:ln w="25400" cap="flat" cmpd="sng" algn="ctr">
+          <a:solidFill>
+            <a:schemeClr val="phClr"/>
+          </a:solidFill>
+          <a:prstDash val="solid"/>
+        </a:ln>
+        <a:ln w="38100" cap="flat" cmpd="sng" algn="ctr">
+          <a:solidFill>
+            <a:schemeClr val="phClr"/>
+          </a:solidFill>
+          <a:prstDash val="solid"/>
+        </a:ln>
+      </a:lnStyleLst>
+      <a:effectStyleLst>
+        <a:effectStyle>
+          <a:effectLst>
+            <a:outerShdw blurRad="40000" dist="20000" dir="5400000" rotWithShape="0">
+              <a:srgbClr val="000000">
+                <a:alpha val="38000"/>
+              </a:srgbClr>
+            </a:outerShdw>
+          </a:effectLst>
+        </a:effectStyle>
+        <a:effectStyle>
+          <a:effectLst>
+            <a:outerShdw blurRad="40000" dist="23000" dir="5400000" rotWithShape="0">
+              <a:srgbClr val="000000">
+                <a:alpha val="35000"/>
+              </a:srgbClr>
+            </a:outerShdw>
+          </a:effectLst>
+        </a:effectStyle>
+        <a:effectStyle>
+          <a:effectLst>
+            <a:outerShdw blurRad="40000" dist="23000" dir="5400000" rotWithShape="0">
+              <a:srgbClr val="000000">
+                <a:alpha val="35000"/>
+              </a:srgbClr>
+            </a:outerShdw>
+          </a:effectLst>
+          <a:scene3d>
+            <a:camera prst="orthographicFront">
+              <a:rot lat="0" lon="0" rev="0"/>
+            </a:camera>
+            <a:lightRig rig="threePt" dir="t">
+              <a:rot lat="0" lon="0" rev="1200000"/>
+            </a:lightRig>
+          </a:scene3d>
+          <a:sp3d>
+            <a:bevelT w="63500" h="25400"/>
+          </a:sp3d>
+        </a:effectStyle>
+      </a:effectStyleLst>
+      <a:bgFillStyleLst>
+        <a:solidFill>
+          <a:schemeClr val="phClr"/>
+        </a:solidFill>
+        <a:gradFill rotWithShape="1">
+          <a:gsLst>
+            <a:gs pos="0">
+              <a:schemeClr val="phClr">
+                <a:tint val="40000"/>
+                <a:satMod val="350000"/>
+              </a:schemeClr>
+            </a:gs>
+            <a:gs pos="40000">
+              <a:schemeClr val="phClr">
+                <a:tint val="45000"/>
+                <a:shade val="99000"/>
+                <a:satMod val="350000"/>
+              </a:schemeClr>
+            </a:gs>
+            <a:gs pos="100000">
+              <a:schemeClr val="phClr">
+                <a:shade val="20000"/>
+                <a:satMod val="255000"/>
+              </a:schemeClr>
+            </a:gs>
+          </a:gsLst>
+          <a:path path="circle">
+            <a:fillToRect l="50000" t="-80000" r="50000" b="180000"/>
+          </a:path>
+        </a:gradFill>
+        <a:gradFill rotWithShape="1">
+          <a:gsLst>
+            <a:gs pos="0">
+              <a:schemeClr val="phClr">
+                <a:tint val="80000"/>
+                <a:satMod val="300000"/>
+              </a:schemeClr>
+            </a:gs>
+            <a:gs pos="100000">
+              <a:schemeClr val="phClr">
+                <a:shade val="30000"/>
+                <a:satMod val="200000"/>
+              </a:schemeClr>
+            </a:gs>
+          </a:gsLst>
+          <a:path path="circle">
+            <a:fillToRect l="50000" t="50000" r="50000" b="50000"/>
+          </a:path>
+        </a:gradFill>
+      </a:bgFillStyleLst>
+    </a:fmtScheme>
+  </a:themeElements>
+</a:theme>
+</file>
+
+<file path=ppt/theme/theme2.xml><?xml version="1.0" encoding="utf-8"?>
 <a:theme xmlns:a="http://schemas.openxmlformats.org/drawingml/2006/main" xmlns:r="http://schemas.openxmlformats.org/officeDocument/2006/relationships" name="Geometric">
   <a:themeElements>
     <a:clrScheme name="Geometric">
@@ -31693,7 +31972,286 @@
 </a:theme>
 </file>
 
-<file path=ppt/theme/theme2.xml><?xml version="1.0" encoding="utf-8"?>
+<file path=ppt/theme/theme3.xml><?xml version="1.0" encoding="utf-8"?>
+<a:theme xmlns:a="http://schemas.openxmlformats.org/drawingml/2006/main" xmlns:r="http://schemas.openxmlformats.org/officeDocument/2006/relationships">
+  <a:themeElements>
+    <a:clrScheme name="Default">
+      <a:dk1>
+        <a:srgbClr val="000000"/>
+      </a:dk1>
+      <a:lt1>
+        <a:srgbClr val="FFFFFF"/>
+      </a:lt1>
+      <a:dk2>
+        <a:srgbClr val="158158"/>
+      </a:dk2>
+      <a:lt2>
+        <a:srgbClr val="F3F3F3"/>
+      </a:lt2>
+      <a:accent1>
+        <a:srgbClr val="058DC7"/>
+      </a:accent1>
+      <a:accent2>
+        <a:srgbClr val="50B432"/>
+      </a:accent2>
+      <a:accent3>
+        <a:srgbClr val="ED561B"/>
+      </a:accent3>
+      <a:accent4>
+        <a:srgbClr val="EDEF00"/>
+      </a:accent4>
+      <a:accent5>
+        <a:srgbClr val="24CBE5"/>
+      </a:accent5>
+      <a:accent6>
+        <a:srgbClr val="64E572"/>
+      </a:accent6>
+      <a:hlink>
+        <a:srgbClr val="2200CC"/>
+      </a:hlink>
+      <a:folHlink>
+        <a:srgbClr val="551A8B"/>
+      </a:folHlink>
+    </a:clrScheme>
+    <a:fontScheme name="Office">
+      <a:majorFont>
+        <a:latin typeface="Arial"/>
+        <a:ea typeface=""/>
+        <a:cs typeface=""/>
+        <a:font script="Jpan" typeface="ＭＳ Ｐゴシック"/>
+        <a:font script="Hang" typeface="맑은 고딕"/>
+        <a:font script="Hans" typeface="宋体"/>
+        <a:font script="Hant" typeface="新細明體"/>
+        <a:font script="Arab" typeface="Times New Roman"/>
+        <a:font script="Hebr" typeface="Times New Roman"/>
+        <a:font script="Thai" typeface="Angsana New"/>
+        <a:font script="Ethi" typeface="Nyala"/>
+        <a:font script="Beng" typeface="Vrinda"/>
+        <a:font script="Gujr" typeface="Shruti"/>
+        <a:font script="Khmr" typeface="MoolBoran"/>
+        <a:font script="Knda" typeface="Tunga"/>
+        <a:font script="Guru" typeface="Raavi"/>
+        <a:font script="Cans" typeface="Euphemia"/>
+        <a:font script="Cher" typeface="Plantagenet Cherokee"/>
+        <a:font script="Yiii" typeface="Microsoft Yi Baiti"/>
+        <a:font script="Tibt" typeface="Microsoft Himalaya"/>
+        <a:font script="Thaa" typeface="MV Boli"/>
+        <a:font script="Deva" typeface="Mangal"/>
+        <a:font script="Telu" typeface="Gautami"/>
+        <a:font script="Taml" typeface="Latha"/>
+        <a:font script="Syrc" typeface="Estrangelo Edessa"/>
+        <a:font script="Orya" typeface="Kalinga"/>
+        <a:font script="Mlym" typeface="Kartika"/>
+        <a:font script="Laoo" typeface="DokChampa"/>
+        <a:font script="Sinh" typeface="Iskoola Pota"/>
+        <a:font script="Mong" typeface="Mongolian Baiti"/>
+        <a:font script="Viet" typeface="Times New Roman"/>
+        <a:font script="Uigh" typeface="Microsoft Uighur"/>
+        <a:font script="Geor" typeface="Sylfaen"/>
+      </a:majorFont>
+      <a:minorFont>
+        <a:latin typeface="Arial"/>
+        <a:ea typeface=""/>
+        <a:cs typeface=""/>
+        <a:font script="Jpan" typeface="ＭＳ Ｐゴシック"/>
+        <a:font script="Hang" typeface="맑은 고딕"/>
+        <a:font script="Hans" typeface="宋体"/>
+        <a:font script="Hant" typeface="新細明體"/>
+        <a:font script="Arab" typeface="Arial"/>
+        <a:font script="Hebr" typeface="Arial"/>
+        <a:font script="Thai" typeface="Cordia New"/>
+        <a:font script="Ethi" typeface="Nyala"/>
+        <a:font script="Beng" typeface="Vrinda"/>
+        <a:font script="Gujr" typeface="Shruti"/>
+        <a:font script="Khmr" typeface="DaunPenh"/>
+        <a:font script="Knda" typeface="Tunga"/>
+        <a:font script="Guru" typeface="Raavi"/>
+        <a:font script="Cans" typeface="Euphemia"/>
+        <a:font script="Cher" typeface="Plantagenet Cherokee"/>
+        <a:font script="Yiii" typeface="Microsoft Yi Baiti"/>
+        <a:font script="Tibt" typeface="Microsoft Himalaya"/>
+        <a:font script="Thaa" typeface="MV Boli"/>
+        <a:font script="Deva" typeface="Mangal"/>
+        <a:font script="Telu" typeface="Gautami"/>
+        <a:font script="Taml" typeface="Latha"/>
+        <a:font script="Syrc" typeface="Estrangelo Edessa"/>
+        <a:font script="Orya" typeface="Kalinga"/>
+        <a:font script="Mlym" typeface="Kartika"/>
+        <a:font script="Laoo" typeface="DokChampa"/>
+        <a:font script="Sinh" typeface="Iskoola Pota"/>
+        <a:font script="Mong" typeface="Mongolian Baiti"/>
+        <a:font script="Viet" typeface="Arial"/>
+        <a:font script="Uigh" typeface="Microsoft Uighur"/>
+        <a:font script="Geor" typeface="Sylfaen"/>
+      </a:minorFont>
+    </a:fontScheme>
+    <a:fmtScheme name="Office">
+      <a:fillStyleLst>
+        <a:solidFill>
+          <a:schemeClr val="phClr"/>
+        </a:solidFill>
+        <a:gradFill rotWithShape="1">
+          <a:gsLst>
+            <a:gs pos="0">
+              <a:schemeClr val="phClr">
+                <a:tint val="50000"/>
+                <a:satMod val="300000"/>
+              </a:schemeClr>
+            </a:gs>
+            <a:gs pos="35000">
+              <a:schemeClr val="phClr">
+                <a:tint val="37000"/>
+                <a:satMod val="300000"/>
+              </a:schemeClr>
+            </a:gs>
+            <a:gs pos="100000">
+              <a:schemeClr val="phClr">
+                <a:tint val="15000"/>
+                <a:satMod val="350000"/>
+              </a:schemeClr>
+            </a:gs>
+          </a:gsLst>
+          <a:lin ang="16200000" scaled="1"/>
+        </a:gradFill>
+        <a:gradFill rotWithShape="1">
+          <a:gsLst>
+            <a:gs pos="0">
+              <a:schemeClr val="phClr">
+                <a:tint val="100000"/>
+                <a:shade val="100000"/>
+                <a:satMod val="130000"/>
+              </a:schemeClr>
+            </a:gs>
+            <a:gs pos="100000">
+              <a:schemeClr val="phClr">
+                <a:tint val="50000"/>
+                <a:shade val="100000"/>
+                <a:satMod val="350000"/>
+              </a:schemeClr>
+            </a:gs>
+          </a:gsLst>
+          <a:lin ang="16200000" scaled="0"/>
+        </a:gradFill>
+      </a:fillStyleLst>
+      <a:lnStyleLst>
+        <a:ln w="9525" cap="flat" cmpd="sng" algn="ctr">
+          <a:solidFill>
+            <a:schemeClr val="phClr">
+              <a:shade val="95000"/>
+              <a:satMod val="105000"/>
+            </a:schemeClr>
+          </a:solidFill>
+          <a:prstDash val="solid"/>
+        </a:ln>
+        <a:ln w="25400" cap="flat" cmpd="sng" algn="ctr">
+          <a:solidFill>
+            <a:schemeClr val="phClr"/>
+          </a:solidFill>
+          <a:prstDash val="solid"/>
+        </a:ln>
+        <a:ln w="38100" cap="flat" cmpd="sng" algn="ctr">
+          <a:solidFill>
+            <a:schemeClr val="phClr"/>
+          </a:solidFill>
+          <a:prstDash val="solid"/>
+        </a:ln>
+      </a:lnStyleLst>
+      <a:effectStyleLst>
+        <a:effectStyle>
+          <a:effectLst>
+            <a:outerShdw blurRad="40000" dist="20000" dir="5400000" rotWithShape="0">
+              <a:srgbClr val="000000">
+                <a:alpha val="38000"/>
+              </a:srgbClr>
+            </a:outerShdw>
+          </a:effectLst>
+        </a:effectStyle>
+        <a:effectStyle>
+          <a:effectLst>
+            <a:outerShdw blurRad="40000" dist="23000" dir="5400000" rotWithShape="0">
+              <a:srgbClr val="000000">
+                <a:alpha val="35000"/>
+              </a:srgbClr>
+            </a:outerShdw>
+          </a:effectLst>
+        </a:effectStyle>
+        <a:effectStyle>
+          <a:effectLst>
+            <a:outerShdw blurRad="40000" dist="23000" dir="5400000" rotWithShape="0">
+              <a:srgbClr val="000000">
+                <a:alpha val="35000"/>
+              </a:srgbClr>
+            </a:outerShdw>
+          </a:effectLst>
+          <a:scene3d>
+            <a:camera prst="orthographicFront">
+              <a:rot lat="0" lon="0" rev="0"/>
+            </a:camera>
+            <a:lightRig rig="threePt" dir="t">
+              <a:rot lat="0" lon="0" rev="1200000"/>
+            </a:lightRig>
+          </a:scene3d>
+          <a:sp3d>
+            <a:bevelT w="63500" h="25400"/>
+          </a:sp3d>
+        </a:effectStyle>
+      </a:effectStyleLst>
+      <a:bgFillStyleLst>
+        <a:solidFill>
+          <a:schemeClr val="phClr"/>
+        </a:solidFill>
+        <a:gradFill rotWithShape="1">
+          <a:gsLst>
+            <a:gs pos="0">
+              <a:schemeClr val="phClr">
+                <a:tint val="40000"/>
+                <a:satMod val="350000"/>
+              </a:schemeClr>
+            </a:gs>
+            <a:gs pos="40000">
+              <a:schemeClr val="phClr">
+                <a:tint val="45000"/>
+                <a:shade val="99000"/>
+                <a:satMod val="350000"/>
+              </a:schemeClr>
+            </a:gs>
+            <a:gs pos="100000">
+              <a:schemeClr val="phClr">
+                <a:shade val="20000"/>
+                <a:satMod val="255000"/>
+              </a:schemeClr>
+            </a:gs>
+          </a:gsLst>
+          <a:path path="circle">
+            <a:fillToRect l="50000" t="-80000" r="50000" b="180000"/>
+          </a:path>
+        </a:gradFill>
+        <a:gradFill rotWithShape="1">
+          <a:gsLst>
+            <a:gs pos="0">
+              <a:schemeClr val="phClr">
+                <a:tint val="80000"/>
+                <a:satMod val="300000"/>
+              </a:schemeClr>
+            </a:gs>
+            <a:gs pos="100000">
+              <a:schemeClr val="phClr">
+                <a:shade val="30000"/>
+                <a:satMod val="200000"/>
+              </a:schemeClr>
+            </a:gs>
+          </a:gsLst>
+          <a:path path="circle">
+            <a:fillToRect l="50000" t="50000" r="50000" b="50000"/>
+          </a:path>
+        </a:gradFill>
+      </a:bgFillStyleLst>
+    </a:fmtScheme>
+  </a:themeElements>
+</a:theme>
+</file>
+
+<file path=ppt/theme/theme4.xml><?xml version="1.0" encoding="utf-8"?>
 <a:theme xmlns:a="http://schemas.openxmlformats.org/drawingml/2006/main" xmlns:r="http://schemas.openxmlformats.org/officeDocument/2006/relationships" name="Simple Light">
   <a:themeElements>
     <a:clrScheme name="Simple Light">
@@ -31970,562 +32528,4 @@
     </a:fmtScheme>
   </a:themeElements>
 </a:theme>
-</file>
-
-<file path=ppt/theme/theme3.xml><?xml version="1.0" encoding="utf-8"?>
-<a:theme xmlns:a="http://schemas.openxmlformats.org/drawingml/2006/main" xmlns:r="http://schemas.openxmlformats.org/officeDocument/2006/relationships" name="Simple Light">
-  <a:themeElements>
-    <a:clrScheme name="Simple Light">
-      <a:dk1>
-        <a:srgbClr val="000000"/>
-      </a:dk1>
-      <a:lt1>
-        <a:srgbClr val="FFFFFF"/>
-      </a:lt1>
-      <a:dk2>
-        <a:srgbClr val="595959"/>
-      </a:dk2>
-      <a:lt2>
-        <a:srgbClr val="EEEEEE"/>
-      </a:lt2>
-      <a:accent1>
-        <a:srgbClr val="4285F4"/>
-      </a:accent1>
-      <a:accent2>
-        <a:srgbClr val="212121"/>
-      </a:accent2>
-      <a:accent3>
-        <a:srgbClr val="78909C"/>
-      </a:accent3>
-      <a:accent4>
-        <a:srgbClr val="FFAB40"/>
-      </a:accent4>
-      <a:accent5>
-        <a:srgbClr val="0097A7"/>
-      </a:accent5>
-      <a:accent6>
-        <a:srgbClr val="EEFF41"/>
-      </a:accent6>
-      <a:hlink>
-        <a:srgbClr val="0097A7"/>
-      </a:hlink>
-      <a:folHlink>
-        <a:srgbClr val="0097A7"/>
-      </a:folHlink>
-    </a:clrScheme>
-    <a:fontScheme name="Office">
-      <a:majorFont>
-        <a:latin typeface="Arial"/>
-        <a:ea typeface=""/>
-        <a:cs typeface=""/>
-        <a:font script="Jpan" typeface="ＭＳ Ｐゴシック"/>
-        <a:font script="Hang" typeface="맑은 고딕"/>
-        <a:font script="Hans" typeface="宋体"/>
-        <a:font script="Hant" typeface="新細明體"/>
-        <a:font script="Arab" typeface="Times New Roman"/>
-        <a:font script="Hebr" typeface="Times New Roman"/>
-        <a:font script="Thai" typeface="Angsana New"/>
-        <a:font script="Ethi" typeface="Nyala"/>
-        <a:font script="Beng" typeface="Vrinda"/>
-        <a:font script="Gujr" typeface="Shruti"/>
-        <a:font script="Khmr" typeface="MoolBoran"/>
-        <a:font script="Knda" typeface="Tunga"/>
-        <a:font script="Guru" typeface="Raavi"/>
-        <a:font script="Cans" typeface="Euphemia"/>
-        <a:font script="Cher" typeface="Plantagenet Cherokee"/>
-        <a:font script="Yiii" typeface="Microsoft Yi Baiti"/>
-        <a:font script="Tibt" typeface="Microsoft Himalaya"/>
-        <a:font script="Thaa" typeface="MV Boli"/>
-        <a:font script="Deva" typeface="Mangal"/>
-        <a:font script="Telu" typeface="Gautami"/>
-        <a:font script="Taml" typeface="Latha"/>
-        <a:font script="Syrc" typeface="Estrangelo Edessa"/>
-        <a:font script="Orya" typeface="Kalinga"/>
-        <a:font script="Mlym" typeface="Kartika"/>
-        <a:font script="Laoo" typeface="DokChampa"/>
-        <a:font script="Sinh" typeface="Iskoola Pota"/>
-        <a:font script="Mong" typeface="Mongolian Baiti"/>
-        <a:font script="Viet" typeface="Times New Roman"/>
-        <a:font script="Uigh" typeface="Microsoft Uighur"/>
-        <a:font script="Geor" typeface="Sylfaen"/>
-      </a:majorFont>
-      <a:minorFont>
-        <a:latin typeface="Arial"/>
-        <a:ea typeface=""/>
-        <a:cs typeface=""/>
-        <a:font script="Jpan" typeface="ＭＳ Ｐゴシック"/>
-        <a:font script="Hang" typeface="맑은 고딕"/>
-        <a:font script="Hans" typeface="宋体"/>
-        <a:font script="Hant" typeface="新細明體"/>
-        <a:font script="Arab" typeface="Arial"/>
-        <a:font script="Hebr" typeface="Arial"/>
-        <a:font script="Thai" typeface="Cordia New"/>
-        <a:font script="Ethi" typeface="Nyala"/>
-        <a:font script="Beng" typeface="Vrinda"/>
-        <a:font script="Gujr" typeface="Shruti"/>
-        <a:font script="Khmr" typeface="DaunPenh"/>
-        <a:font script="Knda" typeface="Tunga"/>
-        <a:font script="Guru" typeface="Raavi"/>
-        <a:font script="Cans" typeface="Euphemia"/>
-        <a:font script="Cher" typeface="Plantagenet Cherokee"/>
-        <a:font script="Yiii" typeface="Microsoft Yi Baiti"/>
-        <a:font script="Tibt" typeface="Microsoft Himalaya"/>
-        <a:font script="Thaa" typeface="MV Boli"/>
-        <a:font script="Deva" typeface="Mangal"/>
-        <a:font script="Telu" typeface="Gautami"/>
-        <a:font script="Taml" typeface="Latha"/>
-        <a:font script="Syrc" typeface="Estrangelo Edessa"/>
-        <a:font script="Orya" typeface="Kalinga"/>
-        <a:font script="Mlym" typeface="Kartika"/>
-        <a:font script="Laoo" typeface="DokChampa"/>
-        <a:font script="Sinh" typeface="Iskoola Pota"/>
-        <a:font script="Mong" typeface="Mongolian Baiti"/>
-        <a:font script="Viet" typeface="Arial"/>
-        <a:font script="Uigh" typeface="Microsoft Uighur"/>
-        <a:font script="Geor" typeface="Sylfaen"/>
-      </a:minorFont>
-    </a:fontScheme>
-    <a:fmtScheme name="Office">
-      <a:fillStyleLst>
-        <a:solidFill>
-          <a:schemeClr val="phClr"/>
-        </a:solidFill>
-        <a:gradFill rotWithShape="1">
-          <a:gsLst>
-            <a:gs pos="0">
-              <a:schemeClr val="phClr">
-                <a:tint val="50000"/>
-                <a:satMod val="300000"/>
-              </a:schemeClr>
-            </a:gs>
-            <a:gs pos="35000">
-              <a:schemeClr val="phClr">
-                <a:tint val="37000"/>
-                <a:satMod val="300000"/>
-              </a:schemeClr>
-            </a:gs>
-            <a:gs pos="100000">
-              <a:schemeClr val="phClr">
-                <a:tint val="15000"/>
-                <a:satMod val="350000"/>
-              </a:schemeClr>
-            </a:gs>
-          </a:gsLst>
-          <a:lin ang="16200000" scaled="1"/>
-        </a:gradFill>
-        <a:gradFill rotWithShape="1">
-          <a:gsLst>
-            <a:gs pos="0">
-              <a:schemeClr val="phClr">
-                <a:tint val="100000"/>
-                <a:shade val="100000"/>
-                <a:satMod val="130000"/>
-              </a:schemeClr>
-            </a:gs>
-            <a:gs pos="100000">
-              <a:schemeClr val="phClr">
-                <a:tint val="50000"/>
-                <a:shade val="100000"/>
-                <a:satMod val="350000"/>
-              </a:schemeClr>
-            </a:gs>
-          </a:gsLst>
-          <a:lin ang="16200000" scaled="0"/>
-        </a:gradFill>
-      </a:fillStyleLst>
-      <a:lnStyleLst>
-        <a:ln w="9525" cap="flat" cmpd="sng" algn="ctr">
-          <a:solidFill>
-            <a:schemeClr val="phClr">
-              <a:shade val="95000"/>
-              <a:satMod val="105000"/>
-            </a:schemeClr>
-          </a:solidFill>
-          <a:prstDash val="solid"/>
-        </a:ln>
-        <a:ln w="25400" cap="flat" cmpd="sng" algn="ctr">
-          <a:solidFill>
-            <a:schemeClr val="phClr"/>
-          </a:solidFill>
-          <a:prstDash val="solid"/>
-        </a:ln>
-        <a:ln w="38100" cap="flat" cmpd="sng" algn="ctr">
-          <a:solidFill>
-            <a:schemeClr val="phClr"/>
-          </a:solidFill>
-          <a:prstDash val="solid"/>
-        </a:ln>
-      </a:lnStyleLst>
-      <a:effectStyleLst>
-        <a:effectStyle>
-          <a:effectLst>
-            <a:outerShdw blurRad="40000" dist="20000" dir="5400000" rotWithShape="0">
-              <a:srgbClr val="000000">
-                <a:alpha val="38000"/>
-              </a:srgbClr>
-            </a:outerShdw>
-          </a:effectLst>
-        </a:effectStyle>
-        <a:effectStyle>
-          <a:effectLst>
-            <a:outerShdw blurRad="40000" dist="23000" dir="5400000" rotWithShape="0">
-              <a:srgbClr val="000000">
-                <a:alpha val="35000"/>
-              </a:srgbClr>
-            </a:outerShdw>
-          </a:effectLst>
-        </a:effectStyle>
-        <a:effectStyle>
-          <a:effectLst>
-            <a:outerShdw blurRad="40000" dist="23000" dir="5400000" rotWithShape="0">
-              <a:srgbClr val="000000">
-                <a:alpha val="35000"/>
-              </a:srgbClr>
-            </a:outerShdw>
-          </a:effectLst>
-          <a:scene3d>
-            <a:camera prst="orthographicFront">
-              <a:rot lat="0" lon="0" rev="0"/>
-            </a:camera>
-            <a:lightRig rig="threePt" dir="t">
-              <a:rot lat="0" lon="0" rev="1200000"/>
-            </a:lightRig>
-          </a:scene3d>
-          <a:sp3d>
-            <a:bevelT w="63500" h="25400"/>
-          </a:sp3d>
-        </a:effectStyle>
-      </a:effectStyleLst>
-      <a:bgFillStyleLst>
-        <a:solidFill>
-          <a:schemeClr val="phClr"/>
-        </a:solidFill>
-        <a:gradFill rotWithShape="1">
-          <a:gsLst>
-            <a:gs pos="0">
-              <a:schemeClr val="phClr">
-                <a:tint val="40000"/>
-                <a:satMod val="350000"/>
-              </a:schemeClr>
-            </a:gs>
-            <a:gs pos="40000">
-              <a:schemeClr val="phClr">
-                <a:tint val="45000"/>
-                <a:shade val="99000"/>
-                <a:satMod val="350000"/>
-              </a:schemeClr>
-            </a:gs>
-            <a:gs pos="100000">
-              <a:schemeClr val="phClr">
-                <a:shade val="20000"/>
-                <a:satMod val="255000"/>
-              </a:schemeClr>
-            </a:gs>
-          </a:gsLst>
-          <a:path path="circle">
-            <a:fillToRect l="50000" t="-80000" r="50000" b="180000"/>
-          </a:path>
-        </a:gradFill>
-        <a:gradFill rotWithShape="1">
-          <a:gsLst>
-            <a:gs pos="0">
-              <a:schemeClr val="phClr">
-                <a:tint val="80000"/>
-                <a:satMod val="300000"/>
-              </a:schemeClr>
-            </a:gs>
-            <a:gs pos="100000">
-              <a:schemeClr val="phClr">
-                <a:shade val="30000"/>
-                <a:satMod val="200000"/>
-              </a:schemeClr>
-            </a:gs>
-          </a:gsLst>
-          <a:path path="circle">
-            <a:fillToRect l="50000" t="50000" r="50000" b="50000"/>
-          </a:path>
-        </a:gradFill>
-      </a:bgFillStyleLst>
-    </a:fmtScheme>
-  </a:themeElements>
-</a:theme>
-</file>
-
-<file path=ppt/theme/theme4.xml><?xml version="1.0" encoding="utf-8"?>
-<a:theme xmlns:a="http://schemas.openxmlformats.org/drawingml/2006/main" xmlns:r="http://schemas.openxmlformats.org/officeDocument/2006/relationships">
-  <a:themeElements>
-    <a:clrScheme name="Default">
-      <a:dk1>
-        <a:srgbClr val="000000"/>
-      </a:dk1>
-      <a:lt1>
-        <a:srgbClr val="FFFFFF"/>
-      </a:lt1>
-      <a:dk2>
-        <a:srgbClr val="158158"/>
-      </a:dk2>
-      <a:lt2>
-        <a:srgbClr val="F3F3F3"/>
-      </a:lt2>
-      <a:accent1>
-        <a:srgbClr val="058DC7"/>
-      </a:accent1>
-      <a:accent2>
-        <a:srgbClr val="50B432"/>
-      </a:accent2>
-      <a:accent3>
-        <a:srgbClr val="ED561B"/>
-      </a:accent3>
-      <a:accent4>
-        <a:srgbClr val="EDEF00"/>
-      </a:accent4>
-      <a:accent5>
-        <a:srgbClr val="24CBE5"/>
-      </a:accent5>
-      <a:accent6>
-        <a:srgbClr val="64E572"/>
-      </a:accent6>
-      <a:hlink>
-        <a:srgbClr val="2200CC"/>
-      </a:hlink>
-      <a:folHlink>
-        <a:srgbClr val="551A8B"/>
-      </a:folHlink>
-    </a:clrScheme>
-    <a:fontScheme name="Office">
-      <a:majorFont>
-        <a:latin typeface="Arial"/>
-        <a:ea typeface=""/>
-        <a:cs typeface=""/>
-        <a:font script="Jpan" typeface="ＭＳ Ｐゴシック"/>
-        <a:font script="Hang" typeface="맑은 고딕"/>
-        <a:font script="Hans" typeface="宋体"/>
-        <a:font script="Hant" typeface="新細明體"/>
-        <a:font script="Arab" typeface="Times New Roman"/>
-        <a:font script="Hebr" typeface="Times New Roman"/>
-        <a:font script="Thai" typeface="Angsana New"/>
-        <a:font script="Ethi" typeface="Nyala"/>
-        <a:font script="Beng" typeface="Vrinda"/>
-        <a:font script="Gujr" typeface="Shruti"/>
-        <a:font script="Khmr" typeface="MoolBoran"/>
-        <a:font script="Knda" typeface="Tunga"/>
-        <a:font script="Guru" typeface="Raavi"/>
-        <a:font script="Cans" typeface="Euphemia"/>
-        <a:font script="Cher" typeface="Plantagenet Cherokee"/>
-        <a:font script="Yiii" typeface="Microsoft Yi Baiti"/>
-        <a:font script="Tibt" typeface="Microsoft Himalaya"/>
-        <a:font script="Thaa" typeface="MV Boli"/>
-        <a:font script="Deva" typeface="Mangal"/>
-        <a:font script="Telu" typeface="Gautami"/>
-        <a:font script="Taml" typeface="Latha"/>
-        <a:font script="Syrc" typeface="Estrangelo Edessa"/>
-        <a:font script="Orya" typeface="Kalinga"/>
-        <a:font script="Mlym" typeface="Kartika"/>
-        <a:font script="Laoo" typeface="DokChampa"/>
-        <a:font script="Sinh" typeface="Iskoola Pota"/>
-        <a:font script="Mong" typeface="Mongolian Baiti"/>
-        <a:font script="Viet" typeface="Times New Roman"/>
-        <a:font script="Uigh" typeface="Microsoft Uighur"/>
-        <a:font script="Geor" typeface="Sylfaen"/>
-      </a:majorFont>
-      <a:minorFont>
-        <a:latin typeface="Arial"/>
-        <a:ea typeface=""/>
-        <a:cs typeface=""/>
-        <a:font script="Jpan" typeface="ＭＳ Ｐゴシック"/>
-        <a:font script="Hang" typeface="맑은 고딕"/>
-        <a:font script="Hans" typeface="宋体"/>
-        <a:font script="Hant" typeface="新細明體"/>
-        <a:font script="Arab" typeface="Arial"/>
-        <a:font script="Hebr" typeface="Arial"/>
-        <a:font script="Thai" typeface="Cordia New"/>
-        <a:font script="Ethi" typeface="Nyala"/>
-        <a:font script="Beng" typeface="Vrinda"/>
-        <a:font script="Gujr" typeface="Shruti"/>
-        <a:font script="Khmr" typeface="DaunPenh"/>
-        <a:font script="Knda" typeface="Tunga"/>
-        <a:font script="Guru" typeface="Raavi"/>
-        <a:font script="Cans" typeface="Euphemia"/>
-        <a:font script="Cher" typeface="Plantagenet Cherokee"/>
-        <a:font script="Yiii" typeface="Microsoft Yi Baiti"/>
-        <a:font script="Tibt" typeface="Microsoft Himalaya"/>
-        <a:font script="Thaa" typeface="MV Boli"/>
-        <a:font script="Deva" typeface="Mangal"/>
-        <a:font script="Telu" typeface="Gautami"/>
-        <a:font script="Taml" typeface="Latha"/>
-        <a:font script="Syrc" typeface="Estrangelo Edessa"/>
-        <a:font script="Orya" typeface="Kalinga"/>
-        <a:font script="Mlym" typeface="Kartika"/>
-        <a:font script="Laoo" typeface="DokChampa"/>
-        <a:font script="Sinh" typeface="Iskoola Pota"/>
-        <a:font script="Mong" typeface="Mongolian Baiti"/>
-        <a:font script="Viet" typeface="Arial"/>
-        <a:font script="Uigh" typeface="Microsoft Uighur"/>
-        <a:font script="Geor" typeface="Sylfaen"/>
-      </a:minorFont>
-    </a:fontScheme>
-    <a:fmtScheme name="Office">
-      <a:fillStyleLst>
-        <a:solidFill>
-          <a:schemeClr val="phClr"/>
-        </a:solidFill>
-        <a:gradFill rotWithShape="1">
-          <a:gsLst>
-            <a:gs pos="0">
-              <a:schemeClr val="phClr">
-                <a:tint val="50000"/>
-                <a:satMod val="300000"/>
-              </a:schemeClr>
-            </a:gs>
-            <a:gs pos="35000">
-              <a:schemeClr val="phClr">
-                <a:tint val="37000"/>
-                <a:satMod val="300000"/>
-              </a:schemeClr>
-            </a:gs>
-            <a:gs pos="100000">
-              <a:schemeClr val="phClr">
-                <a:tint val="15000"/>
-                <a:satMod val="350000"/>
-              </a:schemeClr>
-            </a:gs>
-          </a:gsLst>
-          <a:lin ang="16200000" scaled="1"/>
-        </a:gradFill>
-        <a:gradFill rotWithShape="1">
-          <a:gsLst>
-            <a:gs pos="0">
-              <a:schemeClr val="phClr">
-                <a:tint val="100000"/>
-                <a:shade val="100000"/>
-                <a:satMod val="130000"/>
-              </a:schemeClr>
-            </a:gs>
-            <a:gs pos="100000">
-              <a:schemeClr val="phClr">
-                <a:tint val="50000"/>
-                <a:shade val="100000"/>
-                <a:satMod val="350000"/>
-              </a:schemeClr>
-            </a:gs>
-          </a:gsLst>
-          <a:lin ang="16200000" scaled="0"/>
-        </a:gradFill>
-      </a:fillStyleLst>
-      <a:lnStyleLst>
-        <a:ln w="9525" cap="flat" cmpd="sng" algn="ctr">
-          <a:solidFill>
-            <a:schemeClr val="phClr">
-              <a:shade val="95000"/>
-              <a:satMod val="105000"/>
-            </a:schemeClr>
-          </a:solidFill>
-          <a:prstDash val="solid"/>
-        </a:ln>
-        <a:ln w="25400" cap="flat" cmpd="sng" algn="ctr">
-          <a:solidFill>
-            <a:schemeClr val="phClr"/>
-          </a:solidFill>
-          <a:prstDash val="solid"/>
-        </a:ln>
-        <a:ln w="38100" cap="flat" cmpd="sng" algn="ctr">
-          <a:solidFill>
-            <a:schemeClr val="phClr"/>
-          </a:solidFill>
-          <a:prstDash val="solid"/>
-        </a:ln>
-      </a:lnStyleLst>
-      <a:effectStyleLst>
-        <a:effectStyle>
-          <a:effectLst>
-            <a:outerShdw blurRad="40000" dist="20000" dir="5400000" rotWithShape="0">
-              <a:srgbClr val="000000">
-                <a:alpha val="38000"/>
-              </a:srgbClr>
-            </a:outerShdw>
-          </a:effectLst>
-        </a:effectStyle>
-        <a:effectStyle>
-          <a:effectLst>
-            <a:outerShdw blurRad="40000" dist="23000" dir="5400000" rotWithShape="0">
-              <a:srgbClr val="000000">
-                <a:alpha val="35000"/>
-              </a:srgbClr>
-            </a:outerShdw>
-          </a:effectLst>
-        </a:effectStyle>
-        <a:effectStyle>
-          <a:effectLst>
-            <a:outerShdw blurRad="40000" dist="23000" dir="5400000" rotWithShape="0">
-              <a:srgbClr val="000000">
-                <a:alpha val="35000"/>
-              </a:srgbClr>
-            </a:outerShdw>
-          </a:effectLst>
-          <a:scene3d>
-            <a:camera prst="orthographicFront">
-              <a:rot lat="0" lon="0" rev="0"/>
-            </a:camera>
-            <a:lightRig rig="threePt" dir="t">
-              <a:rot lat="0" lon="0" rev="1200000"/>
-            </a:lightRig>
-          </a:scene3d>
-          <a:sp3d>
-            <a:bevelT w="63500" h="25400"/>
-          </a:sp3d>
-        </a:effectStyle>
-      </a:effectStyleLst>
-      <a:bgFillStyleLst>
-        <a:solidFill>
-          <a:schemeClr val="phClr"/>
-        </a:solidFill>
-        <a:gradFill rotWithShape="1">
-          <a:gsLst>
-            <a:gs pos="0">
-              <a:schemeClr val="phClr">
-                <a:tint val="40000"/>
-                <a:satMod val="350000"/>
-              </a:schemeClr>
-            </a:gs>
-            <a:gs pos="40000">
-              <a:schemeClr val="phClr">
-                <a:tint val="45000"/>
-                <a:shade val="99000"/>
-                <a:satMod val="350000"/>
-              </a:schemeClr>
-            </a:gs>
-            <a:gs pos="100000">
-              <a:schemeClr val="phClr">
-                <a:shade val="20000"/>
-                <a:satMod val="255000"/>
-              </a:schemeClr>
-            </a:gs>
-          </a:gsLst>
-          <a:path path="circle">
-            <a:fillToRect l="50000" t="-80000" r="50000" b="180000"/>
-          </a:path>
-        </a:gradFill>
-        <a:gradFill rotWithShape="1">
-          <a:gsLst>
-            <a:gs pos="0">
-              <a:schemeClr val="phClr">
-                <a:tint val="80000"/>
-                <a:satMod val="300000"/>
-              </a:schemeClr>
-            </a:gs>
-            <a:gs pos="100000">
-              <a:schemeClr val="phClr">
-                <a:shade val="30000"/>
-                <a:satMod val="200000"/>
-              </a:schemeClr>
-            </a:gs>
-          </a:gsLst>
-          <a:path path="circle">
-            <a:fillToRect l="50000" t="50000" r="50000" b="50000"/>
-          </a:path>
-        </a:gradFill>
-      </a:bgFillStyleLst>
-    </a:fmtScheme>
-  </a:themeElements>
-</a:theme>
 </file>
--- a/Day_2/Lectures/Day_2_Lecture_2_Data_Readiness_for_AI_ML_CheckList.pptx
+++ b/Day_2/Lectures/Day_2_Lecture_2_Data_Readiness_for_AI_ML_CheckList.pptx
@@ -31352,7 +31352,7 @@
             </a:pPr>
             <a:r>
               <a:rPr lang="en" sz="1600"/>
-              <a:t>Treat noise similarly to errors. Identify and remove as much as possible. </a:t>
+              <a:t>Treat noise similarly to errors. Identify and remove them as much as possible. </a:t>
             </a:r>
             <a:endParaRPr sz="1600"/>
           </a:p>
@@ -31694,285 +31694,6 @@
 </file>
 
 <file path=ppt/theme/theme2.xml><?xml version="1.0" encoding="utf-8"?>
-<a:theme xmlns:a="http://schemas.openxmlformats.org/drawingml/2006/main" xmlns:r="http://schemas.openxmlformats.org/officeDocument/2006/relationships" name="Geometric">
-  <a:themeElements>
-    <a:clrScheme name="Geometric">
-      <a:dk1>
-        <a:srgbClr val="2A3990"/>
-      </a:dk1>
-      <a:lt1>
-        <a:srgbClr val="FFFFFF"/>
-      </a:lt1>
-      <a:dk2>
-        <a:srgbClr val="434343"/>
-      </a:dk2>
-      <a:lt2>
-        <a:srgbClr val="999999"/>
-      </a:lt2>
-      <a:accent1>
-        <a:srgbClr val="212D74"/>
-      </a:accent1>
-      <a:accent2>
-        <a:srgbClr val="3949AB"/>
-      </a:accent2>
-      <a:accent3>
-        <a:srgbClr val="9C254D"/>
-      </a:accent3>
-      <a:accent4>
-        <a:srgbClr val="D23369"/>
-      </a:accent4>
-      <a:accent5>
-        <a:srgbClr val="F06292"/>
-      </a:accent5>
-      <a:accent6>
-        <a:srgbClr val="7890CD"/>
-      </a:accent6>
-      <a:hlink>
-        <a:srgbClr val="F06292"/>
-      </a:hlink>
-      <a:folHlink>
-        <a:srgbClr val="F06292"/>
-      </a:folHlink>
-    </a:clrScheme>
-    <a:fontScheme name="Office">
-      <a:majorFont>
-        <a:latin typeface="Arial"/>
-        <a:ea typeface=""/>
-        <a:cs typeface=""/>
-        <a:font script="Jpan" typeface="ＭＳ Ｐゴシック"/>
-        <a:font script="Hang" typeface="맑은 고딕"/>
-        <a:font script="Hans" typeface="宋体"/>
-        <a:font script="Hant" typeface="新細明體"/>
-        <a:font script="Arab" typeface="Times New Roman"/>
-        <a:font script="Hebr" typeface="Times New Roman"/>
-        <a:font script="Thai" typeface="Angsana New"/>
-        <a:font script="Ethi" typeface="Nyala"/>
-        <a:font script="Beng" typeface="Vrinda"/>
-        <a:font script="Gujr" typeface="Shruti"/>
-        <a:font script="Khmr" typeface="MoolBoran"/>
-        <a:font script="Knda" typeface="Tunga"/>
-        <a:font script="Guru" typeface="Raavi"/>
-        <a:font script="Cans" typeface="Euphemia"/>
-        <a:font script="Cher" typeface="Plantagenet Cherokee"/>
-        <a:font script="Yiii" typeface="Microsoft Yi Baiti"/>
-        <a:font script="Tibt" typeface="Microsoft Himalaya"/>
-        <a:font script="Thaa" typeface="MV Boli"/>
-        <a:font script="Deva" typeface="Mangal"/>
-        <a:font script="Telu" typeface="Gautami"/>
-        <a:font script="Taml" typeface="Latha"/>
-        <a:font script="Syrc" typeface="Estrangelo Edessa"/>
-        <a:font script="Orya" typeface="Kalinga"/>
-        <a:font script="Mlym" typeface="Kartika"/>
-        <a:font script="Laoo" typeface="DokChampa"/>
-        <a:font script="Sinh" typeface="Iskoola Pota"/>
-        <a:font script="Mong" typeface="Mongolian Baiti"/>
-        <a:font script="Viet" typeface="Times New Roman"/>
-        <a:font script="Uigh" typeface="Microsoft Uighur"/>
-        <a:font script="Geor" typeface="Sylfaen"/>
-      </a:majorFont>
-      <a:minorFont>
-        <a:latin typeface="Arial"/>
-        <a:ea typeface=""/>
-        <a:cs typeface=""/>
-        <a:font script="Jpan" typeface="ＭＳ Ｐゴシック"/>
-        <a:font script="Hang" typeface="맑은 고딕"/>
-        <a:font script="Hans" typeface="宋体"/>
-        <a:font script="Hant" typeface="新細明體"/>
-        <a:font script="Arab" typeface="Arial"/>
-        <a:font script="Hebr" typeface="Arial"/>
-        <a:font script="Thai" typeface="Cordia New"/>
-        <a:font script="Ethi" typeface="Nyala"/>
-        <a:font script="Beng" typeface="Vrinda"/>
-        <a:font script="Gujr" typeface="Shruti"/>
-        <a:font script="Khmr" typeface="DaunPenh"/>
-        <a:font script="Knda" typeface="Tunga"/>
-        <a:font script="Guru" typeface="Raavi"/>
-        <a:font script="Cans" typeface="Euphemia"/>
-        <a:font script="Cher" typeface="Plantagenet Cherokee"/>
-        <a:font script="Yiii" typeface="Microsoft Yi Baiti"/>
-        <a:font script="Tibt" typeface="Microsoft Himalaya"/>
-        <a:font script="Thaa" typeface="MV Boli"/>
-        <a:font script="Deva" typeface="Mangal"/>
-        <a:font script="Telu" typeface="Gautami"/>
-        <a:font script="Taml" typeface="Latha"/>
-        <a:font script="Syrc" typeface="Estrangelo Edessa"/>
-        <a:font script="Orya" typeface="Kalinga"/>
-        <a:font script="Mlym" typeface="Kartika"/>
-        <a:font script="Laoo" typeface="DokChampa"/>
-        <a:font script="Sinh" typeface="Iskoola Pota"/>
-        <a:font script="Mong" typeface="Mongolian Baiti"/>
-        <a:font script="Viet" typeface="Arial"/>
-        <a:font script="Uigh" typeface="Microsoft Uighur"/>
-        <a:font script="Geor" typeface="Sylfaen"/>
-      </a:minorFont>
-    </a:fontScheme>
-    <a:fmtScheme name="Office">
-      <a:fillStyleLst>
-        <a:solidFill>
-          <a:schemeClr val="phClr"/>
-        </a:solidFill>
-        <a:gradFill rotWithShape="1">
-          <a:gsLst>
-            <a:gs pos="0">
-              <a:schemeClr val="phClr">
-                <a:tint val="50000"/>
-                <a:satMod val="300000"/>
-              </a:schemeClr>
-            </a:gs>
-            <a:gs pos="35000">
-              <a:schemeClr val="phClr">
-                <a:tint val="37000"/>
-                <a:satMod val="300000"/>
-              </a:schemeClr>
-            </a:gs>
-            <a:gs pos="100000">
-              <a:schemeClr val="phClr">
-                <a:tint val="15000"/>
-                <a:satMod val="350000"/>
-              </a:schemeClr>
-            </a:gs>
-          </a:gsLst>
-          <a:lin ang="16200000" scaled="1"/>
-        </a:gradFill>
-        <a:gradFill rotWithShape="1">
-          <a:gsLst>
-            <a:gs pos="0">
-              <a:schemeClr val="phClr">
-                <a:tint val="100000"/>
-                <a:shade val="100000"/>
-                <a:satMod val="130000"/>
-              </a:schemeClr>
-            </a:gs>
-            <a:gs pos="100000">
-              <a:schemeClr val="phClr">
-                <a:tint val="50000"/>
-                <a:shade val="100000"/>
-                <a:satMod val="350000"/>
-              </a:schemeClr>
-            </a:gs>
-          </a:gsLst>
-          <a:lin ang="16200000" scaled="0"/>
-        </a:gradFill>
-      </a:fillStyleLst>
-      <a:lnStyleLst>
-        <a:ln w="9525" cap="flat" cmpd="sng" algn="ctr">
-          <a:solidFill>
-            <a:schemeClr val="phClr">
-              <a:shade val="95000"/>
-              <a:satMod val="105000"/>
-            </a:schemeClr>
-          </a:solidFill>
-          <a:prstDash val="solid"/>
-        </a:ln>
-        <a:ln w="25400" cap="flat" cmpd="sng" algn="ctr">
-          <a:solidFill>
-            <a:schemeClr val="phClr"/>
-          </a:solidFill>
-          <a:prstDash val="solid"/>
-        </a:ln>
-        <a:ln w="38100" cap="flat" cmpd="sng" algn="ctr">
-          <a:solidFill>
-            <a:schemeClr val="phClr"/>
-          </a:solidFill>
-          <a:prstDash val="solid"/>
-        </a:ln>
-      </a:lnStyleLst>
-      <a:effectStyleLst>
-        <a:effectStyle>
-          <a:effectLst>
-            <a:outerShdw blurRad="40000" dist="20000" dir="5400000" rotWithShape="0">
-              <a:srgbClr val="000000">
-                <a:alpha val="38000"/>
-              </a:srgbClr>
-            </a:outerShdw>
-          </a:effectLst>
-        </a:effectStyle>
-        <a:effectStyle>
-          <a:effectLst>
-            <a:outerShdw blurRad="40000" dist="23000" dir="5400000" rotWithShape="0">
-              <a:srgbClr val="000000">
-                <a:alpha val="35000"/>
-              </a:srgbClr>
-            </a:outerShdw>
-          </a:effectLst>
-        </a:effectStyle>
-        <a:effectStyle>
-          <a:effectLst>
-            <a:outerShdw blurRad="40000" dist="23000" dir="5400000" rotWithShape="0">
-              <a:srgbClr val="000000">
-                <a:alpha val="35000"/>
-              </a:srgbClr>
-            </a:outerShdw>
-          </a:effectLst>
-          <a:scene3d>
-            <a:camera prst="orthographicFront">
-              <a:rot lat="0" lon="0" rev="0"/>
-            </a:camera>
-            <a:lightRig rig="threePt" dir="t">
-              <a:rot lat="0" lon="0" rev="1200000"/>
-            </a:lightRig>
-          </a:scene3d>
-          <a:sp3d>
-            <a:bevelT w="63500" h="25400"/>
-          </a:sp3d>
-        </a:effectStyle>
-      </a:effectStyleLst>
-      <a:bgFillStyleLst>
-        <a:solidFill>
-          <a:schemeClr val="phClr"/>
-        </a:solidFill>
-        <a:gradFill rotWithShape="1">
-          <a:gsLst>
-            <a:gs pos="0">
-              <a:schemeClr val="phClr">
-                <a:tint val="40000"/>
-                <a:satMod val="350000"/>
-              </a:schemeClr>
-            </a:gs>
-            <a:gs pos="40000">
-              <a:schemeClr val="phClr">
-                <a:tint val="45000"/>
-                <a:shade val="99000"/>
-                <a:satMod val="350000"/>
-              </a:schemeClr>
-            </a:gs>
-            <a:gs pos="100000">
-              <a:schemeClr val="phClr">
-                <a:shade val="20000"/>
-                <a:satMod val="255000"/>
-              </a:schemeClr>
-            </a:gs>
-          </a:gsLst>
-          <a:path path="circle">
-            <a:fillToRect l="50000" t="-80000" r="50000" b="180000"/>
-          </a:path>
-        </a:gradFill>
-        <a:gradFill rotWithShape="1">
-          <a:gsLst>
-            <a:gs pos="0">
-              <a:schemeClr val="phClr">
-                <a:tint val="80000"/>
-                <a:satMod val="300000"/>
-              </a:schemeClr>
-            </a:gs>
-            <a:gs pos="100000">
-              <a:schemeClr val="phClr">
-                <a:shade val="30000"/>
-                <a:satMod val="200000"/>
-              </a:schemeClr>
-            </a:gs>
-          </a:gsLst>
-          <a:path path="circle">
-            <a:fillToRect l="50000" t="50000" r="50000" b="50000"/>
-          </a:path>
-        </a:gradFill>
-      </a:bgFillStyleLst>
-    </a:fmtScheme>
-  </a:themeElements>
-</a:theme>
-</file>
-
-<file path=ppt/theme/theme3.xml><?xml version="1.0" encoding="utf-8"?>
 <a:theme xmlns:a="http://schemas.openxmlformats.org/drawingml/2006/main" xmlns:r="http://schemas.openxmlformats.org/officeDocument/2006/relationships">
   <a:themeElements>
     <a:clrScheme name="Default">
@@ -32251,7 +31972,7 @@
 </a:theme>
 </file>
 
-<file path=ppt/theme/theme4.xml><?xml version="1.0" encoding="utf-8"?>
+<file path=ppt/theme/theme3.xml><?xml version="1.0" encoding="utf-8"?>
 <a:theme xmlns:a="http://schemas.openxmlformats.org/drawingml/2006/main" xmlns:r="http://schemas.openxmlformats.org/officeDocument/2006/relationships" name="Simple Light">
   <a:themeElements>
     <a:clrScheme name="Simple Light">
@@ -32528,4 +32249,283 @@
     </a:fmtScheme>
   </a:themeElements>
 </a:theme>
+</file>
+
+<file path=ppt/theme/theme4.xml><?xml version="1.0" encoding="utf-8"?>
+<a:theme xmlns:a="http://schemas.openxmlformats.org/drawingml/2006/main" xmlns:r="http://schemas.openxmlformats.org/officeDocument/2006/relationships" name="Geometric">
+  <a:themeElements>
+    <a:clrScheme name="Geometric">
+      <a:dk1>
+        <a:srgbClr val="2A3990"/>
+      </a:dk1>
+      <a:lt1>
+        <a:srgbClr val="FFFFFF"/>
+      </a:lt1>
+      <a:dk2>
+        <a:srgbClr val="434343"/>
+      </a:dk2>
+      <a:lt2>
+        <a:srgbClr val="999999"/>
+      </a:lt2>
+      <a:accent1>
+        <a:srgbClr val="212D74"/>
+      </a:accent1>
+      <a:accent2>
+        <a:srgbClr val="3949AB"/>
+      </a:accent2>
+      <a:accent3>
+        <a:srgbClr val="9C254D"/>
+      </a:accent3>
+      <a:accent4>
+        <a:srgbClr val="D23369"/>
+      </a:accent4>
+      <a:accent5>
+        <a:srgbClr val="F06292"/>
+      </a:accent5>
+      <a:accent6>
+        <a:srgbClr val="7890CD"/>
+      </a:accent6>
+      <a:hlink>
+        <a:srgbClr val="F06292"/>
+      </a:hlink>
+      <a:folHlink>
+        <a:srgbClr val="F06292"/>
+      </a:folHlink>
+    </a:clrScheme>
+    <a:fontScheme name="Office">
+      <a:majorFont>
+        <a:latin typeface="Arial"/>
+        <a:ea typeface=""/>
+        <a:cs typeface=""/>
+        <a:font script="Jpan" typeface="ＭＳ Ｐゴシック"/>
+        <a:font script="Hang" typeface="맑은 고딕"/>
+        <a:font script="Hans" typeface="宋体"/>
+        <a:font script="Hant" typeface="新細明體"/>
+        <a:font script="Arab" typeface="Times New Roman"/>
+        <a:font script="Hebr" typeface="Times New Roman"/>
+        <a:font script="Thai" typeface="Angsana New"/>
+        <a:font script="Ethi" typeface="Nyala"/>
+        <a:font script="Beng" typeface="Vrinda"/>
+        <a:font script="Gujr" typeface="Shruti"/>
+        <a:font script="Khmr" typeface="MoolBoran"/>
+        <a:font script="Knda" typeface="Tunga"/>
+        <a:font script="Guru" typeface="Raavi"/>
+        <a:font script="Cans" typeface="Euphemia"/>
+        <a:font script="Cher" typeface="Plantagenet Cherokee"/>
+        <a:font script="Yiii" typeface="Microsoft Yi Baiti"/>
+        <a:font script="Tibt" typeface="Microsoft Himalaya"/>
+        <a:font script="Thaa" typeface="MV Boli"/>
+        <a:font script="Deva" typeface="Mangal"/>
+        <a:font script="Telu" typeface="Gautami"/>
+        <a:font script="Taml" typeface="Latha"/>
+        <a:font script="Syrc" typeface="Estrangelo Edessa"/>
+        <a:font script="Orya" typeface="Kalinga"/>
+        <a:font script="Mlym" typeface="Kartika"/>
+        <a:font script="Laoo" typeface="DokChampa"/>
+        <a:font script="Sinh" typeface="Iskoola Pota"/>
+        <a:font script="Mong" typeface="Mongolian Baiti"/>
+        <a:font script="Viet" typeface="Times New Roman"/>
+        <a:font script="Uigh" typeface="Microsoft Uighur"/>
+        <a:font script="Geor" typeface="Sylfaen"/>
+      </a:majorFont>
+      <a:minorFont>
+        <a:latin typeface="Arial"/>
+        <a:ea typeface=""/>
+        <a:cs typeface=""/>
+        <a:font script="Jpan" typeface="ＭＳ Ｐゴシック"/>
+        <a:font script="Hang" typeface="맑은 고딕"/>
+        <a:font script="Hans" typeface="宋体"/>
+        <a:font script="Hant" typeface="新細明體"/>
+        <a:font script="Arab" typeface="Arial"/>
+        <a:font script="Hebr" typeface="Arial"/>
+        <a:font script="Thai" typeface="Cordia New"/>
+        <a:font script="Ethi" typeface="Nyala"/>
+        <a:font script="Beng" typeface="Vrinda"/>
+        <a:font script="Gujr" typeface="Shruti"/>
+        <a:font script="Khmr" typeface="DaunPenh"/>
+        <a:font script="Knda" typeface="Tunga"/>
+        <a:font script="Guru" typeface="Raavi"/>
+        <a:font script="Cans" typeface="Euphemia"/>
+        <a:font script="Cher" typeface="Plantagenet Cherokee"/>
+        <a:font script="Yiii" typeface="Microsoft Yi Baiti"/>
+        <a:font script="Tibt" typeface="Microsoft Himalaya"/>
+        <a:font script="Thaa" typeface="MV Boli"/>
+        <a:font script="Deva" typeface="Mangal"/>
+        <a:font script="Telu" typeface="Gautami"/>
+        <a:font script="Taml" typeface="Latha"/>
+        <a:font script="Syrc" typeface="Estrangelo Edessa"/>
+        <a:font script="Orya" typeface="Kalinga"/>
+        <a:font script="Mlym" typeface="Kartika"/>
+        <a:font script="Laoo" typeface="DokChampa"/>
+        <a:font script="Sinh" typeface="Iskoola Pota"/>
+        <a:font script="Mong" typeface="Mongolian Baiti"/>
+        <a:font script="Viet" typeface="Arial"/>
+        <a:font script="Uigh" typeface="Microsoft Uighur"/>
+        <a:font script="Geor" typeface="Sylfaen"/>
+      </a:minorFont>
+    </a:fontScheme>
+    <a:fmtScheme name="Office">
+      <a:fillStyleLst>
+        <a:solidFill>
+          <a:schemeClr val="phClr"/>
+        </a:solidFill>
+        <a:gradFill rotWithShape="1">
+          <a:gsLst>
+            <a:gs pos="0">
+              <a:schemeClr val="phClr">
+                <a:tint val="50000"/>
+                <a:satMod val="300000"/>
+              </a:schemeClr>
+            </a:gs>
+            <a:gs pos="35000">
+              <a:schemeClr val="phClr">
+                <a:tint val="37000"/>
+                <a:satMod val="300000"/>
+              </a:schemeClr>
+            </a:gs>
+            <a:gs pos="100000">
+              <a:schemeClr val="phClr">
+                <a:tint val="15000"/>
+                <a:satMod val="350000"/>
+              </a:schemeClr>
+            </a:gs>
+          </a:gsLst>
+          <a:lin ang="16200000" scaled="1"/>
+        </a:gradFill>
+        <a:gradFill rotWithShape="1">
+          <a:gsLst>
+            <a:gs pos="0">
+              <a:schemeClr val="phClr">
+                <a:tint val="100000"/>
+                <a:shade val="100000"/>
+                <a:satMod val="130000"/>
+              </a:schemeClr>
+            </a:gs>
+            <a:gs pos="100000">
+              <a:schemeClr val="phClr">
+                <a:tint val="50000"/>
+                <a:shade val="100000"/>
+                <a:satMod val="350000"/>
+              </a:schemeClr>
+            </a:gs>
+          </a:gsLst>
+          <a:lin ang="16200000" scaled="0"/>
+        </a:gradFill>
+      </a:fillStyleLst>
+      <a:lnStyleLst>
+        <a:ln w="9525" cap="flat" cmpd="sng" algn="ctr">
+          <a:solidFill>
+            <a:schemeClr val="phClr">
+              <a:shade val="95000"/>
+              <a:satMod val="105000"/>
+            </a:schemeClr>
+          </a:solidFill>
+          <a:prstDash val="solid"/>
+        </a:ln>
+        <a:ln w="25400" cap="flat" cmpd="sng" algn="ctr">
+          <a:solidFill>
+            <a:schemeClr val="phClr"/>
+          </a:solidFill>
+          <a:prstDash val="solid"/>
+        </a:ln>
+        <a:ln w="38100" cap="flat" cmpd="sng" algn="ctr">
+          <a:solidFill>
+            <a:schemeClr val="phClr"/>
+          </a:solidFill>
+          <a:prstDash val="solid"/>
+        </a:ln>
+      </a:lnStyleLst>
+      <a:effectStyleLst>
+        <a:effectStyle>
+          <a:effectLst>
+            <a:outerShdw blurRad="40000" dist="20000" dir="5400000" rotWithShape="0">
+              <a:srgbClr val="000000">
+                <a:alpha val="38000"/>
+              </a:srgbClr>
+            </a:outerShdw>
+          </a:effectLst>
+        </a:effectStyle>
+        <a:effectStyle>
+          <a:effectLst>
+            <a:outerShdw blurRad="40000" dist="23000" dir="5400000" rotWithShape="0">
+              <a:srgbClr val="000000">
+                <a:alpha val="35000"/>
+              </a:srgbClr>
+            </a:outerShdw>
+          </a:effectLst>
+        </a:effectStyle>
+        <a:effectStyle>
+          <a:effectLst>
+            <a:outerShdw blurRad="40000" dist="23000" dir="5400000" rotWithShape="0">
+              <a:srgbClr val="000000">
+                <a:alpha val="35000"/>
+              </a:srgbClr>
+            </a:outerShdw>
+          </a:effectLst>
+          <a:scene3d>
+            <a:camera prst="orthographicFront">
+              <a:rot lat="0" lon="0" rev="0"/>
+            </a:camera>
+            <a:lightRig rig="threePt" dir="t">
+              <a:rot lat="0" lon="0" rev="1200000"/>
+            </a:lightRig>
+          </a:scene3d>
+          <a:sp3d>
+            <a:bevelT w="63500" h="25400"/>
+          </a:sp3d>
+        </a:effectStyle>
+      </a:effectStyleLst>
+      <a:bgFillStyleLst>
+        <a:solidFill>
+          <a:schemeClr val="phClr"/>
+        </a:solidFill>
+        <a:gradFill rotWithShape="1">
+          <a:gsLst>
+            <a:gs pos="0">
+              <a:schemeClr val="phClr">
+                <a:tint val="40000"/>
+                <a:satMod val="350000"/>
+              </a:schemeClr>
+            </a:gs>
+            <a:gs pos="40000">
+              <a:schemeClr val="phClr">
+                <a:tint val="45000"/>
+                <a:shade val="99000"/>
+                <a:satMod val="350000"/>
+              </a:schemeClr>
+            </a:gs>
+            <a:gs pos="100000">
+              <a:schemeClr val="phClr">
+                <a:shade val="20000"/>
+                <a:satMod val="255000"/>
+              </a:schemeClr>
+            </a:gs>
+          </a:gsLst>
+          <a:path path="circle">
+            <a:fillToRect l="50000" t="-80000" r="50000" b="180000"/>
+          </a:path>
+        </a:gradFill>
+        <a:gradFill rotWithShape="1">
+          <a:gsLst>
+            <a:gs pos="0">
+              <a:schemeClr val="phClr">
+                <a:tint val="80000"/>
+                <a:satMod val="300000"/>
+              </a:schemeClr>
+            </a:gs>
+            <a:gs pos="100000">
+              <a:schemeClr val="phClr">
+                <a:shade val="30000"/>
+                <a:satMod val="200000"/>
+              </a:schemeClr>
+            </a:gs>
+          </a:gsLst>
+          <a:path path="circle">
+            <a:fillToRect l="50000" t="50000" r="50000" b="50000"/>
+          </a:path>
+        </a:gradFill>
+      </a:bgFillStyleLst>
+    </a:fmtScheme>
+  </a:themeElements>
+</a:theme>
 </file>
--- a/Day_2/Lectures/Day_2_Lecture_2_Data_Readiness_for_AI_ML_CheckList.pptx
+++ b/Day_2/Lectures/Day_2_Lecture_2_Data_Readiness_for_AI_ML_CheckList.pptx
@@ -31415,6 +31415,285 @@
 </file>
 
 <file path=ppt/theme/theme1.xml><?xml version="1.0" encoding="utf-8"?>
+<a:theme xmlns:a="http://schemas.openxmlformats.org/drawingml/2006/main" xmlns:r="http://schemas.openxmlformats.org/officeDocument/2006/relationships" name="Geometric">
+  <a:themeElements>
+    <a:clrScheme name="Geometric">
+      <a:dk1>
+        <a:srgbClr val="2A3990"/>
+      </a:dk1>
+      <a:lt1>
+        <a:srgbClr val="FFFFFF"/>
+      </a:lt1>
+      <a:dk2>
+        <a:srgbClr val="434343"/>
+      </a:dk2>
+      <a:lt2>
+        <a:srgbClr val="999999"/>
+      </a:lt2>
+      <a:accent1>
+        <a:srgbClr val="212D74"/>
+      </a:accent1>
+      <a:accent2>
+        <a:srgbClr val="3949AB"/>
+      </a:accent2>
+      <a:accent3>
+        <a:srgbClr val="9C254D"/>
+      </a:accent3>
+      <a:accent4>
+        <a:srgbClr val="D23369"/>
+      </a:accent4>
+      <a:accent5>
+        <a:srgbClr val="F06292"/>
+      </a:accent5>
+      <a:accent6>
+        <a:srgbClr val="7890CD"/>
+      </a:accent6>
+      <a:hlink>
+        <a:srgbClr val="F06292"/>
+      </a:hlink>
+      <a:folHlink>
+        <a:srgbClr val="F06292"/>
+      </a:folHlink>
+    </a:clrScheme>
+    <a:fontScheme name="Office">
+      <a:majorFont>
+        <a:latin typeface="Arial"/>
+        <a:ea typeface=""/>
+        <a:cs typeface=""/>
+        <a:font script="Jpan" typeface="ＭＳ Ｐゴシック"/>
+        <a:font script="Hang" typeface="맑은 고딕"/>
+        <a:font script="Hans" typeface="宋体"/>
+        <a:font script="Hant" typeface="新細明體"/>
+        <a:font script="Arab" typeface="Times New Roman"/>
+        <a:font script="Hebr" typeface="Times New Roman"/>
+        <a:font script="Thai" typeface="Angsana New"/>
+        <a:font script="Ethi" typeface="Nyala"/>
+        <a:font script="Beng" typeface="Vrinda"/>
+        <a:font script="Gujr" typeface="Shruti"/>
+        <a:font script="Khmr" typeface="MoolBoran"/>
+        <a:font script="Knda" typeface="Tunga"/>
+        <a:font script="Guru" typeface="Raavi"/>
+        <a:font script="Cans" typeface="Euphemia"/>
+        <a:font script="Cher" typeface="Plantagenet Cherokee"/>
+        <a:font script="Yiii" typeface="Microsoft Yi Baiti"/>
+        <a:font script="Tibt" typeface="Microsoft Himalaya"/>
+        <a:font script="Thaa" typeface="MV Boli"/>
+        <a:font script="Deva" typeface="Mangal"/>
+        <a:font script="Telu" typeface="Gautami"/>
+        <a:font script="Taml" typeface="Latha"/>
+        <a:font script="Syrc" typeface="Estrangelo Edessa"/>
+        <a:font script="Orya" typeface="Kalinga"/>
+        <a:font script="Mlym" typeface="Kartika"/>
+        <a:font script="Laoo" typeface="DokChampa"/>
+        <a:font script="Sinh" typeface="Iskoola Pota"/>
+        <a:font script="Mong" typeface="Mongolian Baiti"/>
+        <a:font script="Viet" typeface="Times New Roman"/>
+        <a:font script="Uigh" typeface="Microsoft Uighur"/>
+        <a:font script="Geor" typeface="Sylfaen"/>
+      </a:majorFont>
+      <a:minorFont>
+        <a:latin typeface="Arial"/>
+        <a:ea typeface=""/>
+        <a:cs typeface=""/>
+        <a:font script="Jpan" typeface="ＭＳ Ｐゴシック"/>
+        <a:font script="Hang" typeface="맑은 고딕"/>
+        <a:font script="Hans" typeface="宋体"/>
+        <a:font script="Hant" typeface="新細明體"/>
+        <a:font script="Arab" typeface="Arial"/>
+        <a:font script="Hebr" typeface="Arial"/>
+        <a:font script="Thai" typeface="Cordia New"/>
+        <a:font script="Ethi" typeface="Nyala"/>
+        <a:font script="Beng" typeface="Vrinda"/>
+        <a:font script="Gujr" typeface="Shruti"/>
+        <a:font script="Khmr" typeface="DaunPenh"/>
+        <a:font script="Knda" typeface="Tunga"/>
+        <a:font script="Guru" typeface="Raavi"/>
+        <a:font script="Cans" typeface="Euphemia"/>
+        <a:font script="Cher" typeface="Plantagenet Cherokee"/>
+        <a:font script="Yiii" typeface="Microsoft Yi Baiti"/>
+        <a:font script="Tibt" typeface="Microsoft Himalaya"/>
+        <a:font script="Thaa" typeface="MV Boli"/>
+        <a:font script="Deva" typeface="Mangal"/>
+        <a:font script="Telu" typeface="Gautami"/>
+        <a:font script="Taml" typeface="Latha"/>
+        <a:font script="Syrc" typeface="Estrangelo Edessa"/>
+        <a:font script="Orya" typeface="Kalinga"/>
+        <a:font script="Mlym" typeface="Kartika"/>
+        <a:font script="Laoo" typeface="DokChampa"/>
+        <a:font script="Sinh" typeface="Iskoola Pota"/>
+        <a:font script="Mong" typeface="Mongolian Baiti"/>
+        <a:font script="Viet" typeface="Arial"/>
+        <a:font script="Uigh" typeface="Microsoft Uighur"/>
+        <a:font script="Geor" typeface="Sylfaen"/>
+      </a:minorFont>
+    </a:fontScheme>
+    <a:fmtScheme name="Office">
+      <a:fillStyleLst>
+        <a:solidFill>
+          <a:schemeClr val="phClr"/>
+        </a:solidFill>
+        <a:gradFill rotWithShape="1">
+          <a:gsLst>
+            <a:gs pos="0">
+              <a:schemeClr val="phClr">
+                <a:tint val="50000"/>
+                <a:satMod val="300000"/>
+              </a:schemeClr>
+            </a:gs>
+            <a:gs pos="35000">
+              <a:schemeClr val="phClr">
+                <a:tint val="37000"/>
+                <a:satMod val="300000"/>
+              </a:schemeClr>
+            </a:gs>
+            <a:gs pos="100000">
+              <a:schemeClr val="phClr">
+                <a:tint val="15000"/>
+                <a:satMod val="350000"/>
+              </a:schemeClr>
+            </a:gs>
+          </a:gsLst>
+          <a:lin ang="16200000" scaled="1"/>
+        </a:gradFill>
+        <a:gradFill rotWithShape="1">
+          <a:gsLst>
+            <a:gs pos="0">
+              <a:schemeClr val="phClr">
+                <a:tint val="100000"/>
+                <a:shade val="100000"/>
+                <a:satMod val="130000"/>
+              </a:schemeClr>
+            </a:gs>
+            <a:gs pos="100000">
+              <a:schemeClr val="phClr">
+                <a:tint val="50000"/>
+                <a:shade val="100000"/>
+                <a:satMod val="350000"/>
+              </a:schemeClr>
+            </a:gs>
+          </a:gsLst>
+          <a:lin ang="16200000" scaled="0"/>
+        </a:gradFill>
+      </a:fillStyleLst>
+      <a:lnStyleLst>
+        <a:ln w="9525" cap="flat" cmpd="sng" algn="ctr">
+          <a:solidFill>
+            <a:schemeClr val="phClr">
+              <a:shade val="95000"/>
+              <a:satMod val="105000"/>
+            </a:schemeClr>
+          </a:solidFill>
+          <a:prstDash val="solid"/>
+        </a:ln>
+        <a:ln w="25400" cap="flat" cmpd="sng" algn="ctr">
+          <a:solidFill>
+            <a:schemeClr val="phClr"/>
+          </a:solidFill>
+          <a:prstDash val="solid"/>
+        </a:ln>
+        <a:ln w="38100" cap="flat" cmpd="sng" algn="ctr">
+          <a:solidFill>
+            <a:schemeClr val="phClr"/>
+          </a:solidFill>
+          <a:prstDash val="solid"/>
+        </a:ln>
+      </a:lnStyleLst>
+      <a:effectStyleLst>
+        <a:effectStyle>
+          <a:effectLst>
+            <a:outerShdw blurRad="40000" dist="20000" dir="5400000" rotWithShape="0">
+              <a:srgbClr val="000000">
+                <a:alpha val="38000"/>
+              </a:srgbClr>
+            </a:outerShdw>
+          </a:effectLst>
+        </a:effectStyle>
+        <a:effectStyle>
+          <a:effectLst>
+            <a:outerShdw blurRad="40000" dist="23000" dir="5400000" rotWithShape="0">
+              <a:srgbClr val="000000">
+                <a:alpha val="35000"/>
+              </a:srgbClr>
+            </a:outerShdw>
+          </a:effectLst>
+        </a:effectStyle>
+        <a:effectStyle>
+          <a:effectLst>
+            <a:outerShdw blurRad="40000" dist="23000" dir="5400000" rotWithShape="0">
+              <a:srgbClr val="000000">
+                <a:alpha val="35000"/>
+              </a:srgbClr>
+            </a:outerShdw>
+          </a:effectLst>
+          <a:scene3d>
+            <a:camera prst="orthographicFront">
+              <a:rot lat="0" lon="0" rev="0"/>
+            </a:camera>
+            <a:lightRig rig="threePt" dir="t">
+              <a:rot lat="0" lon="0" rev="1200000"/>
+            </a:lightRig>
+          </a:scene3d>
+          <a:sp3d>
+            <a:bevelT w="63500" h="25400"/>
+          </a:sp3d>
+        </a:effectStyle>
+      </a:effectStyleLst>
+      <a:bgFillStyleLst>
+        <a:solidFill>
+          <a:schemeClr val="phClr"/>
+        </a:solidFill>
+        <a:gradFill rotWithShape="1">
+          <a:gsLst>
+            <a:gs pos="0">
+              <a:schemeClr val="phClr">
+                <a:tint val="40000"/>
+                <a:satMod val="350000"/>
+              </a:schemeClr>
+            </a:gs>
+            <a:gs pos="40000">
+              <a:schemeClr val="phClr">
+                <a:tint val="45000"/>
+                <a:shade val="99000"/>
+                <a:satMod val="350000"/>
+              </a:schemeClr>
+            </a:gs>
+            <a:gs pos="100000">
+              <a:schemeClr val="phClr">
+                <a:shade val="20000"/>
+                <a:satMod val="255000"/>
+              </a:schemeClr>
+            </a:gs>
+          </a:gsLst>
+          <a:path path="circle">
+            <a:fillToRect l="50000" t="-80000" r="50000" b="180000"/>
+          </a:path>
+        </a:gradFill>
+        <a:gradFill rotWithShape="1">
+          <a:gsLst>
+            <a:gs pos="0">
+              <a:schemeClr val="phClr">
+                <a:tint val="80000"/>
+                <a:satMod val="300000"/>
+              </a:schemeClr>
+            </a:gs>
+            <a:gs pos="100000">
+              <a:schemeClr val="phClr">
+                <a:shade val="30000"/>
+                <a:satMod val="200000"/>
+              </a:schemeClr>
+            </a:gs>
+          </a:gsLst>
+          <a:path path="circle">
+            <a:fillToRect l="50000" t="50000" r="50000" b="50000"/>
+          </a:path>
+        </a:gradFill>
+      </a:bgFillStyleLst>
+    </a:fmtScheme>
+  </a:themeElements>
+</a:theme>
+</file>
+
+<file path=ppt/theme/theme2.xml><?xml version="1.0" encoding="utf-8"?>
 <a:theme xmlns:a="http://schemas.openxmlformats.org/drawingml/2006/main" xmlns:r="http://schemas.openxmlformats.org/officeDocument/2006/relationships" name="Simple Light">
   <a:themeElements>
     <a:clrScheme name="Simple Light">
@@ -31693,7 +31972,7 @@
 </a:theme>
 </file>
 
-<file path=ppt/theme/theme2.xml><?xml version="1.0" encoding="utf-8"?>
+<file path=ppt/theme/theme3.xml><?xml version="1.0" encoding="utf-8"?>
 <a:theme xmlns:a="http://schemas.openxmlformats.org/drawingml/2006/main" xmlns:r="http://schemas.openxmlformats.org/officeDocument/2006/relationships">
   <a:themeElements>
     <a:clrScheme name="Default">
@@ -31972,7 +32251,7 @@
 </a:theme>
 </file>
 
-<file path=ppt/theme/theme3.xml><?xml version="1.0" encoding="utf-8"?>
+<file path=ppt/theme/theme4.xml><?xml version="1.0" encoding="utf-8"?>
 <a:theme xmlns:a="http://schemas.openxmlformats.org/drawingml/2006/main" xmlns:r="http://schemas.openxmlformats.org/officeDocument/2006/relationships" name="Simple Light">
   <a:themeElements>
     <a:clrScheme name="Simple Light">
@@ -32249,283 +32528,4 @@
     </a:fmtScheme>
   </a:themeElements>
 </a:theme>
-</file>
-
-<file path=ppt/theme/theme4.xml><?xml version="1.0" encoding="utf-8"?>
-<a:theme xmlns:a="http://schemas.openxmlformats.org/drawingml/2006/main" xmlns:r="http://schemas.openxmlformats.org/officeDocument/2006/relationships" name="Geometric">
-  <a:themeElements>
-    <a:clrScheme name="Geometric">
-      <a:dk1>
-        <a:srgbClr val="2A3990"/>
-      </a:dk1>
-      <a:lt1>
-        <a:srgbClr val="FFFFFF"/>
-      </a:lt1>
-      <a:dk2>
-        <a:srgbClr val="434343"/>
-      </a:dk2>
-      <a:lt2>
-        <a:srgbClr val="999999"/>
-      </a:lt2>
-      <a:accent1>
-        <a:srgbClr val="212D74"/>
-      </a:accent1>
-      <a:accent2>
-        <a:srgbClr val="3949AB"/>
-      </a:accent2>
-      <a:accent3>
-        <a:srgbClr val="9C254D"/>
-      </a:accent3>
-      <a:accent4>
-        <a:srgbClr val="D23369"/>
-      </a:accent4>
-      <a:accent5>
-        <a:srgbClr val="F06292"/>
-      </a:accent5>
-      <a:accent6>
-        <a:srgbClr val="7890CD"/>
-      </a:accent6>
-      <a:hlink>
-        <a:srgbClr val="F06292"/>
-      </a:hlink>
-      <a:folHlink>
-        <a:srgbClr val="F06292"/>
-      </a:folHlink>
-    </a:clrScheme>
-    <a:fontScheme name="Office">
-      <a:majorFont>
-        <a:latin typeface="Arial"/>
-        <a:ea typeface=""/>
-        <a:cs typeface=""/>
-        <a:font script="Jpan" typeface="ＭＳ Ｐゴシック"/>
-        <a:font script="Hang" typeface="맑은 고딕"/>
-        <a:font script="Hans" typeface="宋体"/>
-        <a:font script="Hant" typeface="新細明體"/>
-        <a:font script="Arab" typeface="Times New Roman"/>
-        <a:font script="Hebr" typeface="Times New Roman"/>
-        <a:font script="Thai" typeface="Angsana New"/>
-        <a:font script="Ethi" typeface="Nyala"/>
-        <a:font script="Beng" typeface="Vrinda"/>
-        <a:font script="Gujr" typeface="Shruti"/>
-        <a:font script="Khmr" typeface="MoolBoran"/>
-        <a:font script="Knda" typeface="Tunga"/>
-        <a:font script="Guru" typeface="Raavi"/>
-        <a:font script="Cans" typeface="Euphemia"/>
-        <a:font script="Cher" typeface="Plantagenet Cherokee"/>
-        <a:font script="Yiii" typeface="Microsoft Yi Baiti"/>
-        <a:font script="Tibt" typeface="Microsoft Himalaya"/>
-        <a:font script="Thaa" typeface="MV Boli"/>
-        <a:font script="Deva" typeface="Mangal"/>
-        <a:font script="Telu" typeface="Gautami"/>
-        <a:font script="Taml" typeface="Latha"/>
-        <a:font script="Syrc" typeface="Estrangelo Edessa"/>
-        <a:font script="Orya" typeface="Kalinga"/>
-        <a:font script="Mlym" typeface="Kartika"/>
-        <a:font script="Laoo" typeface="DokChampa"/>
-        <a:font script="Sinh" typeface="Iskoola Pota"/>
-        <a:font script="Mong" typeface="Mongolian Baiti"/>
-        <a:font script="Viet" typeface="Times New Roman"/>
-        <a:font script="Uigh" typeface="Microsoft Uighur"/>
-        <a:font script="Geor" typeface="Sylfaen"/>
-      </a:majorFont>
-      <a:minorFont>
-        <a:latin typeface="Arial"/>
-        <a:ea typeface=""/>
-        <a:cs typeface=""/>
-        <a:font script="Jpan" typeface="ＭＳ Ｐゴシック"/>
-        <a:font script="Hang" typeface="맑은 고딕"/>
-        <a:font script="Hans" typeface="宋体"/>
-        <a:font script="Hant" typeface="新細明體"/>
-        <a:font script="Arab" typeface="Arial"/>
-        <a:font script="Hebr" typeface="Arial"/>
-        <a:font script="Thai" typeface="Cordia New"/>
-        <a:font script="Ethi" typeface="Nyala"/>
-        <a:font script="Beng" typeface="Vrinda"/>
-        <a:font script="Gujr" typeface="Shruti"/>
-        <a:font script="Khmr" typeface="DaunPenh"/>
-        <a:font script="Knda" typeface="Tunga"/>
-        <a:font script="Guru" typeface="Raavi"/>
-        <a:font script="Cans" typeface="Euphemia"/>
-        <a:font script="Cher" typeface="Plantagenet Cherokee"/>
-        <a:font script="Yiii" typeface="Microsoft Yi Baiti"/>
-        <a:font script="Tibt" typeface="Microsoft Himalaya"/>
-        <a:font script="Thaa" typeface="MV Boli"/>
-        <a:font script="Deva" typeface="Mangal"/>
-        <a:font script="Telu" typeface="Gautami"/>
-        <a:font script="Taml" typeface="Latha"/>
-        <a:font script="Syrc" typeface="Estrangelo Edessa"/>
-        <a:font script="Orya" typeface="Kalinga"/>
-        <a:font script="Mlym" typeface="Kartika"/>
-        <a:font script="Laoo" typeface="DokChampa"/>
-        <a:font script="Sinh" typeface="Iskoola Pota"/>
-        <a:font script="Mong" typeface="Mongolian Baiti"/>
-        <a:font script="Viet" typeface="Arial"/>
-        <a:font script="Uigh" typeface="Microsoft Uighur"/>
-        <a:font script="Geor" typeface="Sylfaen"/>
-      </a:minorFont>
-    </a:fontScheme>
-    <a:fmtScheme name="Office">
-      <a:fillStyleLst>
-        <a:solidFill>
-          <a:schemeClr val="phClr"/>
-        </a:solidFill>
-        <a:gradFill rotWithShape="1">
-          <a:gsLst>
-            <a:gs pos="0">
-              <a:schemeClr val="phClr">
-                <a:tint val="50000"/>
-                <a:satMod val="300000"/>
-              </a:schemeClr>
-            </a:gs>
-            <a:gs pos="35000">
-              <a:schemeClr val="phClr">
-                <a:tint val="37000"/>
-                <a:satMod val="300000"/>
-              </a:schemeClr>
-            </a:gs>
-            <a:gs pos="100000">
-              <a:schemeClr val="phClr">
-                <a:tint val="15000"/>
-                <a:satMod val="350000"/>
-              </a:schemeClr>
-            </a:gs>
-          </a:gsLst>
-          <a:lin ang="16200000" scaled="1"/>
-        </a:gradFill>
-        <a:gradFill rotWithShape="1">
-          <a:gsLst>
-            <a:gs pos="0">
-              <a:schemeClr val="phClr">
-                <a:tint val="100000"/>
-                <a:shade val="100000"/>
-                <a:satMod val="130000"/>
-              </a:schemeClr>
-            </a:gs>
-            <a:gs pos="100000">
-              <a:schemeClr val="phClr">
-                <a:tint val="50000"/>
-                <a:shade val="100000"/>
-                <a:satMod val="350000"/>
-              </a:schemeClr>
-            </a:gs>
-          </a:gsLst>
-          <a:lin ang="16200000" scaled="0"/>
-        </a:gradFill>
-      </a:fillStyleLst>
-      <a:lnStyleLst>
-        <a:ln w="9525" cap="flat" cmpd="sng" algn="ctr">
-          <a:solidFill>
-            <a:schemeClr val="phClr">
-              <a:shade val="95000"/>
-              <a:satMod val="105000"/>
-            </a:schemeClr>
-          </a:solidFill>
-          <a:prstDash val="solid"/>
-        </a:ln>
-        <a:ln w="25400" cap="flat" cmpd="sng" algn="ctr">
-          <a:solidFill>
-            <a:schemeClr val="phClr"/>
-          </a:solidFill>
-          <a:prstDash val="solid"/>
-        </a:ln>
-        <a:ln w="38100" cap="flat" cmpd="sng" algn="ctr">
-          <a:solidFill>
-            <a:schemeClr val="phClr"/>
-          </a:solidFill>
-          <a:prstDash val="solid"/>
-        </a:ln>
-      </a:lnStyleLst>
-      <a:effectStyleLst>
-        <a:effectStyle>
-          <a:effectLst>
-            <a:outerShdw blurRad="40000" dist="20000" dir="5400000" rotWithShape="0">
-              <a:srgbClr val="000000">
-                <a:alpha val="38000"/>
-              </a:srgbClr>
-            </a:outerShdw>
-          </a:effectLst>
-        </a:effectStyle>
-        <a:effectStyle>
-          <a:effectLst>
-            <a:outerShdw blurRad="40000" dist="23000" dir="5400000" rotWithShape="0">
-              <a:srgbClr val="000000">
-                <a:alpha val="35000"/>
-              </a:srgbClr>
-            </a:outerShdw>
-          </a:effectLst>
-        </a:effectStyle>
-        <a:effectStyle>
-          <a:effectLst>
-            <a:outerShdw blurRad="40000" dist="23000" dir="5400000" rotWithShape="0">
-              <a:srgbClr val="000000">
-                <a:alpha val="35000"/>
-              </a:srgbClr>
-            </a:outerShdw>
-          </a:effectLst>
-          <a:scene3d>
-            <a:camera prst="orthographicFront">
-              <a:rot lat="0" lon="0" rev="0"/>
-            </a:camera>
-            <a:lightRig rig="threePt" dir="t">
-              <a:rot lat="0" lon="0" rev="1200000"/>
-            </a:lightRig>
-          </a:scene3d>
-          <a:sp3d>
-            <a:bevelT w="63500" h="25400"/>
-          </a:sp3d>
-        </a:effectStyle>
-      </a:effectStyleLst>
-      <a:bgFillStyleLst>
-        <a:solidFill>
-          <a:schemeClr val="phClr"/>
-        </a:solidFill>
-        <a:gradFill rotWithShape="1">
-          <a:gsLst>
-            <a:gs pos="0">
-              <a:schemeClr val="phClr">
-                <a:tint val="40000"/>
-                <a:satMod val="350000"/>
-              </a:schemeClr>
-            </a:gs>
-            <a:gs pos="40000">
-              <a:schemeClr val="phClr">
-                <a:tint val="45000"/>
-                <a:shade val="99000"/>
-                <a:satMod val="350000"/>
-              </a:schemeClr>
-            </a:gs>
-            <a:gs pos="100000">
-              <a:schemeClr val="phClr">
-                <a:shade val="20000"/>
-                <a:satMod val="255000"/>
-              </a:schemeClr>
-            </a:gs>
-          </a:gsLst>
-          <a:path path="circle">
-            <a:fillToRect l="50000" t="-80000" r="50000" b="180000"/>
-          </a:path>
-        </a:gradFill>
-        <a:gradFill rotWithShape="1">
-          <a:gsLst>
-            <a:gs pos="0">
-              <a:schemeClr val="phClr">
-                <a:tint val="80000"/>
-                <a:satMod val="300000"/>
-              </a:schemeClr>
-            </a:gs>
-            <a:gs pos="100000">
-              <a:schemeClr val="phClr">
-                <a:shade val="30000"/>
-                <a:satMod val="200000"/>
-              </a:schemeClr>
-            </a:gs>
-          </a:gsLst>
-          <a:path path="circle">
-            <a:fillToRect l="50000" t="50000" r="50000" b="50000"/>
-          </a:path>
-        </a:gradFill>
-      </a:bgFillStyleLst>
-    </a:fmtScheme>
-  </a:themeElements>
-</a:theme>
 </file>
--- a/Day_2/Lectures/Day_2_Lecture_2_Data_Readiness_for_AI_ML_CheckList.pptx
+++ b/Day_2/Lectures/Day_2_Lecture_2_Data_Readiness_for_AI_ML_CheckList.pptx
@@ -31415,285 +31415,6 @@
 </file>
 
 <file path=ppt/theme/theme1.xml><?xml version="1.0" encoding="utf-8"?>
-<a:theme xmlns:a="http://schemas.openxmlformats.org/drawingml/2006/main" xmlns:r="http://schemas.openxmlformats.org/officeDocument/2006/relationships" name="Geometric">
-  <a:themeElements>
-    <a:clrScheme name="Geometric">
-      <a:dk1>
-        <a:srgbClr val="2A3990"/>
-      </a:dk1>
-      <a:lt1>
-        <a:srgbClr val="FFFFFF"/>
-      </a:lt1>
-      <a:dk2>
-        <a:srgbClr val="434343"/>
-      </a:dk2>
-      <a:lt2>
-        <a:srgbClr val="999999"/>
-      </a:lt2>
-      <a:accent1>
-        <a:srgbClr val="212D74"/>
-      </a:accent1>
-      <a:accent2>
-        <a:srgbClr val="3949AB"/>
-      </a:accent2>
-      <a:accent3>
-        <a:srgbClr val="9C254D"/>
-      </a:accent3>
-      <a:accent4>
-        <a:srgbClr val="D23369"/>
-      </a:accent4>
-      <a:accent5>
-        <a:srgbClr val="F06292"/>
-      </a:accent5>
-      <a:accent6>
-        <a:srgbClr val="7890CD"/>
-      </a:accent6>
-      <a:hlink>
-        <a:srgbClr val="F06292"/>
-      </a:hlink>
-      <a:folHlink>
-        <a:srgbClr val="F06292"/>
-      </a:folHlink>
-    </a:clrScheme>
-    <a:fontScheme name="Office">
-      <a:majorFont>
-        <a:latin typeface="Arial"/>
-        <a:ea typeface=""/>
-        <a:cs typeface=""/>
-        <a:font script="Jpan" typeface="ＭＳ Ｐゴシック"/>
-        <a:font script="Hang" typeface="맑은 고딕"/>
-        <a:font script="Hans" typeface="宋体"/>
-        <a:font script="Hant" typeface="新細明體"/>
-        <a:font script="Arab" typeface="Times New Roman"/>
-        <a:font script="Hebr" typeface="Times New Roman"/>
-        <a:font script="Thai" typeface="Angsana New"/>
-        <a:font script="Ethi" typeface="Nyala"/>
-        <a:font script="Beng" typeface="Vrinda"/>
-        <a:font script="Gujr" typeface="Shruti"/>
-        <a:font script="Khmr" typeface="MoolBoran"/>
-        <a:font script="Knda" typeface="Tunga"/>
-        <a:font script="Guru" typeface="Raavi"/>
-        <a:font script="Cans" typeface="Euphemia"/>
-        <a:font script="Cher" typeface="Plantagenet Cherokee"/>
-        <a:font script="Yiii" typeface="Microsoft Yi Baiti"/>
-        <a:font script="Tibt" typeface="Microsoft Himalaya"/>
-        <a:font script="Thaa" typeface="MV Boli"/>
-        <a:font script="Deva" typeface="Mangal"/>
-        <a:font script="Telu" typeface="Gautami"/>
-        <a:font script="Taml" typeface="Latha"/>
-        <a:font script="Syrc" typeface="Estrangelo Edessa"/>
-        <a:font script="Orya" typeface="Kalinga"/>
-        <a:font script="Mlym" typeface="Kartika"/>
-        <a:font script="Laoo" typeface="DokChampa"/>
-        <a:font script="Sinh" typeface="Iskoola Pota"/>
-        <a:font script="Mong" typeface="Mongolian Baiti"/>
-        <a:font script="Viet" typeface="Times New Roman"/>
-        <a:font script="Uigh" typeface="Microsoft Uighur"/>
-        <a:font script="Geor" typeface="Sylfaen"/>
-      </a:majorFont>
-      <a:minorFont>
-        <a:latin typeface="Arial"/>
-        <a:ea typeface=""/>
-        <a:cs typeface=""/>
-        <a:font script="Jpan" typeface="ＭＳ Ｐゴシック"/>
-        <a:font script="Hang" typeface="맑은 고딕"/>
-        <a:font script="Hans" typeface="宋体"/>
-        <a:font script="Hant" typeface="新細明體"/>
-        <a:font script="Arab" typeface="Arial"/>
-        <a:font script="Hebr" typeface="Arial"/>
-        <a:font script="Thai" typeface="Cordia New"/>
-        <a:font script="Ethi" typeface="Nyala"/>
-        <a:font script="Beng" typeface="Vrinda"/>
-        <a:font script="Gujr" typeface="Shruti"/>
-        <a:font script="Khmr" typeface="DaunPenh"/>
-        <a:font script="Knda" typeface="Tunga"/>
-        <a:font script="Guru" typeface="Raavi"/>
-        <a:font script="Cans" typeface="Euphemia"/>
-        <a:font script="Cher" typeface="Plantagenet Cherokee"/>
-        <a:font script="Yiii" typeface="Microsoft Yi Baiti"/>
-        <a:font script="Tibt" typeface="Microsoft Himalaya"/>
-        <a:font script="Thaa" typeface="MV Boli"/>
-        <a:font script="Deva" typeface="Mangal"/>
-        <a:font script="Telu" typeface="Gautami"/>
-        <a:font script="Taml" typeface="Latha"/>
-        <a:font script="Syrc" typeface="Estrangelo Edessa"/>
-        <a:font script="Orya" typeface="Kalinga"/>
-        <a:font script="Mlym" typeface="Kartika"/>
-        <a:font script="Laoo" typeface="DokChampa"/>
-        <a:font script="Sinh" typeface="Iskoola Pota"/>
-        <a:font script="Mong" typeface="Mongolian Baiti"/>
-        <a:font script="Viet" typeface="Arial"/>
-        <a:font script="Uigh" typeface="Microsoft Uighur"/>
-        <a:font script="Geor" typeface="Sylfaen"/>
-      </a:minorFont>
-    </a:fontScheme>
-    <a:fmtScheme name="Office">
-      <a:fillStyleLst>
-        <a:solidFill>
-          <a:schemeClr val="phClr"/>
-        </a:solidFill>
-        <a:gradFill rotWithShape="1">
-          <a:gsLst>
-            <a:gs pos="0">
-              <a:schemeClr val="phClr">
-                <a:tint val="50000"/>
-                <a:satMod val="300000"/>
-              </a:schemeClr>
-            </a:gs>
-            <a:gs pos="35000">
-              <a:schemeClr val="phClr">
-                <a:tint val="37000"/>
-                <a:satMod val="300000"/>
-              </a:schemeClr>
-            </a:gs>
-            <a:gs pos="100000">
-              <a:schemeClr val="phClr">
-                <a:tint val="15000"/>
-                <a:satMod val="350000"/>
-              </a:schemeClr>
-            </a:gs>
-          </a:gsLst>
-          <a:lin ang="16200000" scaled="1"/>
-        </a:gradFill>
-        <a:gradFill rotWithShape="1">
-          <a:gsLst>
-            <a:gs pos="0">
-              <a:schemeClr val="phClr">
-                <a:tint val="100000"/>
-                <a:shade val="100000"/>
-                <a:satMod val="130000"/>
-              </a:schemeClr>
-            </a:gs>
-            <a:gs pos="100000">
-              <a:schemeClr val="phClr">
-                <a:tint val="50000"/>
-                <a:shade val="100000"/>
-                <a:satMod val="350000"/>
-              </a:schemeClr>
-            </a:gs>
-          </a:gsLst>
-          <a:lin ang="16200000" scaled="0"/>
-        </a:gradFill>
-      </a:fillStyleLst>
-      <a:lnStyleLst>
-        <a:ln w="9525" cap="flat" cmpd="sng" algn="ctr">
-          <a:solidFill>
-            <a:schemeClr val="phClr">
-              <a:shade val="95000"/>
-              <a:satMod val="105000"/>
-            </a:schemeClr>
-          </a:solidFill>
-          <a:prstDash val="solid"/>
-        </a:ln>
-        <a:ln w="25400" cap="flat" cmpd="sng" algn="ctr">
-          <a:solidFill>
-            <a:schemeClr val="phClr"/>
-          </a:solidFill>
-          <a:prstDash val="solid"/>
-        </a:ln>
-        <a:ln w="38100" cap="flat" cmpd="sng" algn="ctr">
-          <a:solidFill>
-            <a:schemeClr val="phClr"/>
-          </a:solidFill>
-          <a:prstDash val="solid"/>
-        </a:ln>
-      </a:lnStyleLst>
-      <a:effectStyleLst>
-        <a:effectStyle>
-          <a:effectLst>
-            <a:outerShdw blurRad="40000" dist="20000" dir="5400000" rotWithShape="0">
-              <a:srgbClr val="000000">
-                <a:alpha val="38000"/>
-              </a:srgbClr>
-            </a:outerShdw>
-          </a:effectLst>
-        </a:effectStyle>
-        <a:effectStyle>
-          <a:effectLst>
-            <a:outerShdw blurRad="40000" dist="23000" dir="5400000" rotWithShape="0">
-              <a:srgbClr val="000000">
-                <a:alpha val="35000"/>
-              </a:srgbClr>
-            </a:outerShdw>
-          </a:effectLst>
-        </a:effectStyle>
-        <a:effectStyle>
-          <a:effectLst>
-            <a:outerShdw blurRad="40000" dist="23000" dir="5400000" rotWithShape="0">
-              <a:srgbClr val="000000">
-                <a:alpha val="35000"/>
-              </a:srgbClr>
-            </a:outerShdw>
-          </a:effectLst>
-          <a:scene3d>
-            <a:camera prst="orthographicFront">
-              <a:rot lat="0" lon="0" rev="0"/>
-            </a:camera>
-            <a:lightRig rig="threePt" dir="t">
-              <a:rot lat="0" lon="0" rev="1200000"/>
-            </a:lightRig>
-          </a:scene3d>
-          <a:sp3d>
-            <a:bevelT w="63500" h="25400"/>
-          </a:sp3d>
-        </a:effectStyle>
-      </a:effectStyleLst>
-      <a:bgFillStyleLst>
-        <a:solidFill>
-          <a:schemeClr val="phClr"/>
-        </a:solidFill>
-        <a:gradFill rotWithShape="1">
-          <a:gsLst>
-            <a:gs pos="0">
-              <a:schemeClr val="phClr">
-                <a:tint val="40000"/>
-                <a:satMod val="350000"/>
-              </a:schemeClr>
-            </a:gs>
-            <a:gs pos="40000">
-              <a:schemeClr val="phClr">
-                <a:tint val="45000"/>
-                <a:shade val="99000"/>
-                <a:satMod val="350000"/>
-              </a:schemeClr>
-            </a:gs>
-            <a:gs pos="100000">
-              <a:schemeClr val="phClr">
-                <a:shade val="20000"/>
-                <a:satMod val="255000"/>
-              </a:schemeClr>
-            </a:gs>
-          </a:gsLst>
-          <a:path path="circle">
-            <a:fillToRect l="50000" t="-80000" r="50000" b="180000"/>
-          </a:path>
-        </a:gradFill>
-        <a:gradFill rotWithShape="1">
-          <a:gsLst>
-            <a:gs pos="0">
-              <a:schemeClr val="phClr">
-                <a:tint val="80000"/>
-                <a:satMod val="300000"/>
-              </a:schemeClr>
-            </a:gs>
-            <a:gs pos="100000">
-              <a:schemeClr val="phClr">
-                <a:shade val="30000"/>
-                <a:satMod val="200000"/>
-              </a:schemeClr>
-            </a:gs>
-          </a:gsLst>
-          <a:path path="circle">
-            <a:fillToRect l="50000" t="50000" r="50000" b="50000"/>
-          </a:path>
-        </a:gradFill>
-      </a:bgFillStyleLst>
-    </a:fmtScheme>
-  </a:themeElements>
-</a:theme>
-</file>
-
-<file path=ppt/theme/theme2.xml><?xml version="1.0" encoding="utf-8"?>
 <a:theme xmlns:a="http://schemas.openxmlformats.org/drawingml/2006/main" xmlns:r="http://schemas.openxmlformats.org/officeDocument/2006/relationships" name="Simple Light">
   <a:themeElements>
     <a:clrScheme name="Simple Light">
@@ -31972,7 +31693,7 @@
 </a:theme>
 </file>
 
-<file path=ppt/theme/theme3.xml><?xml version="1.0" encoding="utf-8"?>
+<file path=ppt/theme/theme2.xml><?xml version="1.0" encoding="utf-8"?>
 <a:theme xmlns:a="http://schemas.openxmlformats.org/drawingml/2006/main" xmlns:r="http://schemas.openxmlformats.org/officeDocument/2006/relationships">
   <a:themeElements>
     <a:clrScheme name="Default">
@@ -32251,7 +31972,7 @@
 </a:theme>
 </file>
 
-<file path=ppt/theme/theme4.xml><?xml version="1.0" encoding="utf-8"?>
+<file path=ppt/theme/theme3.xml><?xml version="1.0" encoding="utf-8"?>
 <a:theme xmlns:a="http://schemas.openxmlformats.org/drawingml/2006/main" xmlns:r="http://schemas.openxmlformats.org/officeDocument/2006/relationships" name="Simple Light">
   <a:themeElements>
     <a:clrScheme name="Simple Light">
@@ -32528,4 +32249,283 @@
     </a:fmtScheme>
   </a:themeElements>
 </a:theme>
+</file>
+
+<file path=ppt/theme/theme4.xml><?xml version="1.0" encoding="utf-8"?>
+<a:theme xmlns:a="http://schemas.openxmlformats.org/drawingml/2006/main" xmlns:r="http://schemas.openxmlformats.org/officeDocument/2006/relationships" name="Geometric">
+  <a:themeElements>
+    <a:clrScheme name="Geometric">
+      <a:dk1>
+        <a:srgbClr val="2A3990"/>
+      </a:dk1>
+      <a:lt1>
+        <a:srgbClr val="FFFFFF"/>
+      </a:lt1>
+      <a:dk2>
+        <a:srgbClr val="434343"/>
+      </a:dk2>
+      <a:lt2>
+        <a:srgbClr val="999999"/>
+      </a:lt2>
+      <a:accent1>
+        <a:srgbClr val="212D74"/>
+      </a:accent1>
+      <a:accent2>
+        <a:srgbClr val="3949AB"/>
+      </a:accent2>
+      <a:accent3>
+        <a:srgbClr val="9C254D"/>
+      </a:accent3>
+      <a:accent4>
+        <a:srgbClr val="D23369"/>
+      </a:accent4>
+      <a:accent5>
+        <a:srgbClr val="F06292"/>
+      </a:accent5>
+      <a:accent6>
+        <a:srgbClr val="7890CD"/>
+      </a:accent6>
+      <a:hlink>
+        <a:srgbClr val="F06292"/>
+      </a:hlink>
+      <a:folHlink>
+        <a:srgbClr val="F06292"/>
+      </a:folHlink>
+    </a:clrScheme>
+    <a:fontScheme name="Office">
+      <a:majorFont>
+        <a:latin typeface="Arial"/>
+        <a:ea typeface=""/>
+        <a:cs typeface=""/>
+        <a:font script="Jpan" typeface="ＭＳ Ｐゴシック"/>
+        <a:font script="Hang" typeface="맑은 고딕"/>
+        <a:font script="Hans" typeface="宋体"/>
+        <a:font script="Hant" typeface="新細明體"/>
+        <a:font script="Arab" typeface="Times New Roman"/>
+        <a:font script="Hebr" typeface="Times New Roman"/>
+        <a:font script="Thai" typeface="Angsana New"/>
+        <a:font script="Ethi" typeface="Nyala"/>
+        <a:font script="Beng" typeface="Vrinda"/>
+        <a:font script="Gujr" typeface="Shruti"/>
+        <a:font script="Khmr" typeface="MoolBoran"/>
+        <a:font script="Knda" typeface="Tunga"/>
+        <a:font script="Guru" typeface="Raavi"/>
+        <a:font script="Cans" typeface="Euphemia"/>
+        <a:font script="Cher" typeface="Plantagenet Cherokee"/>
+        <a:font script="Yiii" typeface="Microsoft Yi Baiti"/>
+        <a:font script="Tibt" typeface="Microsoft Himalaya"/>
+        <a:font script="Thaa" typeface="MV Boli"/>
+        <a:font script="Deva" typeface="Mangal"/>
+        <a:font script="Telu" typeface="Gautami"/>
+        <a:font script="Taml" typeface="Latha"/>
+        <a:font script="Syrc" typeface="Estrangelo Edessa"/>
+        <a:font script="Orya" typeface="Kalinga"/>
+        <a:font script="Mlym" typeface="Kartika"/>
+        <a:font script="Laoo" typeface="DokChampa"/>
+        <a:font script="Sinh" typeface="Iskoola Pota"/>
+        <a:font script="Mong" typeface="Mongolian Baiti"/>
+        <a:font script="Viet" typeface="Times New Roman"/>
+        <a:font script="Uigh" typeface="Microsoft Uighur"/>
+        <a:font script="Geor" typeface="Sylfaen"/>
+      </a:majorFont>
+      <a:minorFont>
+        <a:latin typeface="Arial"/>
+        <a:ea typeface=""/>
+        <a:cs typeface=""/>
+        <a:font script="Jpan" typeface="ＭＳ Ｐゴシック"/>
+        <a:font script="Hang" typeface="맑은 고딕"/>
+        <a:font script="Hans" typeface="宋体"/>
+        <a:font script="Hant" typeface="新細明體"/>
+        <a:font script="Arab" typeface="Arial"/>
+        <a:font script="Hebr" typeface="Arial"/>
+        <a:font script="Thai" typeface="Cordia New"/>
+        <a:font script="Ethi" typeface="Nyala"/>
+        <a:font script="Beng" typeface="Vrinda"/>
+        <a:font script="Gujr" typeface="Shruti"/>
+        <a:font script="Khmr" typeface="DaunPenh"/>
+        <a:font script="Knda" typeface="Tunga"/>
+        <a:font script="Guru" typeface="Raavi"/>
+        <a:font script="Cans" typeface="Euphemia"/>
+        <a:font script="Cher" typeface="Plantagenet Cherokee"/>
+        <a:font script="Yiii" typeface="Microsoft Yi Baiti"/>
+        <a:font script="Tibt" typeface="Microsoft Himalaya"/>
+        <a:font script="Thaa" typeface="MV Boli"/>
+        <a:font script="Deva" typeface="Mangal"/>
+        <a:font script="Telu" typeface="Gautami"/>
+        <a:font script="Taml" typeface="Latha"/>
+        <a:font script="Syrc" typeface="Estrangelo Edessa"/>
+        <a:font script="Orya" typeface="Kalinga"/>
+        <a:font script="Mlym" typeface="Kartika"/>
+        <a:font script="Laoo" typeface="DokChampa"/>
+        <a:font script="Sinh" typeface="Iskoola Pota"/>
+        <a:font script="Mong" typeface="Mongolian Baiti"/>
+        <a:font script="Viet" typeface="Arial"/>
+        <a:font script="Uigh" typeface="Microsoft Uighur"/>
+        <a:font script="Geor" typeface="Sylfaen"/>
+      </a:minorFont>
+    </a:fontScheme>
+    <a:fmtScheme name="Office">
+      <a:fillStyleLst>
+        <a:solidFill>
+          <a:schemeClr val="phClr"/>
+        </a:solidFill>
+        <a:gradFill rotWithShape="1">
+          <a:gsLst>
+            <a:gs pos="0">
+              <a:schemeClr val="phClr">
+                <a:tint val="50000"/>
+                <a:satMod val="300000"/>
+              </a:schemeClr>
+            </a:gs>
+            <a:gs pos="35000">
+              <a:schemeClr val="phClr">
+                <a:tint val="37000"/>
+                <a:satMod val="300000"/>
+              </a:schemeClr>
+            </a:gs>
+            <a:gs pos="100000">
+              <a:schemeClr val="phClr">
+                <a:tint val="15000"/>
+                <a:satMod val="350000"/>
+              </a:schemeClr>
+            </a:gs>
+          </a:gsLst>
+          <a:lin ang="16200000" scaled="1"/>
+        </a:gradFill>
+        <a:gradFill rotWithShape="1">
+          <a:gsLst>
+            <a:gs pos="0">
+              <a:schemeClr val="phClr">
+                <a:tint val="100000"/>
+                <a:shade val="100000"/>
+                <a:satMod val="130000"/>
+              </a:schemeClr>
+            </a:gs>
+            <a:gs pos="100000">
+              <a:schemeClr val="phClr">
+                <a:tint val="50000"/>
+                <a:shade val="100000"/>
+                <a:satMod val="350000"/>
+              </a:schemeClr>
+            </a:gs>
+          </a:gsLst>
+          <a:lin ang="16200000" scaled="0"/>
+        </a:gradFill>
+      </a:fillStyleLst>
+      <a:lnStyleLst>
+        <a:ln w="9525" cap="flat" cmpd="sng" algn="ctr">
+          <a:solidFill>
+            <a:schemeClr val="phClr">
+              <a:shade val="95000"/>
+              <a:satMod val="105000"/>
+            </a:schemeClr>
+          </a:solidFill>
+          <a:prstDash val="solid"/>
+        </a:ln>
+        <a:ln w="25400" cap="flat" cmpd="sng" algn="ctr">
+          <a:solidFill>
+            <a:schemeClr val="phClr"/>
+          </a:solidFill>
+          <a:prstDash val="solid"/>
+        </a:ln>
+        <a:ln w="38100" cap="flat" cmpd="sng" algn="ctr">
+          <a:solidFill>
+            <a:schemeClr val="phClr"/>
+          </a:solidFill>
+          <a:prstDash val="solid"/>
+        </a:ln>
+      </a:lnStyleLst>
+      <a:effectStyleLst>
+        <a:effectStyle>
+          <a:effectLst>
+            <a:outerShdw blurRad="40000" dist="20000" dir="5400000" rotWithShape="0">
+              <a:srgbClr val="000000">
+                <a:alpha val="38000"/>
+              </a:srgbClr>
+            </a:outerShdw>
+          </a:effectLst>
+        </a:effectStyle>
+        <a:effectStyle>
+          <a:effectLst>
+            <a:outerShdw blurRad="40000" dist="23000" dir="5400000" rotWithShape="0">
+              <a:srgbClr val="000000">
+                <a:alpha val="35000"/>
+              </a:srgbClr>
+            </a:outerShdw>
+          </a:effectLst>
+        </a:effectStyle>
+        <a:effectStyle>
+          <a:effectLst>
+            <a:outerShdw blurRad="40000" dist="23000" dir="5400000" rotWithShape="0">
+              <a:srgbClr val="000000">
+                <a:alpha val="35000"/>
+              </a:srgbClr>
+            </a:outerShdw>
+          </a:effectLst>
+          <a:scene3d>
+            <a:camera prst="orthographicFront">
+              <a:rot lat="0" lon="0" rev="0"/>
+            </a:camera>
+            <a:lightRig rig="threePt" dir="t">
+              <a:rot lat="0" lon="0" rev="1200000"/>
+            </a:lightRig>
+          </a:scene3d>
+          <a:sp3d>
+            <a:bevelT w="63500" h="25400"/>
+          </a:sp3d>
+        </a:effectStyle>
+      </a:effectStyleLst>
+      <a:bgFillStyleLst>
+        <a:solidFill>
+          <a:schemeClr val="phClr"/>
+        </a:solidFill>
+        <a:gradFill rotWithShape="1">
+          <a:gsLst>
+            <a:gs pos="0">
+              <a:schemeClr val="phClr">
+                <a:tint val="40000"/>
+                <a:satMod val="350000"/>
+              </a:schemeClr>
+            </a:gs>
+            <a:gs pos="40000">
+              <a:schemeClr val="phClr">
+                <a:tint val="45000"/>
+                <a:shade val="99000"/>
+                <a:satMod val="350000"/>
+              </a:schemeClr>
+            </a:gs>
+            <a:gs pos="100000">
+              <a:schemeClr val="phClr">
+                <a:shade val="20000"/>
+                <a:satMod val="255000"/>
+              </a:schemeClr>
+            </a:gs>
+          </a:gsLst>
+          <a:path path="circle">
+            <a:fillToRect l="50000" t="-80000" r="50000" b="180000"/>
+          </a:path>
+        </a:gradFill>
+        <a:gradFill rotWithShape="1">
+          <a:gsLst>
+            <a:gs pos="0">
+              <a:schemeClr val="phClr">
+                <a:tint val="80000"/>
+                <a:satMod val="300000"/>
+              </a:schemeClr>
+            </a:gs>
+            <a:gs pos="100000">
+              <a:schemeClr val="phClr">
+                <a:shade val="30000"/>
+                <a:satMod val="200000"/>
+              </a:schemeClr>
+            </a:gs>
+          </a:gsLst>
+          <a:path path="circle">
+            <a:fillToRect l="50000" t="50000" r="50000" b="50000"/>
+          </a:path>
+        </a:gradFill>
+      </a:bgFillStyleLst>
+    </a:fmtScheme>
+  </a:themeElements>
+</a:theme>
 </file>